--- a/01-intro/00-intro.pptx
+++ b/01-intro/00-intro.pptx
@@ -4,28 +4,32 @@
   <p:sldMasterIdLst>
     <p:sldMasterId id="2147483726" r:id="rId1"/>
   </p:sldMasterIdLst>
+  <p:notesMasterIdLst>
+    <p:notesMasterId r:id="rId24"/>
+  </p:notesMasterIdLst>
   <p:sldIdLst>
     <p:sldId id="256" r:id="rId2"/>
     <p:sldId id="258" r:id="rId3"/>
     <p:sldId id="259" r:id="rId4"/>
-    <p:sldId id="257" r:id="rId5"/>
-    <p:sldId id="263" r:id="rId6"/>
-    <p:sldId id="261" r:id="rId7"/>
-    <p:sldId id="260" r:id="rId8"/>
-    <p:sldId id="262" r:id="rId9"/>
-    <p:sldId id="264" r:id="rId10"/>
-    <p:sldId id="266" r:id="rId11"/>
-    <p:sldId id="267" r:id="rId12"/>
-    <p:sldId id="269" r:id="rId13"/>
-    <p:sldId id="268" r:id="rId14"/>
-    <p:sldId id="270" r:id="rId15"/>
-    <p:sldId id="271" r:id="rId16"/>
-    <p:sldId id="275" r:id="rId17"/>
-    <p:sldId id="272" r:id="rId18"/>
-    <p:sldId id="273" r:id="rId19"/>
-    <p:sldId id="274" r:id="rId20"/>
-    <p:sldId id="276" r:id="rId21"/>
-    <p:sldId id="277" r:id="rId22"/>
+    <p:sldId id="278" r:id="rId5"/>
+    <p:sldId id="257" r:id="rId6"/>
+    <p:sldId id="263" r:id="rId7"/>
+    <p:sldId id="261" r:id="rId8"/>
+    <p:sldId id="260" r:id="rId9"/>
+    <p:sldId id="262" r:id="rId10"/>
+    <p:sldId id="264" r:id="rId11"/>
+    <p:sldId id="266" r:id="rId12"/>
+    <p:sldId id="267" r:id="rId13"/>
+    <p:sldId id="269" r:id="rId14"/>
+    <p:sldId id="268" r:id="rId15"/>
+    <p:sldId id="270" r:id="rId16"/>
+    <p:sldId id="271" r:id="rId17"/>
+    <p:sldId id="275" r:id="rId18"/>
+    <p:sldId id="272" r:id="rId19"/>
+    <p:sldId id="273" r:id="rId20"/>
+    <p:sldId id="274" r:id="rId21"/>
+    <p:sldId id="276" r:id="rId22"/>
+    <p:sldId id="277" r:id="rId23"/>
   </p:sldIdLst>
   <p:sldSz cx="12192000" cy="6858000"/>
   <p:notesSz cx="6858000" cy="9144000"/>
@@ -9698,6 +9702,439 @@
 </dgm:styleDef>
 </file>
 
+<file path=ppt/notesMasters/notesMaster1.xml><?xml version="1.0" encoding="utf-8"?>
+<p:notesMaster xmlns:a="http://schemas.openxmlformats.org/drawingml/2006/main" xmlns:r="http://schemas.openxmlformats.org/officeDocument/2006/relationships" xmlns:p="http://schemas.openxmlformats.org/presentationml/2006/main">
+  <p:cSld>
+    <p:bg>
+      <p:bgRef idx="1001">
+        <a:schemeClr val="bg1"/>
+      </p:bgRef>
+    </p:bg>
+    <p:spTree>
+      <p:nvGrpSpPr>
+        <p:cNvPr id="1" name=""/>
+        <p:cNvGrpSpPr/>
+        <p:nvPr/>
+      </p:nvGrpSpPr>
+      <p:grpSpPr>
+        <a:xfrm>
+          <a:off x="0" y="0"/>
+          <a:ext cx="0" cy="0"/>
+          <a:chOff x="0" y="0"/>
+          <a:chExt cx="0" cy="0"/>
+        </a:xfrm>
+      </p:grpSpPr>
+      <p:sp>
+        <p:nvSpPr>
+          <p:cNvPr id="2" name="頁首版面配置區 1"/>
+          <p:cNvSpPr>
+            <a:spLocks noGrp="1"/>
+          </p:cNvSpPr>
+          <p:nvPr>
+            <p:ph type="hdr" sz="quarter"/>
+          </p:nvPr>
+        </p:nvSpPr>
+        <p:spPr>
+          <a:xfrm>
+            <a:off x="0" y="0"/>
+            <a:ext cx="2971800" cy="458788"/>
+          </a:xfrm>
+          <a:prstGeom prst="rect">
+            <a:avLst/>
+          </a:prstGeom>
+        </p:spPr>
+        <p:txBody>
+          <a:bodyPr vert="horz" lIns="91440" tIns="45720" rIns="91440" bIns="45720" rtlCol="0"/>
+          <a:lstStyle>
+            <a:lvl1pPr algn="l">
+              <a:defRPr sz="1200"/>
+            </a:lvl1pPr>
+          </a:lstStyle>
+          <a:p>
+            <a:endParaRPr lang="zh-TW" altLang="en-US"/>
+          </a:p>
+        </p:txBody>
+      </p:sp>
+      <p:sp>
+        <p:nvSpPr>
+          <p:cNvPr id="3" name="日期版面配置區 2"/>
+          <p:cNvSpPr>
+            <a:spLocks noGrp="1"/>
+          </p:cNvSpPr>
+          <p:nvPr>
+            <p:ph type="dt" idx="1"/>
+          </p:nvPr>
+        </p:nvSpPr>
+        <p:spPr>
+          <a:xfrm>
+            <a:off x="3884613" y="0"/>
+            <a:ext cx="2971800" cy="458788"/>
+          </a:xfrm>
+          <a:prstGeom prst="rect">
+            <a:avLst/>
+          </a:prstGeom>
+        </p:spPr>
+        <p:txBody>
+          <a:bodyPr vert="horz" lIns="91440" tIns="45720" rIns="91440" bIns="45720" rtlCol="0"/>
+          <a:lstStyle>
+            <a:lvl1pPr algn="r">
+              <a:defRPr sz="1200"/>
+            </a:lvl1pPr>
+          </a:lstStyle>
+          <a:p>
+            <a:fld id="{E79F516B-472E-4357-B595-D38E962B8A29}" type="datetimeFigureOut">
+              <a:rPr lang="zh-TW" altLang="en-US" smtClean="0"/>
+              <a:t>2021/9/22</a:t>
+            </a:fld>
+            <a:endParaRPr lang="zh-TW" altLang="en-US"/>
+          </a:p>
+        </p:txBody>
+      </p:sp>
+      <p:sp>
+        <p:nvSpPr>
+          <p:cNvPr id="4" name="投影片影像版面配置區 3"/>
+          <p:cNvSpPr>
+            <a:spLocks noGrp="1" noRot="1" noChangeAspect="1"/>
+          </p:cNvSpPr>
+          <p:nvPr>
+            <p:ph type="sldImg" idx="2"/>
+          </p:nvPr>
+        </p:nvSpPr>
+        <p:spPr>
+          <a:xfrm>
+            <a:off x="685800" y="1143000"/>
+            <a:ext cx="5486400" cy="3086100"/>
+          </a:xfrm>
+          <a:prstGeom prst="rect">
+            <a:avLst/>
+          </a:prstGeom>
+          <a:noFill/>
+          <a:ln w="12700">
+            <a:solidFill>
+              <a:prstClr val="black"/>
+            </a:solidFill>
+          </a:ln>
+        </p:spPr>
+        <p:txBody>
+          <a:bodyPr vert="horz" lIns="91440" tIns="45720" rIns="91440" bIns="45720" rtlCol="0" anchor="ctr"/>
+          <a:lstStyle/>
+          <a:p>
+            <a:endParaRPr lang="zh-TW" altLang="en-US"/>
+          </a:p>
+        </p:txBody>
+      </p:sp>
+      <p:sp>
+        <p:nvSpPr>
+          <p:cNvPr id="5" name="備忘稿版面配置區 4"/>
+          <p:cNvSpPr>
+            <a:spLocks noGrp="1"/>
+          </p:cNvSpPr>
+          <p:nvPr>
+            <p:ph type="body" sz="quarter" idx="3"/>
+          </p:nvPr>
+        </p:nvSpPr>
+        <p:spPr>
+          <a:xfrm>
+            <a:off x="685800" y="4400550"/>
+            <a:ext cx="5486400" cy="3600450"/>
+          </a:xfrm>
+          <a:prstGeom prst="rect">
+            <a:avLst/>
+          </a:prstGeom>
+        </p:spPr>
+        <p:txBody>
+          <a:bodyPr vert="horz" lIns="91440" tIns="45720" rIns="91440" bIns="45720" rtlCol="0"/>
+          <a:lstStyle/>
+          <a:p>
+            <a:pPr lvl="0"/>
+            <a:r>
+              <a:rPr lang="zh-TW" altLang="en-US"/>
+              <a:t>按一下以編輯母片文字樣式</a:t>
+            </a:r>
+          </a:p>
+          <a:p>
+            <a:pPr lvl="1"/>
+            <a:r>
+              <a:rPr lang="zh-TW" altLang="en-US"/>
+              <a:t>第二層</a:t>
+            </a:r>
+          </a:p>
+          <a:p>
+            <a:pPr lvl="2"/>
+            <a:r>
+              <a:rPr lang="zh-TW" altLang="en-US"/>
+              <a:t>第三層</a:t>
+            </a:r>
+          </a:p>
+          <a:p>
+            <a:pPr lvl="3"/>
+            <a:r>
+              <a:rPr lang="zh-TW" altLang="en-US"/>
+              <a:t>第四層</a:t>
+            </a:r>
+          </a:p>
+          <a:p>
+            <a:pPr lvl="4"/>
+            <a:r>
+              <a:rPr lang="zh-TW" altLang="en-US"/>
+              <a:t>第五層</a:t>
+            </a:r>
+          </a:p>
+        </p:txBody>
+      </p:sp>
+      <p:sp>
+        <p:nvSpPr>
+          <p:cNvPr id="6" name="頁尾版面配置區 5"/>
+          <p:cNvSpPr>
+            <a:spLocks noGrp="1"/>
+          </p:cNvSpPr>
+          <p:nvPr>
+            <p:ph type="ftr" sz="quarter" idx="4"/>
+          </p:nvPr>
+        </p:nvSpPr>
+        <p:spPr>
+          <a:xfrm>
+            <a:off x="0" y="8685213"/>
+            <a:ext cx="2971800" cy="458787"/>
+          </a:xfrm>
+          <a:prstGeom prst="rect">
+            <a:avLst/>
+          </a:prstGeom>
+        </p:spPr>
+        <p:txBody>
+          <a:bodyPr vert="horz" lIns="91440" tIns="45720" rIns="91440" bIns="45720" rtlCol="0" anchor="b"/>
+          <a:lstStyle>
+            <a:lvl1pPr algn="l">
+              <a:defRPr sz="1200"/>
+            </a:lvl1pPr>
+          </a:lstStyle>
+          <a:p>
+            <a:endParaRPr lang="zh-TW" altLang="en-US"/>
+          </a:p>
+        </p:txBody>
+      </p:sp>
+      <p:sp>
+        <p:nvSpPr>
+          <p:cNvPr id="7" name="投影片編號版面配置區 6"/>
+          <p:cNvSpPr>
+            <a:spLocks noGrp="1"/>
+          </p:cNvSpPr>
+          <p:nvPr>
+            <p:ph type="sldNum" sz="quarter" idx="5"/>
+          </p:nvPr>
+        </p:nvSpPr>
+        <p:spPr>
+          <a:xfrm>
+            <a:off x="3884613" y="8685213"/>
+            <a:ext cx="2971800" cy="458787"/>
+          </a:xfrm>
+          <a:prstGeom prst="rect">
+            <a:avLst/>
+          </a:prstGeom>
+        </p:spPr>
+        <p:txBody>
+          <a:bodyPr vert="horz" lIns="91440" tIns="45720" rIns="91440" bIns="45720" rtlCol="0" anchor="b"/>
+          <a:lstStyle>
+            <a:lvl1pPr algn="r">
+              <a:defRPr sz="1200"/>
+            </a:lvl1pPr>
+          </a:lstStyle>
+          <a:p>
+            <a:fld id="{56840ADE-FDC8-4D32-8F44-9048A48A7EAB}" type="slidenum">
+              <a:rPr lang="zh-TW" altLang="en-US" smtClean="0"/>
+              <a:t>‹#›</a:t>
+            </a:fld>
+            <a:endParaRPr lang="zh-TW" altLang="en-US"/>
+          </a:p>
+        </p:txBody>
+      </p:sp>
+    </p:spTree>
+    <p:extLst>
+      <p:ext uri="{BB962C8B-B14F-4D97-AF65-F5344CB8AC3E}">
+        <p14:creationId xmlns:p14="http://schemas.microsoft.com/office/powerpoint/2010/main" val="3132003284"/>
+      </p:ext>
+    </p:extLst>
+  </p:cSld>
+  <p:clrMap bg1="lt1" tx1="dk1" bg2="lt2" tx2="dk2" accent1="accent1" accent2="accent2" accent3="accent3" accent4="accent4" accent5="accent5" accent6="accent6" hlink="hlink" folHlink="folHlink"/>
+  <p:notesStyle>
+    <a:lvl1pPr marL="0" algn="l" defTabSz="914400" rtl="0" eaLnBrk="1" latinLnBrk="0" hangingPunct="1">
+      <a:defRPr sz="1200" kern="1200">
+        <a:solidFill>
+          <a:schemeClr val="tx1"/>
+        </a:solidFill>
+        <a:latin typeface="+mn-lt"/>
+        <a:ea typeface="+mn-ea"/>
+        <a:cs typeface="+mn-cs"/>
+      </a:defRPr>
+    </a:lvl1pPr>
+    <a:lvl2pPr marL="457200" algn="l" defTabSz="914400" rtl="0" eaLnBrk="1" latinLnBrk="0" hangingPunct="1">
+      <a:defRPr sz="1200" kern="1200">
+        <a:solidFill>
+          <a:schemeClr val="tx1"/>
+        </a:solidFill>
+        <a:latin typeface="+mn-lt"/>
+        <a:ea typeface="+mn-ea"/>
+        <a:cs typeface="+mn-cs"/>
+      </a:defRPr>
+    </a:lvl2pPr>
+    <a:lvl3pPr marL="914400" algn="l" defTabSz="914400" rtl="0" eaLnBrk="1" latinLnBrk="0" hangingPunct="1">
+      <a:defRPr sz="1200" kern="1200">
+        <a:solidFill>
+          <a:schemeClr val="tx1"/>
+        </a:solidFill>
+        <a:latin typeface="+mn-lt"/>
+        <a:ea typeface="+mn-ea"/>
+        <a:cs typeface="+mn-cs"/>
+      </a:defRPr>
+    </a:lvl3pPr>
+    <a:lvl4pPr marL="1371600" algn="l" defTabSz="914400" rtl="0" eaLnBrk="1" latinLnBrk="0" hangingPunct="1">
+      <a:defRPr sz="1200" kern="1200">
+        <a:solidFill>
+          <a:schemeClr val="tx1"/>
+        </a:solidFill>
+        <a:latin typeface="+mn-lt"/>
+        <a:ea typeface="+mn-ea"/>
+        <a:cs typeface="+mn-cs"/>
+      </a:defRPr>
+    </a:lvl4pPr>
+    <a:lvl5pPr marL="1828800" algn="l" defTabSz="914400" rtl="0" eaLnBrk="1" latinLnBrk="0" hangingPunct="1">
+      <a:defRPr sz="1200" kern="1200">
+        <a:solidFill>
+          <a:schemeClr val="tx1"/>
+        </a:solidFill>
+        <a:latin typeface="+mn-lt"/>
+        <a:ea typeface="+mn-ea"/>
+        <a:cs typeface="+mn-cs"/>
+      </a:defRPr>
+    </a:lvl5pPr>
+    <a:lvl6pPr marL="2286000" algn="l" defTabSz="914400" rtl="0" eaLnBrk="1" latinLnBrk="0" hangingPunct="1">
+      <a:defRPr sz="1200" kern="1200">
+        <a:solidFill>
+          <a:schemeClr val="tx1"/>
+        </a:solidFill>
+        <a:latin typeface="+mn-lt"/>
+        <a:ea typeface="+mn-ea"/>
+        <a:cs typeface="+mn-cs"/>
+      </a:defRPr>
+    </a:lvl6pPr>
+    <a:lvl7pPr marL="2743200" algn="l" defTabSz="914400" rtl="0" eaLnBrk="1" latinLnBrk="0" hangingPunct="1">
+      <a:defRPr sz="1200" kern="1200">
+        <a:solidFill>
+          <a:schemeClr val="tx1"/>
+        </a:solidFill>
+        <a:latin typeface="+mn-lt"/>
+        <a:ea typeface="+mn-ea"/>
+        <a:cs typeface="+mn-cs"/>
+      </a:defRPr>
+    </a:lvl7pPr>
+    <a:lvl8pPr marL="3200400" algn="l" defTabSz="914400" rtl="0" eaLnBrk="1" latinLnBrk="0" hangingPunct="1">
+      <a:defRPr sz="1200" kern="1200">
+        <a:solidFill>
+          <a:schemeClr val="tx1"/>
+        </a:solidFill>
+        <a:latin typeface="+mn-lt"/>
+        <a:ea typeface="+mn-ea"/>
+        <a:cs typeface="+mn-cs"/>
+      </a:defRPr>
+    </a:lvl8pPr>
+    <a:lvl9pPr marL="3657600" algn="l" defTabSz="914400" rtl="0" eaLnBrk="1" latinLnBrk="0" hangingPunct="1">
+      <a:defRPr sz="1200" kern="1200">
+        <a:solidFill>
+          <a:schemeClr val="tx1"/>
+        </a:solidFill>
+        <a:latin typeface="+mn-lt"/>
+        <a:ea typeface="+mn-ea"/>
+        <a:cs typeface="+mn-cs"/>
+      </a:defRPr>
+    </a:lvl9pPr>
+  </p:notesStyle>
+</p:notesMaster>
+</file>
+
+<file path=ppt/notesSlides/notesSlide1.xml><?xml version="1.0" encoding="utf-8"?>
+<p:notes xmlns:a="http://schemas.openxmlformats.org/drawingml/2006/main" xmlns:r="http://schemas.openxmlformats.org/officeDocument/2006/relationships" xmlns:p="http://schemas.openxmlformats.org/presentationml/2006/main">
+  <p:cSld>
+    <p:spTree>
+      <p:nvGrpSpPr>
+        <p:cNvPr id="1" name=""/>
+        <p:cNvGrpSpPr/>
+        <p:nvPr/>
+      </p:nvGrpSpPr>
+      <p:grpSpPr>
+        <a:xfrm>
+          <a:off x="0" y="0"/>
+          <a:ext cx="0" cy="0"/>
+          <a:chOff x="0" y="0"/>
+          <a:chExt cx="0" cy="0"/>
+        </a:xfrm>
+      </p:grpSpPr>
+      <p:sp>
+        <p:nvSpPr>
+          <p:cNvPr id="2" name="投影片影像版面配置區 1"/>
+          <p:cNvSpPr>
+            <a:spLocks noGrp="1" noRot="1" noChangeAspect="1"/>
+          </p:cNvSpPr>
+          <p:nvPr>
+            <p:ph type="sldImg"/>
+          </p:nvPr>
+        </p:nvSpPr>
+        <p:spPr/>
+      </p:sp>
+      <p:sp>
+        <p:nvSpPr>
+          <p:cNvPr id="3" name="備忘稿版面配置區 2"/>
+          <p:cNvSpPr>
+            <a:spLocks noGrp="1"/>
+          </p:cNvSpPr>
+          <p:nvPr>
+            <p:ph type="body" idx="1"/>
+          </p:nvPr>
+        </p:nvSpPr>
+        <p:spPr/>
+        <p:txBody>
+          <a:bodyPr/>
+          <a:lstStyle/>
+          <a:p>
+            <a:endParaRPr lang="zh-TW" altLang="en-US" dirty="0"/>
+          </a:p>
+        </p:txBody>
+      </p:sp>
+      <p:sp>
+        <p:nvSpPr>
+          <p:cNvPr id="4" name="投影片編號版面配置區 3"/>
+          <p:cNvSpPr>
+            <a:spLocks noGrp="1"/>
+          </p:cNvSpPr>
+          <p:nvPr>
+            <p:ph type="sldNum" sz="quarter" idx="5"/>
+          </p:nvPr>
+        </p:nvSpPr>
+        <p:spPr/>
+        <p:txBody>
+          <a:bodyPr/>
+          <a:lstStyle/>
+          <a:p>
+            <a:fld id="{56840ADE-FDC8-4D32-8F44-9048A48A7EAB}" type="slidenum">
+              <a:rPr lang="zh-TW" altLang="en-US" smtClean="0"/>
+              <a:t>2</a:t>
+            </a:fld>
+            <a:endParaRPr lang="zh-TW" altLang="en-US"/>
+          </a:p>
+        </p:txBody>
+      </p:sp>
+    </p:spTree>
+    <p:extLst>
+      <p:ext uri="{BB962C8B-B14F-4D97-AF65-F5344CB8AC3E}">
+        <p14:creationId xmlns:p14="http://schemas.microsoft.com/office/powerpoint/2010/main" val="1543112078"/>
+      </p:ext>
+    </p:extLst>
+  </p:cSld>
+  <p:clrMapOvr>
+    <a:masterClrMapping/>
+  </p:clrMapOvr>
+</p:notes>
+</file>
+
 <file path=ppt/slideLayouts/slideLayout1.xml><?xml version="1.0" encoding="utf-8"?>
 <p:sldLayout xmlns:a="http://schemas.openxmlformats.org/drawingml/2006/main" xmlns:r="http://schemas.openxmlformats.org/officeDocument/2006/relationships" xmlns:p="http://schemas.openxmlformats.org/presentationml/2006/main" type="title" preserve="1">
   <p:cSld name="Title Slide">
@@ -12045,7 +12482,7 @@
           <a:p>
             <a:fld id="{3C04E684-10F4-4CC3-A0B9-F03AA7BE37CF}" type="datetimeFigureOut">
               <a:rPr lang="en-US" smtClean="0"/>
-              <a:t>9/9/2021</a:t>
+              <a:t>9/22/2021</a:t>
             </a:fld>
             <a:endParaRPr lang="en-US"/>
           </a:p>
@@ -14535,7 +14972,7 @@
           <a:p>
             <a:fld id="{3C04E684-10F4-4CC3-A0B9-F03AA7BE37CF}" type="datetimeFigureOut">
               <a:rPr lang="en-US" smtClean="0"/>
-              <a:t>9/9/2021</a:t>
+              <a:t>9/22/2021</a:t>
             </a:fld>
             <a:endParaRPr lang="en-US"/>
           </a:p>
@@ -14733,7 +15170,7 @@
           <a:p>
             <a:fld id="{3C04E684-10F4-4CC3-A0B9-F03AA7BE37CF}" type="datetimeFigureOut">
               <a:rPr lang="en-US" smtClean="0"/>
-              <a:t>9/9/2021</a:t>
+              <a:t>9/22/2021</a:t>
             </a:fld>
             <a:endParaRPr lang="en-US"/>
           </a:p>
@@ -14941,7 +15378,7 @@
           <a:p>
             <a:fld id="{3C04E684-10F4-4CC3-A0B9-F03AA7BE37CF}" type="datetimeFigureOut">
               <a:rPr lang="en-US" smtClean="0"/>
-              <a:t>9/9/2021</a:t>
+              <a:t>9/22/2021</a:t>
             </a:fld>
             <a:endParaRPr lang="en-US"/>
           </a:p>
@@ -15678,7 +16115,7 @@
           <a:p>
             <a:fld id="{3C04E684-10F4-4CC3-A0B9-F03AA7BE37CF}" type="datetimeFigureOut">
               <a:rPr lang="en-US" smtClean="0"/>
-              <a:t>9/9/2021</a:t>
+              <a:t>9/22/2021</a:t>
             </a:fld>
             <a:endParaRPr lang="en-US"/>
           </a:p>
@@ -16320,7 +16757,7 @@
           <a:p>
             <a:fld id="{3C04E684-10F4-4CC3-A0B9-F03AA7BE37CF}" type="datetimeFigureOut">
               <a:rPr lang="en-US" smtClean="0"/>
-              <a:t>9/9/2021</a:t>
+              <a:t>9/22/2021</a:t>
             </a:fld>
             <a:endParaRPr lang="en-US"/>
           </a:p>
@@ -17120,7 +17557,7 @@
           <a:p>
             <a:fld id="{3C04E684-10F4-4CC3-A0B9-F03AA7BE37CF}" type="datetimeFigureOut">
               <a:rPr lang="en-US" smtClean="0"/>
-              <a:t>9/9/2021</a:t>
+              <a:t>9/22/2021</a:t>
             </a:fld>
             <a:endParaRPr lang="en-US"/>
           </a:p>
@@ -18071,7 +18508,7 @@
           <a:p>
             <a:fld id="{3C04E684-10F4-4CC3-A0B9-F03AA7BE37CF}" type="datetimeFigureOut">
               <a:rPr lang="en-US" smtClean="0"/>
-              <a:t>9/9/2021</a:t>
+              <a:t>9/22/2021</a:t>
             </a:fld>
             <a:endParaRPr lang="en-US"/>
           </a:p>
@@ -20420,7 +20857,7 @@
           <a:p>
             <a:fld id="{3C04E684-10F4-4CC3-A0B9-F03AA7BE37CF}" type="datetimeFigureOut">
               <a:rPr lang="en-US" smtClean="0"/>
-              <a:t>9/9/2021</a:t>
+              <a:t>9/22/2021</a:t>
             </a:fld>
             <a:endParaRPr lang="en-US"/>
           </a:p>
@@ -20533,7 +20970,7 @@
           <a:p>
             <a:fld id="{3C04E684-10F4-4CC3-A0B9-F03AA7BE37CF}" type="datetimeFigureOut">
               <a:rPr lang="en-US" smtClean="0"/>
-              <a:t>9/9/2021</a:t>
+              <a:t>9/22/2021</a:t>
             </a:fld>
             <a:endParaRPr lang="en-US"/>
           </a:p>
@@ -21040,7 +21477,7 @@
           <a:p>
             <a:fld id="{3C04E684-10F4-4CC3-A0B9-F03AA7BE37CF}" type="datetimeFigureOut">
               <a:rPr lang="en-US" smtClean="0"/>
-              <a:t>9/9/2021</a:t>
+              <a:t>9/22/2021</a:t>
             </a:fld>
             <a:endParaRPr lang="en-US"/>
           </a:p>
@@ -22343,7 +22780,7 @@
           <a:p>
             <a:fld id="{3C04E684-10F4-4CC3-A0B9-F03AA7BE37CF}" type="datetimeFigureOut">
               <a:rPr lang="en-US" smtClean="0"/>
-              <a:t>9/9/2021</a:t>
+              <a:t>9/22/2021</a:t>
             </a:fld>
             <a:endParaRPr lang="en-US"/>
           </a:p>
@@ -22590,7 +23027,7 @@
           <a:p>
             <a:fld id="{3C04E684-10F4-4CC3-A0B9-F03AA7BE37CF}" type="datetimeFigureOut">
               <a:rPr lang="en-US" smtClean="0"/>
-              <a:t>9/9/2021</a:t>
+              <a:t>9/22/2021</a:t>
             </a:fld>
             <a:endParaRPr lang="en-US"/>
           </a:p>
@@ -23657,136 +24094,6 @@
 <file path=ppt/slides/slide10.xml><?xml version="1.0" encoding="utf-8"?>
 <p:sld xmlns:a="http://schemas.openxmlformats.org/drawingml/2006/main" xmlns:r="http://schemas.openxmlformats.org/officeDocument/2006/relationships" xmlns:p="http://schemas.openxmlformats.org/presentationml/2006/main">
   <p:cSld>
-    <p:spTree>
-      <p:nvGrpSpPr>
-        <p:cNvPr id="1" name=""/>
-        <p:cNvGrpSpPr/>
-        <p:nvPr/>
-      </p:nvGrpSpPr>
-      <p:grpSpPr>
-        <a:xfrm>
-          <a:off x="0" y="0"/>
-          <a:ext cx="0" cy="0"/>
-          <a:chOff x="0" y="0"/>
-          <a:chExt cx="0" cy="0"/>
-        </a:xfrm>
-      </p:grpSpPr>
-      <p:sp>
-        <p:nvSpPr>
-          <p:cNvPr id="2" name="標題 1">
-            <a:extLst>
-              <a:ext uri="{FF2B5EF4-FFF2-40B4-BE49-F238E27FC236}">
-                <a16:creationId xmlns:a16="http://schemas.microsoft.com/office/drawing/2014/main" id="{3E4369A6-CAAE-46EE-871E-4C83F6CD2341}"/>
-              </a:ext>
-            </a:extLst>
-          </p:cNvPr>
-          <p:cNvSpPr>
-            <a:spLocks noGrp="1"/>
-          </p:cNvSpPr>
-          <p:nvPr>
-            <p:ph type="title"/>
-          </p:nvPr>
-        </p:nvSpPr>
-        <p:spPr/>
-        <p:txBody>
-          <a:bodyPr/>
-          <a:lstStyle/>
-          <a:p>
-            <a:r>
-              <a:rPr lang="en-US" altLang="zh-TW" dirty="0"/>
-              <a:t>Translation</a:t>
-            </a:r>
-            <a:endParaRPr lang="zh-TW" altLang="en-US" dirty="0"/>
-          </a:p>
-        </p:txBody>
-      </p:sp>
-      <p:sp>
-        <p:nvSpPr>
-          <p:cNvPr id="3" name="內容版面配置區 2">
-            <a:extLst>
-              <a:ext uri="{FF2B5EF4-FFF2-40B4-BE49-F238E27FC236}">
-                <a16:creationId xmlns:a16="http://schemas.microsoft.com/office/drawing/2014/main" id="{1D4A94B5-2815-4B2F-A55C-2A53C5397161}"/>
-              </a:ext>
-            </a:extLst>
-          </p:cNvPr>
-          <p:cNvSpPr>
-            <a:spLocks noGrp="1"/>
-          </p:cNvSpPr>
-          <p:nvPr>
-            <p:ph idx="1"/>
-          </p:nvPr>
-        </p:nvSpPr>
-        <p:spPr/>
-        <p:txBody>
-          <a:bodyPr/>
-          <a:lstStyle/>
-          <a:p>
-            <a:r>
-              <a:rPr lang="en-US" altLang="zh-TW" dirty="0"/>
-              <a:t>Source code: human readable instructions</a:t>
-            </a:r>
-          </a:p>
-          <a:p>
-            <a:r>
-              <a:rPr lang="en-US" altLang="zh-TW" dirty="0"/>
-              <a:t>Executables: machine readable files</a:t>
-            </a:r>
-          </a:p>
-          <a:p>
-            <a:r>
-              <a:rPr lang="en-US" altLang="zh-TW" dirty="0"/>
-              <a:t>Compiler: translate from source codes into executables</a:t>
-            </a:r>
-            <a:endParaRPr lang="zh-TW" altLang="en-US" dirty="0"/>
-          </a:p>
-        </p:txBody>
-      </p:sp>
-      <p:graphicFrame>
-        <p:nvGraphicFramePr>
-          <p:cNvPr id="4" name="內容版面配置區 3">
-            <a:extLst>
-              <a:ext uri="{FF2B5EF4-FFF2-40B4-BE49-F238E27FC236}">
-                <a16:creationId xmlns:a16="http://schemas.microsoft.com/office/drawing/2014/main" id="{FC2651E5-B7E9-418D-9553-078C00E74F88}"/>
-              </a:ext>
-            </a:extLst>
-          </p:cNvPr>
-          <p:cNvGraphicFramePr>
-            <a:graphicFrameLocks/>
-          </p:cNvGraphicFramePr>
-          <p:nvPr>
-            <p:extLst>
-              <p:ext uri="{D42A27DB-BD31-4B8C-83A1-F6EECF244321}">
-                <p14:modId xmlns:p14="http://schemas.microsoft.com/office/powerpoint/2010/main" val="3101182244"/>
-              </p:ext>
-            </p:extLst>
-          </p:nvPr>
-        </p:nvGraphicFramePr>
-        <p:xfrm>
-          <a:off x="645253" y="3043209"/>
-          <a:ext cx="10515600" cy="4160837"/>
-        </p:xfrm>
-        <a:graphic>
-          <a:graphicData uri="http://schemas.openxmlformats.org/drawingml/2006/diagram">
-            <dgm:relIds xmlns:dgm="http://schemas.openxmlformats.org/drawingml/2006/diagram" xmlns:r="http://schemas.openxmlformats.org/officeDocument/2006/relationships" r:dm="rId2" r:lo="rId3" r:qs="rId4" r:cs="rId5"/>
-          </a:graphicData>
-        </a:graphic>
-      </p:graphicFrame>
-    </p:spTree>
-    <p:extLst>
-      <p:ext uri="{BB962C8B-B14F-4D97-AF65-F5344CB8AC3E}">
-        <p14:creationId xmlns:p14="http://schemas.microsoft.com/office/powerpoint/2010/main" val="4206284027"/>
-      </p:ext>
-    </p:extLst>
-  </p:cSld>
-  <p:clrMapOvr>
-    <a:masterClrMapping/>
-  </p:clrMapOvr>
-</p:sld>
-</file>
-
-<file path=ppt/slides/slide11.xml><?xml version="1.0" encoding="utf-8"?>
-<p:sld xmlns:a="http://schemas.openxmlformats.org/drawingml/2006/main" xmlns:r="http://schemas.openxmlformats.org/officeDocument/2006/relationships" xmlns:p="http://schemas.openxmlformats.org/presentationml/2006/main">
-  <p:cSld>
     <p:bg>
       <p:bgPr>
         <a:solidFill>
@@ -26002,7 +26309,7 @@
           <p:cNvPr id="2" name="標題 1">
             <a:extLst>
               <a:ext uri="{FF2B5EF4-FFF2-40B4-BE49-F238E27FC236}">
-                <a16:creationId xmlns:a16="http://schemas.microsoft.com/office/drawing/2014/main" id="{CBF06B37-449B-49F5-82B1-67CE3EFE0BB9}"/>
+                <a16:creationId xmlns:a16="http://schemas.microsoft.com/office/drawing/2014/main" id="{63E26F8D-AE87-4798-AE57-56F4F3485539}"/>
               </a:ext>
             </a:extLst>
           </p:cNvPr>
@@ -26016,7 +26323,7 @@
         <p:spPr>
           <a:xfrm>
             <a:off x="643468" y="643467"/>
-            <a:ext cx="4620584" cy="4567137"/>
+            <a:ext cx="4859710" cy="4567137"/>
           </a:xfrm>
         </p:spPr>
         <p:txBody>
@@ -26027,81 +26334,54 @@
           <a:p>
             <a:r>
               <a:rPr lang="en-US" altLang="zh-TW" sz="4800" i="1" dirty="0"/>
-              <a:t>C++ keyword</a:t>
+              <a:t>Basic Concepts of C++</a:t>
             </a:r>
           </a:p>
         </p:txBody>
       </p:sp>
       <p:pic>
         <p:nvPicPr>
-          <p:cNvPr id="5" name="內容版面配置區 4" descr="一張含有 文字 的圖片&#10;&#10;自動產生的描述">
+          <p:cNvPr id="7" name="Graphic 6" descr="驗證碼">
             <a:extLst>
               <a:ext uri="{FF2B5EF4-FFF2-40B4-BE49-F238E27FC236}">
-                <a16:creationId xmlns:a16="http://schemas.microsoft.com/office/drawing/2014/main" id="{609621ED-AFFE-42B4-AB3C-5CA28870254D}"/>
+                <a16:creationId xmlns:a16="http://schemas.microsoft.com/office/drawing/2014/main" id="{2D6BEAEE-2930-41AF-8534-2D35D3A38A31}"/>
               </a:ext>
             </a:extLst>
           </p:cNvPr>
           <p:cNvPicPr>
-            <a:picLocks noGrp="1" noChangeAspect="1"/>
+            <a:picLocks noChangeAspect="1"/>
           </p:cNvPicPr>
-          <p:nvPr>
-            <p:ph idx="1"/>
-          </p:nvPr>
+          <p:nvPr/>
         </p:nvPicPr>
-        <p:blipFill rotWithShape="1">
-          <a:blip r:embed="rId2"/>
-          <a:srcRect t="2116"/>
-          <a:stretch/>
+        <p:blipFill>
+          <a:blip r:embed="rId2">
+            <a:extLst>
+              <a:ext uri="{28A0092B-C50C-407E-A947-70E740481C1C}">
+                <a14:useLocalDpi xmlns:a14="http://schemas.microsoft.com/office/drawing/2010/main" val="0"/>
+              </a:ext>
+              <a:ext uri="{96DAC541-7B7A-43D3-8B79-37D633B846F1}">
+                <asvg:svgBlip xmlns:asvg="http://schemas.microsoft.com/office/drawing/2016/SVG/main" r:embed="rId3"/>
+              </a:ext>
+            </a:extLst>
+          </a:blip>
+          <a:stretch>
+            <a:fillRect/>
+          </a:stretch>
         </p:blipFill>
         <p:spPr>
           <a:xfrm>
-            <a:off x="6527798" y="315130"/>
-            <a:ext cx="5304596" cy="6015309"/>
+            <a:off x="6606253" y="957860"/>
+            <a:ext cx="4942280" cy="4942280"/>
           </a:xfrm>
           <a:prstGeom prst="rect">
             <a:avLst/>
           </a:prstGeom>
         </p:spPr>
       </p:pic>
-      <p:sp>
-        <p:nvSpPr>
-          <p:cNvPr id="13" name="文字方塊 12">
-            <a:extLst>
-              <a:ext uri="{FF2B5EF4-FFF2-40B4-BE49-F238E27FC236}">
-                <a16:creationId xmlns:a16="http://schemas.microsoft.com/office/drawing/2014/main" id="{F6F1F6B8-9DCF-4BBD-BAE6-A63EAF7D1511}"/>
-              </a:ext>
-            </a:extLst>
-          </p:cNvPr>
-          <p:cNvSpPr txBox="1"/>
-          <p:nvPr/>
-        </p:nvSpPr>
-        <p:spPr>
-          <a:xfrm>
-            <a:off x="0" y="6488668"/>
-            <a:ext cx="6097554" cy="369332"/>
-          </a:xfrm>
-          <a:prstGeom prst="rect">
-            <a:avLst/>
-          </a:prstGeom>
-          <a:noFill/>
-        </p:spPr>
-        <p:txBody>
-          <a:bodyPr wrap="square">
-            <a:spAutoFit/>
-          </a:bodyPr>
-          <a:lstStyle/>
-          <a:p>
-            <a:r>
-              <a:rPr lang="zh-TW" altLang="en-US" dirty="0"/>
-              <a:t>https://en.cppreference.com/w/cpp/keyword</a:t>
-            </a:r>
-          </a:p>
-        </p:txBody>
-      </p:sp>
     </p:spTree>
     <p:extLst>
       <p:ext uri="{BB962C8B-B14F-4D97-AF65-F5344CB8AC3E}">
-        <p14:creationId xmlns:p14="http://schemas.microsoft.com/office/powerpoint/2010/main" val="3144285135"/>
+        <p14:creationId xmlns:p14="http://schemas.microsoft.com/office/powerpoint/2010/main" val="2867469347"/>
       </p:ext>
     </p:extLst>
   </p:cSld>
@@ -26111,7 +26391,7 @@
 </p:sld>
 </file>
 
-<file path=ppt/slides/slide12.xml><?xml version="1.0" encoding="utf-8"?>
+<file path=ppt/slides/slide11.xml><?xml version="1.0" encoding="utf-8"?>
 <p:sld xmlns:a="http://schemas.openxmlformats.org/drawingml/2006/main" xmlns:r="http://schemas.openxmlformats.org/officeDocument/2006/relationships" xmlns:p="http://schemas.openxmlformats.org/presentationml/2006/main">
   <p:cSld>
     <p:spTree>
@@ -26133,7 +26413,7 @@
           <p:cNvPr id="2" name="標題 1">
             <a:extLst>
               <a:ext uri="{FF2B5EF4-FFF2-40B4-BE49-F238E27FC236}">
-                <a16:creationId xmlns:a16="http://schemas.microsoft.com/office/drawing/2014/main" id="{6EF10AD1-48B9-488E-93A8-9900062B68B1}"/>
+                <a16:creationId xmlns:a16="http://schemas.microsoft.com/office/drawing/2014/main" id="{3E4369A6-CAAE-46EE-871E-4C83F6CD2341}"/>
               </a:ext>
             </a:extLst>
           </p:cNvPr>
@@ -26151,7 +26431,7 @@
           <a:p>
             <a:r>
               <a:rPr lang="en-US" altLang="zh-TW" dirty="0"/>
-              <a:t>C++ Identifiers </a:t>
+              <a:t>Translation</a:t>
             </a:r>
             <a:endParaRPr lang="zh-TW" altLang="en-US" dirty="0"/>
           </a:p>
@@ -26162,347 +26442,7 @@
           <p:cNvPr id="3" name="內容版面配置區 2">
             <a:extLst>
               <a:ext uri="{FF2B5EF4-FFF2-40B4-BE49-F238E27FC236}">
-                <a16:creationId xmlns:a16="http://schemas.microsoft.com/office/drawing/2014/main" id="{C2F8DBA0-278D-47BA-843F-CE9F40C24210}"/>
-              </a:ext>
-            </a:extLst>
-          </p:cNvPr>
-          <p:cNvSpPr>
-            <a:spLocks noGrp="1"/>
-          </p:cNvSpPr>
-          <p:nvPr>
-            <p:ph idx="1"/>
-          </p:nvPr>
-        </p:nvSpPr>
-        <p:spPr/>
-        <p:txBody>
-          <a:bodyPr>
-            <a:normAutofit lnSpcReduction="10000"/>
-          </a:bodyPr>
-          <a:lstStyle/>
-          <a:p>
-            <a:r>
-              <a:rPr lang="en-US" altLang="zh-TW" dirty="0"/>
-              <a:t>Identifier: an arbitrarily long sequence of digits, underscores, lowercase and uppercase.</a:t>
-            </a:r>
-          </a:p>
-          <a:p>
-            <a:r>
-              <a:rPr lang="en-US" altLang="zh-TW" dirty="0"/>
-              <a:t>Rules:</a:t>
-            </a:r>
-          </a:p>
-          <a:p>
-            <a:pPr lvl="1"/>
-            <a:r>
-              <a:rPr lang="en-US" altLang="zh-TW" dirty="0"/>
-              <a:t>The first character must be a non-digit character.</a:t>
-            </a:r>
-          </a:p>
-          <a:p>
-            <a:pPr lvl="1"/>
-            <a:r>
-              <a:rPr lang="en-US" altLang="zh-TW" dirty="0"/>
-              <a:t>Cannot be C++ keyword</a:t>
-            </a:r>
-          </a:p>
-          <a:p>
-            <a:pPr lvl="1"/>
-            <a:r>
-              <a:rPr lang="en-US" altLang="zh-TW" dirty="0"/>
-              <a:t>case-sensitive</a:t>
-            </a:r>
-          </a:p>
-          <a:p>
-            <a:pPr lvl="1"/>
-            <a:r>
-              <a:rPr lang="en-US" altLang="zh-TW" dirty="0"/>
-              <a:t>Should be meaningful or mnemonic</a:t>
-            </a:r>
-          </a:p>
-          <a:p>
-            <a:pPr marL="0" indent="0">
-              <a:buNone/>
-            </a:pPr>
-            <a:r>
-              <a:rPr lang="zh-TW" altLang="en-US" dirty="0"/>
-              <a:t>✔</a:t>
-            </a:r>
-            <a:r>
-              <a:rPr lang="en-US" altLang="zh-TW" dirty="0" err="1"/>
-              <a:t>a_plus_b</a:t>
-            </a:r>
-            <a:r>
-              <a:rPr lang="en-US" altLang="zh-TW" dirty="0"/>
-              <a:t>, </a:t>
-            </a:r>
-            <a:r>
-              <a:rPr lang="en-US" altLang="zh-TW" dirty="0" err="1"/>
-              <a:t>get_cost</a:t>
-            </a:r>
-            <a:r>
-              <a:rPr lang="en-US" altLang="zh-TW" dirty="0"/>
-              <a:t>, </a:t>
-            </a:r>
-            <a:r>
-              <a:rPr lang="en-US" altLang="zh-TW" dirty="0" err="1"/>
-              <a:t>get_elapsed_time</a:t>
-            </a:r>
-            <a:endParaRPr lang="en-US" altLang="zh-TW" dirty="0"/>
-          </a:p>
-          <a:p>
-            <a:pPr marL="0" indent="0">
-              <a:buNone/>
-            </a:pPr>
-            <a:r>
-              <a:rPr lang="zh-TW" altLang="en-US" dirty="0"/>
-              <a:t>❌</a:t>
-            </a:r>
-            <a:r>
-              <a:rPr lang="en-US" altLang="zh-TW" dirty="0"/>
-              <a:t>52ab, </a:t>
-            </a:r>
-            <a:r>
-              <a:rPr lang="en-US" altLang="zh-TW" dirty="0" err="1"/>
-              <a:t>a+b</a:t>
-            </a:r>
-            <a:r>
-              <a:rPr lang="en-US" altLang="zh-TW" dirty="0"/>
-              <a:t>, if, while</a:t>
-            </a:r>
-          </a:p>
-          <a:p>
-            <a:pPr marL="457200" lvl="1" indent="0">
-              <a:buNone/>
-            </a:pPr>
-            <a:endParaRPr lang="en-US" altLang="zh-TW" dirty="0"/>
-          </a:p>
-        </p:txBody>
-      </p:sp>
-      <p:sp>
-        <p:nvSpPr>
-          <p:cNvPr id="5" name="文字方塊 4">
-            <a:extLst>
-              <a:ext uri="{FF2B5EF4-FFF2-40B4-BE49-F238E27FC236}">
-                <a16:creationId xmlns:a16="http://schemas.microsoft.com/office/drawing/2014/main" id="{E4B1B8C9-29FB-46E6-A075-1E9016E938BF}"/>
-              </a:ext>
-            </a:extLst>
-          </p:cNvPr>
-          <p:cNvSpPr txBox="1"/>
-          <p:nvPr/>
-        </p:nvSpPr>
-        <p:spPr>
-          <a:xfrm>
-            <a:off x="0" y="6488668"/>
-            <a:ext cx="7531216" cy="369332"/>
-          </a:xfrm>
-          <a:prstGeom prst="rect">
-            <a:avLst/>
-          </a:prstGeom>
-          <a:noFill/>
-        </p:spPr>
-        <p:txBody>
-          <a:bodyPr wrap="square">
-            <a:spAutoFit/>
-          </a:bodyPr>
-          <a:lstStyle/>
-          <a:p>
-            <a:r>
-              <a:rPr lang="zh-TW" altLang="en-US" dirty="0"/>
-              <a:t>https://en.cppreference.com/w/cpp/language/identifiers</a:t>
-            </a:r>
-          </a:p>
-        </p:txBody>
-      </p:sp>
-    </p:spTree>
-    <p:extLst>
-      <p:ext uri="{BB962C8B-B14F-4D97-AF65-F5344CB8AC3E}">
-        <p14:creationId xmlns:p14="http://schemas.microsoft.com/office/powerpoint/2010/main" val="2922285378"/>
-      </p:ext>
-    </p:extLst>
-  </p:cSld>
-  <p:clrMapOvr>
-    <a:masterClrMapping/>
-  </p:clrMapOvr>
-</p:sld>
-</file>
-
-<file path=ppt/slides/slide13.xml><?xml version="1.0" encoding="utf-8"?>
-<p:sld xmlns:a="http://schemas.openxmlformats.org/drawingml/2006/main" xmlns:r="http://schemas.openxmlformats.org/officeDocument/2006/relationships" xmlns:p="http://schemas.openxmlformats.org/presentationml/2006/main">
-  <p:cSld>
-    <p:spTree>
-      <p:nvGrpSpPr>
-        <p:cNvPr id="1" name=""/>
-        <p:cNvGrpSpPr/>
-        <p:nvPr/>
-      </p:nvGrpSpPr>
-      <p:grpSpPr>
-        <a:xfrm>
-          <a:off x="0" y="0"/>
-          <a:ext cx="0" cy="0"/>
-          <a:chOff x="0" y="0"/>
-          <a:chExt cx="0" cy="0"/>
-        </a:xfrm>
-      </p:grpSpPr>
-      <p:sp>
-        <p:nvSpPr>
-          <p:cNvPr id="2" name="標題 1">
-            <a:extLst>
-              <a:ext uri="{FF2B5EF4-FFF2-40B4-BE49-F238E27FC236}">
-                <a16:creationId xmlns:a16="http://schemas.microsoft.com/office/drawing/2014/main" id="{67F0F80D-F01C-41FB-AA91-3E96D3267103}"/>
-              </a:ext>
-            </a:extLst>
-          </p:cNvPr>
-          <p:cNvSpPr>
-            <a:spLocks noGrp="1"/>
-          </p:cNvSpPr>
-          <p:nvPr>
-            <p:ph type="title"/>
-          </p:nvPr>
-        </p:nvSpPr>
-        <p:spPr/>
-        <p:txBody>
-          <a:bodyPr/>
-          <a:lstStyle/>
-          <a:p>
-            <a:r>
-              <a:rPr lang="en-US" altLang="zh-TW" dirty="0"/>
-              <a:t>Function</a:t>
-            </a:r>
-            <a:endParaRPr lang="zh-TW" altLang="en-US" dirty="0"/>
-          </a:p>
-        </p:txBody>
-      </p:sp>
-      <p:graphicFrame>
-        <p:nvGraphicFramePr>
-          <p:cNvPr id="6" name="內容版面配置區 3">
-            <a:extLst>
-              <a:ext uri="{FF2B5EF4-FFF2-40B4-BE49-F238E27FC236}">
-                <a16:creationId xmlns:a16="http://schemas.microsoft.com/office/drawing/2014/main" id="{054BADDE-492A-4193-A402-7899ACA35B6B}"/>
-              </a:ext>
-            </a:extLst>
-          </p:cNvPr>
-          <p:cNvGraphicFramePr>
-            <a:graphicFrameLocks noGrp="1"/>
-          </p:cNvGraphicFramePr>
-          <p:nvPr>
-            <p:ph idx="1"/>
-            <p:extLst>
-              <p:ext uri="{D42A27DB-BD31-4B8C-83A1-F6EECF244321}">
-                <p14:modId xmlns:p14="http://schemas.microsoft.com/office/powerpoint/2010/main" val="2916490772"/>
-              </p:ext>
-            </p:extLst>
-          </p:nvPr>
-        </p:nvGraphicFramePr>
-        <p:xfrm>
-          <a:off x="838200" y="2816706"/>
-          <a:ext cx="10515600" cy="4160837"/>
-        </p:xfrm>
-        <a:graphic>
-          <a:graphicData uri="http://schemas.openxmlformats.org/drawingml/2006/diagram">
-            <dgm:relIds xmlns:dgm="http://schemas.openxmlformats.org/drawingml/2006/diagram" xmlns:r="http://schemas.openxmlformats.org/officeDocument/2006/relationships" r:dm="rId2" r:lo="rId3" r:qs="rId4" r:cs="rId5"/>
-          </a:graphicData>
-        </a:graphic>
-      </p:graphicFrame>
-      <p:sp>
-        <p:nvSpPr>
-          <p:cNvPr id="10" name="文字方塊 9">
-            <a:extLst>
-              <a:ext uri="{FF2B5EF4-FFF2-40B4-BE49-F238E27FC236}">
-                <a16:creationId xmlns:a16="http://schemas.microsoft.com/office/drawing/2014/main" id="{784E376F-A1B1-4DCC-84EF-F801661A81F0}"/>
-              </a:ext>
-            </a:extLst>
-          </p:cNvPr>
-          <p:cNvSpPr txBox="1"/>
-          <p:nvPr/>
-        </p:nvSpPr>
-        <p:spPr>
-          <a:xfrm>
-            <a:off x="838200" y="1887415"/>
-            <a:ext cx="7262769" cy="523220"/>
-          </a:xfrm>
-          <a:prstGeom prst="rect">
-            <a:avLst/>
-          </a:prstGeom>
-          <a:noFill/>
-        </p:spPr>
-        <p:txBody>
-          <a:bodyPr wrap="square">
-            <a:spAutoFit/>
-          </a:bodyPr>
-          <a:lstStyle/>
-          <a:p>
-            <a:r>
-              <a:rPr lang="en-US" altLang="zh-TW" sz="2800" dirty="0"/>
-              <a:t>Q: calculate sum of integers from 1 to 5.</a:t>
-            </a:r>
-          </a:p>
-        </p:txBody>
-      </p:sp>
-    </p:spTree>
-    <p:extLst>
-      <p:ext uri="{BB962C8B-B14F-4D97-AF65-F5344CB8AC3E}">
-        <p14:creationId xmlns:p14="http://schemas.microsoft.com/office/powerpoint/2010/main" val="2088997054"/>
-      </p:ext>
-    </p:extLst>
-  </p:cSld>
-  <p:clrMapOvr>
-    <a:masterClrMapping/>
-  </p:clrMapOvr>
-</p:sld>
-</file>
-
-<file path=ppt/slides/slide14.xml><?xml version="1.0" encoding="utf-8"?>
-<p:sld xmlns:a="http://schemas.openxmlformats.org/drawingml/2006/main" xmlns:r="http://schemas.openxmlformats.org/officeDocument/2006/relationships" xmlns:p="http://schemas.openxmlformats.org/presentationml/2006/main">
-  <p:cSld>
-    <p:spTree>
-      <p:nvGrpSpPr>
-        <p:cNvPr id="1" name=""/>
-        <p:cNvGrpSpPr/>
-        <p:nvPr/>
-      </p:nvGrpSpPr>
-      <p:grpSpPr>
-        <a:xfrm>
-          <a:off x="0" y="0"/>
-          <a:ext cx="0" cy="0"/>
-          <a:chOff x="0" y="0"/>
-          <a:chExt cx="0" cy="0"/>
-        </a:xfrm>
-      </p:grpSpPr>
-      <p:sp>
-        <p:nvSpPr>
-          <p:cNvPr id="2" name="標題 1">
-            <a:extLst>
-              <a:ext uri="{FF2B5EF4-FFF2-40B4-BE49-F238E27FC236}">
-                <a16:creationId xmlns:a16="http://schemas.microsoft.com/office/drawing/2014/main" id="{2930A314-DD89-473B-9BBF-021AF20E086B}"/>
-              </a:ext>
-            </a:extLst>
-          </p:cNvPr>
-          <p:cNvSpPr>
-            <a:spLocks noGrp="1"/>
-          </p:cNvSpPr>
-          <p:nvPr>
-            <p:ph type="title"/>
-          </p:nvPr>
-        </p:nvSpPr>
-        <p:spPr/>
-        <p:txBody>
-          <a:bodyPr/>
-          <a:lstStyle/>
-          <a:p>
-            <a:r>
-              <a:rPr lang="en-US" altLang="zh-TW" dirty="0"/>
-              <a:t>The main function</a:t>
-            </a:r>
-            <a:endParaRPr lang="zh-TW" altLang="en-US" dirty="0"/>
-          </a:p>
-        </p:txBody>
-      </p:sp>
-      <p:sp>
-        <p:nvSpPr>
-          <p:cNvPr id="3" name="內容版面配置區 2">
-            <a:extLst>
-              <a:ext uri="{FF2B5EF4-FFF2-40B4-BE49-F238E27FC236}">
-                <a16:creationId xmlns:a16="http://schemas.microsoft.com/office/drawing/2014/main" id="{90CF1138-0F85-498F-B5BA-C4A2040AE8D6}"/>
+                <a16:creationId xmlns:a16="http://schemas.microsoft.com/office/drawing/2014/main" id="{1D4A94B5-2815-4B2F-A55C-2A53C5397161}"/>
               </a:ext>
             </a:extLst>
           </p:cNvPr>
@@ -26520,115 +26460,58 @@
           <a:p>
             <a:r>
               <a:rPr lang="en-US" altLang="zh-TW" dirty="0"/>
-              <a:t>A C++ program must contain </a:t>
-            </a:r>
-            <a:r>
-              <a:rPr lang="en-US" altLang="zh-TW" i="1" u="sng" dirty="0"/>
-              <a:t>one and only one</a:t>
-            </a:r>
-            <a:r>
-              <a:rPr lang="en-US" altLang="zh-TW" dirty="0"/>
-              <a:t> function named </a:t>
-            </a:r>
-            <a:r>
-              <a:rPr lang="en-US" altLang="zh-TW" b="1" dirty="0"/>
-              <a:t>main</a:t>
-            </a:r>
-            <a:r>
-              <a:rPr lang="en-US" altLang="zh-TW" dirty="0"/>
-              <a:t>.</a:t>
+              <a:t>Source code: human readable instructions</a:t>
             </a:r>
           </a:p>
           <a:p>
             <a:r>
               <a:rPr lang="en-US" altLang="zh-TW" dirty="0"/>
-              <a:t>int -&gt; type of returned value</a:t>
+              <a:t>Executables: machine readable files</a:t>
             </a:r>
           </a:p>
           <a:p>
             <a:r>
               <a:rPr lang="en-US" altLang="zh-TW" dirty="0"/>
-              <a:t>main -&gt; function name</a:t>
-            </a:r>
-          </a:p>
-          <a:p>
-            <a:r>
-              <a:rPr lang="en-US" altLang="zh-TW" dirty="0"/>
-              <a:t>( ) -&gt; argument (empty)</a:t>
+              <a:t>Compiler: translate from source codes into executables</a:t>
             </a:r>
             <a:endParaRPr lang="zh-TW" altLang="en-US" dirty="0"/>
           </a:p>
         </p:txBody>
       </p:sp>
-      <p:pic>
-        <p:nvPicPr>
-          <p:cNvPr id="10" name="圖片 9" descr="一張含有 文字 的圖片&#10;&#10;自動產生的描述">
+      <p:graphicFrame>
+        <p:nvGraphicFramePr>
+          <p:cNvPr id="4" name="內容版面配置區 3">
             <a:extLst>
               <a:ext uri="{FF2B5EF4-FFF2-40B4-BE49-F238E27FC236}">
-                <a16:creationId xmlns:a16="http://schemas.microsoft.com/office/drawing/2014/main" id="{2DE98813-A6ED-4D61-B71F-F453C48333F5}"/>
+                <a16:creationId xmlns:a16="http://schemas.microsoft.com/office/drawing/2014/main" id="{FC2651E5-B7E9-418D-9553-078C00E74F88}"/>
               </a:ext>
             </a:extLst>
           </p:cNvPr>
-          <p:cNvPicPr>
-            <a:picLocks noChangeAspect="1"/>
-          </p:cNvPicPr>
-          <p:nvPr/>
-        </p:nvPicPr>
-        <p:blipFill>
-          <a:blip r:embed="rId2"/>
-          <a:stretch>
-            <a:fillRect/>
-          </a:stretch>
-        </p:blipFill>
-        <p:spPr>
-          <a:xfrm>
-            <a:off x="5712054" y="3903868"/>
-            <a:ext cx="5901804" cy="1991495"/>
-          </a:xfrm>
-          <a:prstGeom prst="rect">
-            <a:avLst/>
-          </a:prstGeom>
-        </p:spPr>
-      </p:pic>
-      <p:sp>
-        <p:nvSpPr>
-          <p:cNvPr id="12" name="文字方塊 11">
-            <a:extLst>
-              <a:ext uri="{FF2B5EF4-FFF2-40B4-BE49-F238E27FC236}">
-                <a16:creationId xmlns:a16="http://schemas.microsoft.com/office/drawing/2014/main" id="{AD54A51B-86CD-4A2A-BA3A-6BED0E753313}"/>
-              </a:ext>
-            </a:extLst>
-          </p:cNvPr>
-          <p:cNvSpPr txBox="1"/>
-          <p:nvPr/>
-        </p:nvSpPr>
-        <p:spPr>
-          <a:xfrm>
-            <a:off x="0" y="6488668"/>
-            <a:ext cx="7278070" cy="369332"/>
-          </a:xfrm>
-          <a:prstGeom prst="rect">
-            <a:avLst/>
-          </a:prstGeom>
-          <a:noFill/>
-        </p:spPr>
-        <p:txBody>
-          <a:bodyPr wrap="square">
-            <a:spAutoFit/>
-          </a:bodyPr>
-          <a:lstStyle/>
-          <a:p>
-            <a:r>
-              <a:rPr lang="zh-TW" altLang="en-US" dirty="0"/>
-              <a:t>https://en.cppreference.com/w/cpp/language/main_function</a:t>
-            </a:r>
-          </a:p>
-        </p:txBody>
-      </p:sp>
+          <p:cNvGraphicFramePr>
+            <a:graphicFrameLocks/>
+          </p:cNvGraphicFramePr>
+          <p:nvPr>
+            <p:extLst>
+              <p:ext uri="{D42A27DB-BD31-4B8C-83A1-F6EECF244321}">
+                <p14:modId xmlns:p14="http://schemas.microsoft.com/office/powerpoint/2010/main" val="3101182244"/>
+              </p:ext>
+            </p:extLst>
+          </p:nvPr>
+        </p:nvGraphicFramePr>
+        <p:xfrm>
+          <a:off x="645253" y="3043209"/>
+          <a:ext cx="10515600" cy="4160837"/>
+        </p:xfrm>
+        <a:graphic>
+          <a:graphicData uri="http://schemas.openxmlformats.org/drawingml/2006/diagram">
+            <dgm:relIds xmlns:dgm="http://schemas.openxmlformats.org/drawingml/2006/diagram" xmlns:r="http://schemas.openxmlformats.org/officeDocument/2006/relationships" r:dm="rId2" r:lo="rId3" r:qs="rId4" r:cs="rId5"/>
+          </a:graphicData>
+        </a:graphic>
+      </p:graphicFrame>
     </p:spTree>
     <p:extLst>
       <p:ext uri="{BB962C8B-B14F-4D97-AF65-F5344CB8AC3E}">
-        <p14:creationId xmlns:p14="http://schemas.microsoft.com/office/powerpoint/2010/main" val="1139824088"/>
+        <p14:creationId xmlns:p14="http://schemas.microsoft.com/office/powerpoint/2010/main" val="4206284027"/>
       </p:ext>
     </p:extLst>
   </p:cSld>
@@ -26638,3032 +26521,7 @@
 </p:sld>
 </file>
 
-<file path=ppt/slides/slide15.xml><?xml version="1.0" encoding="utf-8"?>
-<p:sld xmlns:a="http://schemas.openxmlformats.org/drawingml/2006/main" xmlns:r="http://schemas.openxmlformats.org/officeDocument/2006/relationships" xmlns:p="http://schemas.openxmlformats.org/presentationml/2006/main">
-  <p:cSld>
-    <p:spTree>
-      <p:nvGrpSpPr>
-        <p:cNvPr id="1" name=""/>
-        <p:cNvGrpSpPr/>
-        <p:nvPr/>
-      </p:nvGrpSpPr>
-      <p:grpSpPr>
-        <a:xfrm>
-          <a:off x="0" y="0"/>
-          <a:ext cx="0" cy="0"/>
-          <a:chOff x="0" y="0"/>
-          <a:chExt cx="0" cy="0"/>
-        </a:xfrm>
-      </p:grpSpPr>
-      <p:sp>
-        <p:nvSpPr>
-          <p:cNvPr id="2" name="標題 1">
-            <a:extLst>
-              <a:ext uri="{FF2B5EF4-FFF2-40B4-BE49-F238E27FC236}">
-                <a16:creationId xmlns:a16="http://schemas.microsoft.com/office/drawing/2014/main" id="{018DE7C1-8DD6-4036-A389-BA77C7448195}"/>
-              </a:ext>
-            </a:extLst>
-          </p:cNvPr>
-          <p:cNvSpPr>
-            <a:spLocks noGrp="1"/>
-          </p:cNvSpPr>
-          <p:nvPr>
-            <p:ph type="title"/>
-          </p:nvPr>
-        </p:nvSpPr>
-        <p:spPr/>
-        <p:txBody>
-          <a:bodyPr/>
-          <a:lstStyle/>
-          <a:p>
-            <a:r>
-              <a:rPr lang="en-US" altLang="zh-TW" dirty="0"/>
-              <a:t>Statements</a:t>
-            </a:r>
-            <a:endParaRPr lang="zh-TW" altLang="en-US" dirty="0"/>
-          </a:p>
-        </p:txBody>
-      </p:sp>
-      <p:sp>
-        <p:nvSpPr>
-          <p:cNvPr id="3" name="內容版面配置區 2">
-            <a:extLst>
-              <a:ext uri="{FF2B5EF4-FFF2-40B4-BE49-F238E27FC236}">
-                <a16:creationId xmlns:a16="http://schemas.microsoft.com/office/drawing/2014/main" id="{06A0D91B-5B2A-4D2C-AA33-374E3837B7C7}"/>
-              </a:ext>
-            </a:extLst>
-          </p:cNvPr>
-          <p:cNvSpPr>
-            <a:spLocks noGrp="1"/>
-          </p:cNvSpPr>
-          <p:nvPr>
-            <p:ph idx="1"/>
-          </p:nvPr>
-        </p:nvSpPr>
-        <p:spPr>
-          <a:xfrm>
-            <a:off x="838200" y="2011680"/>
-            <a:ext cx="5257800" cy="4160520"/>
-          </a:xfrm>
-        </p:spPr>
-        <p:txBody>
-          <a:bodyPr/>
-          <a:lstStyle/>
-          <a:p>
-            <a:r>
-              <a:rPr lang="en-US" altLang="zh-TW" dirty="0"/>
-              <a:t>Statements are fragments of the C++ program that are executed in sequence.</a:t>
-            </a:r>
-          </a:p>
-          <a:p>
-            <a:r>
-              <a:rPr lang="en-US" altLang="zh-TW" dirty="0"/>
-              <a:t>Rules:</a:t>
-            </a:r>
-          </a:p>
-          <a:p>
-            <a:pPr lvl="1"/>
-            <a:r>
-              <a:rPr lang="en-US" altLang="zh-TW" dirty="0"/>
-              <a:t>An expression followed by a </a:t>
-            </a:r>
-            <a:r>
-              <a:rPr lang="en-US" altLang="zh-TW" b="1" dirty="0"/>
-              <a:t>semicolon</a:t>
-            </a:r>
-            <a:r>
-              <a:rPr lang="en-US" altLang="zh-TW" dirty="0"/>
-              <a:t> is a statement. </a:t>
-            </a:r>
-            <a:endParaRPr lang="zh-TW" altLang="en-US" dirty="0"/>
-          </a:p>
-        </p:txBody>
-      </p:sp>
-      <p:pic>
-        <p:nvPicPr>
-          <p:cNvPr id="7" name="圖片 6" descr="一張含有 文字 的圖片&#10;&#10;自動產生的描述">
-            <a:extLst>
-              <a:ext uri="{FF2B5EF4-FFF2-40B4-BE49-F238E27FC236}">
-                <a16:creationId xmlns:a16="http://schemas.microsoft.com/office/drawing/2014/main" id="{57C74254-7FA6-4CA2-A29C-EA7628B827D0}"/>
-              </a:ext>
-            </a:extLst>
-          </p:cNvPr>
-          <p:cNvPicPr>
-            <a:picLocks noChangeAspect="1"/>
-          </p:cNvPicPr>
-          <p:nvPr/>
-        </p:nvPicPr>
-        <p:blipFill>
-          <a:blip r:embed="rId2"/>
-          <a:stretch>
-            <a:fillRect/>
-          </a:stretch>
-        </p:blipFill>
-        <p:spPr>
-          <a:xfrm>
-            <a:off x="6207967" y="1162266"/>
-            <a:ext cx="5525271" cy="5420481"/>
-          </a:xfrm>
-          <a:prstGeom prst="rect">
-            <a:avLst/>
-          </a:prstGeom>
-        </p:spPr>
-      </p:pic>
-      <p:sp>
-        <p:nvSpPr>
-          <p:cNvPr id="9" name="文字方塊 8">
-            <a:extLst>
-              <a:ext uri="{FF2B5EF4-FFF2-40B4-BE49-F238E27FC236}">
-                <a16:creationId xmlns:a16="http://schemas.microsoft.com/office/drawing/2014/main" id="{8DC82C49-E392-4136-9FCC-4852C37BF552}"/>
-              </a:ext>
-            </a:extLst>
-          </p:cNvPr>
-          <p:cNvSpPr txBox="1"/>
-          <p:nvPr/>
-        </p:nvSpPr>
-        <p:spPr>
-          <a:xfrm>
-            <a:off x="0" y="6488668"/>
-            <a:ext cx="6967677" cy="369332"/>
-          </a:xfrm>
-          <a:prstGeom prst="rect">
-            <a:avLst/>
-          </a:prstGeom>
-          <a:noFill/>
-        </p:spPr>
-        <p:txBody>
-          <a:bodyPr wrap="square">
-            <a:spAutoFit/>
-          </a:bodyPr>
-          <a:lstStyle/>
-          <a:p>
-            <a:r>
-              <a:rPr lang="zh-TW" altLang="en-US" dirty="0"/>
-              <a:t>https://en.cppreference.com/w/cpp/language/statements</a:t>
-            </a:r>
-          </a:p>
-        </p:txBody>
-      </p:sp>
-    </p:spTree>
-    <p:extLst>
-      <p:ext uri="{BB962C8B-B14F-4D97-AF65-F5344CB8AC3E}">
-        <p14:creationId xmlns:p14="http://schemas.microsoft.com/office/powerpoint/2010/main" val="2034918670"/>
-      </p:ext>
-    </p:extLst>
-  </p:cSld>
-  <p:clrMapOvr>
-    <a:masterClrMapping/>
-  </p:clrMapOvr>
-</p:sld>
-</file>
-
-<file path=ppt/slides/slide16.xml><?xml version="1.0" encoding="utf-8"?>
-<p:sld xmlns:a="http://schemas.openxmlformats.org/drawingml/2006/main" xmlns:r="http://schemas.openxmlformats.org/officeDocument/2006/relationships" xmlns:p="http://schemas.openxmlformats.org/presentationml/2006/main">
-  <p:cSld>
-    <p:spTree>
-      <p:nvGrpSpPr>
-        <p:cNvPr id="1" name=""/>
-        <p:cNvGrpSpPr/>
-        <p:nvPr/>
-      </p:nvGrpSpPr>
-      <p:grpSpPr>
-        <a:xfrm>
-          <a:off x="0" y="0"/>
-          <a:ext cx="0" cy="0"/>
-          <a:chOff x="0" y="0"/>
-          <a:chExt cx="0" cy="0"/>
-        </a:xfrm>
-      </p:grpSpPr>
-      <p:sp>
-        <p:nvSpPr>
-          <p:cNvPr id="2" name="標題 1">
-            <a:extLst>
-              <a:ext uri="{FF2B5EF4-FFF2-40B4-BE49-F238E27FC236}">
-                <a16:creationId xmlns:a16="http://schemas.microsoft.com/office/drawing/2014/main" id="{DB51BB64-FE71-4386-914C-B4CCD6C4D404}"/>
-              </a:ext>
-            </a:extLst>
-          </p:cNvPr>
-          <p:cNvSpPr>
-            <a:spLocks noGrp="1"/>
-          </p:cNvSpPr>
-          <p:nvPr>
-            <p:ph type="title"/>
-          </p:nvPr>
-        </p:nvSpPr>
-        <p:spPr/>
-        <p:txBody>
-          <a:bodyPr/>
-          <a:lstStyle/>
-          <a:p>
-            <a:r>
-              <a:rPr lang="en-US" altLang="zh-TW" dirty="0"/>
-              <a:t>Comment</a:t>
-            </a:r>
-            <a:endParaRPr lang="zh-TW" altLang="en-US" dirty="0"/>
-          </a:p>
-        </p:txBody>
-      </p:sp>
-      <p:sp>
-        <p:nvSpPr>
-          <p:cNvPr id="3" name="內容版面配置區 2">
-            <a:extLst>
-              <a:ext uri="{FF2B5EF4-FFF2-40B4-BE49-F238E27FC236}">
-                <a16:creationId xmlns:a16="http://schemas.microsoft.com/office/drawing/2014/main" id="{8B617399-8B8B-490B-88E6-8CD3F6D75078}"/>
-              </a:ext>
-            </a:extLst>
-          </p:cNvPr>
-          <p:cNvSpPr>
-            <a:spLocks noGrp="1"/>
-          </p:cNvSpPr>
-          <p:nvPr>
-            <p:ph idx="1"/>
-          </p:nvPr>
-        </p:nvSpPr>
-        <p:spPr/>
-        <p:txBody>
-          <a:bodyPr/>
-          <a:lstStyle/>
-          <a:p>
-            <a:r>
-              <a:rPr lang="en-US" altLang="zh-TW" dirty="0"/>
-              <a:t>Line comment</a:t>
-            </a:r>
-          </a:p>
-          <a:p>
-            <a:r>
-              <a:rPr lang="en-US" altLang="zh-TW" dirty="0"/>
-              <a:t>Block comment</a:t>
-            </a:r>
-            <a:endParaRPr lang="zh-TW" altLang="en-US" dirty="0"/>
-          </a:p>
-        </p:txBody>
-      </p:sp>
-      <p:pic>
-        <p:nvPicPr>
-          <p:cNvPr id="5" name="圖片 4" descr="一張含有 文字 的圖片&#10;&#10;自動產生的描述">
-            <a:extLst>
-              <a:ext uri="{FF2B5EF4-FFF2-40B4-BE49-F238E27FC236}">
-                <a16:creationId xmlns:a16="http://schemas.microsoft.com/office/drawing/2014/main" id="{3EF34FAF-E558-4B98-A5E2-EF22441C7E45}"/>
-              </a:ext>
-            </a:extLst>
-          </p:cNvPr>
-          <p:cNvPicPr>
-            <a:picLocks noChangeAspect="1"/>
-          </p:cNvPicPr>
-          <p:nvPr/>
-        </p:nvPicPr>
-        <p:blipFill>
-          <a:blip r:embed="rId2"/>
-          <a:stretch>
-            <a:fillRect/>
-          </a:stretch>
-        </p:blipFill>
-        <p:spPr>
-          <a:xfrm>
-            <a:off x="5904740" y="2098880"/>
-            <a:ext cx="5449060" cy="4153480"/>
-          </a:xfrm>
-          <a:prstGeom prst="rect">
-            <a:avLst/>
-          </a:prstGeom>
-        </p:spPr>
-      </p:pic>
-    </p:spTree>
-    <p:extLst>
-      <p:ext uri="{BB962C8B-B14F-4D97-AF65-F5344CB8AC3E}">
-        <p14:creationId xmlns:p14="http://schemas.microsoft.com/office/powerpoint/2010/main" val="858849"/>
-      </p:ext>
-    </p:extLst>
-  </p:cSld>
-  <p:clrMapOvr>
-    <a:masterClrMapping/>
-  </p:clrMapOvr>
-</p:sld>
-</file>
-
-<file path=ppt/slides/slide17.xml><?xml version="1.0" encoding="utf-8"?>
-<p:sld xmlns:a="http://schemas.openxmlformats.org/drawingml/2006/main" xmlns:r="http://schemas.openxmlformats.org/officeDocument/2006/relationships" xmlns:p="http://schemas.openxmlformats.org/presentationml/2006/main">
-  <p:cSld>
-    <p:spTree>
-      <p:nvGrpSpPr>
-        <p:cNvPr id="1" name=""/>
-        <p:cNvGrpSpPr/>
-        <p:nvPr/>
-      </p:nvGrpSpPr>
-      <p:grpSpPr>
-        <a:xfrm>
-          <a:off x="0" y="0"/>
-          <a:ext cx="0" cy="0"/>
-          <a:chOff x="0" y="0"/>
-          <a:chExt cx="0" cy="0"/>
-        </a:xfrm>
-      </p:grpSpPr>
-      <p:sp>
-        <p:nvSpPr>
-          <p:cNvPr id="2" name="標題 1">
-            <a:extLst>
-              <a:ext uri="{FF2B5EF4-FFF2-40B4-BE49-F238E27FC236}">
-                <a16:creationId xmlns:a16="http://schemas.microsoft.com/office/drawing/2014/main" id="{77E950B0-F163-4CC8-A905-0860C81161CD}"/>
-              </a:ext>
-            </a:extLst>
-          </p:cNvPr>
-          <p:cNvSpPr>
-            <a:spLocks noGrp="1"/>
-          </p:cNvSpPr>
-          <p:nvPr>
-            <p:ph type="title"/>
-          </p:nvPr>
-        </p:nvSpPr>
-        <p:spPr/>
-        <p:txBody>
-          <a:bodyPr/>
-          <a:lstStyle/>
-          <a:p>
-            <a:r>
-              <a:rPr lang="en-US" altLang="zh-TW" dirty="0"/>
-              <a:t>Preprocessor</a:t>
-            </a:r>
-            <a:endParaRPr lang="zh-TW" altLang="en-US" dirty="0"/>
-          </a:p>
-        </p:txBody>
-      </p:sp>
-      <p:sp>
-        <p:nvSpPr>
-          <p:cNvPr id="3" name="內容版面配置區 2">
-            <a:extLst>
-              <a:ext uri="{FF2B5EF4-FFF2-40B4-BE49-F238E27FC236}">
-                <a16:creationId xmlns:a16="http://schemas.microsoft.com/office/drawing/2014/main" id="{3E61489F-5223-4690-9EEF-9A083B8043DE}"/>
-              </a:ext>
-            </a:extLst>
-          </p:cNvPr>
-          <p:cNvSpPr>
-            <a:spLocks noGrp="1"/>
-          </p:cNvSpPr>
-          <p:nvPr>
-            <p:ph idx="1"/>
-          </p:nvPr>
-        </p:nvSpPr>
-        <p:spPr/>
-        <p:txBody>
-          <a:bodyPr/>
-          <a:lstStyle/>
-          <a:p>
-            <a:r>
-              <a:rPr lang="en-US" altLang="zh-TW" dirty="0"/>
-              <a:t>The preprocessor is executed before the compilation.</a:t>
-            </a:r>
-          </a:p>
-          <a:p>
-            <a:r>
-              <a:rPr lang="en-US" altLang="zh-TW" dirty="0"/>
-              <a:t>#include -&gt; includes other file into current source file.</a:t>
-            </a:r>
-          </a:p>
-          <a:p>
-            <a:endParaRPr lang="en-US" altLang="zh-TW" dirty="0"/>
-          </a:p>
-          <a:p>
-            <a:endParaRPr lang="zh-TW" altLang="en-US" dirty="0"/>
-          </a:p>
-        </p:txBody>
-      </p:sp>
-      <p:pic>
-        <p:nvPicPr>
-          <p:cNvPr id="4" name="圖片 3" descr="一張含有 文字 的圖片&#10;&#10;自動產生的描述">
-            <a:extLst>
-              <a:ext uri="{FF2B5EF4-FFF2-40B4-BE49-F238E27FC236}">
-                <a16:creationId xmlns:a16="http://schemas.microsoft.com/office/drawing/2014/main" id="{57660ED0-14B5-4289-B725-4DA3EBC8EDF8}"/>
-              </a:ext>
-            </a:extLst>
-          </p:cNvPr>
-          <p:cNvPicPr>
-            <a:picLocks noChangeAspect="1"/>
-          </p:cNvPicPr>
-          <p:nvPr/>
-        </p:nvPicPr>
-        <p:blipFill rotWithShape="1">
-          <a:blip r:embed="rId2"/>
-          <a:srcRect b="68369"/>
-          <a:stretch/>
-        </p:blipFill>
-        <p:spPr>
-          <a:xfrm>
-            <a:off x="4623989" y="3539519"/>
-            <a:ext cx="5525271" cy="1714558"/>
-          </a:xfrm>
-          <a:prstGeom prst="rect">
-            <a:avLst/>
-          </a:prstGeom>
-        </p:spPr>
-      </p:pic>
-      <p:sp>
-        <p:nvSpPr>
-          <p:cNvPr id="6" name="文字方塊 5">
-            <a:extLst>
-              <a:ext uri="{FF2B5EF4-FFF2-40B4-BE49-F238E27FC236}">
-                <a16:creationId xmlns:a16="http://schemas.microsoft.com/office/drawing/2014/main" id="{4AA668E4-5BBB-4500-BD2E-E3FE367CAD0D}"/>
-              </a:ext>
-            </a:extLst>
-          </p:cNvPr>
-          <p:cNvSpPr txBox="1"/>
-          <p:nvPr/>
-        </p:nvSpPr>
-        <p:spPr>
-          <a:xfrm>
-            <a:off x="-1554" y="6119336"/>
-            <a:ext cx="6097554" cy="369332"/>
-          </a:xfrm>
-          <a:prstGeom prst="rect">
-            <a:avLst/>
-          </a:prstGeom>
-          <a:noFill/>
-        </p:spPr>
-        <p:txBody>
-          <a:bodyPr wrap="square">
-            <a:spAutoFit/>
-          </a:bodyPr>
-          <a:lstStyle/>
-          <a:p>
-            <a:r>
-              <a:rPr lang="zh-TW" altLang="en-US" dirty="0"/>
-              <a:t>https://en.cppreference.com/w/cpp/preprocessor</a:t>
-            </a:r>
-          </a:p>
-        </p:txBody>
-      </p:sp>
-      <p:sp>
-        <p:nvSpPr>
-          <p:cNvPr id="8" name="文字方塊 7">
-            <a:extLst>
-              <a:ext uri="{FF2B5EF4-FFF2-40B4-BE49-F238E27FC236}">
-                <a16:creationId xmlns:a16="http://schemas.microsoft.com/office/drawing/2014/main" id="{F4499CF2-21B9-4347-94C6-EE879B76F918}"/>
-              </a:ext>
-            </a:extLst>
-          </p:cNvPr>
-          <p:cNvSpPr txBox="1"/>
-          <p:nvPr/>
-        </p:nvSpPr>
-        <p:spPr>
-          <a:xfrm>
-            <a:off x="0" y="6488668"/>
-            <a:ext cx="6813957" cy="369332"/>
-          </a:xfrm>
-          <a:prstGeom prst="rect">
-            <a:avLst/>
-          </a:prstGeom>
-          <a:noFill/>
-        </p:spPr>
-        <p:txBody>
-          <a:bodyPr wrap="square">
-            <a:spAutoFit/>
-          </a:bodyPr>
-          <a:lstStyle/>
-          <a:p>
-            <a:r>
-              <a:rPr lang="zh-TW" altLang="en-US" dirty="0"/>
-              <a:t>https://en.cppreference.com/w/cpp/preprocessor/include</a:t>
-            </a:r>
-          </a:p>
-        </p:txBody>
-      </p:sp>
-    </p:spTree>
-    <p:extLst>
-      <p:ext uri="{BB962C8B-B14F-4D97-AF65-F5344CB8AC3E}">
-        <p14:creationId xmlns:p14="http://schemas.microsoft.com/office/powerpoint/2010/main" val="3346694830"/>
-      </p:ext>
-    </p:extLst>
-  </p:cSld>
-  <p:clrMapOvr>
-    <a:masterClrMapping/>
-  </p:clrMapOvr>
-</p:sld>
-</file>
-
-<file path=ppt/slides/slide18.xml><?xml version="1.0" encoding="utf-8"?>
-<p:sld xmlns:a="http://schemas.openxmlformats.org/drawingml/2006/main" xmlns:r="http://schemas.openxmlformats.org/officeDocument/2006/relationships" xmlns:p="http://schemas.openxmlformats.org/presentationml/2006/main">
-  <p:cSld>
-    <p:spTree>
-      <p:nvGrpSpPr>
-        <p:cNvPr id="1" name=""/>
-        <p:cNvGrpSpPr/>
-        <p:nvPr/>
-      </p:nvGrpSpPr>
-      <p:grpSpPr>
-        <a:xfrm>
-          <a:off x="0" y="0"/>
-          <a:ext cx="0" cy="0"/>
-          <a:chOff x="0" y="0"/>
-          <a:chExt cx="0" cy="0"/>
-        </a:xfrm>
-      </p:grpSpPr>
-      <p:sp>
-        <p:nvSpPr>
-          <p:cNvPr id="2" name="標題 1">
-            <a:extLst>
-              <a:ext uri="{FF2B5EF4-FFF2-40B4-BE49-F238E27FC236}">
-                <a16:creationId xmlns:a16="http://schemas.microsoft.com/office/drawing/2014/main" id="{1E60BF66-405F-4D8A-9C1A-00AEEC42A521}"/>
-              </a:ext>
-            </a:extLst>
-          </p:cNvPr>
-          <p:cNvSpPr>
-            <a:spLocks noGrp="1"/>
-          </p:cNvSpPr>
-          <p:nvPr>
-            <p:ph type="title"/>
-          </p:nvPr>
-        </p:nvSpPr>
-        <p:spPr/>
-        <p:txBody>
-          <a:bodyPr/>
-          <a:lstStyle/>
-          <a:p>
-            <a:r>
-              <a:rPr lang="en-US" altLang="zh-TW" dirty="0"/>
-              <a:t>Input and Output Library</a:t>
-            </a:r>
-            <a:endParaRPr lang="zh-TW" altLang="en-US" dirty="0"/>
-          </a:p>
-        </p:txBody>
-      </p:sp>
-      <p:sp>
-        <p:nvSpPr>
-          <p:cNvPr id="3" name="內容版面配置區 2">
-            <a:extLst>
-              <a:ext uri="{FF2B5EF4-FFF2-40B4-BE49-F238E27FC236}">
-                <a16:creationId xmlns:a16="http://schemas.microsoft.com/office/drawing/2014/main" id="{2F064966-9B47-454B-A54B-5E44BCCC1949}"/>
-              </a:ext>
-            </a:extLst>
-          </p:cNvPr>
-          <p:cNvSpPr>
-            <a:spLocks noGrp="1"/>
-          </p:cNvSpPr>
-          <p:nvPr>
-            <p:ph idx="1"/>
-          </p:nvPr>
-        </p:nvSpPr>
-        <p:spPr/>
-        <p:txBody>
-          <a:bodyPr/>
-          <a:lstStyle/>
-          <a:p>
-            <a:r>
-              <a:rPr lang="en-US" altLang="zh-TW" dirty="0"/>
-              <a:t>&lt;iostream&gt; -&gt; is part of the Input/output library.</a:t>
-            </a:r>
-          </a:p>
-          <a:p>
-            <a:r>
-              <a:rPr lang="en-US" altLang="zh-TW" dirty="0"/>
-              <a:t>std::</a:t>
-            </a:r>
-            <a:r>
-              <a:rPr lang="en-US" altLang="zh-TW" dirty="0" err="1"/>
-              <a:t>cout</a:t>
-            </a:r>
-            <a:r>
-              <a:rPr lang="en-US" altLang="zh-TW" dirty="0"/>
-              <a:t> -&gt; writes to the standard C output stream </a:t>
-            </a:r>
-            <a:r>
-              <a:rPr lang="en-US" altLang="zh-TW" dirty="0" err="1"/>
-              <a:t>stdout</a:t>
-            </a:r>
-            <a:r>
-              <a:rPr lang="en-US" altLang="zh-TW" dirty="0"/>
-              <a:t>.</a:t>
-            </a:r>
-          </a:p>
-          <a:p>
-            <a:r>
-              <a:rPr lang="en-US" altLang="zh-TW" dirty="0"/>
-              <a:t>std::</a:t>
-            </a:r>
-            <a:r>
-              <a:rPr lang="en-US" altLang="zh-TW" dirty="0" err="1"/>
-              <a:t>endl</a:t>
-            </a:r>
-            <a:r>
-              <a:rPr lang="en-US" altLang="zh-TW" dirty="0"/>
-              <a:t> -&gt; insert a newline character.</a:t>
-            </a:r>
-            <a:endParaRPr lang="zh-TW" altLang="en-US" dirty="0"/>
-          </a:p>
-        </p:txBody>
-      </p:sp>
-      <p:sp>
-        <p:nvSpPr>
-          <p:cNvPr id="5" name="文字方塊 4">
-            <a:extLst>
-              <a:ext uri="{FF2B5EF4-FFF2-40B4-BE49-F238E27FC236}">
-                <a16:creationId xmlns:a16="http://schemas.microsoft.com/office/drawing/2014/main" id="{3C048F04-4693-4993-A2AF-B927DF3EC44F}"/>
-              </a:ext>
-            </a:extLst>
-          </p:cNvPr>
-          <p:cNvSpPr txBox="1"/>
-          <p:nvPr/>
-        </p:nvSpPr>
-        <p:spPr>
-          <a:xfrm>
-            <a:off x="111153" y="6396416"/>
-            <a:ext cx="6415481" cy="369332"/>
-          </a:xfrm>
-          <a:prstGeom prst="rect">
-            <a:avLst/>
-          </a:prstGeom>
-          <a:noFill/>
-        </p:spPr>
-        <p:txBody>
-          <a:bodyPr wrap="square">
-            <a:spAutoFit/>
-          </a:bodyPr>
-          <a:lstStyle/>
-          <a:p>
-            <a:r>
-              <a:rPr lang="zh-TW" altLang="en-US" dirty="0"/>
-              <a:t>https://en.cppreference.com/w/cpp/header/iostream</a:t>
-            </a:r>
-          </a:p>
-        </p:txBody>
-      </p:sp>
-      <p:pic>
-        <p:nvPicPr>
-          <p:cNvPr id="6" name="圖片 5" descr="一張含有 文字 的圖片&#10;&#10;自動產生的描述">
-            <a:extLst>
-              <a:ext uri="{FF2B5EF4-FFF2-40B4-BE49-F238E27FC236}">
-                <a16:creationId xmlns:a16="http://schemas.microsoft.com/office/drawing/2014/main" id="{1400ADB7-661A-4953-A85F-D6F91E19FA95}"/>
-              </a:ext>
-            </a:extLst>
-          </p:cNvPr>
-          <p:cNvPicPr>
-            <a:picLocks noChangeAspect="1"/>
-          </p:cNvPicPr>
-          <p:nvPr/>
-        </p:nvPicPr>
-        <p:blipFill rotWithShape="1">
-          <a:blip r:embed="rId2"/>
-          <a:srcRect t="53954" b="21591"/>
-          <a:stretch/>
-        </p:blipFill>
-        <p:spPr>
-          <a:xfrm>
-            <a:off x="5533937" y="4921426"/>
-            <a:ext cx="5525271" cy="1325563"/>
-          </a:xfrm>
-          <a:prstGeom prst="rect">
-            <a:avLst/>
-          </a:prstGeom>
-        </p:spPr>
-      </p:pic>
-      <p:pic>
-        <p:nvPicPr>
-          <p:cNvPr id="7" name="圖片 6" descr="一張含有 文字 的圖片&#10;&#10;自動產生的描述">
-            <a:extLst>
-              <a:ext uri="{FF2B5EF4-FFF2-40B4-BE49-F238E27FC236}">
-                <a16:creationId xmlns:a16="http://schemas.microsoft.com/office/drawing/2014/main" id="{51B646F4-C375-4A81-916A-13305AAAB8E4}"/>
-              </a:ext>
-            </a:extLst>
-          </p:cNvPr>
-          <p:cNvPicPr>
-            <a:picLocks noChangeAspect="1"/>
-          </p:cNvPicPr>
-          <p:nvPr/>
-        </p:nvPicPr>
-        <p:blipFill rotWithShape="1">
-          <a:blip r:embed="rId2"/>
-          <a:srcRect b="81297"/>
-          <a:stretch/>
-        </p:blipFill>
-        <p:spPr>
-          <a:xfrm>
-            <a:off x="5533937" y="3795498"/>
-            <a:ext cx="5525271" cy="1013820"/>
-          </a:xfrm>
-          <a:prstGeom prst="rect">
-            <a:avLst/>
-          </a:prstGeom>
-        </p:spPr>
-      </p:pic>
-    </p:spTree>
-    <p:extLst>
-      <p:ext uri="{BB962C8B-B14F-4D97-AF65-F5344CB8AC3E}">
-        <p14:creationId xmlns:p14="http://schemas.microsoft.com/office/powerpoint/2010/main" val="2337019720"/>
-      </p:ext>
-    </p:extLst>
-  </p:cSld>
-  <p:clrMapOvr>
-    <a:masterClrMapping/>
-  </p:clrMapOvr>
-</p:sld>
-</file>
-
-<file path=ppt/slides/slide19.xml><?xml version="1.0" encoding="utf-8"?>
-<p:sld xmlns:a="http://schemas.openxmlformats.org/drawingml/2006/main" xmlns:r="http://schemas.openxmlformats.org/officeDocument/2006/relationships" xmlns:p="http://schemas.openxmlformats.org/presentationml/2006/main">
-  <p:cSld>
-    <p:spTree>
-      <p:nvGrpSpPr>
-        <p:cNvPr id="1" name=""/>
-        <p:cNvGrpSpPr/>
-        <p:nvPr/>
-      </p:nvGrpSpPr>
-      <p:grpSpPr>
-        <a:xfrm>
-          <a:off x="0" y="0"/>
-          <a:ext cx="0" cy="0"/>
-          <a:chOff x="0" y="0"/>
-          <a:chExt cx="0" cy="0"/>
-        </a:xfrm>
-      </p:grpSpPr>
-      <p:sp>
-        <p:nvSpPr>
-          <p:cNvPr id="2" name="標題 1">
-            <a:extLst>
-              <a:ext uri="{FF2B5EF4-FFF2-40B4-BE49-F238E27FC236}">
-                <a16:creationId xmlns:a16="http://schemas.microsoft.com/office/drawing/2014/main" id="{92E9A66B-00F8-412E-895B-ECC8BD0325EB}"/>
-              </a:ext>
-            </a:extLst>
-          </p:cNvPr>
-          <p:cNvSpPr>
-            <a:spLocks noGrp="1"/>
-          </p:cNvSpPr>
-          <p:nvPr>
-            <p:ph type="title"/>
-          </p:nvPr>
-        </p:nvSpPr>
-        <p:spPr/>
-        <p:txBody>
-          <a:bodyPr/>
-          <a:lstStyle/>
-          <a:p>
-            <a:r>
-              <a:rPr lang="en-US" altLang="zh-TW" dirty="0"/>
-              <a:t>Input and Output Library</a:t>
-            </a:r>
-            <a:endParaRPr lang="zh-TW" altLang="en-US" dirty="0"/>
-          </a:p>
-        </p:txBody>
-      </p:sp>
-      <p:pic>
-        <p:nvPicPr>
-          <p:cNvPr id="5" name="內容版面配置區 4" descr="一張含有 文字, 螢幕, 螢幕擷取畫面, 銀色 的圖片&#10;&#10;自動產生的描述">
-            <a:extLst>
-              <a:ext uri="{FF2B5EF4-FFF2-40B4-BE49-F238E27FC236}">
-                <a16:creationId xmlns:a16="http://schemas.microsoft.com/office/drawing/2014/main" id="{E865FFC9-6E44-40D2-A2AE-21EE28262AE1}"/>
-              </a:ext>
-            </a:extLst>
-          </p:cNvPr>
-          <p:cNvPicPr>
-            <a:picLocks noGrp="1" noChangeAspect="1"/>
-          </p:cNvPicPr>
-          <p:nvPr>
-            <p:ph idx="1"/>
-          </p:nvPr>
-        </p:nvPicPr>
-        <p:blipFill>
-          <a:blip r:embed="rId2"/>
-          <a:stretch>
-            <a:fillRect/>
-          </a:stretch>
-        </p:blipFill>
-        <p:spPr>
-          <a:xfrm>
-            <a:off x="729851" y="1558358"/>
-            <a:ext cx="8064597" cy="4160837"/>
-          </a:xfrm>
-        </p:spPr>
-      </p:pic>
-      <p:pic>
-        <p:nvPicPr>
-          <p:cNvPr id="9" name="圖片 8" descr="一張含有 文字 的圖片&#10;&#10;自動產生的描述">
-            <a:extLst>
-              <a:ext uri="{FF2B5EF4-FFF2-40B4-BE49-F238E27FC236}">
-                <a16:creationId xmlns:a16="http://schemas.microsoft.com/office/drawing/2014/main" id="{B5189A47-513C-4497-9992-D7DC02261715}"/>
-              </a:ext>
-            </a:extLst>
-          </p:cNvPr>
-          <p:cNvPicPr>
-            <a:picLocks noChangeAspect="1"/>
-          </p:cNvPicPr>
-          <p:nvPr/>
-        </p:nvPicPr>
-        <p:blipFill>
-          <a:blip r:embed="rId3"/>
-          <a:stretch>
-            <a:fillRect/>
-          </a:stretch>
-        </p:blipFill>
-        <p:spPr>
-          <a:xfrm>
-            <a:off x="5514160" y="5173807"/>
-            <a:ext cx="5839640" cy="895475"/>
-          </a:xfrm>
-          <a:prstGeom prst="rect">
-            <a:avLst/>
-          </a:prstGeom>
-          <a:ln w="38100">
-            <a:solidFill>
-              <a:srgbClr val="C00000"/>
-            </a:solidFill>
-          </a:ln>
-        </p:spPr>
-      </p:pic>
-    </p:spTree>
-    <p:extLst>
-      <p:ext uri="{BB962C8B-B14F-4D97-AF65-F5344CB8AC3E}">
-        <p14:creationId xmlns:p14="http://schemas.microsoft.com/office/powerpoint/2010/main" val="1912945623"/>
-      </p:ext>
-    </p:extLst>
-  </p:cSld>
-  <p:clrMapOvr>
-    <a:masterClrMapping/>
-  </p:clrMapOvr>
-</p:sld>
-</file>
-
-<file path=ppt/slides/slide2.xml><?xml version="1.0" encoding="utf-8"?>
-<p:sld xmlns:a="http://schemas.openxmlformats.org/drawingml/2006/main" xmlns:r="http://schemas.openxmlformats.org/officeDocument/2006/relationships" xmlns:p="http://schemas.openxmlformats.org/presentationml/2006/main">
-  <p:cSld>
-    <p:spTree>
-      <p:nvGrpSpPr>
-        <p:cNvPr id="1" name=""/>
-        <p:cNvGrpSpPr/>
-        <p:nvPr/>
-      </p:nvGrpSpPr>
-      <p:grpSpPr>
-        <a:xfrm>
-          <a:off x="0" y="0"/>
-          <a:ext cx="0" cy="0"/>
-          <a:chOff x="0" y="0"/>
-          <a:chExt cx="0" cy="0"/>
-        </a:xfrm>
-      </p:grpSpPr>
-      <p:sp>
-        <p:nvSpPr>
-          <p:cNvPr id="2" name="標題 1">
-            <a:extLst>
-              <a:ext uri="{FF2B5EF4-FFF2-40B4-BE49-F238E27FC236}">
-                <a16:creationId xmlns:a16="http://schemas.microsoft.com/office/drawing/2014/main" id="{76C4D54A-F5FD-416F-8C60-CBF50DF00611}"/>
-              </a:ext>
-            </a:extLst>
-          </p:cNvPr>
-          <p:cNvSpPr>
-            <a:spLocks noGrp="1"/>
-          </p:cNvSpPr>
-          <p:nvPr>
-            <p:ph type="title"/>
-          </p:nvPr>
-        </p:nvSpPr>
-        <p:spPr/>
-        <p:txBody>
-          <a:bodyPr/>
-          <a:lstStyle/>
-          <a:p>
-            <a:r>
-              <a:rPr lang="en-US" altLang="zh-TW" dirty="0"/>
-              <a:t>Time and Place</a:t>
-            </a:r>
-            <a:endParaRPr lang="zh-TW" altLang="en-US" dirty="0"/>
-          </a:p>
-        </p:txBody>
-      </p:sp>
-      <p:sp>
-        <p:nvSpPr>
-          <p:cNvPr id="3" name="內容版面配置區 2">
-            <a:extLst>
-              <a:ext uri="{FF2B5EF4-FFF2-40B4-BE49-F238E27FC236}">
-                <a16:creationId xmlns:a16="http://schemas.microsoft.com/office/drawing/2014/main" id="{BC03CFCB-047B-4391-89E5-6F1EFEA1F9AA}"/>
-              </a:ext>
-            </a:extLst>
-          </p:cNvPr>
-          <p:cNvSpPr>
-            <a:spLocks noGrp="1"/>
-          </p:cNvSpPr>
-          <p:nvPr>
-            <p:ph idx="1"/>
-          </p:nvPr>
-        </p:nvSpPr>
-        <p:spPr/>
-        <p:txBody>
-          <a:bodyPr/>
-          <a:lstStyle/>
-          <a:p>
-            <a:r>
-              <a:rPr lang="en-US" altLang="zh-TW" dirty="0"/>
-              <a:t>Lecture: W7W8W9 / GEN III</a:t>
-            </a:r>
-            <a:r>
-              <a:rPr lang="zh-TW" altLang="en-US" dirty="0"/>
-              <a:t>綜三</a:t>
-            </a:r>
-            <a:r>
-              <a:rPr lang="en-US" altLang="zh-TW" dirty="0"/>
-              <a:t>315</a:t>
-            </a:r>
-          </a:p>
-          <a:p>
-            <a:r>
-              <a:rPr lang="en-US" altLang="zh-TW" dirty="0"/>
-              <a:t>Office Hour: TBA</a:t>
-            </a:r>
-            <a:endParaRPr lang="zh-TW" altLang="en-US" dirty="0"/>
-          </a:p>
-        </p:txBody>
-      </p:sp>
-    </p:spTree>
-    <p:extLst>
-      <p:ext uri="{BB962C8B-B14F-4D97-AF65-F5344CB8AC3E}">
-        <p14:creationId xmlns:p14="http://schemas.microsoft.com/office/powerpoint/2010/main" val="1857210467"/>
-      </p:ext>
-    </p:extLst>
-  </p:cSld>
-  <p:clrMapOvr>
-    <a:masterClrMapping/>
-  </p:clrMapOvr>
-</p:sld>
-</file>
-
-<file path=ppt/slides/slide20.xml><?xml version="1.0" encoding="utf-8"?>
-<p:sld xmlns:a="http://schemas.openxmlformats.org/drawingml/2006/main" xmlns:r="http://schemas.openxmlformats.org/officeDocument/2006/relationships" xmlns:p="http://schemas.openxmlformats.org/presentationml/2006/main">
-  <p:cSld>
-    <p:spTree>
-      <p:nvGrpSpPr>
-        <p:cNvPr id="1" name=""/>
-        <p:cNvGrpSpPr/>
-        <p:nvPr/>
-      </p:nvGrpSpPr>
-      <p:grpSpPr>
-        <a:xfrm>
-          <a:off x="0" y="0"/>
-          <a:ext cx="0" cy="0"/>
-          <a:chOff x="0" y="0"/>
-          <a:chExt cx="0" cy="0"/>
-        </a:xfrm>
-      </p:grpSpPr>
-      <p:sp>
-        <p:nvSpPr>
-          <p:cNvPr id="2" name="標題 1">
-            <a:extLst>
-              <a:ext uri="{FF2B5EF4-FFF2-40B4-BE49-F238E27FC236}">
-                <a16:creationId xmlns:a16="http://schemas.microsoft.com/office/drawing/2014/main" id="{51AAB659-BB8B-4FC5-A7AA-3B10074F63D9}"/>
-              </a:ext>
-            </a:extLst>
-          </p:cNvPr>
-          <p:cNvSpPr>
-            <a:spLocks noGrp="1"/>
-          </p:cNvSpPr>
-          <p:nvPr>
-            <p:ph type="title"/>
-          </p:nvPr>
-        </p:nvSpPr>
-        <p:spPr/>
-        <p:txBody>
-          <a:bodyPr/>
-          <a:lstStyle/>
-          <a:p>
-            <a:r>
-              <a:rPr lang="en-US" altLang="zh-TW" dirty="0"/>
-              <a:t>Coding Style</a:t>
-            </a:r>
-            <a:endParaRPr lang="zh-TW" altLang="en-US" dirty="0"/>
-          </a:p>
-        </p:txBody>
-      </p:sp>
-      <p:pic>
-        <p:nvPicPr>
-          <p:cNvPr id="7" name="內容版面配置區 6" descr="一張含有 文字, 監視器, 螢幕 的圖片&#10;&#10;自動產生的描述">
-            <a:extLst>
-              <a:ext uri="{FF2B5EF4-FFF2-40B4-BE49-F238E27FC236}">
-                <a16:creationId xmlns:a16="http://schemas.microsoft.com/office/drawing/2014/main" id="{70FD4C0A-B303-4B4E-8B8B-E9474510BAC7}"/>
-              </a:ext>
-            </a:extLst>
-          </p:cNvPr>
-          <p:cNvPicPr>
-            <a:picLocks noGrp="1" noChangeAspect="1"/>
-          </p:cNvPicPr>
-          <p:nvPr>
-            <p:ph idx="1"/>
-          </p:nvPr>
-        </p:nvPicPr>
-        <p:blipFill>
-          <a:blip r:embed="rId2"/>
-          <a:stretch>
-            <a:fillRect/>
-          </a:stretch>
-        </p:blipFill>
-        <p:spPr>
-          <a:xfrm>
-            <a:off x="104197" y="2397957"/>
-            <a:ext cx="6625293" cy="3223370"/>
-          </a:xfrm>
-        </p:spPr>
-      </p:pic>
-      <p:pic>
-        <p:nvPicPr>
-          <p:cNvPr id="8" name="圖片 7" descr="一張含有 文字 的圖片&#10;&#10;自動產生的描述">
-            <a:extLst>
-              <a:ext uri="{FF2B5EF4-FFF2-40B4-BE49-F238E27FC236}">
-                <a16:creationId xmlns:a16="http://schemas.microsoft.com/office/drawing/2014/main" id="{06662257-6D59-4C8B-A2D2-F70BA0E96273}"/>
-              </a:ext>
-            </a:extLst>
-          </p:cNvPr>
-          <p:cNvPicPr>
-            <a:picLocks noChangeAspect="1"/>
-          </p:cNvPicPr>
-          <p:nvPr/>
-        </p:nvPicPr>
-        <p:blipFill>
-          <a:blip r:embed="rId3"/>
-          <a:stretch>
-            <a:fillRect/>
-          </a:stretch>
-        </p:blipFill>
-        <p:spPr>
-          <a:xfrm>
-            <a:off x="6666729" y="1072394"/>
-            <a:ext cx="5525271" cy="5420481"/>
-          </a:xfrm>
-          <a:prstGeom prst="rect">
-            <a:avLst/>
-          </a:prstGeom>
-        </p:spPr>
-      </p:pic>
-    </p:spTree>
-    <p:extLst>
-      <p:ext uri="{BB962C8B-B14F-4D97-AF65-F5344CB8AC3E}">
-        <p14:creationId xmlns:p14="http://schemas.microsoft.com/office/powerpoint/2010/main" val="2724434269"/>
-      </p:ext>
-    </p:extLst>
-  </p:cSld>
-  <p:clrMapOvr>
-    <a:masterClrMapping/>
-  </p:clrMapOvr>
-</p:sld>
-</file>
-
-<file path=ppt/slides/slide21.xml><?xml version="1.0" encoding="utf-8"?>
-<p:sld xmlns:a="http://schemas.openxmlformats.org/drawingml/2006/main" xmlns:r="http://schemas.openxmlformats.org/officeDocument/2006/relationships" xmlns:p="http://schemas.openxmlformats.org/presentationml/2006/main">
-  <p:cSld>
-    <p:bg>
-      <p:bgPr>
-        <a:solidFill>
-          <a:schemeClr val="bg1"/>
-        </a:solidFill>
-        <a:effectLst/>
-      </p:bgPr>
-    </p:bg>
-    <p:spTree>
-      <p:nvGrpSpPr>
-        <p:cNvPr id="1" name=""/>
-        <p:cNvGrpSpPr/>
-        <p:nvPr/>
-      </p:nvGrpSpPr>
-      <p:grpSpPr>
-        <a:xfrm>
-          <a:off x="0" y="0"/>
-          <a:ext cx="0" cy="0"/>
-          <a:chOff x="0" y="0"/>
-          <a:chExt cx="0" cy="0"/>
-        </a:xfrm>
-      </p:grpSpPr>
-      <p:sp>
-        <p:nvSpPr>
-          <p:cNvPr id="8" name="Graphic 1">
-            <a:extLst>
-              <a:ext uri="{FF2B5EF4-FFF2-40B4-BE49-F238E27FC236}">
-                <a16:creationId xmlns:a16="http://schemas.microsoft.com/office/drawing/2014/main" id="{0D57E7FA-E8FC-45AC-868F-CDC8144939D6}"/>
-              </a:ext>
-              <a:ext uri="{C183D7F6-B498-43B3-948B-1728B52AA6E4}">
-                <adec:decorative xmlns:adec="http://schemas.microsoft.com/office/drawing/2017/decorative" val="1"/>
-              </a:ext>
-            </a:extLst>
-          </p:cNvPr>
-          <p:cNvSpPr>
-            <a:spLocks noGrp="1" noRot="1" noChangeAspect="1" noMove="1" noResize="1" noEditPoints="1" noAdjustHandles="1" noChangeArrowheads="1" noChangeShapeType="1" noTextEdit="1"/>
-          </p:cNvSpPr>
-          <p:nvPr>
-            <p:extLst>
-              <p:ext uri="{386F3935-93C4-4BCD-93E2-E3B085C9AB24}">
-                <p16:designElem xmlns:p16="http://schemas.microsoft.com/office/powerpoint/2015/main" val="1"/>
-              </p:ext>
-            </p:extLst>
-          </p:nvPr>
-        </p:nvSpPr>
-        <p:spPr>
-          <a:xfrm rot="10800000" flipV="1">
-            <a:off x="2599854" y="527562"/>
-            <a:ext cx="6992292" cy="5102484"/>
-          </a:xfrm>
-          <a:custGeom>
-            <a:avLst/>
-            <a:gdLst/>
-            <a:ahLst/>
-            <a:cxnLst/>
-            <a:rect l="l" t="t" r="r" b="b"/>
-            <a:pathLst>
-              <a:path w="6886274" h="5025119">
-                <a:moveTo>
-                  <a:pt x="5458905" y="754119"/>
-                </a:moveTo>
-                <a:cubicBezTo>
-                  <a:pt x="5417216" y="775336"/>
-                  <a:pt x="4594585" y="1111088"/>
-                  <a:pt x="3455557" y="1027709"/>
-                </a:cubicBezTo>
-                <a:cubicBezTo>
-                  <a:pt x="3415356" y="1024731"/>
-                  <a:pt x="3377389" y="1022869"/>
-                  <a:pt x="3338677" y="1021381"/>
-                </a:cubicBezTo>
-                <a:cubicBezTo>
-                  <a:pt x="2996224" y="1006119"/>
-                  <a:pt x="2660100" y="998674"/>
-                  <a:pt x="2518280" y="980435"/>
-                </a:cubicBezTo>
-                <a:cubicBezTo>
-                  <a:pt x="2407355" y="965918"/>
-                  <a:pt x="1840075" y="843082"/>
-                  <a:pt x="1673687" y="739229"/>
-                </a:cubicBezTo>
-                <a:cubicBezTo>
-                  <a:pt x="1503578" y="632771"/>
-                  <a:pt x="1343146" y="515146"/>
-                  <a:pt x="1183459" y="397149"/>
-                </a:cubicBezTo>
-                <a:cubicBezTo>
-                  <a:pt x="1114224" y="346153"/>
-                  <a:pt x="1040522" y="299624"/>
-                  <a:pt x="977987" y="241184"/>
-                </a:cubicBezTo>
-                <a:cubicBezTo>
-                  <a:pt x="915453" y="182372"/>
-                  <a:pt x="855896" y="121326"/>
-                  <a:pt x="788150" y="66980"/>
-                </a:cubicBezTo>
-                <a:cubicBezTo>
-                  <a:pt x="768794" y="51346"/>
-                  <a:pt x="749438" y="34596"/>
-                  <a:pt x="721148" y="31990"/>
-                </a:cubicBezTo>
-                <a:cubicBezTo>
-                  <a:pt x="714820" y="31246"/>
-                  <a:pt x="708120" y="31618"/>
-                  <a:pt x="701792" y="32362"/>
-                </a:cubicBezTo>
-                <a:cubicBezTo>
-                  <a:pt x="694720" y="33107"/>
-                  <a:pt x="689136" y="36829"/>
-                  <a:pt x="686530" y="43157"/>
-                </a:cubicBezTo>
-                <a:cubicBezTo>
-                  <a:pt x="683925" y="50230"/>
-                  <a:pt x="688392" y="54324"/>
-                  <a:pt x="693603" y="58046"/>
-                </a:cubicBezTo>
-                <a:cubicBezTo>
-                  <a:pt x="697325" y="60652"/>
-                  <a:pt x="701047" y="64747"/>
-                  <a:pt x="705886" y="65491"/>
-                </a:cubicBezTo>
-                <a:cubicBezTo>
-                  <a:pt x="736782" y="69958"/>
-                  <a:pt x="748321" y="92664"/>
-                  <a:pt x="762838" y="112764"/>
-                </a:cubicBezTo>
-                <a:cubicBezTo>
-                  <a:pt x="769166" y="121326"/>
-                  <a:pt x="775866" y="128026"/>
-                  <a:pt x="764327" y="140309"/>
-                </a:cubicBezTo>
-                <a:cubicBezTo>
-                  <a:pt x="754277" y="151104"/>
-                  <a:pt x="764699" y="156688"/>
-                  <a:pt x="775121" y="159666"/>
-                </a:cubicBezTo>
-                <a:cubicBezTo>
-                  <a:pt x="789638" y="163760"/>
-                  <a:pt x="806761" y="163016"/>
-                  <a:pt x="823139" y="176416"/>
-                </a:cubicBezTo>
-                <a:cubicBezTo>
-                  <a:pt x="761721" y="177533"/>
-                  <a:pt x="735665" y="142171"/>
-                  <a:pt x="707748" y="109414"/>
-                </a:cubicBezTo>
-                <a:cubicBezTo>
-                  <a:pt x="697325" y="97503"/>
-                  <a:pt x="690253" y="83358"/>
-                  <a:pt x="681319" y="69958"/>
-                </a:cubicBezTo>
-                <a:cubicBezTo>
-                  <a:pt x="670152" y="53580"/>
-                  <a:pt x="657124" y="52835"/>
-                  <a:pt x="640746" y="67352"/>
-                </a:cubicBezTo>
-                <a:cubicBezTo>
-                  <a:pt x="626229" y="80380"/>
-                  <a:pt x="619157" y="79264"/>
-                  <a:pt x="614318" y="61396"/>
-                </a:cubicBezTo>
-                <a:cubicBezTo>
-                  <a:pt x="606873" y="33479"/>
-                  <a:pt x="589750" y="13751"/>
-                  <a:pt x="560716" y="3701"/>
-                </a:cubicBezTo>
-                <a:cubicBezTo>
-                  <a:pt x="554388" y="1467"/>
-                  <a:pt x="546572" y="-3372"/>
-                  <a:pt x="540616" y="3701"/>
-                </a:cubicBezTo>
-                <a:cubicBezTo>
-                  <a:pt x="535405" y="9656"/>
-                  <a:pt x="539871" y="16729"/>
-                  <a:pt x="543594" y="21940"/>
-                </a:cubicBezTo>
-                <a:cubicBezTo>
-                  <a:pt x="550294" y="31246"/>
-                  <a:pt x="556250" y="40179"/>
-                  <a:pt x="558855" y="51346"/>
-                </a:cubicBezTo>
-                <a:cubicBezTo>
-                  <a:pt x="560716" y="58791"/>
-                  <a:pt x="562578" y="66980"/>
-                  <a:pt x="557366" y="72563"/>
-                </a:cubicBezTo>
-                <a:cubicBezTo>
-                  <a:pt x="535777" y="96386"/>
-                  <a:pt x="551411" y="107553"/>
-                  <a:pt x="570022" y="120209"/>
-                </a:cubicBezTo>
-                <a:cubicBezTo>
-                  <a:pt x="595706" y="137332"/>
-                  <a:pt x="605756" y="162643"/>
-                  <a:pt x="599801" y="192794"/>
-                </a:cubicBezTo>
-                <a:cubicBezTo>
-                  <a:pt x="597567" y="205078"/>
-                  <a:pt x="599056" y="212522"/>
-                  <a:pt x="614318" y="212150"/>
-                </a:cubicBezTo>
-                <a:cubicBezTo>
-                  <a:pt x="620273" y="212150"/>
-                  <a:pt x="621762" y="216245"/>
-                  <a:pt x="623996" y="220711"/>
-                </a:cubicBezTo>
-                <a:cubicBezTo>
-                  <a:pt x="671641" y="326053"/>
-                  <a:pt x="740504" y="418366"/>
-                  <a:pt x="821278" y="503235"/>
-                </a:cubicBezTo>
-                <a:cubicBezTo>
-                  <a:pt x="886791" y="572098"/>
-                  <a:pt x="959004" y="634260"/>
-                  <a:pt x="1033822" y="694562"/>
-                </a:cubicBezTo>
-                <a:cubicBezTo>
-                  <a:pt x="1036055" y="696423"/>
-                  <a:pt x="1038289" y="698656"/>
-                  <a:pt x="1039406" y="702378"/>
-                </a:cubicBezTo>
-                <a:cubicBezTo>
-                  <a:pt x="1004044" y="694934"/>
-                  <a:pt x="973521" y="679672"/>
-                  <a:pt x="944114" y="662550"/>
-                </a:cubicBezTo>
-                <a:cubicBezTo>
-                  <a:pt x="865946" y="617138"/>
-                  <a:pt x="800061" y="558325"/>
-                  <a:pt x="733432" y="500629"/>
-                </a:cubicBezTo>
-                <a:cubicBezTo>
-                  <a:pt x="692858" y="465267"/>
-                  <a:pt x="651169" y="431022"/>
-                  <a:pt x="606501" y="399755"/>
-                </a:cubicBezTo>
-                <a:cubicBezTo>
-                  <a:pt x="599056" y="394543"/>
-                  <a:pt x="593845" y="387843"/>
-                  <a:pt x="588634" y="381143"/>
-                </a:cubicBezTo>
-                <a:cubicBezTo>
-                  <a:pt x="585656" y="377421"/>
-                  <a:pt x="581934" y="374071"/>
-                  <a:pt x="575978" y="375560"/>
-                </a:cubicBezTo>
-                <a:cubicBezTo>
-                  <a:pt x="568533" y="377421"/>
-                  <a:pt x="567789" y="383004"/>
-                  <a:pt x="567044" y="388588"/>
-                </a:cubicBezTo>
-                <a:cubicBezTo>
-                  <a:pt x="564811" y="406455"/>
-                  <a:pt x="569650" y="422461"/>
-                  <a:pt x="578956" y="437722"/>
-                </a:cubicBezTo>
-                <a:cubicBezTo>
-                  <a:pt x="603151" y="476806"/>
-                  <a:pt x="638885" y="506957"/>
-                  <a:pt x="675736" y="535619"/>
-                </a:cubicBezTo>
-                <a:cubicBezTo>
-                  <a:pt x="723381" y="572470"/>
-                  <a:pt x="769538" y="610810"/>
-                  <a:pt x="811600" y="652872"/>
-                </a:cubicBezTo>
-                <a:cubicBezTo>
-                  <a:pt x="814578" y="655850"/>
-                  <a:pt x="820161" y="657711"/>
-                  <a:pt x="818300" y="666272"/>
-                </a:cubicBezTo>
-                <a:cubicBezTo>
-                  <a:pt x="791872" y="646544"/>
-                  <a:pt x="766932" y="627188"/>
-                  <a:pt x="741621" y="608576"/>
-                </a:cubicBezTo>
-                <a:cubicBezTo>
-                  <a:pt x="716681" y="589965"/>
-                  <a:pt x="691369" y="571353"/>
-                  <a:pt x="666430" y="553114"/>
-                </a:cubicBezTo>
-                <a:cubicBezTo>
-                  <a:pt x="660474" y="548647"/>
-                  <a:pt x="654146" y="542319"/>
-                  <a:pt x="645585" y="547903"/>
-                </a:cubicBezTo>
-                <a:cubicBezTo>
-                  <a:pt x="636652" y="553486"/>
-                  <a:pt x="637768" y="562792"/>
-                  <a:pt x="640002" y="570236"/>
-                </a:cubicBezTo>
-                <a:cubicBezTo>
-                  <a:pt x="647074" y="592198"/>
-                  <a:pt x="659358" y="611554"/>
-                  <a:pt x="675736" y="628677"/>
-                </a:cubicBezTo>
-                <a:cubicBezTo>
-                  <a:pt x="731570" y="685256"/>
-                  <a:pt x="795966" y="734018"/>
-                  <a:pt x="855896" y="786875"/>
-                </a:cubicBezTo>
-                <a:cubicBezTo>
-                  <a:pt x="888280" y="815537"/>
-                  <a:pt x="918058" y="846060"/>
-                  <a:pt x="946348" y="877699"/>
-                </a:cubicBezTo>
-                <a:cubicBezTo>
-                  <a:pt x="952676" y="884772"/>
-                  <a:pt x="952303" y="891472"/>
-                  <a:pt x="950442" y="899661"/>
-                </a:cubicBezTo>
-                <a:cubicBezTo>
-                  <a:pt x="942998" y="932790"/>
-                  <a:pt x="954537" y="943957"/>
-                  <a:pt x="991760" y="937629"/>
-                </a:cubicBezTo>
-                <a:cubicBezTo>
-                  <a:pt x="1003299" y="935767"/>
-                  <a:pt x="1011116" y="937629"/>
-                  <a:pt x="1018188" y="945445"/>
-                </a:cubicBezTo>
-                <a:cubicBezTo>
-                  <a:pt x="1103802" y="1042225"/>
-                  <a:pt x="1205048" y="1123744"/>
-                  <a:pt x="1315601" y="1196329"/>
-                </a:cubicBezTo>
-                <a:cubicBezTo>
-                  <a:pt x="1360641" y="1225735"/>
-                  <a:pt x="1407170" y="1253653"/>
-                  <a:pt x="1454443" y="1279709"/>
-                </a:cubicBezTo>
-                <a:cubicBezTo>
-                  <a:pt x="1454443" y="1281570"/>
-                  <a:pt x="1454443" y="1283804"/>
-                  <a:pt x="1454443" y="1285665"/>
-                </a:cubicBezTo>
-                <a:cubicBezTo>
-                  <a:pt x="1454071" y="1288270"/>
-                  <a:pt x="1453699" y="1289759"/>
-                  <a:pt x="1453327" y="1291993"/>
-                </a:cubicBezTo>
-                <a:cubicBezTo>
-                  <a:pt x="1386697" y="1251792"/>
-                  <a:pt x="1320812" y="1210474"/>
-                  <a:pt x="1256416" y="1166923"/>
-                </a:cubicBezTo>
-                <a:cubicBezTo>
-                  <a:pt x="1081840" y="1048926"/>
-                  <a:pt x="915080" y="922367"/>
-                  <a:pt x="745715" y="798786"/>
-                </a:cubicBezTo>
-                <a:cubicBezTo>
-                  <a:pt x="688764" y="757096"/>
-                  <a:pt x="643724" y="703867"/>
-                  <a:pt x="592356" y="656966"/>
-                </a:cubicBezTo>
-                <a:cubicBezTo>
-                  <a:pt x="558111" y="625699"/>
-                  <a:pt x="525354" y="592943"/>
-                  <a:pt x="485526" y="567259"/>
-                </a:cubicBezTo>
-                <a:cubicBezTo>
-                  <a:pt x="469148" y="556836"/>
-                  <a:pt x="452025" y="547530"/>
-                  <a:pt x="430063" y="550136"/>
-                </a:cubicBezTo>
-                <a:cubicBezTo>
-                  <a:pt x="421502" y="551253"/>
-                  <a:pt x="411824" y="553486"/>
-                  <a:pt x="408846" y="563164"/>
-                </a:cubicBezTo>
-                <a:cubicBezTo>
-                  <a:pt x="406240" y="572842"/>
-                  <a:pt x="414057" y="577309"/>
-                  <a:pt x="421130" y="581403"/>
-                </a:cubicBezTo>
-                <a:cubicBezTo>
-                  <a:pt x="422991" y="582520"/>
-                  <a:pt x="424852" y="584009"/>
-                  <a:pt x="426713" y="584009"/>
-                </a:cubicBezTo>
-                <a:cubicBezTo>
-                  <a:pt x="462075" y="586242"/>
-                  <a:pt x="470264" y="614532"/>
-                  <a:pt x="487015" y="635005"/>
-                </a:cubicBezTo>
-                <a:cubicBezTo>
-                  <a:pt x="492226" y="641333"/>
-                  <a:pt x="492598" y="647661"/>
-                  <a:pt x="487015" y="655105"/>
-                </a:cubicBezTo>
-                <a:cubicBezTo>
-                  <a:pt x="476964" y="668505"/>
-                  <a:pt x="484037" y="674461"/>
-                  <a:pt x="497437" y="678183"/>
-                </a:cubicBezTo>
-                <a:cubicBezTo>
-                  <a:pt x="510837" y="681906"/>
-                  <a:pt x="525354" y="683022"/>
-                  <a:pt x="539871" y="691584"/>
-                </a:cubicBezTo>
-                <a:cubicBezTo>
-                  <a:pt x="516793" y="698656"/>
-                  <a:pt x="500787" y="691212"/>
-                  <a:pt x="485898" y="681906"/>
-                </a:cubicBezTo>
-                <a:cubicBezTo>
-                  <a:pt x="452397" y="661433"/>
-                  <a:pt x="430808" y="631282"/>
-                  <a:pt x="410335" y="600387"/>
-                </a:cubicBezTo>
-                <a:cubicBezTo>
-                  <a:pt x="406240" y="594431"/>
-                  <a:pt x="402890" y="587731"/>
-                  <a:pt x="397307" y="582892"/>
-                </a:cubicBezTo>
-                <a:cubicBezTo>
-                  <a:pt x="386884" y="573214"/>
-                  <a:pt x="375717" y="572098"/>
-                  <a:pt x="363062" y="584009"/>
-                </a:cubicBezTo>
-                <a:cubicBezTo>
-                  <a:pt x="346311" y="599643"/>
-                  <a:pt x="340356" y="598526"/>
-                  <a:pt x="334772" y="578426"/>
-                </a:cubicBezTo>
-                <a:cubicBezTo>
-                  <a:pt x="327327" y="551253"/>
-                  <a:pt x="310577" y="532269"/>
-                  <a:pt x="281915" y="522219"/>
-                </a:cubicBezTo>
-                <a:cubicBezTo>
-                  <a:pt x="275960" y="519985"/>
-                  <a:pt x="269632" y="517007"/>
-                  <a:pt x="263304" y="521846"/>
-                </a:cubicBezTo>
-                <a:cubicBezTo>
-                  <a:pt x="256604" y="527430"/>
-                  <a:pt x="261070" y="533013"/>
-                  <a:pt x="263676" y="538225"/>
-                </a:cubicBezTo>
-                <a:cubicBezTo>
-                  <a:pt x="267398" y="546414"/>
-                  <a:pt x="271865" y="554603"/>
-                  <a:pt x="275215" y="563164"/>
-                </a:cubicBezTo>
-                <a:cubicBezTo>
-                  <a:pt x="281171" y="576937"/>
-                  <a:pt x="282288" y="591454"/>
-                  <a:pt x="271121" y="604854"/>
-                </a:cubicBezTo>
-                <a:cubicBezTo>
-                  <a:pt x="262931" y="614532"/>
-                  <a:pt x="263676" y="620860"/>
-                  <a:pt x="274471" y="627560"/>
-                </a:cubicBezTo>
-                <a:cubicBezTo>
-                  <a:pt x="309088" y="648405"/>
-                  <a:pt x="331050" y="675578"/>
-                  <a:pt x="319138" y="718012"/>
-                </a:cubicBezTo>
-                <a:cubicBezTo>
-                  <a:pt x="317277" y="723968"/>
-                  <a:pt x="319511" y="729924"/>
-                  <a:pt x="326583" y="729551"/>
-                </a:cubicBezTo>
-                <a:cubicBezTo>
-                  <a:pt x="342217" y="728435"/>
-                  <a:pt x="344822" y="738113"/>
-                  <a:pt x="349289" y="748163"/>
-                </a:cubicBezTo>
-                <a:cubicBezTo>
-                  <a:pt x="392840" y="844571"/>
-                  <a:pt x="455747" y="928695"/>
-                  <a:pt x="528332" y="1007608"/>
-                </a:cubicBezTo>
-                <a:cubicBezTo>
-                  <a:pt x="600173" y="1085777"/>
-                  <a:pt x="680947" y="1155756"/>
-                  <a:pt x="766932" y="1222758"/>
-                </a:cubicBezTo>
-                <a:cubicBezTo>
-                  <a:pt x="742737" y="1220524"/>
-                  <a:pt x="711470" y="1206752"/>
-                  <a:pt x="681319" y="1190746"/>
-                </a:cubicBezTo>
-                <a:cubicBezTo>
-                  <a:pt x="601662" y="1147939"/>
-                  <a:pt x="536149" y="1089871"/>
-                  <a:pt x="469520" y="1032920"/>
-                </a:cubicBezTo>
-                <a:cubicBezTo>
-                  <a:pt x="422991" y="993091"/>
-                  <a:pt x="377579" y="952146"/>
-                  <a:pt x="325466" y="917900"/>
-                </a:cubicBezTo>
-                <a:cubicBezTo>
-                  <a:pt x="319511" y="914178"/>
-                  <a:pt x="315416" y="909339"/>
-                  <a:pt x="312066" y="903383"/>
-                </a:cubicBezTo>
-                <a:cubicBezTo>
-                  <a:pt x="309088" y="898172"/>
-                  <a:pt x="304621" y="893333"/>
-                  <a:pt x="296805" y="895566"/>
-                </a:cubicBezTo>
-                <a:cubicBezTo>
-                  <a:pt x="288988" y="898172"/>
-                  <a:pt x="288243" y="904872"/>
-                  <a:pt x="288243" y="910828"/>
-                </a:cubicBezTo>
-                <a:cubicBezTo>
-                  <a:pt x="289360" y="933162"/>
-                  <a:pt x="295688" y="953262"/>
-                  <a:pt x="309460" y="971129"/>
-                </a:cubicBezTo>
-                <a:cubicBezTo>
-                  <a:pt x="336261" y="1006864"/>
-                  <a:pt x="371995" y="1034781"/>
-                  <a:pt x="407729" y="1062698"/>
-                </a:cubicBezTo>
-                <a:cubicBezTo>
-                  <a:pt x="457236" y="1101038"/>
-                  <a:pt x="503021" y="1142728"/>
-                  <a:pt x="544338" y="1189257"/>
-                </a:cubicBezTo>
-                <a:cubicBezTo>
-                  <a:pt x="514560" y="1166551"/>
-                  <a:pt x="484781" y="1143472"/>
-                  <a:pt x="454630" y="1120766"/>
-                </a:cubicBezTo>
-                <a:cubicBezTo>
-                  <a:pt x="431924" y="1103644"/>
-                  <a:pt x="408474" y="1087265"/>
-                  <a:pt x="385396" y="1070515"/>
-                </a:cubicBezTo>
-                <a:cubicBezTo>
-                  <a:pt x="379812" y="1066421"/>
-                  <a:pt x="373856" y="1061954"/>
-                  <a:pt x="366040" y="1067537"/>
-                </a:cubicBezTo>
-                <a:cubicBezTo>
-                  <a:pt x="358967" y="1072376"/>
-                  <a:pt x="360084" y="1079449"/>
-                  <a:pt x="361573" y="1086149"/>
-                </a:cubicBezTo>
-                <a:cubicBezTo>
-                  <a:pt x="367156" y="1112577"/>
-                  <a:pt x="382790" y="1133794"/>
-                  <a:pt x="402146" y="1152778"/>
-                </a:cubicBezTo>
-                <a:cubicBezTo>
-                  <a:pt x="425596" y="1175484"/>
-                  <a:pt x="450164" y="1197074"/>
-                  <a:pt x="475475" y="1218663"/>
-                </a:cubicBezTo>
-                <a:cubicBezTo>
-                  <a:pt x="448303" y="1212707"/>
-                  <a:pt x="421130" y="1206752"/>
-                  <a:pt x="393957" y="1201913"/>
-                </a:cubicBezTo>
-                <a:cubicBezTo>
-                  <a:pt x="406240" y="1245091"/>
-                  <a:pt x="434902" y="1253653"/>
-                  <a:pt x="460586" y="1260353"/>
-                </a:cubicBezTo>
-                <a:cubicBezTo>
-                  <a:pt x="495204" y="1268914"/>
-                  <a:pt x="528332" y="1279709"/>
-                  <a:pt x="561089" y="1291993"/>
-                </a:cubicBezTo>
-                <a:cubicBezTo>
-                  <a:pt x="574861" y="1304276"/>
-                  <a:pt x="588634" y="1316188"/>
-                  <a:pt x="602034" y="1328843"/>
-                </a:cubicBezTo>
-                <a:cubicBezTo>
-                  <a:pt x="615807" y="1341872"/>
-                  <a:pt x="628835" y="1354900"/>
-                  <a:pt x="641863" y="1368672"/>
-                </a:cubicBezTo>
-                <a:cubicBezTo>
-                  <a:pt x="651169" y="1378722"/>
-                  <a:pt x="662335" y="1387284"/>
-                  <a:pt x="651541" y="1404406"/>
-                </a:cubicBezTo>
-                <a:cubicBezTo>
-                  <a:pt x="646702" y="1412223"/>
-                  <a:pt x="678341" y="1454658"/>
-                  <a:pt x="688392" y="1457263"/>
-                </a:cubicBezTo>
-                <a:cubicBezTo>
-                  <a:pt x="689881" y="1457635"/>
-                  <a:pt x="691369" y="1458008"/>
-                  <a:pt x="692486" y="1458008"/>
-                </a:cubicBezTo>
-                <a:cubicBezTo>
-                  <a:pt x="714076" y="1456519"/>
-                  <a:pt x="718915" y="1469175"/>
-                  <a:pt x="719287" y="1485181"/>
-                </a:cubicBezTo>
-                <a:cubicBezTo>
-                  <a:pt x="719659" y="1500814"/>
-                  <a:pt x="715937" y="1520170"/>
-                  <a:pt x="745343" y="1512353"/>
-                </a:cubicBezTo>
-                <a:cubicBezTo>
-                  <a:pt x="748693" y="1511609"/>
-                  <a:pt x="749438" y="1513842"/>
-                  <a:pt x="750926" y="1516448"/>
-                </a:cubicBezTo>
-                <a:cubicBezTo>
-                  <a:pt x="782938" y="1583077"/>
-                  <a:pt x="836912" y="1634445"/>
-                  <a:pt x="890141" y="1685813"/>
-                </a:cubicBezTo>
-                <a:cubicBezTo>
-                  <a:pt x="893119" y="1688419"/>
-                  <a:pt x="896097" y="1691024"/>
-                  <a:pt x="899074" y="1693630"/>
-                </a:cubicBezTo>
-                <a:cubicBezTo>
-                  <a:pt x="843240" y="1680602"/>
-                  <a:pt x="658985" y="1663851"/>
-                  <a:pt x="605012" y="1669435"/>
-                </a:cubicBezTo>
-                <a:cubicBezTo>
-                  <a:pt x="556994" y="1674274"/>
-                  <a:pt x="285638" y="1593128"/>
-                  <a:pt x="229431" y="1545110"/>
-                </a:cubicBezTo>
-                <a:cubicBezTo>
-                  <a:pt x="221614" y="1582705"/>
-                  <a:pt x="238364" y="1597594"/>
-                  <a:pt x="251765" y="1614717"/>
-                </a:cubicBezTo>
-                <a:cubicBezTo>
-                  <a:pt x="270748" y="1638912"/>
-                  <a:pt x="273726" y="1656035"/>
-                  <a:pt x="237992" y="1675391"/>
-                </a:cubicBezTo>
-                <a:cubicBezTo>
-                  <a:pt x="135628" y="1730481"/>
-                  <a:pt x="136745" y="1732342"/>
-                  <a:pt x="232781" y="1807160"/>
-                </a:cubicBezTo>
-                <a:cubicBezTo>
-                  <a:pt x="237248" y="1810511"/>
-                  <a:pt x="235014" y="1821305"/>
-                  <a:pt x="236131" y="1828750"/>
-                </a:cubicBezTo>
-                <a:cubicBezTo>
-                  <a:pt x="211191" y="1839917"/>
-                  <a:pt x="181785" y="1810883"/>
-                  <a:pt x="152007" y="1842150"/>
-                </a:cubicBezTo>
-                <a:cubicBezTo>
-                  <a:pt x="280426" y="1979503"/>
-                  <a:pt x="475848" y="2110157"/>
-                  <a:pt x="653030" y="2213265"/>
-                </a:cubicBezTo>
-                <a:cubicBezTo>
-                  <a:pt x="509721" y="2247138"/>
-                  <a:pt x="423735" y="2128024"/>
-                  <a:pt x="318394" y="2143285"/>
-                </a:cubicBezTo>
-                <a:cubicBezTo>
-                  <a:pt x="265909" y="2180508"/>
-                  <a:pt x="422246" y="2240810"/>
-                  <a:pt x="272982" y="2258305"/>
-                </a:cubicBezTo>
-                <a:cubicBezTo>
-                  <a:pt x="337750" y="2291061"/>
-                  <a:pt x="385768" y="2323073"/>
-                  <a:pt x="430435" y="2360668"/>
-                </a:cubicBezTo>
-                <a:cubicBezTo>
-                  <a:pt x="509721" y="2428042"/>
-                  <a:pt x="525354" y="2472710"/>
-                  <a:pt x="488876" y="2563162"/>
-                </a:cubicBezTo>
-                <a:cubicBezTo>
-                  <a:pt x="464681" y="2622719"/>
-                  <a:pt x="429691" y="2677437"/>
-                  <a:pt x="460586" y="2748533"/>
-                </a:cubicBezTo>
-                <a:cubicBezTo>
-                  <a:pt x="481803" y="2797295"/>
-                  <a:pt x="473614" y="2829307"/>
-                  <a:pt x="393212" y="2807345"/>
-                </a:cubicBezTo>
-                <a:cubicBezTo>
-                  <a:pt x="306483" y="2783895"/>
-                  <a:pt x="273726" y="2827818"/>
-                  <a:pt x="295688" y="2913059"/>
-                </a:cubicBezTo>
-                <a:cubicBezTo>
-                  <a:pt x="309833" y="2967777"/>
-                  <a:pt x="294943" y="2984900"/>
-                  <a:pt x="235386" y="2978572"/>
-                </a:cubicBezTo>
-                <a:cubicBezTo>
-                  <a:pt x="169501" y="2971499"/>
-                  <a:pt x="106967" y="2935765"/>
-                  <a:pt x="25448" y="2952888"/>
-                </a:cubicBezTo>
-                <a:cubicBezTo>
-                  <a:pt x="90588" y="3052646"/>
-                  <a:pt x="229803" y="3024356"/>
-                  <a:pt x="305738" y="3119275"/>
-                </a:cubicBezTo>
-                <a:cubicBezTo>
-                  <a:pt x="215286" y="3119647"/>
-                  <a:pt x="146051" y="3119275"/>
-                  <a:pt x="79049" y="3098430"/>
-                </a:cubicBezTo>
-                <a:cubicBezTo>
-                  <a:pt x="51132" y="3089869"/>
-                  <a:pt x="20609" y="3081308"/>
-                  <a:pt x="4975" y="3109969"/>
-                </a:cubicBezTo>
-                <a:cubicBezTo>
-                  <a:pt x="-13636" y="3144587"/>
-                  <a:pt x="24331" y="3157615"/>
-                  <a:pt x="47037" y="3163943"/>
-                </a:cubicBezTo>
-                <a:cubicBezTo>
-                  <a:pt x="111061" y="3181438"/>
-                  <a:pt x="160196" y="3222755"/>
-                  <a:pt x="213425" y="3255139"/>
-                </a:cubicBezTo>
-                <a:cubicBezTo>
-                  <a:pt x="329933" y="3326236"/>
-                  <a:pt x="457981" y="3385420"/>
-                  <a:pt x="556622" y="3502301"/>
-                </a:cubicBezTo>
-                <a:cubicBezTo>
-                  <a:pt x="432669" y="3472523"/>
-                  <a:pt x="339983" y="3402915"/>
-                  <a:pt x="224592" y="3388771"/>
-                </a:cubicBezTo>
-                <a:cubicBezTo>
-                  <a:pt x="324722" y="3495601"/>
-                  <a:pt x="453142" y="3565208"/>
-                  <a:pt x="574861" y="3643004"/>
-                </a:cubicBezTo>
-                <a:cubicBezTo>
-                  <a:pt x="609479" y="3664966"/>
-                  <a:pt x="644841" y="3679855"/>
-                  <a:pt x="652657" y="3727501"/>
-                </a:cubicBezTo>
-                <a:cubicBezTo>
-                  <a:pt x="667919" y="3819814"/>
-                  <a:pt x="712959" y="3896494"/>
-                  <a:pt x="810111" y="3937067"/>
-                </a:cubicBezTo>
-                <a:cubicBezTo>
-                  <a:pt x="810856" y="3937439"/>
-                  <a:pt x="805644" y="3951212"/>
-                  <a:pt x="802294" y="3960890"/>
-                </a:cubicBezTo>
-                <a:cubicBezTo>
-                  <a:pt x="743110" y="3963868"/>
-                  <a:pt x="696581" y="3909149"/>
-                  <a:pt x="620646" y="3927017"/>
-                </a:cubicBezTo>
-                <a:cubicBezTo>
-                  <a:pt x="692858" y="4001091"/>
-                  <a:pt x="753532" y="4067720"/>
-                  <a:pt x="856268" y="4103082"/>
-                </a:cubicBezTo>
-                <a:cubicBezTo>
-                  <a:pt x="938531" y="4131372"/>
-                  <a:pt x="1040150" y="4147377"/>
-                  <a:pt x="1099707" y="4238574"/>
-                </a:cubicBezTo>
-                <a:cubicBezTo>
-                  <a:pt x="1030472" y="4256441"/>
-                  <a:pt x="978732" y="4234107"/>
-                  <a:pt x="926992" y="4218102"/>
-                </a:cubicBezTo>
-                <a:cubicBezTo>
-                  <a:pt x="847334" y="4193534"/>
-                  <a:pt x="769166" y="4165617"/>
-                  <a:pt x="689508" y="4140677"/>
-                </a:cubicBezTo>
-                <a:cubicBezTo>
-                  <a:pt x="659358" y="4131372"/>
-                  <a:pt x="626229" y="4124299"/>
-                  <a:pt x="606873" y="4169711"/>
-                </a:cubicBezTo>
-                <a:cubicBezTo>
-                  <a:pt x="707748" y="4179389"/>
-                  <a:pt x="768421" y="4240435"/>
-                  <a:pt x="831701" y="4297759"/>
-                </a:cubicBezTo>
-                <a:cubicBezTo>
-                  <a:pt x="867435" y="4330143"/>
-                  <a:pt x="896469" y="4373322"/>
-                  <a:pt x="960493" y="4356944"/>
-                </a:cubicBezTo>
-                <a:cubicBezTo>
-                  <a:pt x="994366" y="4348382"/>
-                  <a:pt x="1015955" y="4372578"/>
-                  <a:pt x="1012233" y="4402356"/>
-                </a:cubicBezTo>
-                <a:cubicBezTo>
-                  <a:pt x="999577" y="4507325"/>
-                  <a:pt x="1078118" y="4544176"/>
-                  <a:pt x="1159636" y="4564276"/>
-                </a:cubicBezTo>
-                <a:cubicBezTo>
-                  <a:pt x="1313740" y="4602616"/>
-                  <a:pt x="1442160" y="4692324"/>
-                  <a:pt x="1592169" y="4741458"/>
-                </a:cubicBezTo>
-                <a:cubicBezTo>
-                  <a:pt x="1738083" y="4789104"/>
-                  <a:pt x="2833187" y="5010209"/>
-                  <a:pt x="3110499" y="5032171"/>
-                </a:cubicBezTo>
-                <a:cubicBezTo>
-                  <a:pt x="4807501" y="5166546"/>
-                  <a:pt x="6028047" y="4106432"/>
-                  <a:pt x="6033630" y="4091915"/>
-                </a:cubicBezTo>
-                <a:cubicBezTo>
-                  <a:pt x="6059314" y="4023797"/>
-                  <a:pt x="6122965" y="3994390"/>
-                  <a:pt x="6180661" y="3957912"/>
-                </a:cubicBezTo>
-                <a:cubicBezTo>
-                  <a:pt x="6230913" y="3925900"/>
-                  <a:pt x="6284514" y="3892027"/>
-                  <a:pt x="6305359" y="3837309"/>
-                </a:cubicBezTo>
-                <a:cubicBezTo>
-                  <a:pt x="6332904" y="3764724"/>
-                  <a:pt x="6254735" y="3824281"/>
-                  <a:pt x="6240218" y="3796364"/>
-                </a:cubicBezTo>
-                <a:cubicBezTo>
-                  <a:pt x="6269997" y="3758768"/>
-                  <a:pt x="6316153" y="3724151"/>
-                  <a:pt x="6328437" y="3681344"/>
-                </a:cubicBezTo>
-                <a:cubicBezTo>
-                  <a:pt x="6372361" y="3526496"/>
-                  <a:pt x="6466907" y="3413710"/>
-                  <a:pt x="6608355" y="3326236"/>
-                </a:cubicBezTo>
-                <a:cubicBezTo>
-                  <a:pt x="6648928" y="3300924"/>
-                  <a:pt x="6675729" y="3255512"/>
-                  <a:pt x="6731191" y="3248067"/>
-                </a:cubicBezTo>
-                <a:cubicBezTo>
-                  <a:pt x="6854400" y="3232061"/>
-                  <a:pt x="6815315" y="3106992"/>
-                  <a:pt x="6880456" y="3051529"/>
-                </a:cubicBezTo>
-                <a:cubicBezTo>
-                  <a:pt x="6892739" y="3041107"/>
-                  <a:pt x="6903907" y="2777939"/>
-                  <a:pt x="6901673" y="2763795"/>
-                </a:cubicBezTo>
-                <a:cubicBezTo>
-                  <a:pt x="6898323" y="2743322"/>
-                  <a:pt x="6883806" y="2966288"/>
-                  <a:pt x="6871150" y="2948421"/>
-                </a:cubicBezTo>
-                <a:cubicBezTo>
-                  <a:pt x="6858494" y="2930182"/>
-                  <a:pt x="6839138" y="2914176"/>
-                  <a:pt x="6848444" y="2890353"/>
-                </a:cubicBezTo>
-                <a:cubicBezTo>
-                  <a:pt x="6852166" y="2880303"/>
-                  <a:pt x="6849561" y="2846058"/>
-                  <a:pt x="6878223" y="2873230"/>
-                </a:cubicBezTo>
-                <a:cubicBezTo>
-                  <a:pt x="6956763" y="2946932"/>
-                  <a:pt x="6870778" y="2578051"/>
-                  <a:pt x="6762459" y="2568745"/>
-                </a:cubicBezTo>
-                <a:cubicBezTo>
-                  <a:pt x="6801915" y="2465637"/>
-                  <a:pt x="6801915" y="2465637"/>
-                  <a:pt x="6673123" y="2451493"/>
-                </a:cubicBezTo>
-                <a:cubicBezTo>
-                  <a:pt x="6722630" y="2385980"/>
-                  <a:pt x="6722630" y="2369229"/>
-                  <a:pt x="6662700" y="2346896"/>
-                </a:cubicBezTo>
-                <a:cubicBezTo>
-                  <a:pt x="6605005" y="2325306"/>
-                  <a:pt x="6540981" y="2318234"/>
-                  <a:pt x="6487752" y="2285105"/>
-                </a:cubicBezTo>
-                <a:cubicBezTo>
-                  <a:pt x="6536887" y="2201353"/>
-                  <a:pt x="6550659" y="2104573"/>
-                  <a:pt x="6652278" y="2063628"/>
-                </a:cubicBezTo>
-                <a:cubicBezTo>
-                  <a:pt x="6668284" y="2057300"/>
-                  <a:pt x="6679079" y="2031988"/>
-                  <a:pt x="6668656" y="2017843"/>
-                </a:cubicBezTo>
-                <a:cubicBezTo>
-                  <a:pt x="6631805" y="1965359"/>
-                  <a:pt x="6684662" y="1864856"/>
-                  <a:pt x="6570015" y="1854062"/>
-                </a:cubicBezTo>
-                <a:cubicBezTo>
-                  <a:pt x="6555870" y="1852573"/>
-                  <a:pt x="6542842" y="1842150"/>
-                  <a:pt x="6554009" y="1827633"/>
-                </a:cubicBezTo>
-                <a:cubicBezTo>
-                  <a:pt x="6592349" y="1778126"/>
-                  <a:pt x="6545820" y="1781476"/>
-                  <a:pt x="6517531" y="1775149"/>
-                </a:cubicBezTo>
-                <a:cubicBezTo>
-                  <a:pt x="6483285" y="1767704"/>
-                  <a:pt x="6444573" y="1789293"/>
-                  <a:pt x="6412934" y="1762493"/>
-                </a:cubicBezTo>
-                <a:cubicBezTo>
-                  <a:pt x="6420378" y="1734203"/>
-                  <a:pt x="6447923" y="1734575"/>
-                  <a:pt x="6467279" y="1725642"/>
-                </a:cubicBezTo>
-                <a:cubicBezTo>
-                  <a:pt x="6523858" y="1699213"/>
-                  <a:pt x="6570015" y="1667946"/>
-                  <a:pt x="6572621" y="1600200"/>
-                </a:cubicBezTo>
-                <a:cubicBezTo>
-                  <a:pt x="6574854" y="1545482"/>
-                  <a:pt x="6580810" y="1497092"/>
-                  <a:pt x="6502641" y="1480341"/>
-                </a:cubicBezTo>
-                <a:cubicBezTo>
-                  <a:pt x="6490358" y="1477736"/>
-                  <a:pt x="6484030" y="1470664"/>
-                  <a:pt x="6481796" y="1461358"/>
-                </a:cubicBezTo>
-                <a:cubicBezTo>
-                  <a:pt x="6490730" y="1452424"/>
-                  <a:pt x="6499291" y="1443118"/>
-                  <a:pt x="6509713" y="1436418"/>
-                </a:cubicBezTo>
-                <a:cubicBezTo>
-                  <a:pt x="6544703" y="1414457"/>
-                  <a:pt x="6556615" y="1382072"/>
-                  <a:pt x="6567037" y="1348199"/>
-                </a:cubicBezTo>
-                <a:cubicBezTo>
-                  <a:pt x="6573737" y="1326610"/>
-                  <a:pt x="6581554" y="1305393"/>
-                  <a:pt x="6596816" y="1286781"/>
-                </a:cubicBezTo>
-                <a:cubicBezTo>
-                  <a:pt x="6606122" y="1275242"/>
-                  <a:pt x="6617661" y="1266681"/>
-                  <a:pt x="6632178" y="1261842"/>
-                </a:cubicBezTo>
-                <a:cubicBezTo>
-                  <a:pt x="6644833" y="1257375"/>
-                  <a:pt x="6648556" y="1251419"/>
-                  <a:pt x="6639994" y="1240625"/>
-                </a:cubicBezTo>
-                <a:cubicBezTo>
-                  <a:pt x="6615799" y="1209729"/>
-                  <a:pt x="6606122" y="1175856"/>
-                  <a:pt x="6622127" y="1136400"/>
-                </a:cubicBezTo>
-                <a:cubicBezTo>
-                  <a:pt x="6626967" y="1124489"/>
-                  <a:pt x="6623617" y="1114066"/>
-                  <a:pt x="6612077" y="1109599"/>
-                </a:cubicBezTo>
-                <a:cubicBezTo>
-                  <a:pt x="6564059" y="1090616"/>
-                  <a:pt x="6552148" y="1046692"/>
-                  <a:pt x="6531675" y="1009469"/>
-                </a:cubicBezTo>
-                <a:cubicBezTo>
-                  <a:pt x="6502641" y="956612"/>
-                  <a:pt x="6476213" y="902639"/>
-                  <a:pt x="6456113" y="845315"/>
-                </a:cubicBezTo>
-                <a:cubicBezTo>
-                  <a:pt x="6444201" y="811070"/>
-                  <a:pt x="6432662" y="777197"/>
-                  <a:pt x="6440851" y="739229"/>
-                </a:cubicBezTo>
-                <a:cubicBezTo>
-                  <a:pt x="6442712" y="729924"/>
-                  <a:pt x="6439362" y="722107"/>
-                  <a:pt x="6434523" y="715034"/>
-                </a:cubicBezTo>
-                <a:cubicBezTo>
-                  <a:pt x="6414050" y="684139"/>
-                  <a:pt x="6416656" y="651383"/>
-                  <a:pt x="6432290" y="617510"/>
-                </a:cubicBezTo>
-                <a:cubicBezTo>
-                  <a:pt x="6441968" y="597037"/>
-                  <a:pt x="6440851" y="594431"/>
-                  <a:pt x="6416284" y="595176"/>
-                </a:cubicBezTo>
-                <a:cubicBezTo>
-                  <a:pt x="6366405" y="596293"/>
-                  <a:pt x="6316898" y="598154"/>
-                  <a:pt x="6267763" y="591826"/>
-                </a:cubicBezTo>
-                <a:cubicBezTo>
-                  <a:pt x="6212673" y="584753"/>
-                  <a:pt x="6194806" y="568375"/>
-                  <a:pt x="6236496" y="521102"/>
-                </a:cubicBezTo>
-                <a:cubicBezTo>
-                  <a:pt x="6245430" y="511052"/>
-                  <a:pt x="6253246" y="499885"/>
-                  <a:pt x="6257341" y="487229"/>
-                </a:cubicBezTo>
-                <a:cubicBezTo>
-                  <a:pt x="6260319" y="477179"/>
-                  <a:pt x="6257713" y="470106"/>
-                  <a:pt x="6248780" y="465267"/>
-                </a:cubicBezTo>
-                <a:cubicBezTo>
-                  <a:pt x="6238357" y="459312"/>
-                  <a:pt x="6232774" y="467501"/>
-                  <a:pt x="6226818" y="473456"/>
-                </a:cubicBezTo>
-                <a:cubicBezTo>
-                  <a:pt x="6194434" y="505468"/>
-                  <a:pt x="6153861" y="527430"/>
-                  <a:pt x="6115149" y="551625"/>
-                </a:cubicBezTo>
-                <a:cubicBezTo>
-                  <a:pt x="6059686" y="586615"/>
-                  <a:pt x="6001246" y="617510"/>
-                  <a:pt x="5951739" y="659944"/>
-                </a:cubicBezTo>
-                <a:cubicBezTo>
-                  <a:pt x="5939084" y="670739"/>
-                  <a:pt x="5918611" y="662550"/>
-                  <a:pt x="5917122" y="644310"/>
-                </a:cubicBezTo>
-                <a:cubicBezTo>
-                  <a:pt x="5915633" y="626071"/>
-                  <a:pt x="5905583" y="626071"/>
-                  <a:pt x="5890694" y="630538"/>
-                </a:cubicBezTo>
-                <a:cubicBezTo>
-                  <a:pt x="5872826" y="635749"/>
-                  <a:pt x="5854959" y="640960"/>
-                  <a:pt x="5837464" y="646916"/>
-                </a:cubicBezTo>
-                <a:cubicBezTo>
-                  <a:pt x="5819225" y="653244"/>
-                  <a:pt x="5811036" y="666644"/>
-                  <a:pt x="5809175" y="683395"/>
-                </a:cubicBezTo>
-                <a:cubicBezTo>
-                  <a:pt x="5808430" y="689723"/>
-                  <a:pt x="5808803" y="697539"/>
-                  <a:pt x="5815503" y="698656"/>
-                </a:cubicBezTo>
-                <a:cubicBezTo>
-                  <a:pt x="5843048" y="703495"/>
-                  <a:pt x="5755201" y="682278"/>
-                  <a:pt x="5746268" y="667389"/>
-                </a:cubicBezTo>
-                <a:cubicBezTo>
-                  <a:pt x="5745896" y="666644"/>
-                  <a:pt x="5525907" y="720246"/>
-                  <a:pt x="5458905" y="754119"/>
-                </a:cubicBezTo>
-                <a:close/>
-                <a:moveTo>
-                  <a:pt x="885302" y="1333310"/>
-                </a:moveTo>
-                <a:cubicBezTo>
-                  <a:pt x="877857" y="1326982"/>
-                  <a:pt x="870040" y="1321027"/>
-                  <a:pt x="862596" y="1314326"/>
-                </a:cubicBezTo>
-                <a:cubicBezTo>
-                  <a:pt x="863712" y="1312837"/>
-                  <a:pt x="865201" y="1311349"/>
-                  <a:pt x="866318" y="1309860"/>
-                </a:cubicBezTo>
-                <a:cubicBezTo>
-                  <a:pt x="881580" y="1320282"/>
-                  <a:pt x="896841" y="1330705"/>
-                  <a:pt x="912103" y="1341127"/>
-                </a:cubicBezTo>
-                <a:cubicBezTo>
-                  <a:pt x="903541" y="1338522"/>
-                  <a:pt x="894235" y="1335916"/>
-                  <a:pt x="885302" y="1333310"/>
-                </a:cubicBezTo>
-                <a:close/>
-                <a:moveTo>
-                  <a:pt x="1140280" y="787619"/>
-                </a:moveTo>
-                <a:cubicBezTo>
-                  <a:pt x="1231849" y="850154"/>
-                  <a:pt x="1323418" y="913061"/>
-                  <a:pt x="1414987" y="975596"/>
-                </a:cubicBezTo>
-                <a:cubicBezTo>
-                  <a:pt x="1413498" y="977085"/>
-                  <a:pt x="1412381" y="978574"/>
-                  <a:pt x="1410892" y="980063"/>
-                </a:cubicBezTo>
-                <a:cubicBezTo>
-                  <a:pt x="1310390" y="927206"/>
-                  <a:pt x="1215471" y="868394"/>
-                  <a:pt x="1140280" y="787619"/>
-                </a:cubicBezTo>
-                <a:close/>
-              </a:path>
-            </a:pathLst>
-          </a:custGeom>
-          <a:solidFill>
-            <a:schemeClr val="accent1">
-              <a:alpha val="20000"/>
-            </a:schemeClr>
-          </a:solidFill>
-          <a:ln w="32707" cap="flat">
-            <a:noFill/>
-            <a:prstDash val="solid"/>
-            <a:miter/>
-          </a:ln>
-        </p:spPr>
-        <p:txBody>
-          <a:bodyPr rtlCol="0" anchor="ctr"/>
-          <a:lstStyle/>
-          <a:p>
-            <a:endParaRPr lang="en-US" dirty="0"/>
-          </a:p>
-        </p:txBody>
-      </p:sp>
-      <p:sp useBgFill="1">
-        <p:nvSpPr>
-          <p:cNvPr id="10" name="Rectangle 9">
-            <a:extLst>
-              <a:ext uri="{FF2B5EF4-FFF2-40B4-BE49-F238E27FC236}">
-                <a16:creationId xmlns:a16="http://schemas.microsoft.com/office/drawing/2014/main" id="{06DA9DF9-31F7-4056-B42E-878CC92417B8}"/>
-              </a:ext>
-              <a:ext uri="{C183D7F6-B498-43B3-948B-1728B52AA6E4}">
-                <adec:decorative xmlns:adec="http://schemas.microsoft.com/office/drawing/2017/decorative" val="1"/>
-              </a:ext>
-            </a:extLst>
-          </p:cNvPr>
-          <p:cNvSpPr>
-            <a:spLocks noGrp="1" noRot="1" noChangeAspect="1" noMove="1" noResize="1" noEditPoints="1" noAdjustHandles="1" noChangeArrowheads="1" noChangeShapeType="1" noTextEdit="1"/>
-          </p:cNvSpPr>
-          <p:nvPr>
-            <p:extLst>
-              <p:ext uri="{386F3935-93C4-4BCD-93E2-E3B085C9AB24}">
-                <p16:designElem xmlns:p16="http://schemas.microsoft.com/office/powerpoint/2015/main" val="1"/>
-              </p:ext>
-            </p:extLst>
-          </p:nvPr>
-        </p:nvSpPr>
-        <p:spPr>
-          <a:xfrm>
-            <a:off x="0" y="0"/>
-            <a:ext cx="12188952" cy="6858000"/>
-          </a:xfrm>
-          <a:prstGeom prst="rect">
-            <a:avLst/>
-          </a:prstGeom>
-          <a:ln>
-            <a:noFill/>
-          </a:ln>
-        </p:spPr>
-        <p:style>
-          <a:lnRef idx="2">
-            <a:schemeClr val="accent1">
-              <a:shade val="50000"/>
-            </a:schemeClr>
-          </a:lnRef>
-          <a:fillRef idx="1">
-            <a:schemeClr val="accent1"/>
-          </a:fillRef>
-          <a:effectRef idx="0">
-            <a:schemeClr val="accent1"/>
-          </a:effectRef>
-          <a:fontRef idx="minor">
-            <a:schemeClr val="lt1"/>
-          </a:fontRef>
-        </p:style>
-        <p:txBody>
-          <a:bodyPr rtlCol="0" anchor="ctr"/>
-          <a:lstStyle/>
-          <a:p>
-            <a:pPr algn="ctr"/>
-            <a:endParaRPr lang="en-US"/>
-          </a:p>
-        </p:txBody>
-      </p:sp>
-      <p:sp>
-        <p:nvSpPr>
-          <p:cNvPr id="2" name="標題 1">
-            <a:extLst>
-              <a:ext uri="{FF2B5EF4-FFF2-40B4-BE49-F238E27FC236}">
-                <a16:creationId xmlns:a16="http://schemas.microsoft.com/office/drawing/2014/main" id="{CF249FCC-4E37-42D9-9F70-1AFA136E59C8}"/>
-              </a:ext>
-            </a:extLst>
-          </p:cNvPr>
-          <p:cNvSpPr>
-            <a:spLocks noGrp="1"/>
-          </p:cNvSpPr>
-          <p:nvPr>
-            <p:ph type="title"/>
-          </p:nvPr>
-        </p:nvSpPr>
-        <p:spPr>
-          <a:xfrm>
-            <a:off x="643468" y="643467"/>
-            <a:ext cx="4620584" cy="4567137"/>
-          </a:xfrm>
-        </p:spPr>
-        <p:txBody>
-          <a:bodyPr vert="horz" lIns="91440" tIns="45720" rIns="91440" bIns="45720" rtlCol="0" anchor="b">
-            <a:normAutofit/>
-          </a:bodyPr>
-          <a:lstStyle/>
-          <a:p>
-            <a:r>
-              <a:rPr lang="en-US" altLang="zh-TW" sz="4800" i="1"/>
-              <a:t>Questions</a:t>
-            </a:r>
-          </a:p>
-        </p:txBody>
-      </p:sp>
-      <p:pic>
-        <p:nvPicPr>
-          <p:cNvPr id="4" name="Picture 3" descr="Question mark on green pastel background">
-            <a:extLst>
-              <a:ext uri="{FF2B5EF4-FFF2-40B4-BE49-F238E27FC236}">
-                <a16:creationId xmlns:a16="http://schemas.microsoft.com/office/drawing/2014/main" id="{478FF4FD-58E0-4672-8112-25C88FA0A23F}"/>
-              </a:ext>
-            </a:extLst>
-          </p:cNvPr>
-          <p:cNvPicPr>
-            <a:picLocks noChangeAspect="1"/>
-          </p:cNvPicPr>
-          <p:nvPr/>
-        </p:nvPicPr>
-        <p:blipFill rotWithShape="1">
-          <a:blip r:embed="rId2"/>
-          <a:srcRect l="34790"/>
-          <a:stretch/>
-        </p:blipFill>
-        <p:spPr>
-          <a:xfrm>
-            <a:off x="6229215" y="10"/>
-            <a:ext cx="5962785" cy="6857990"/>
-          </a:xfrm>
-          <a:custGeom>
-            <a:avLst/>
-            <a:gdLst/>
-            <a:ahLst/>
-            <a:cxnLst/>
-            <a:rect l="l" t="t" r="r" b="b"/>
-            <a:pathLst>
-              <a:path w="5962785" h="6858000">
-                <a:moveTo>
-                  <a:pt x="1044839" y="0"/>
-                </a:moveTo>
-                <a:lnTo>
-                  <a:pt x="5962785" y="0"/>
-                </a:lnTo>
-                <a:lnTo>
-                  <a:pt x="5962785" y="6858000"/>
-                </a:lnTo>
-                <a:lnTo>
-                  <a:pt x="1469886" y="6858000"/>
-                </a:lnTo>
-                <a:lnTo>
-                  <a:pt x="1416006" y="6823984"/>
-                </a:lnTo>
-                <a:cubicBezTo>
-                  <a:pt x="1356767" y="6787940"/>
-                  <a:pt x="1296437" y="6755500"/>
-                  <a:pt x="1232473" y="6733873"/>
-                </a:cubicBezTo>
-                <a:cubicBezTo>
-                  <a:pt x="1145250" y="6705037"/>
-                  <a:pt x="1060933" y="6654575"/>
-                  <a:pt x="1075471" y="6503186"/>
-                </a:cubicBezTo>
-                <a:cubicBezTo>
-                  <a:pt x="1078378" y="6459932"/>
-                  <a:pt x="1055118" y="6427493"/>
-                  <a:pt x="1020229" y="6438306"/>
-                </a:cubicBezTo>
-                <a:cubicBezTo>
-                  <a:pt x="953358" y="6459932"/>
-                  <a:pt x="921375" y="6398656"/>
-                  <a:pt x="883579" y="6351798"/>
-                </a:cubicBezTo>
-                <a:cubicBezTo>
-                  <a:pt x="816707" y="6268895"/>
-                  <a:pt x="752743" y="6182387"/>
-                  <a:pt x="645167" y="6167969"/>
-                </a:cubicBezTo>
-                <a:cubicBezTo>
-                  <a:pt x="665519" y="6103088"/>
-                  <a:pt x="700408" y="6110298"/>
-                  <a:pt x="732391" y="6124716"/>
-                </a:cubicBezTo>
-                <a:cubicBezTo>
-                  <a:pt x="816707" y="6160761"/>
-                  <a:pt x="901023" y="6200410"/>
-                  <a:pt x="985339" y="6236455"/>
-                </a:cubicBezTo>
-                <a:cubicBezTo>
-                  <a:pt x="1040581" y="6258081"/>
-                  <a:pt x="1095822" y="6290522"/>
-                  <a:pt x="1168509" y="6265291"/>
-                </a:cubicBezTo>
-                <a:cubicBezTo>
-                  <a:pt x="1104545" y="6135530"/>
-                  <a:pt x="996969" y="6110298"/>
-                  <a:pt x="909746" y="6070649"/>
-                </a:cubicBezTo>
-                <a:cubicBezTo>
-                  <a:pt x="802169" y="6020185"/>
-                  <a:pt x="738206" y="5926470"/>
-                  <a:pt x="659704" y="5818335"/>
-                </a:cubicBezTo>
-                <a:cubicBezTo>
-                  <a:pt x="738206" y="5789500"/>
-                  <a:pt x="787632" y="5868798"/>
-                  <a:pt x="851597" y="5865193"/>
-                </a:cubicBezTo>
-                <a:cubicBezTo>
-                  <a:pt x="854504" y="5854380"/>
-                  <a:pt x="860319" y="5832753"/>
-                  <a:pt x="860319" y="5832753"/>
-                </a:cubicBezTo>
-                <a:cubicBezTo>
-                  <a:pt x="755650" y="5775081"/>
-                  <a:pt x="709132" y="5666947"/>
-                  <a:pt x="691686" y="5533581"/>
-                </a:cubicBezTo>
-                <a:cubicBezTo>
-                  <a:pt x="685872" y="5465095"/>
-                  <a:pt x="648075" y="5443468"/>
-                  <a:pt x="610278" y="5411029"/>
-                </a:cubicBezTo>
-                <a:cubicBezTo>
-                  <a:pt x="482350" y="5299289"/>
-                  <a:pt x="345700" y="5198364"/>
-                  <a:pt x="238123" y="5046976"/>
-                </a:cubicBezTo>
-                <a:cubicBezTo>
-                  <a:pt x="363144" y="5064998"/>
-                  <a:pt x="461997" y="5165924"/>
-                  <a:pt x="592833" y="5209177"/>
-                </a:cubicBezTo>
-                <a:cubicBezTo>
-                  <a:pt x="488165" y="5043371"/>
-                  <a:pt x="351514" y="4956864"/>
-                  <a:pt x="226494" y="4855939"/>
-                </a:cubicBezTo>
-                <a:cubicBezTo>
-                  <a:pt x="168344" y="4809081"/>
-                  <a:pt x="116011" y="4751408"/>
-                  <a:pt x="49139" y="4726177"/>
-                </a:cubicBezTo>
-                <a:cubicBezTo>
-                  <a:pt x="25879" y="4718968"/>
-                  <a:pt x="-14825" y="4700947"/>
-                  <a:pt x="5527" y="4650483"/>
-                </a:cubicBezTo>
-                <a:cubicBezTo>
-                  <a:pt x="22972" y="4607230"/>
-                  <a:pt x="54954" y="4621648"/>
-                  <a:pt x="84029" y="4632460"/>
-                </a:cubicBezTo>
-                <a:cubicBezTo>
-                  <a:pt x="153807" y="4661296"/>
-                  <a:pt x="229401" y="4661296"/>
-                  <a:pt x="325347" y="4661296"/>
-                </a:cubicBezTo>
-                <a:cubicBezTo>
-                  <a:pt x="243939" y="4524326"/>
-                  <a:pt x="95658" y="4567580"/>
-                  <a:pt x="25879" y="4423401"/>
-                </a:cubicBezTo>
-                <a:cubicBezTo>
-                  <a:pt x="113103" y="4398170"/>
-                  <a:pt x="179975" y="4448632"/>
-                  <a:pt x="249753" y="4459446"/>
-                </a:cubicBezTo>
-                <a:cubicBezTo>
-                  <a:pt x="313718" y="4470259"/>
-                  <a:pt x="328254" y="4445028"/>
-                  <a:pt x="313718" y="4365729"/>
-                </a:cubicBezTo>
-                <a:cubicBezTo>
-                  <a:pt x="290458" y="4243177"/>
-                  <a:pt x="325347" y="4181900"/>
-                  <a:pt x="418386" y="4214341"/>
-                </a:cubicBezTo>
-                <a:cubicBezTo>
-                  <a:pt x="505609" y="4246781"/>
-                  <a:pt x="514332" y="4199922"/>
-                  <a:pt x="491072" y="4131438"/>
-                </a:cubicBezTo>
-                <a:cubicBezTo>
-                  <a:pt x="456183" y="4030512"/>
-                  <a:pt x="493979" y="3951214"/>
-                  <a:pt x="520147" y="3864706"/>
-                </a:cubicBezTo>
-                <a:cubicBezTo>
-                  <a:pt x="560851" y="3734945"/>
-                  <a:pt x="543407" y="3670064"/>
-                  <a:pt x="459090" y="3572743"/>
-                </a:cubicBezTo>
-                <a:cubicBezTo>
-                  <a:pt x="409664" y="3518676"/>
-                  <a:pt x="360236" y="3471818"/>
-                  <a:pt x="290458" y="3424959"/>
-                </a:cubicBezTo>
-                <a:cubicBezTo>
-                  <a:pt x="450368" y="3399728"/>
-                  <a:pt x="284643" y="3313221"/>
-                  <a:pt x="339884" y="3259153"/>
-                </a:cubicBezTo>
-                <a:cubicBezTo>
-                  <a:pt x="453275" y="3237527"/>
-                  <a:pt x="543407" y="3410542"/>
-                  <a:pt x="697501" y="3360078"/>
-                </a:cubicBezTo>
-                <a:cubicBezTo>
-                  <a:pt x="511425" y="3212294"/>
-                  <a:pt x="302087" y="3165436"/>
-                  <a:pt x="165437" y="2967190"/>
-                </a:cubicBezTo>
-                <a:cubicBezTo>
-                  <a:pt x="197419" y="2923937"/>
-                  <a:pt x="229401" y="2967190"/>
-                  <a:pt x="255568" y="2949167"/>
-                </a:cubicBezTo>
-                <a:cubicBezTo>
-                  <a:pt x="255568" y="2938354"/>
-                  <a:pt x="560851" y="3006840"/>
-                  <a:pt x="578296" y="2725691"/>
-                </a:cubicBezTo>
-                <a:cubicBezTo>
-                  <a:pt x="584111" y="2725691"/>
-                  <a:pt x="589926" y="2725691"/>
-                  <a:pt x="595740" y="2714876"/>
-                </a:cubicBezTo>
-                <a:cubicBezTo>
-                  <a:pt x="627722" y="2675228"/>
-                  <a:pt x="598648" y="2581510"/>
-                  <a:pt x="650982" y="2574301"/>
-                </a:cubicBezTo>
-                <a:cubicBezTo>
-                  <a:pt x="709132" y="2567092"/>
-                  <a:pt x="764373" y="2534653"/>
-                  <a:pt x="825429" y="2552674"/>
-                </a:cubicBezTo>
-                <a:cubicBezTo>
-                  <a:pt x="871949" y="2567092"/>
-                  <a:pt x="921375" y="2585115"/>
-                  <a:pt x="970802" y="2585115"/>
-                </a:cubicBezTo>
-                <a:cubicBezTo>
-                  <a:pt x="1023136" y="2585115"/>
-                  <a:pt x="1095822" y="2707668"/>
-                  <a:pt x="1127805" y="2545465"/>
-                </a:cubicBezTo>
-                <a:cubicBezTo>
-                  <a:pt x="1127805" y="2538257"/>
-                  <a:pt x="1217936" y="2556280"/>
-                  <a:pt x="1267362" y="2563488"/>
-                </a:cubicBezTo>
-                <a:cubicBezTo>
-                  <a:pt x="1308067" y="2570698"/>
-                  <a:pt x="1357494" y="2603137"/>
-                  <a:pt x="1386568" y="2538257"/>
-                </a:cubicBezTo>
-                <a:cubicBezTo>
-                  <a:pt x="1401105" y="2498607"/>
-                  <a:pt x="1331326" y="2426518"/>
-                  <a:pt x="1270270" y="2419309"/>
-                </a:cubicBezTo>
-                <a:cubicBezTo>
-                  <a:pt x="1215029" y="2412101"/>
-                  <a:pt x="1159787" y="2404892"/>
-                  <a:pt x="1107453" y="2419309"/>
-                </a:cubicBezTo>
-                <a:cubicBezTo>
-                  <a:pt x="1043489" y="2437331"/>
-                  <a:pt x="1008599" y="2408495"/>
-                  <a:pt x="991154" y="2343615"/>
-                </a:cubicBezTo>
-                <a:cubicBezTo>
-                  <a:pt x="970802" y="2275131"/>
-                  <a:pt x="933005" y="2239085"/>
-                  <a:pt x="880671" y="2206645"/>
-                </a:cubicBezTo>
-                <a:cubicBezTo>
-                  <a:pt x="752743" y="2127346"/>
-                  <a:pt x="630630" y="2033629"/>
-                  <a:pt x="491072" y="1986771"/>
-                </a:cubicBezTo>
-                <a:cubicBezTo>
-                  <a:pt x="464905" y="1979562"/>
-                  <a:pt x="432923" y="1965145"/>
-                  <a:pt x="421293" y="1903868"/>
-                </a:cubicBezTo>
-                <a:cubicBezTo>
-                  <a:pt x="799262" y="1997584"/>
-                  <a:pt x="1142342" y="2239085"/>
-                  <a:pt x="1531941" y="2224667"/>
-                </a:cubicBezTo>
-                <a:cubicBezTo>
-                  <a:pt x="1427272" y="2148974"/>
-                  <a:pt x="1302252" y="2145369"/>
-                  <a:pt x="1188861" y="2091301"/>
-                </a:cubicBezTo>
-                <a:cubicBezTo>
-                  <a:pt x="1270270" y="2051652"/>
-                  <a:pt x="1345864" y="2094906"/>
-                  <a:pt x="1421458" y="2116532"/>
-                </a:cubicBezTo>
-                <a:cubicBezTo>
-                  <a:pt x="1485422" y="2134554"/>
-                  <a:pt x="1543571" y="2138160"/>
-                  <a:pt x="1549386" y="2026420"/>
-                </a:cubicBezTo>
-                <a:cubicBezTo>
-                  <a:pt x="1549386" y="2015607"/>
-                  <a:pt x="1549386" y="2008398"/>
-                  <a:pt x="1549386" y="1997584"/>
-                </a:cubicBezTo>
-                <a:cubicBezTo>
-                  <a:pt x="1526126" y="1950727"/>
-                  <a:pt x="1494144" y="1929099"/>
-                  <a:pt x="1453440" y="1914682"/>
-                </a:cubicBezTo>
-                <a:cubicBezTo>
-                  <a:pt x="1430180" y="1907473"/>
-                  <a:pt x="1398198" y="1893056"/>
-                  <a:pt x="1398198" y="1860614"/>
-                </a:cubicBezTo>
-                <a:cubicBezTo>
-                  <a:pt x="1401105" y="1738063"/>
-                  <a:pt x="1322604" y="1702018"/>
-                  <a:pt x="1247011" y="1665972"/>
-                </a:cubicBezTo>
-                <a:cubicBezTo>
-                  <a:pt x="1287715" y="1604696"/>
-                  <a:pt x="1322604" y="1647950"/>
-                  <a:pt x="1354586" y="1644345"/>
-                </a:cubicBezTo>
-                <a:cubicBezTo>
-                  <a:pt x="1374939" y="1640741"/>
-                  <a:pt x="1395290" y="1637138"/>
-                  <a:pt x="1395290" y="1604696"/>
-                </a:cubicBezTo>
-                <a:cubicBezTo>
-                  <a:pt x="1395290" y="1579465"/>
-                  <a:pt x="1386568" y="1547025"/>
-                  <a:pt x="1366216" y="1547025"/>
-                </a:cubicBezTo>
-                <a:cubicBezTo>
-                  <a:pt x="1238288" y="1543420"/>
-                  <a:pt x="1165601" y="1370405"/>
-                  <a:pt x="1031858" y="1370405"/>
-                </a:cubicBezTo>
-                <a:cubicBezTo>
-                  <a:pt x="950450" y="1370405"/>
-                  <a:pt x="1072563" y="1273083"/>
-                  <a:pt x="1005692" y="1233435"/>
-                </a:cubicBezTo>
-                <a:cubicBezTo>
-                  <a:pt x="991154" y="1222621"/>
-                  <a:pt x="1046396" y="1208203"/>
-                  <a:pt x="1069655" y="1211808"/>
-                </a:cubicBezTo>
-                <a:cubicBezTo>
-                  <a:pt x="1092915" y="1215412"/>
-                  <a:pt x="1113268" y="1240644"/>
-                  <a:pt x="1142342" y="1222621"/>
-                </a:cubicBezTo>
-                <a:cubicBezTo>
-                  <a:pt x="1156879" y="1157741"/>
-                  <a:pt x="1119082" y="1132510"/>
-                  <a:pt x="1084193" y="1114487"/>
-                </a:cubicBezTo>
-                <a:cubicBezTo>
-                  <a:pt x="1008599" y="1071234"/>
-                  <a:pt x="933005" y="1020771"/>
-                  <a:pt x="848689" y="1006353"/>
-                </a:cubicBezTo>
-                <a:cubicBezTo>
-                  <a:pt x="819615" y="1002748"/>
-                  <a:pt x="802169" y="984726"/>
-                  <a:pt x="805077" y="948681"/>
-                </a:cubicBezTo>
-                <a:cubicBezTo>
-                  <a:pt x="810892" y="901822"/>
-                  <a:pt x="839967" y="916240"/>
-                  <a:pt x="863226" y="919844"/>
-                </a:cubicBezTo>
-                <a:cubicBezTo>
-                  <a:pt x="877764" y="923450"/>
-                  <a:pt x="892301" y="934263"/>
-                  <a:pt x="906838" y="909031"/>
-                </a:cubicBezTo>
-                <a:cubicBezTo>
-                  <a:pt x="566666" y="653113"/>
-                  <a:pt x="386404" y="667532"/>
-                  <a:pt x="5527" y="458471"/>
-                </a:cubicBezTo>
-                <a:cubicBezTo>
-                  <a:pt x="89843" y="418822"/>
-                  <a:pt x="150900" y="447658"/>
-                  <a:pt x="209049" y="454867"/>
-                </a:cubicBezTo>
-                <a:cubicBezTo>
-                  <a:pt x="354422" y="472890"/>
-                  <a:pt x="264290" y="505329"/>
-                  <a:pt x="409664" y="526956"/>
-                </a:cubicBezTo>
-                <a:cubicBezTo>
-                  <a:pt x="479443" y="537770"/>
-                  <a:pt x="543407" y="573815"/>
-                  <a:pt x="621908" y="516143"/>
-                </a:cubicBezTo>
-                <a:cubicBezTo>
-                  <a:pt x="674242" y="476494"/>
-                  <a:pt x="758558" y="519747"/>
-                  <a:pt x="822522" y="552188"/>
-                </a:cubicBezTo>
-                <a:cubicBezTo>
-                  <a:pt x="874856" y="581024"/>
-                  <a:pt x="927190" y="588232"/>
-                  <a:pt x="996969" y="552188"/>
-                </a:cubicBezTo>
-                <a:cubicBezTo>
-                  <a:pt x="933005" y="530562"/>
-                  <a:pt x="883579" y="512539"/>
-                  <a:pt x="834151" y="498120"/>
-                </a:cubicBezTo>
-                <a:cubicBezTo>
-                  <a:pt x="793447" y="487307"/>
-                  <a:pt x="770187" y="462076"/>
-                  <a:pt x="773095" y="408008"/>
-                </a:cubicBezTo>
-                <a:cubicBezTo>
-                  <a:pt x="773095" y="379172"/>
-                  <a:pt x="764373" y="339523"/>
-                  <a:pt x="793447" y="325106"/>
-                </a:cubicBezTo>
-                <a:cubicBezTo>
-                  <a:pt x="816707" y="310688"/>
-                  <a:pt x="848689" y="325106"/>
-                  <a:pt x="860319" y="350336"/>
-                </a:cubicBezTo>
-                <a:cubicBezTo>
-                  <a:pt x="874856" y="397195"/>
-                  <a:pt x="889393" y="440449"/>
-                  <a:pt x="938820" y="444054"/>
-                </a:cubicBezTo>
-                <a:cubicBezTo>
-                  <a:pt x="1005692" y="451262"/>
-                  <a:pt x="967894" y="422426"/>
-                  <a:pt x="956265" y="386381"/>
-                </a:cubicBezTo>
-                <a:cubicBezTo>
-                  <a:pt x="944635" y="346733"/>
-                  <a:pt x="979525" y="335919"/>
-                  <a:pt x="1002784" y="343127"/>
-                </a:cubicBezTo>
-                <a:cubicBezTo>
-                  <a:pt x="1090008" y="375569"/>
-                  <a:pt x="1180139" y="317897"/>
-                  <a:pt x="1270270" y="364755"/>
-                </a:cubicBezTo>
-                <a:cubicBezTo>
-                  <a:pt x="1247011" y="249411"/>
-                  <a:pt x="1197583" y="198949"/>
-                  <a:pt x="1092915" y="180926"/>
-                </a:cubicBezTo>
-                <a:cubicBezTo>
-                  <a:pt x="1055118" y="177322"/>
-                  <a:pt x="1014414" y="184530"/>
-                  <a:pt x="979525" y="152090"/>
-                </a:cubicBezTo>
-                <a:cubicBezTo>
-                  <a:pt x="959172" y="134068"/>
-                  <a:pt x="938820" y="112441"/>
-                  <a:pt x="953358" y="76396"/>
-                </a:cubicBezTo>
-                <a:cubicBezTo>
-                  <a:pt x="962080" y="51165"/>
-                  <a:pt x="985339" y="51165"/>
-                  <a:pt x="1005692" y="58373"/>
-                </a:cubicBezTo>
-                <a:cubicBezTo>
-                  <a:pt x="1090008" y="98023"/>
-                  <a:pt x="1180139" y="108837"/>
-                  <a:pt x="1267362" y="123254"/>
-                </a:cubicBezTo>
-                <a:cubicBezTo>
-                  <a:pt x="1281900" y="126859"/>
-                  <a:pt x="1296437" y="134068"/>
-                  <a:pt x="1310975" y="98023"/>
-                </a:cubicBezTo>
-                <a:cubicBezTo>
-                  <a:pt x="1260095" y="81803"/>
-                  <a:pt x="1209941" y="62879"/>
-                  <a:pt x="1159787" y="43505"/>
-                </a:cubicBezTo>
-                <a:close/>
-              </a:path>
-            </a:pathLst>
-          </a:custGeom>
-        </p:spPr>
-      </p:pic>
-    </p:spTree>
-    <p:extLst>
-      <p:ext uri="{BB962C8B-B14F-4D97-AF65-F5344CB8AC3E}">
-        <p14:creationId xmlns:p14="http://schemas.microsoft.com/office/powerpoint/2010/main" val="1654317322"/>
-      </p:ext>
-    </p:extLst>
-  </p:cSld>
-  <p:clrMapOvr>
-    <a:masterClrMapping/>
-  </p:clrMapOvr>
-</p:sld>
-</file>
-
-<file path=ppt/slides/slide3.xml><?xml version="1.0" encoding="utf-8"?>
-<p:sld xmlns:a="http://schemas.openxmlformats.org/drawingml/2006/main" xmlns:r="http://schemas.openxmlformats.org/officeDocument/2006/relationships" xmlns:p="http://schemas.openxmlformats.org/presentationml/2006/main">
-  <p:cSld>
-    <p:spTree>
-      <p:nvGrpSpPr>
-        <p:cNvPr id="1" name=""/>
-        <p:cNvGrpSpPr/>
-        <p:nvPr/>
-      </p:nvGrpSpPr>
-      <p:grpSpPr>
-        <a:xfrm>
-          <a:off x="0" y="0"/>
-          <a:ext cx="0" cy="0"/>
-          <a:chOff x="0" y="0"/>
-          <a:chExt cx="0" cy="0"/>
-        </a:xfrm>
-      </p:grpSpPr>
-      <p:sp>
-        <p:nvSpPr>
-          <p:cNvPr id="2" name="標題 1">
-            <a:extLst>
-              <a:ext uri="{FF2B5EF4-FFF2-40B4-BE49-F238E27FC236}">
-                <a16:creationId xmlns:a16="http://schemas.microsoft.com/office/drawing/2014/main" id="{04BE8E5D-9848-4DFB-9C31-46452DD2A95B}"/>
-              </a:ext>
-            </a:extLst>
-          </p:cNvPr>
-          <p:cNvSpPr>
-            <a:spLocks noGrp="1"/>
-          </p:cNvSpPr>
-          <p:nvPr>
-            <p:ph type="title"/>
-          </p:nvPr>
-        </p:nvSpPr>
-        <p:spPr/>
-        <p:txBody>
-          <a:bodyPr/>
-          <a:lstStyle/>
-          <a:p>
-            <a:r>
-              <a:rPr lang="en-US" altLang="zh-TW" dirty="0"/>
-              <a:t>Grading Policy</a:t>
-            </a:r>
-            <a:endParaRPr lang="zh-TW" altLang="en-US" dirty="0"/>
-          </a:p>
-        </p:txBody>
-      </p:sp>
-      <p:sp>
-        <p:nvSpPr>
-          <p:cNvPr id="3" name="內容版面配置區 2">
-            <a:extLst>
-              <a:ext uri="{FF2B5EF4-FFF2-40B4-BE49-F238E27FC236}">
-                <a16:creationId xmlns:a16="http://schemas.microsoft.com/office/drawing/2014/main" id="{7C337B41-116B-4DA6-B57A-2566A1F2FD1E}"/>
-              </a:ext>
-            </a:extLst>
-          </p:cNvPr>
-          <p:cNvSpPr>
-            <a:spLocks noGrp="1"/>
-          </p:cNvSpPr>
-          <p:nvPr>
-            <p:ph idx="1"/>
-          </p:nvPr>
-        </p:nvSpPr>
-        <p:spPr/>
-        <p:txBody>
-          <a:bodyPr/>
-          <a:lstStyle/>
-          <a:p>
-            <a:r>
-              <a:rPr lang="en-US" altLang="zh-TW" dirty="0"/>
-              <a:t>In-class Assignment: lab assignments</a:t>
-            </a:r>
-          </a:p>
-          <a:p>
-            <a:r>
-              <a:rPr lang="en-US" altLang="zh-TW" dirty="0"/>
-              <a:t>Homework: 5~6</a:t>
-            </a:r>
-            <a:r>
-              <a:rPr lang="zh-TW" altLang="en-US" dirty="0"/>
-              <a:t> </a:t>
-            </a:r>
-            <a:r>
-              <a:rPr lang="en-US" altLang="zh-TW" dirty="0"/>
-              <a:t>no late homework.</a:t>
-            </a:r>
-          </a:p>
-          <a:p>
-            <a:r>
-              <a:rPr lang="en-US" altLang="zh-TW" dirty="0"/>
-              <a:t>Test: midterm and final.</a:t>
-            </a:r>
-            <a:endParaRPr lang="zh-TW" altLang="en-US" dirty="0"/>
-          </a:p>
-        </p:txBody>
-      </p:sp>
-    </p:spTree>
-    <p:extLst>
-      <p:ext uri="{BB962C8B-B14F-4D97-AF65-F5344CB8AC3E}">
-        <p14:creationId xmlns:p14="http://schemas.microsoft.com/office/powerpoint/2010/main" val="2647867248"/>
-      </p:ext>
-    </p:extLst>
-  </p:cSld>
-  <p:clrMapOvr>
-    <a:masterClrMapping/>
-  </p:clrMapOvr>
-</p:sld>
-</file>
-
-<file path=ppt/slides/slide4.xml><?xml version="1.0" encoding="utf-8"?>
-<p:sld xmlns:a="http://schemas.openxmlformats.org/drawingml/2006/main" xmlns:r="http://schemas.openxmlformats.org/officeDocument/2006/relationships" xmlns:p="http://schemas.openxmlformats.org/presentationml/2006/main">
-  <p:cSld>
-    <p:spTree>
-      <p:nvGrpSpPr>
-        <p:cNvPr id="1" name=""/>
-        <p:cNvGrpSpPr/>
-        <p:nvPr/>
-      </p:nvGrpSpPr>
-      <p:grpSpPr>
-        <a:xfrm>
-          <a:off x="0" y="0"/>
-          <a:ext cx="0" cy="0"/>
-          <a:chOff x="0" y="0"/>
-          <a:chExt cx="0" cy="0"/>
-        </a:xfrm>
-      </p:grpSpPr>
-      <p:sp>
-        <p:nvSpPr>
-          <p:cNvPr id="2" name="標題 1">
-            <a:extLst>
-              <a:ext uri="{FF2B5EF4-FFF2-40B4-BE49-F238E27FC236}">
-                <a16:creationId xmlns:a16="http://schemas.microsoft.com/office/drawing/2014/main" id="{2BB5D79B-5E46-496D-85B0-B7978F78E1CB}"/>
-              </a:ext>
-            </a:extLst>
-          </p:cNvPr>
-          <p:cNvSpPr>
-            <a:spLocks noGrp="1"/>
-          </p:cNvSpPr>
-          <p:nvPr>
-            <p:ph type="title"/>
-          </p:nvPr>
-        </p:nvSpPr>
-        <p:spPr/>
-        <p:txBody>
-          <a:bodyPr/>
-          <a:lstStyle/>
-          <a:p>
-            <a:r>
-              <a:rPr lang="en-US" altLang="zh-TW" dirty="0"/>
-              <a:t>Class Objectives</a:t>
-            </a:r>
-            <a:endParaRPr lang="zh-TW" altLang="en-US" dirty="0"/>
-          </a:p>
-        </p:txBody>
-      </p:sp>
-      <p:sp>
-        <p:nvSpPr>
-          <p:cNvPr id="3" name="內容版面配置區 2">
-            <a:extLst>
-              <a:ext uri="{FF2B5EF4-FFF2-40B4-BE49-F238E27FC236}">
-                <a16:creationId xmlns:a16="http://schemas.microsoft.com/office/drawing/2014/main" id="{0FBC4CA2-D106-4D99-B76D-E22B12761BC2}"/>
-              </a:ext>
-            </a:extLst>
-          </p:cNvPr>
-          <p:cNvSpPr>
-            <a:spLocks noGrp="1"/>
-          </p:cNvSpPr>
-          <p:nvPr>
-            <p:ph idx="1"/>
-          </p:nvPr>
-        </p:nvSpPr>
-        <p:spPr/>
-        <p:txBody>
-          <a:bodyPr/>
-          <a:lstStyle/>
-          <a:p>
-            <a:r>
-              <a:rPr lang="en-US" altLang="zh-TW" dirty="0"/>
-              <a:t>Basics Concept of Computer Programming</a:t>
-            </a:r>
-          </a:p>
-          <a:p>
-            <a:r>
-              <a:rPr lang="en-US" altLang="zh-TW" dirty="0"/>
-              <a:t>C++ Basic Syntax</a:t>
-            </a:r>
-          </a:p>
-          <a:p>
-            <a:r>
-              <a:rPr lang="en-US" altLang="zh-TW" dirty="0"/>
-              <a:t>Algorithm Implementation in C++</a:t>
-            </a:r>
-            <a:endParaRPr lang="zh-TW" altLang="en-US" dirty="0"/>
-          </a:p>
-        </p:txBody>
-      </p:sp>
-    </p:spTree>
-    <p:extLst>
-      <p:ext uri="{BB962C8B-B14F-4D97-AF65-F5344CB8AC3E}">
-        <p14:creationId xmlns:p14="http://schemas.microsoft.com/office/powerpoint/2010/main" val="3131609155"/>
-      </p:ext>
-    </p:extLst>
-  </p:cSld>
-  <p:clrMapOvr>
-    <a:masterClrMapping/>
-  </p:clrMapOvr>
-</p:sld>
-</file>
-
-<file path=ppt/slides/slide5.xml><?xml version="1.0" encoding="utf-8"?>
+<file path=ppt/slides/slide12.xml><?xml version="1.0" encoding="utf-8"?>
 <p:sld xmlns:a="http://schemas.openxmlformats.org/drawingml/2006/main" xmlns:r="http://schemas.openxmlformats.org/officeDocument/2006/relationships" xmlns:p="http://schemas.openxmlformats.org/presentationml/2006/main">
   <p:cSld>
     <p:bg>
@@ -31881,7 +28739,7 @@
           <p:cNvPr id="2" name="標題 1">
             <a:extLst>
               <a:ext uri="{FF2B5EF4-FFF2-40B4-BE49-F238E27FC236}">
-                <a16:creationId xmlns:a16="http://schemas.microsoft.com/office/drawing/2014/main" id="{A75E2EA9-3FBD-4C07-99E5-D0C1E4C6B0BD}"/>
+                <a16:creationId xmlns:a16="http://schemas.microsoft.com/office/drawing/2014/main" id="{CBF06B37-449B-49F5-82B1-67CE3EFE0BB9}"/>
               </a:ext>
             </a:extLst>
           </p:cNvPr>
@@ -31906,54 +28764,81 @@
           <a:p>
             <a:r>
               <a:rPr lang="en-US" altLang="zh-TW" sz="4800" i="1" dirty="0"/>
-              <a:t>Basics Concept of Computer Programming</a:t>
+              <a:t>C++ keyword</a:t>
             </a:r>
           </a:p>
         </p:txBody>
       </p:sp>
       <p:pic>
         <p:nvPicPr>
-          <p:cNvPr id="7" name="Graphic 6" descr="電腦">
+          <p:cNvPr id="5" name="內容版面配置區 4" descr="一張含有 文字 的圖片&#10;&#10;自動產生的描述">
             <a:extLst>
               <a:ext uri="{FF2B5EF4-FFF2-40B4-BE49-F238E27FC236}">
-                <a16:creationId xmlns:a16="http://schemas.microsoft.com/office/drawing/2014/main" id="{21A3C4CF-9D6A-49CB-AD52-58D2AF0C3803}"/>
+                <a16:creationId xmlns:a16="http://schemas.microsoft.com/office/drawing/2014/main" id="{609621ED-AFFE-42B4-AB3C-5CA28870254D}"/>
               </a:ext>
             </a:extLst>
           </p:cNvPr>
           <p:cNvPicPr>
-            <a:picLocks noChangeAspect="1"/>
+            <a:picLocks noGrp="1" noChangeAspect="1"/>
           </p:cNvPicPr>
-          <p:nvPr/>
+          <p:nvPr>
+            <p:ph idx="1"/>
+          </p:nvPr>
         </p:nvPicPr>
-        <p:blipFill>
-          <a:blip r:embed="rId2">
-            <a:extLst>
-              <a:ext uri="{28A0092B-C50C-407E-A947-70E740481C1C}">
-                <a14:useLocalDpi xmlns:a14="http://schemas.microsoft.com/office/drawing/2010/main" val="0"/>
-              </a:ext>
-              <a:ext uri="{96DAC541-7B7A-43D3-8B79-37D633B846F1}">
-                <asvg:svgBlip xmlns:asvg="http://schemas.microsoft.com/office/drawing/2016/SVG/main" r:embed="rId3"/>
-              </a:ext>
-            </a:extLst>
-          </a:blip>
-          <a:stretch>
-            <a:fillRect/>
-          </a:stretch>
+        <p:blipFill rotWithShape="1">
+          <a:blip r:embed="rId2"/>
+          <a:srcRect t="2116"/>
+          <a:stretch/>
         </p:blipFill>
         <p:spPr>
           <a:xfrm>
-            <a:off x="6606253" y="957860"/>
-            <a:ext cx="4942280" cy="4942280"/>
+            <a:off x="6527798" y="315130"/>
+            <a:ext cx="5304596" cy="6015309"/>
           </a:xfrm>
           <a:prstGeom prst="rect">
             <a:avLst/>
           </a:prstGeom>
         </p:spPr>
       </p:pic>
+      <p:sp>
+        <p:nvSpPr>
+          <p:cNvPr id="13" name="文字方塊 12">
+            <a:extLst>
+              <a:ext uri="{FF2B5EF4-FFF2-40B4-BE49-F238E27FC236}">
+                <a16:creationId xmlns:a16="http://schemas.microsoft.com/office/drawing/2014/main" id="{F6F1F6B8-9DCF-4BBD-BAE6-A63EAF7D1511}"/>
+              </a:ext>
+            </a:extLst>
+          </p:cNvPr>
+          <p:cNvSpPr txBox="1"/>
+          <p:nvPr/>
+        </p:nvSpPr>
+        <p:spPr>
+          <a:xfrm>
+            <a:off x="0" y="6488668"/>
+            <a:ext cx="6097554" cy="369332"/>
+          </a:xfrm>
+          <a:prstGeom prst="rect">
+            <a:avLst/>
+          </a:prstGeom>
+          <a:noFill/>
+        </p:spPr>
+        <p:txBody>
+          <a:bodyPr wrap="square">
+            <a:spAutoFit/>
+          </a:bodyPr>
+          <a:lstStyle/>
+          <a:p>
+            <a:r>
+              <a:rPr lang="zh-TW" altLang="en-US" dirty="0"/>
+              <a:t>https://en.cppreference.com/w/cpp/keyword</a:t>
+            </a:r>
+          </a:p>
+        </p:txBody>
+      </p:sp>
     </p:spTree>
     <p:extLst>
       <p:ext uri="{BB962C8B-B14F-4D97-AF65-F5344CB8AC3E}">
-        <p14:creationId xmlns:p14="http://schemas.microsoft.com/office/powerpoint/2010/main" val="2180746806"/>
+        <p14:creationId xmlns:p14="http://schemas.microsoft.com/office/powerpoint/2010/main" val="3144285135"/>
       </p:ext>
     </p:extLst>
   </p:cSld>
@@ -31963,7 +28848,7 @@
 </p:sld>
 </file>
 
-<file path=ppt/slides/slide6.xml><?xml version="1.0" encoding="utf-8"?>
+<file path=ppt/slides/slide13.xml><?xml version="1.0" encoding="utf-8"?>
 <p:sld xmlns:a="http://schemas.openxmlformats.org/drawingml/2006/main" xmlns:r="http://schemas.openxmlformats.org/officeDocument/2006/relationships" xmlns:p="http://schemas.openxmlformats.org/presentationml/2006/main">
   <p:cSld>
     <p:spTree>
@@ -31985,7 +28870,7 @@
           <p:cNvPr id="2" name="標題 1">
             <a:extLst>
               <a:ext uri="{FF2B5EF4-FFF2-40B4-BE49-F238E27FC236}">
-                <a16:creationId xmlns:a16="http://schemas.microsoft.com/office/drawing/2014/main" id="{37F0EF76-CC96-4DEC-887B-8259BEC4BC05}"/>
+                <a16:creationId xmlns:a16="http://schemas.microsoft.com/office/drawing/2014/main" id="{6EF10AD1-48B9-488E-93A8-9900062B68B1}"/>
               </a:ext>
             </a:extLst>
           </p:cNvPr>
@@ -32003,7 +28888,222 @@
           <a:p>
             <a:r>
               <a:rPr lang="en-US" altLang="zh-TW" dirty="0"/>
-              <a:t>Procedures</a:t>
+              <a:t>C++ Identifiers </a:t>
+            </a:r>
+            <a:endParaRPr lang="zh-TW" altLang="en-US" dirty="0"/>
+          </a:p>
+        </p:txBody>
+      </p:sp>
+      <p:sp>
+        <p:nvSpPr>
+          <p:cNvPr id="3" name="內容版面配置區 2">
+            <a:extLst>
+              <a:ext uri="{FF2B5EF4-FFF2-40B4-BE49-F238E27FC236}">
+                <a16:creationId xmlns:a16="http://schemas.microsoft.com/office/drawing/2014/main" id="{C2F8DBA0-278D-47BA-843F-CE9F40C24210}"/>
+              </a:ext>
+            </a:extLst>
+          </p:cNvPr>
+          <p:cNvSpPr>
+            <a:spLocks noGrp="1"/>
+          </p:cNvSpPr>
+          <p:nvPr>
+            <p:ph idx="1"/>
+          </p:nvPr>
+        </p:nvSpPr>
+        <p:spPr/>
+        <p:txBody>
+          <a:bodyPr>
+            <a:normAutofit lnSpcReduction="10000"/>
+          </a:bodyPr>
+          <a:lstStyle/>
+          <a:p>
+            <a:r>
+              <a:rPr lang="en-US" altLang="zh-TW" dirty="0"/>
+              <a:t>Identifier: an arbitrarily long sequence of digits, underscores, lowercase and uppercase.</a:t>
+            </a:r>
+          </a:p>
+          <a:p>
+            <a:r>
+              <a:rPr lang="en-US" altLang="zh-TW" dirty="0"/>
+              <a:t>Rules:</a:t>
+            </a:r>
+          </a:p>
+          <a:p>
+            <a:pPr lvl="1"/>
+            <a:r>
+              <a:rPr lang="en-US" altLang="zh-TW" dirty="0"/>
+              <a:t>The first character must be a non-digit character.</a:t>
+            </a:r>
+          </a:p>
+          <a:p>
+            <a:pPr lvl="1"/>
+            <a:r>
+              <a:rPr lang="en-US" altLang="zh-TW" dirty="0"/>
+              <a:t>Cannot be C++ keyword</a:t>
+            </a:r>
+          </a:p>
+          <a:p>
+            <a:pPr lvl="1"/>
+            <a:r>
+              <a:rPr lang="en-US" altLang="zh-TW" dirty="0"/>
+              <a:t>case-sensitive</a:t>
+            </a:r>
+          </a:p>
+          <a:p>
+            <a:pPr lvl="1"/>
+            <a:r>
+              <a:rPr lang="en-US" altLang="zh-TW" dirty="0"/>
+              <a:t>Should be meaningful or mnemonic</a:t>
+            </a:r>
+          </a:p>
+          <a:p>
+            <a:pPr marL="0" indent="0">
+              <a:buNone/>
+            </a:pPr>
+            <a:r>
+              <a:rPr lang="zh-TW" altLang="en-US" dirty="0"/>
+              <a:t>✔</a:t>
+            </a:r>
+            <a:r>
+              <a:rPr lang="en-US" altLang="zh-TW" dirty="0" err="1"/>
+              <a:t>a_plus_b</a:t>
+            </a:r>
+            <a:r>
+              <a:rPr lang="en-US" altLang="zh-TW" dirty="0"/>
+              <a:t>, </a:t>
+            </a:r>
+            <a:r>
+              <a:rPr lang="en-US" altLang="zh-TW" dirty="0" err="1"/>
+              <a:t>get_cost</a:t>
+            </a:r>
+            <a:r>
+              <a:rPr lang="en-US" altLang="zh-TW" dirty="0"/>
+              <a:t>, </a:t>
+            </a:r>
+            <a:r>
+              <a:rPr lang="en-US" altLang="zh-TW" dirty="0" err="1"/>
+              <a:t>get_elapsed_time</a:t>
+            </a:r>
+            <a:endParaRPr lang="en-US" altLang="zh-TW" dirty="0"/>
+          </a:p>
+          <a:p>
+            <a:pPr marL="0" indent="0">
+              <a:buNone/>
+            </a:pPr>
+            <a:r>
+              <a:rPr lang="zh-TW" altLang="en-US" dirty="0"/>
+              <a:t>❌</a:t>
+            </a:r>
+            <a:r>
+              <a:rPr lang="en-US" altLang="zh-TW" dirty="0"/>
+              <a:t>52ab, </a:t>
+            </a:r>
+            <a:r>
+              <a:rPr lang="en-US" altLang="zh-TW" dirty="0" err="1"/>
+              <a:t>a+b</a:t>
+            </a:r>
+            <a:r>
+              <a:rPr lang="en-US" altLang="zh-TW" dirty="0"/>
+              <a:t>, if, while</a:t>
+            </a:r>
+          </a:p>
+          <a:p>
+            <a:pPr marL="457200" lvl="1" indent="0">
+              <a:buNone/>
+            </a:pPr>
+            <a:endParaRPr lang="en-US" altLang="zh-TW" dirty="0"/>
+          </a:p>
+        </p:txBody>
+      </p:sp>
+      <p:sp>
+        <p:nvSpPr>
+          <p:cNvPr id="5" name="文字方塊 4">
+            <a:extLst>
+              <a:ext uri="{FF2B5EF4-FFF2-40B4-BE49-F238E27FC236}">
+                <a16:creationId xmlns:a16="http://schemas.microsoft.com/office/drawing/2014/main" id="{E4B1B8C9-29FB-46E6-A075-1E9016E938BF}"/>
+              </a:ext>
+            </a:extLst>
+          </p:cNvPr>
+          <p:cNvSpPr txBox="1"/>
+          <p:nvPr/>
+        </p:nvSpPr>
+        <p:spPr>
+          <a:xfrm>
+            <a:off x="0" y="6488668"/>
+            <a:ext cx="7531216" cy="369332"/>
+          </a:xfrm>
+          <a:prstGeom prst="rect">
+            <a:avLst/>
+          </a:prstGeom>
+          <a:noFill/>
+        </p:spPr>
+        <p:txBody>
+          <a:bodyPr wrap="square">
+            <a:spAutoFit/>
+          </a:bodyPr>
+          <a:lstStyle/>
+          <a:p>
+            <a:r>
+              <a:rPr lang="zh-TW" altLang="en-US" dirty="0"/>
+              <a:t>https://en.cppreference.com/w/cpp/language/identifiers</a:t>
+            </a:r>
+          </a:p>
+        </p:txBody>
+      </p:sp>
+    </p:spTree>
+    <p:extLst>
+      <p:ext uri="{BB962C8B-B14F-4D97-AF65-F5344CB8AC3E}">
+        <p14:creationId xmlns:p14="http://schemas.microsoft.com/office/powerpoint/2010/main" val="2922285378"/>
+      </p:ext>
+    </p:extLst>
+  </p:cSld>
+  <p:clrMapOvr>
+    <a:masterClrMapping/>
+  </p:clrMapOvr>
+</p:sld>
+</file>
+
+<file path=ppt/slides/slide14.xml><?xml version="1.0" encoding="utf-8"?>
+<p:sld xmlns:a="http://schemas.openxmlformats.org/drawingml/2006/main" xmlns:r="http://schemas.openxmlformats.org/officeDocument/2006/relationships" xmlns:p="http://schemas.openxmlformats.org/presentationml/2006/main">
+  <p:cSld>
+    <p:spTree>
+      <p:nvGrpSpPr>
+        <p:cNvPr id="1" name=""/>
+        <p:cNvGrpSpPr/>
+        <p:nvPr/>
+      </p:nvGrpSpPr>
+      <p:grpSpPr>
+        <a:xfrm>
+          <a:off x="0" y="0"/>
+          <a:ext cx="0" cy="0"/>
+          <a:chOff x="0" y="0"/>
+          <a:chExt cx="0" cy="0"/>
+        </a:xfrm>
+      </p:grpSpPr>
+      <p:sp>
+        <p:nvSpPr>
+          <p:cNvPr id="2" name="標題 1">
+            <a:extLst>
+              <a:ext uri="{FF2B5EF4-FFF2-40B4-BE49-F238E27FC236}">
+                <a16:creationId xmlns:a16="http://schemas.microsoft.com/office/drawing/2014/main" id="{67F0F80D-F01C-41FB-AA91-3E96D3267103}"/>
+              </a:ext>
+            </a:extLst>
+          </p:cNvPr>
+          <p:cNvSpPr>
+            <a:spLocks noGrp="1"/>
+          </p:cNvSpPr>
+          <p:nvPr>
+            <p:ph type="title"/>
+          </p:nvPr>
+        </p:nvSpPr>
+        <p:spPr/>
+        <p:txBody>
+          <a:bodyPr/>
+          <a:lstStyle/>
+          <a:p>
+            <a:r>
+              <a:rPr lang="en-US" altLang="zh-TW" dirty="0"/>
+              <a:t>Function</a:t>
             </a:r>
             <a:endParaRPr lang="zh-TW" altLang="en-US" dirty="0"/>
           </a:p>
@@ -32011,10 +29111,10 @@
       </p:sp>
       <p:graphicFrame>
         <p:nvGraphicFramePr>
-          <p:cNvPr id="4" name="內容版面配置區 3">
+          <p:cNvPr id="6" name="內容版面配置區 3">
             <a:extLst>
               <a:ext uri="{FF2B5EF4-FFF2-40B4-BE49-F238E27FC236}">
-                <a16:creationId xmlns:a16="http://schemas.microsoft.com/office/drawing/2014/main" id="{2EA37C3F-344E-440F-8B3D-217C04EE016F}"/>
+                <a16:creationId xmlns:a16="http://schemas.microsoft.com/office/drawing/2014/main" id="{054BADDE-492A-4193-A402-7899ACA35B6B}"/>
               </a:ext>
             </a:extLst>
           </p:cNvPr>
@@ -32025,13 +29125,13 @@
             <p:ph idx="1"/>
             <p:extLst>
               <p:ext uri="{D42A27DB-BD31-4B8C-83A1-F6EECF244321}">
-                <p14:modId xmlns:p14="http://schemas.microsoft.com/office/powerpoint/2010/main" val="534417047"/>
+                <p14:modId xmlns:p14="http://schemas.microsoft.com/office/powerpoint/2010/main" val="2916490772"/>
               </p:ext>
             </p:extLst>
           </p:nvPr>
         </p:nvGraphicFramePr>
         <p:xfrm>
-          <a:off x="838200" y="2011363"/>
+          <a:off x="838200" y="2816706"/>
           <a:ext cx="10515600" cy="4160837"/>
         </p:xfrm>
         <a:graphic>
@@ -32040,10 +29140,45 @@
           </a:graphicData>
         </a:graphic>
       </p:graphicFrame>
+      <p:sp>
+        <p:nvSpPr>
+          <p:cNvPr id="10" name="文字方塊 9">
+            <a:extLst>
+              <a:ext uri="{FF2B5EF4-FFF2-40B4-BE49-F238E27FC236}">
+                <a16:creationId xmlns:a16="http://schemas.microsoft.com/office/drawing/2014/main" id="{784E376F-A1B1-4DCC-84EF-F801661A81F0}"/>
+              </a:ext>
+            </a:extLst>
+          </p:cNvPr>
+          <p:cNvSpPr txBox="1"/>
+          <p:nvPr/>
+        </p:nvSpPr>
+        <p:spPr>
+          <a:xfrm>
+            <a:off x="838200" y="1887415"/>
+            <a:ext cx="7262769" cy="523220"/>
+          </a:xfrm>
+          <a:prstGeom prst="rect">
+            <a:avLst/>
+          </a:prstGeom>
+          <a:noFill/>
+        </p:spPr>
+        <p:txBody>
+          <a:bodyPr wrap="square">
+            <a:spAutoFit/>
+          </a:bodyPr>
+          <a:lstStyle/>
+          <a:p>
+            <a:r>
+              <a:rPr lang="en-US" altLang="zh-TW" sz="2800" dirty="0"/>
+              <a:t>Q: calculate sum of integers from 1 to 5.</a:t>
+            </a:r>
+          </a:p>
+        </p:txBody>
+      </p:sp>
     </p:spTree>
     <p:extLst>
       <p:ext uri="{BB962C8B-B14F-4D97-AF65-F5344CB8AC3E}">
-        <p14:creationId xmlns:p14="http://schemas.microsoft.com/office/powerpoint/2010/main" val="2773943519"/>
+        <p14:creationId xmlns:p14="http://schemas.microsoft.com/office/powerpoint/2010/main" val="2088997054"/>
       </p:ext>
     </p:extLst>
   </p:cSld>
@@ -32053,7 +29188,3798 @@
 </p:sld>
 </file>
 
-<file path=ppt/slides/slide7.xml><?xml version="1.0" encoding="utf-8"?>
+<file path=ppt/slides/slide15.xml><?xml version="1.0" encoding="utf-8"?>
+<p:sld xmlns:a="http://schemas.openxmlformats.org/drawingml/2006/main" xmlns:r="http://schemas.openxmlformats.org/officeDocument/2006/relationships" xmlns:p="http://schemas.openxmlformats.org/presentationml/2006/main">
+  <p:cSld>
+    <p:spTree>
+      <p:nvGrpSpPr>
+        <p:cNvPr id="1" name=""/>
+        <p:cNvGrpSpPr/>
+        <p:nvPr/>
+      </p:nvGrpSpPr>
+      <p:grpSpPr>
+        <a:xfrm>
+          <a:off x="0" y="0"/>
+          <a:ext cx="0" cy="0"/>
+          <a:chOff x="0" y="0"/>
+          <a:chExt cx="0" cy="0"/>
+        </a:xfrm>
+      </p:grpSpPr>
+      <p:sp>
+        <p:nvSpPr>
+          <p:cNvPr id="2" name="標題 1">
+            <a:extLst>
+              <a:ext uri="{FF2B5EF4-FFF2-40B4-BE49-F238E27FC236}">
+                <a16:creationId xmlns:a16="http://schemas.microsoft.com/office/drawing/2014/main" id="{2930A314-DD89-473B-9BBF-021AF20E086B}"/>
+              </a:ext>
+            </a:extLst>
+          </p:cNvPr>
+          <p:cNvSpPr>
+            <a:spLocks noGrp="1"/>
+          </p:cNvSpPr>
+          <p:nvPr>
+            <p:ph type="title"/>
+          </p:nvPr>
+        </p:nvSpPr>
+        <p:spPr/>
+        <p:txBody>
+          <a:bodyPr/>
+          <a:lstStyle/>
+          <a:p>
+            <a:r>
+              <a:rPr lang="en-US" altLang="zh-TW" dirty="0"/>
+              <a:t>The main function</a:t>
+            </a:r>
+            <a:endParaRPr lang="zh-TW" altLang="en-US" dirty="0"/>
+          </a:p>
+        </p:txBody>
+      </p:sp>
+      <p:sp>
+        <p:nvSpPr>
+          <p:cNvPr id="3" name="內容版面配置區 2">
+            <a:extLst>
+              <a:ext uri="{FF2B5EF4-FFF2-40B4-BE49-F238E27FC236}">
+                <a16:creationId xmlns:a16="http://schemas.microsoft.com/office/drawing/2014/main" id="{90CF1138-0F85-498F-B5BA-C4A2040AE8D6}"/>
+              </a:ext>
+            </a:extLst>
+          </p:cNvPr>
+          <p:cNvSpPr>
+            <a:spLocks noGrp="1"/>
+          </p:cNvSpPr>
+          <p:nvPr>
+            <p:ph idx="1"/>
+          </p:nvPr>
+        </p:nvSpPr>
+        <p:spPr/>
+        <p:txBody>
+          <a:bodyPr/>
+          <a:lstStyle/>
+          <a:p>
+            <a:r>
+              <a:rPr lang="en-US" altLang="zh-TW" dirty="0"/>
+              <a:t>A C++ program must contain </a:t>
+            </a:r>
+            <a:r>
+              <a:rPr lang="en-US" altLang="zh-TW" i="1" u="sng" dirty="0"/>
+              <a:t>one and only one</a:t>
+            </a:r>
+            <a:r>
+              <a:rPr lang="en-US" altLang="zh-TW" dirty="0"/>
+              <a:t> function named </a:t>
+            </a:r>
+            <a:r>
+              <a:rPr lang="en-US" altLang="zh-TW" b="1" dirty="0"/>
+              <a:t>main</a:t>
+            </a:r>
+            <a:r>
+              <a:rPr lang="en-US" altLang="zh-TW" dirty="0"/>
+              <a:t>.</a:t>
+            </a:r>
+          </a:p>
+          <a:p>
+            <a:r>
+              <a:rPr lang="en-US" altLang="zh-TW" b="0" dirty="0">
+                <a:solidFill>
+                  <a:srgbClr val="0000FF"/>
+                </a:solidFill>
+                <a:effectLst/>
+                <a:latin typeface="Consolas" panose="020B0609020204030204" pitchFamily="49" charset="0"/>
+              </a:rPr>
+              <a:t>int</a:t>
+            </a:r>
+            <a:r>
+              <a:rPr lang="en-US" altLang="zh-TW" dirty="0"/>
+              <a:t> -&gt; type of returned value</a:t>
+            </a:r>
+          </a:p>
+          <a:p>
+            <a:r>
+              <a:rPr lang="en-US" altLang="zh-TW" b="0" dirty="0">
+                <a:solidFill>
+                  <a:srgbClr val="795E26"/>
+                </a:solidFill>
+                <a:effectLst/>
+                <a:latin typeface="Consolas" panose="020B0609020204030204" pitchFamily="49" charset="0"/>
+              </a:rPr>
+              <a:t>main</a:t>
+            </a:r>
+            <a:r>
+              <a:rPr lang="en-US" altLang="zh-TW" dirty="0"/>
+              <a:t> -&gt; function name</a:t>
+            </a:r>
+          </a:p>
+          <a:p>
+            <a:r>
+              <a:rPr lang="en-US" altLang="zh-TW" b="0" dirty="0">
+                <a:solidFill>
+                  <a:srgbClr val="000000"/>
+                </a:solidFill>
+                <a:effectLst/>
+                <a:latin typeface="Consolas" panose="020B0609020204030204" pitchFamily="49" charset="0"/>
+              </a:rPr>
+              <a:t>()</a:t>
+            </a:r>
+            <a:r>
+              <a:rPr lang="en-US" altLang="zh-TW" dirty="0"/>
+              <a:t> -&gt; argument (empty)</a:t>
+            </a:r>
+            <a:endParaRPr lang="zh-TW" altLang="en-US" dirty="0"/>
+          </a:p>
+        </p:txBody>
+      </p:sp>
+      <p:pic>
+        <p:nvPicPr>
+          <p:cNvPr id="10" name="圖片 9" descr="一張含有 文字 的圖片&#10;&#10;自動產生的描述">
+            <a:extLst>
+              <a:ext uri="{FF2B5EF4-FFF2-40B4-BE49-F238E27FC236}">
+                <a16:creationId xmlns:a16="http://schemas.microsoft.com/office/drawing/2014/main" id="{2DE98813-A6ED-4D61-B71F-F453C48333F5}"/>
+              </a:ext>
+            </a:extLst>
+          </p:cNvPr>
+          <p:cNvPicPr>
+            <a:picLocks noChangeAspect="1"/>
+          </p:cNvPicPr>
+          <p:nvPr/>
+        </p:nvPicPr>
+        <p:blipFill>
+          <a:blip r:embed="rId2"/>
+          <a:stretch>
+            <a:fillRect/>
+          </a:stretch>
+        </p:blipFill>
+        <p:spPr>
+          <a:xfrm>
+            <a:off x="5712054" y="3903868"/>
+            <a:ext cx="5901804" cy="1991495"/>
+          </a:xfrm>
+          <a:prstGeom prst="rect">
+            <a:avLst/>
+          </a:prstGeom>
+        </p:spPr>
+      </p:pic>
+      <p:sp>
+        <p:nvSpPr>
+          <p:cNvPr id="12" name="文字方塊 11">
+            <a:extLst>
+              <a:ext uri="{FF2B5EF4-FFF2-40B4-BE49-F238E27FC236}">
+                <a16:creationId xmlns:a16="http://schemas.microsoft.com/office/drawing/2014/main" id="{AD54A51B-86CD-4A2A-BA3A-6BED0E753313}"/>
+              </a:ext>
+            </a:extLst>
+          </p:cNvPr>
+          <p:cNvSpPr txBox="1"/>
+          <p:nvPr/>
+        </p:nvSpPr>
+        <p:spPr>
+          <a:xfrm>
+            <a:off x="0" y="6488668"/>
+            <a:ext cx="7278070" cy="369332"/>
+          </a:xfrm>
+          <a:prstGeom prst="rect">
+            <a:avLst/>
+          </a:prstGeom>
+          <a:noFill/>
+        </p:spPr>
+        <p:txBody>
+          <a:bodyPr wrap="square">
+            <a:spAutoFit/>
+          </a:bodyPr>
+          <a:lstStyle/>
+          <a:p>
+            <a:r>
+              <a:rPr lang="zh-TW" altLang="en-US" dirty="0"/>
+              <a:t>https://en.cppreference.com/w/cpp/language/main_function</a:t>
+            </a:r>
+          </a:p>
+        </p:txBody>
+      </p:sp>
+    </p:spTree>
+    <p:extLst>
+      <p:ext uri="{BB962C8B-B14F-4D97-AF65-F5344CB8AC3E}">
+        <p14:creationId xmlns:p14="http://schemas.microsoft.com/office/powerpoint/2010/main" val="1139824088"/>
+      </p:ext>
+    </p:extLst>
+  </p:cSld>
+  <p:clrMapOvr>
+    <a:masterClrMapping/>
+  </p:clrMapOvr>
+</p:sld>
+</file>
+
+<file path=ppt/slides/slide16.xml><?xml version="1.0" encoding="utf-8"?>
+<p:sld xmlns:a="http://schemas.openxmlformats.org/drawingml/2006/main" xmlns:r="http://schemas.openxmlformats.org/officeDocument/2006/relationships" xmlns:p="http://schemas.openxmlformats.org/presentationml/2006/main">
+  <p:cSld>
+    <p:spTree>
+      <p:nvGrpSpPr>
+        <p:cNvPr id="1" name=""/>
+        <p:cNvGrpSpPr/>
+        <p:nvPr/>
+      </p:nvGrpSpPr>
+      <p:grpSpPr>
+        <a:xfrm>
+          <a:off x="0" y="0"/>
+          <a:ext cx="0" cy="0"/>
+          <a:chOff x="0" y="0"/>
+          <a:chExt cx="0" cy="0"/>
+        </a:xfrm>
+      </p:grpSpPr>
+      <p:sp>
+        <p:nvSpPr>
+          <p:cNvPr id="2" name="標題 1">
+            <a:extLst>
+              <a:ext uri="{FF2B5EF4-FFF2-40B4-BE49-F238E27FC236}">
+                <a16:creationId xmlns:a16="http://schemas.microsoft.com/office/drawing/2014/main" id="{018DE7C1-8DD6-4036-A389-BA77C7448195}"/>
+              </a:ext>
+            </a:extLst>
+          </p:cNvPr>
+          <p:cNvSpPr>
+            <a:spLocks noGrp="1"/>
+          </p:cNvSpPr>
+          <p:nvPr>
+            <p:ph type="title"/>
+          </p:nvPr>
+        </p:nvSpPr>
+        <p:spPr/>
+        <p:txBody>
+          <a:bodyPr/>
+          <a:lstStyle/>
+          <a:p>
+            <a:r>
+              <a:rPr lang="en-US" altLang="zh-TW" dirty="0"/>
+              <a:t>Statements</a:t>
+            </a:r>
+            <a:endParaRPr lang="zh-TW" altLang="en-US" dirty="0"/>
+          </a:p>
+        </p:txBody>
+      </p:sp>
+      <p:sp>
+        <p:nvSpPr>
+          <p:cNvPr id="3" name="內容版面配置區 2">
+            <a:extLst>
+              <a:ext uri="{FF2B5EF4-FFF2-40B4-BE49-F238E27FC236}">
+                <a16:creationId xmlns:a16="http://schemas.microsoft.com/office/drawing/2014/main" id="{06A0D91B-5B2A-4D2C-AA33-374E3837B7C7}"/>
+              </a:ext>
+            </a:extLst>
+          </p:cNvPr>
+          <p:cNvSpPr>
+            <a:spLocks noGrp="1"/>
+          </p:cNvSpPr>
+          <p:nvPr>
+            <p:ph idx="1"/>
+          </p:nvPr>
+        </p:nvSpPr>
+        <p:spPr>
+          <a:xfrm>
+            <a:off x="838200" y="2011680"/>
+            <a:ext cx="5257800" cy="4160520"/>
+          </a:xfrm>
+        </p:spPr>
+        <p:txBody>
+          <a:bodyPr/>
+          <a:lstStyle/>
+          <a:p>
+            <a:r>
+              <a:rPr lang="en-US" altLang="zh-TW" dirty="0"/>
+              <a:t>Statements are fragments of the C++ program that are executed in sequence.</a:t>
+            </a:r>
+          </a:p>
+          <a:p>
+            <a:r>
+              <a:rPr lang="en-US" altLang="zh-TW" dirty="0"/>
+              <a:t>Rules:</a:t>
+            </a:r>
+          </a:p>
+          <a:p>
+            <a:pPr lvl="1"/>
+            <a:r>
+              <a:rPr lang="en-US" altLang="zh-TW" dirty="0"/>
+              <a:t>An expression followed by a </a:t>
+            </a:r>
+            <a:r>
+              <a:rPr lang="en-US" altLang="zh-TW" b="1" dirty="0"/>
+              <a:t>semicolon</a:t>
+            </a:r>
+            <a:r>
+              <a:rPr lang="en-US" altLang="zh-TW" dirty="0"/>
+              <a:t> is a statement. </a:t>
+            </a:r>
+            <a:endParaRPr lang="zh-TW" altLang="en-US" dirty="0"/>
+          </a:p>
+        </p:txBody>
+      </p:sp>
+      <p:pic>
+        <p:nvPicPr>
+          <p:cNvPr id="7" name="圖片 6" descr="一張含有 文字 的圖片&#10;&#10;自動產生的描述">
+            <a:extLst>
+              <a:ext uri="{FF2B5EF4-FFF2-40B4-BE49-F238E27FC236}">
+                <a16:creationId xmlns:a16="http://schemas.microsoft.com/office/drawing/2014/main" id="{57C74254-7FA6-4CA2-A29C-EA7628B827D0}"/>
+              </a:ext>
+            </a:extLst>
+          </p:cNvPr>
+          <p:cNvPicPr>
+            <a:picLocks noChangeAspect="1"/>
+          </p:cNvPicPr>
+          <p:nvPr/>
+        </p:nvPicPr>
+        <p:blipFill>
+          <a:blip r:embed="rId2"/>
+          <a:stretch>
+            <a:fillRect/>
+          </a:stretch>
+        </p:blipFill>
+        <p:spPr>
+          <a:xfrm>
+            <a:off x="6207967" y="1162266"/>
+            <a:ext cx="5525271" cy="5420481"/>
+          </a:xfrm>
+          <a:prstGeom prst="rect">
+            <a:avLst/>
+          </a:prstGeom>
+        </p:spPr>
+      </p:pic>
+      <p:sp>
+        <p:nvSpPr>
+          <p:cNvPr id="9" name="文字方塊 8">
+            <a:extLst>
+              <a:ext uri="{FF2B5EF4-FFF2-40B4-BE49-F238E27FC236}">
+                <a16:creationId xmlns:a16="http://schemas.microsoft.com/office/drawing/2014/main" id="{8DC82C49-E392-4136-9FCC-4852C37BF552}"/>
+              </a:ext>
+            </a:extLst>
+          </p:cNvPr>
+          <p:cNvSpPr txBox="1"/>
+          <p:nvPr/>
+        </p:nvSpPr>
+        <p:spPr>
+          <a:xfrm>
+            <a:off x="0" y="6488668"/>
+            <a:ext cx="6967677" cy="369332"/>
+          </a:xfrm>
+          <a:prstGeom prst="rect">
+            <a:avLst/>
+          </a:prstGeom>
+          <a:noFill/>
+        </p:spPr>
+        <p:txBody>
+          <a:bodyPr wrap="square">
+            <a:spAutoFit/>
+          </a:bodyPr>
+          <a:lstStyle/>
+          <a:p>
+            <a:r>
+              <a:rPr lang="zh-TW" altLang="en-US" dirty="0"/>
+              <a:t>https://en.cppreference.com/w/cpp/language/statements</a:t>
+            </a:r>
+          </a:p>
+        </p:txBody>
+      </p:sp>
+    </p:spTree>
+    <p:extLst>
+      <p:ext uri="{BB962C8B-B14F-4D97-AF65-F5344CB8AC3E}">
+        <p14:creationId xmlns:p14="http://schemas.microsoft.com/office/powerpoint/2010/main" val="2034918670"/>
+      </p:ext>
+    </p:extLst>
+  </p:cSld>
+  <p:clrMapOvr>
+    <a:masterClrMapping/>
+  </p:clrMapOvr>
+</p:sld>
+</file>
+
+<file path=ppt/slides/slide17.xml><?xml version="1.0" encoding="utf-8"?>
+<p:sld xmlns:a="http://schemas.openxmlformats.org/drawingml/2006/main" xmlns:r="http://schemas.openxmlformats.org/officeDocument/2006/relationships" xmlns:p="http://schemas.openxmlformats.org/presentationml/2006/main">
+  <p:cSld>
+    <p:spTree>
+      <p:nvGrpSpPr>
+        <p:cNvPr id="1" name=""/>
+        <p:cNvGrpSpPr/>
+        <p:nvPr/>
+      </p:nvGrpSpPr>
+      <p:grpSpPr>
+        <a:xfrm>
+          <a:off x="0" y="0"/>
+          <a:ext cx="0" cy="0"/>
+          <a:chOff x="0" y="0"/>
+          <a:chExt cx="0" cy="0"/>
+        </a:xfrm>
+      </p:grpSpPr>
+      <p:sp>
+        <p:nvSpPr>
+          <p:cNvPr id="2" name="標題 1">
+            <a:extLst>
+              <a:ext uri="{FF2B5EF4-FFF2-40B4-BE49-F238E27FC236}">
+                <a16:creationId xmlns:a16="http://schemas.microsoft.com/office/drawing/2014/main" id="{DB51BB64-FE71-4386-914C-B4CCD6C4D404}"/>
+              </a:ext>
+            </a:extLst>
+          </p:cNvPr>
+          <p:cNvSpPr>
+            <a:spLocks noGrp="1"/>
+          </p:cNvSpPr>
+          <p:nvPr>
+            <p:ph type="title"/>
+          </p:nvPr>
+        </p:nvSpPr>
+        <p:spPr/>
+        <p:txBody>
+          <a:bodyPr/>
+          <a:lstStyle/>
+          <a:p>
+            <a:r>
+              <a:rPr lang="en-US" altLang="zh-TW" dirty="0"/>
+              <a:t>Comment</a:t>
+            </a:r>
+            <a:endParaRPr lang="zh-TW" altLang="en-US" dirty="0"/>
+          </a:p>
+        </p:txBody>
+      </p:sp>
+      <p:sp>
+        <p:nvSpPr>
+          <p:cNvPr id="3" name="內容版面配置區 2">
+            <a:extLst>
+              <a:ext uri="{FF2B5EF4-FFF2-40B4-BE49-F238E27FC236}">
+                <a16:creationId xmlns:a16="http://schemas.microsoft.com/office/drawing/2014/main" id="{8B617399-8B8B-490B-88E6-8CD3F6D75078}"/>
+              </a:ext>
+            </a:extLst>
+          </p:cNvPr>
+          <p:cNvSpPr>
+            <a:spLocks noGrp="1"/>
+          </p:cNvSpPr>
+          <p:nvPr>
+            <p:ph idx="1"/>
+          </p:nvPr>
+        </p:nvSpPr>
+        <p:spPr/>
+        <p:txBody>
+          <a:bodyPr/>
+          <a:lstStyle/>
+          <a:p>
+            <a:r>
+              <a:rPr lang="en-US" altLang="zh-TW" dirty="0"/>
+              <a:t>Line comment</a:t>
+            </a:r>
+          </a:p>
+          <a:p>
+            <a:r>
+              <a:rPr lang="en-US" altLang="zh-TW" dirty="0"/>
+              <a:t>Block comment</a:t>
+            </a:r>
+            <a:endParaRPr lang="zh-TW" altLang="en-US" dirty="0"/>
+          </a:p>
+        </p:txBody>
+      </p:sp>
+      <p:pic>
+        <p:nvPicPr>
+          <p:cNvPr id="5" name="圖片 4" descr="一張含有 文字 的圖片&#10;&#10;自動產生的描述">
+            <a:extLst>
+              <a:ext uri="{FF2B5EF4-FFF2-40B4-BE49-F238E27FC236}">
+                <a16:creationId xmlns:a16="http://schemas.microsoft.com/office/drawing/2014/main" id="{3EF34FAF-E558-4B98-A5E2-EF22441C7E45}"/>
+              </a:ext>
+            </a:extLst>
+          </p:cNvPr>
+          <p:cNvPicPr>
+            <a:picLocks noChangeAspect="1"/>
+          </p:cNvPicPr>
+          <p:nvPr/>
+        </p:nvPicPr>
+        <p:blipFill>
+          <a:blip r:embed="rId2"/>
+          <a:stretch>
+            <a:fillRect/>
+          </a:stretch>
+        </p:blipFill>
+        <p:spPr>
+          <a:xfrm>
+            <a:off x="5904740" y="2098880"/>
+            <a:ext cx="5449060" cy="4153480"/>
+          </a:xfrm>
+          <a:prstGeom prst="rect">
+            <a:avLst/>
+          </a:prstGeom>
+        </p:spPr>
+      </p:pic>
+    </p:spTree>
+    <p:extLst>
+      <p:ext uri="{BB962C8B-B14F-4D97-AF65-F5344CB8AC3E}">
+        <p14:creationId xmlns:p14="http://schemas.microsoft.com/office/powerpoint/2010/main" val="858849"/>
+      </p:ext>
+    </p:extLst>
+  </p:cSld>
+  <p:clrMapOvr>
+    <a:masterClrMapping/>
+  </p:clrMapOvr>
+</p:sld>
+</file>
+
+<file path=ppt/slides/slide18.xml><?xml version="1.0" encoding="utf-8"?>
+<p:sld xmlns:a="http://schemas.openxmlformats.org/drawingml/2006/main" xmlns:r="http://schemas.openxmlformats.org/officeDocument/2006/relationships" xmlns:p="http://schemas.openxmlformats.org/presentationml/2006/main">
+  <p:cSld>
+    <p:spTree>
+      <p:nvGrpSpPr>
+        <p:cNvPr id="1" name=""/>
+        <p:cNvGrpSpPr/>
+        <p:nvPr/>
+      </p:nvGrpSpPr>
+      <p:grpSpPr>
+        <a:xfrm>
+          <a:off x="0" y="0"/>
+          <a:ext cx="0" cy="0"/>
+          <a:chOff x="0" y="0"/>
+          <a:chExt cx="0" cy="0"/>
+        </a:xfrm>
+      </p:grpSpPr>
+      <p:sp>
+        <p:nvSpPr>
+          <p:cNvPr id="2" name="標題 1">
+            <a:extLst>
+              <a:ext uri="{FF2B5EF4-FFF2-40B4-BE49-F238E27FC236}">
+                <a16:creationId xmlns:a16="http://schemas.microsoft.com/office/drawing/2014/main" id="{77E950B0-F163-4CC8-A905-0860C81161CD}"/>
+              </a:ext>
+            </a:extLst>
+          </p:cNvPr>
+          <p:cNvSpPr>
+            <a:spLocks noGrp="1"/>
+          </p:cNvSpPr>
+          <p:nvPr>
+            <p:ph type="title"/>
+          </p:nvPr>
+        </p:nvSpPr>
+        <p:spPr/>
+        <p:txBody>
+          <a:bodyPr/>
+          <a:lstStyle/>
+          <a:p>
+            <a:r>
+              <a:rPr lang="en-US" altLang="zh-TW" dirty="0"/>
+              <a:t>Preprocessor</a:t>
+            </a:r>
+            <a:endParaRPr lang="zh-TW" altLang="en-US" dirty="0"/>
+          </a:p>
+        </p:txBody>
+      </p:sp>
+      <p:sp>
+        <p:nvSpPr>
+          <p:cNvPr id="3" name="內容版面配置區 2">
+            <a:extLst>
+              <a:ext uri="{FF2B5EF4-FFF2-40B4-BE49-F238E27FC236}">
+                <a16:creationId xmlns:a16="http://schemas.microsoft.com/office/drawing/2014/main" id="{3E61489F-5223-4690-9EEF-9A083B8043DE}"/>
+              </a:ext>
+            </a:extLst>
+          </p:cNvPr>
+          <p:cNvSpPr>
+            <a:spLocks noGrp="1"/>
+          </p:cNvSpPr>
+          <p:nvPr>
+            <p:ph idx="1"/>
+          </p:nvPr>
+        </p:nvSpPr>
+        <p:spPr/>
+        <p:txBody>
+          <a:bodyPr/>
+          <a:lstStyle/>
+          <a:p>
+            <a:r>
+              <a:rPr lang="en-US" altLang="zh-TW" dirty="0"/>
+              <a:t>The preprocessor is executed before the compilation.</a:t>
+            </a:r>
+          </a:p>
+          <a:p>
+            <a:r>
+              <a:rPr lang="en-US" altLang="zh-TW" b="0" dirty="0">
+                <a:solidFill>
+                  <a:srgbClr val="AF00DB"/>
+                </a:solidFill>
+                <a:effectLst/>
+                <a:latin typeface="Consolas" panose="020B0609020204030204" pitchFamily="49" charset="0"/>
+              </a:rPr>
+              <a:t>#include</a:t>
+            </a:r>
+            <a:r>
+              <a:rPr lang="en-US" altLang="zh-TW" dirty="0"/>
+              <a:t> -&gt; includes other file into current source file.</a:t>
+            </a:r>
+          </a:p>
+          <a:p>
+            <a:endParaRPr lang="en-US" altLang="zh-TW" dirty="0"/>
+          </a:p>
+          <a:p>
+            <a:endParaRPr lang="zh-TW" altLang="en-US" dirty="0"/>
+          </a:p>
+        </p:txBody>
+      </p:sp>
+      <p:pic>
+        <p:nvPicPr>
+          <p:cNvPr id="4" name="圖片 3" descr="一張含有 文字 的圖片&#10;&#10;自動產生的描述">
+            <a:extLst>
+              <a:ext uri="{FF2B5EF4-FFF2-40B4-BE49-F238E27FC236}">
+                <a16:creationId xmlns:a16="http://schemas.microsoft.com/office/drawing/2014/main" id="{57660ED0-14B5-4289-B725-4DA3EBC8EDF8}"/>
+              </a:ext>
+            </a:extLst>
+          </p:cNvPr>
+          <p:cNvPicPr>
+            <a:picLocks noChangeAspect="1"/>
+          </p:cNvPicPr>
+          <p:nvPr/>
+        </p:nvPicPr>
+        <p:blipFill rotWithShape="1">
+          <a:blip r:embed="rId2"/>
+          <a:srcRect b="68369"/>
+          <a:stretch/>
+        </p:blipFill>
+        <p:spPr>
+          <a:xfrm>
+            <a:off x="4623989" y="3539519"/>
+            <a:ext cx="5525271" cy="1714558"/>
+          </a:xfrm>
+          <a:prstGeom prst="rect">
+            <a:avLst/>
+          </a:prstGeom>
+        </p:spPr>
+      </p:pic>
+      <p:sp>
+        <p:nvSpPr>
+          <p:cNvPr id="6" name="文字方塊 5">
+            <a:extLst>
+              <a:ext uri="{FF2B5EF4-FFF2-40B4-BE49-F238E27FC236}">
+                <a16:creationId xmlns:a16="http://schemas.microsoft.com/office/drawing/2014/main" id="{4AA668E4-5BBB-4500-BD2E-E3FE367CAD0D}"/>
+              </a:ext>
+            </a:extLst>
+          </p:cNvPr>
+          <p:cNvSpPr txBox="1"/>
+          <p:nvPr/>
+        </p:nvSpPr>
+        <p:spPr>
+          <a:xfrm>
+            <a:off x="-1554" y="6119336"/>
+            <a:ext cx="6097554" cy="369332"/>
+          </a:xfrm>
+          <a:prstGeom prst="rect">
+            <a:avLst/>
+          </a:prstGeom>
+          <a:noFill/>
+        </p:spPr>
+        <p:txBody>
+          <a:bodyPr wrap="square">
+            <a:spAutoFit/>
+          </a:bodyPr>
+          <a:lstStyle/>
+          <a:p>
+            <a:r>
+              <a:rPr lang="zh-TW" altLang="en-US" dirty="0"/>
+              <a:t>https://en.cppreference.com/w/cpp/preprocessor</a:t>
+            </a:r>
+          </a:p>
+        </p:txBody>
+      </p:sp>
+      <p:sp>
+        <p:nvSpPr>
+          <p:cNvPr id="8" name="文字方塊 7">
+            <a:extLst>
+              <a:ext uri="{FF2B5EF4-FFF2-40B4-BE49-F238E27FC236}">
+                <a16:creationId xmlns:a16="http://schemas.microsoft.com/office/drawing/2014/main" id="{F4499CF2-21B9-4347-94C6-EE879B76F918}"/>
+              </a:ext>
+            </a:extLst>
+          </p:cNvPr>
+          <p:cNvSpPr txBox="1"/>
+          <p:nvPr/>
+        </p:nvSpPr>
+        <p:spPr>
+          <a:xfrm>
+            <a:off x="0" y="6488668"/>
+            <a:ext cx="6813957" cy="369332"/>
+          </a:xfrm>
+          <a:prstGeom prst="rect">
+            <a:avLst/>
+          </a:prstGeom>
+          <a:noFill/>
+        </p:spPr>
+        <p:txBody>
+          <a:bodyPr wrap="square">
+            <a:spAutoFit/>
+          </a:bodyPr>
+          <a:lstStyle/>
+          <a:p>
+            <a:r>
+              <a:rPr lang="zh-TW" altLang="en-US" dirty="0"/>
+              <a:t>https://en.cppreference.com/w/cpp/preprocessor/include</a:t>
+            </a:r>
+          </a:p>
+        </p:txBody>
+      </p:sp>
+    </p:spTree>
+    <p:extLst>
+      <p:ext uri="{BB962C8B-B14F-4D97-AF65-F5344CB8AC3E}">
+        <p14:creationId xmlns:p14="http://schemas.microsoft.com/office/powerpoint/2010/main" val="3346694830"/>
+      </p:ext>
+    </p:extLst>
+  </p:cSld>
+  <p:clrMapOvr>
+    <a:masterClrMapping/>
+  </p:clrMapOvr>
+</p:sld>
+</file>
+
+<file path=ppt/slides/slide19.xml><?xml version="1.0" encoding="utf-8"?>
+<p:sld xmlns:a="http://schemas.openxmlformats.org/drawingml/2006/main" xmlns:r="http://schemas.openxmlformats.org/officeDocument/2006/relationships" xmlns:p="http://schemas.openxmlformats.org/presentationml/2006/main">
+  <p:cSld>
+    <p:spTree>
+      <p:nvGrpSpPr>
+        <p:cNvPr id="1" name=""/>
+        <p:cNvGrpSpPr/>
+        <p:nvPr/>
+      </p:nvGrpSpPr>
+      <p:grpSpPr>
+        <a:xfrm>
+          <a:off x="0" y="0"/>
+          <a:ext cx="0" cy="0"/>
+          <a:chOff x="0" y="0"/>
+          <a:chExt cx="0" cy="0"/>
+        </a:xfrm>
+      </p:grpSpPr>
+      <p:sp>
+        <p:nvSpPr>
+          <p:cNvPr id="2" name="標題 1">
+            <a:extLst>
+              <a:ext uri="{FF2B5EF4-FFF2-40B4-BE49-F238E27FC236}">
+                <a16:creationId xmlns:a16="http://schemas.microsoft.com/office/drawing/2014/main" id="{1E60BF66-405F-4D8A-9C1A-00AEEC42A521}"/>
+              </a:ext>
+            </a:extLst>
+          </p:cNvPr>
+          <p:cNvSpPr>
+            <a:spLocks noGrp="1"/>
+          </p:cNvSpPr>
+          <p:nvPr>
+            <p:ph type="title"/>
+          </p:nvPr>
+        </p:nvSpPr>
+        <p:spPr/>
+        <p:txBody>
+          <a:bodyPr/>
+          <a:lstStyle/>
+          <a:p>
+            <a:r>
+              <a:rPr lang="en-US" altLang="zh-TW" dirty="0"/>
+              <a:t>Input and Output Library</a:t>
+            </a:r>
+            <a:endParaRPr lang="zh-TW" altLang="en-US" dirty="0"/>
+          </a:p>
+        </p:txBody>
+      </p:sp>
+      <p:sp>
+        <p:nvSpPr>
+          <p:cNvPr id="3" name="內容版面配置區 2">
+            <a:extLst>
+              <a:ext uri="{FF2B5EF4-FFF2-40B4-BE49-F238E27FC236}">
+                <a16:creationId xmlns:a16="http://schemas.microsoft.com/office/drawing/2014/main" id="{2F064966-9B47-454B-A54B-5E44BCCC1949}"/>
+              </a:ext>
+            </a:extLst>
+          </p:cNvPr>
+          <p:cNvSpPr>
+            <a:spLocks noGrp="1"/>
+          </p:cNvSpPr>
+          <p:nvPr>
+            <p:ph idx="1"/>
+          </p:nvPr>
+        </p:nvSpPr>
+        <p:spPr/>
+        <p:txBody>
+          <a:bodyPr/>
+          <a:lstStyle/>
+          <a:p>
+            <a:r>
+              <a:rPr lang="en-US" altLang="zh-TW" b="0" dirty="0">
+                <a:solidFill>
+                  <a:srgbClr val="A31515"/>
+                </a:solidFill>
+                <a:effectLst/>
+                <a:latin typeface="Consolas" panose="020B0609020204030204" pitchFamily="49" charset="0"/>
+              </a:rPr>
+              <a:t>&lt;iostream&gt; </a:t>
+            </a:r>
+            <a:r>
+              <a:rPr lang="en-US" altLang="zh-TW" dirty="0"/>
+              <a:t>-&gt; is part of the Input/output library.</a:t>
+            </a:r>
+          </a:p>
+          <a:p>
+            <a:r>
+              <a:rPr lang="en-US" altLang="zh-TW" b="0" dirty="0">
+                <a:solidFill>
+                  <a:srgbClr val="267F99"/>
+                </a:solidFill>
+                <a:effectLst/>
+                <a:latin typeface="Consolas" panose="020B0609020204030204" pitchFamily="49" charset="0"/>
+              </a:rPr>
+              <a:t>std</a:t>
+            </a:r>
+            <a:r>
+              <a:rPr lang="en-US" altLang="zh-TW" b="0" dirty="0">
+                <a:solidFill>
+                  <a:srgbClr val="000000"/>
+                </a:solidFill>
+                <a:effectLst/>
+                <a:latin typeface="Consolas" panose="020B0609020204030204" pitchFamily="49" charset="0"/>
+              </a:rPr>
+              <a:t>::</a:t>
+            </a:r>
+            <a:r>
+              <a:rPr lang="en-US" altLang="zh-TW" b="0" dirty="0" err="1">
+                <a:solidFill>
+                  <a:srgbClr val="001080"/>
+                </a:solidFill>
+                <a:effectLst/>
+                <a:latin typeface="Consolas" panose="020B0609020204030204" pitchFamily="49" charset="0"/>
+              </a:rPr>
+              <a:t>cout</a:t>
+            </a:r>
+            <a:r>
+              <a:rPr lang="en-US" altLang="zh-TW" dirty="0"/>
+              <a:t> -&gt; writes to the standard C output stream </a:t>
+            </a:r>
+            <a:r>
+              <a:rPr lang="en-US" altLang="zh-TW" dirty="0" err="1"/>
+              <a:t>stdout</a:t>
+            </a:r>
+            <a:r>
+              <a:rPr lang="en-US" altLang="zh-TW" dirty="0"/>
+              <a:t>.</a:t>
+            </a:r>
+          </a:p>
+          <a:p>
+            <a:r>
+              <a:rPr lang="en-US" altLang="zh-TW" b="0" dirty="0">
+                <a:solidFill>
+                  <a:srgbClr val="267F99"/>
+                </a:solidFill>
+                <a:effectLst/>
+                <a:latin typeface="Consolas" panose="020B0609020204030204" pitchFamily="49" charset="0"/>
+              </a:rPr>
+              <a:t>std</a:t>
+            </a:r>
+            <a:r>
+              <a:rPr lang="en-US" altLang="zh-TW" b="0" dirty="0">
+                <a:solidFill>
+                  <a:srgbClr val="000000"/>
+                </a:solidFill>
+                <a:effectLst/>
+                <a:latin typeface="Consolas" panose="020B0609020204030204" pitchFamily="49" charset="0"/>
+              </a:rPr>
+              <a:t>::</a:t>
+            </a:r>
+            <a:r>
+              <a:rPr lang="en-US" altLang="zh-TW" b="0" dirty="0" err="1">
+                <a:solidFill>
+                  <a:srgbClr val="795E26"/>
+                </a:solidFill>
+                <a:effectLst/>
+                <a:latin typeface="Consolas" panose="020B0609020204030204" pitchFamily="49" charset="0"/>
+              </a:rPr>
+              <a:t>endl</a:t>
+            </a:r>
+            <a:r>
+              <a:rPr lang="en-US" altLang="zh-TW" dirty="0">
+                <a:solidFill>
+                  <a:srgbClr val="000000"/>
+                </a:solidFill>
+                <a:latin typeface="Consolas" panose="020B0609020204030204" pitchFamily="49" charset="0"/>
+              </a:rPr>
+              <a:t> </a:t>
+            </a:r>
+            <a:r>
+              <a:rPr lang="en-US" altLang="zh-TW" dirty="0"/>
+              <a:t>-&gt; insert a newline character.</a:t>
+            </a:r>
+            <a:endParaRPr lang="zh-TW" altLang="en-US" dirty="0"/>
+          </a:p>
+        </p:txBody>
+      </p:sp>
+      <p:sp>
+        <p:nvSpPr>
+          <p:cNvPr id="5" name="文字方塊 4">
+            <a:extLst>
+              <a:ext uri="{FF2B5EF4-FFF2-40B4-BE49-F238E27FC236}">
+                <a16:creationId xmlns:a16="http://schemas.microsoft.com/office/drawing/2014/main" id="{3C048F04-4693-4993-A2AF-B927DF3EC44F}"/>
+              </a:ext>
+            </a:extLst>
+          </p:cNvPr>
+          <p:cNvSpPr txBox="1"/>
+          <p:nvPr/>
+        </p:nvSpPr>
+        <p:spPr>
+          <a:xfrm>
+            <a:off x="111153" y="6396416"/>
+            <a:ext cx="6415481" cy="369332"/>
+          </a:xfrm>
+          <a:prstGeom prst="rect">
+            <a:avLst/>
+          </a:prstGeom>
+          <a:noFill/>
+        </p:spPr>
+        <p:txBody>
+          <a:bodyPr wrap="square">
+            <a:spAutoFit/>
+          </a:bodyPr>
+          <a:lstStyle/>
+          <a:p>
+            <a:r>
+              <a:rPr lang="zh-TW" altLang="en-US" dirty="0"/>
+              <a:t>https://en.cppreference.com/w/cpp/header/iostream</a:t>
+            </a:r>
+          </a:p>
+        </p:txBody>
+      </p:sp>
+      <p:pic>
+        <p:nvPicPr>
+          <p:cNvPr id="6" name="圖片 5" descr="一張含有 文字 的圖片&#10;&#10;自動產生的描述">
+            <a:extLst>
+              <a:ext uri="{FF2B5EF4-FFF2-40B4-BE49-F238E27FC236}">
+                <a16:creationId xmlns:a16="http://schemas.microsoft.com/office/drawing/2014/main" id="{1400ADB7-661A-4953-A85F-D6F91E19FA95}"/>
+              </a:ext>
+            </a:extLst>
+          </p:cNvPr>
+          <p:cNvPicPr>
+            <a:picLocks noChangeAspect="1"/>
+          </p:cNvPicPr>
+          <p:nvPr/>
+        </p:nvPicPr>
+        <p:blipFill rotWithShape="1">
+          <a:blip r:embed="rId2"/>
+          <a:srcRect t="53954" b="21591"/>
+          <a:stretch/>
+        </p:blipFill>
+        <p:spPr>
+          <a:xfrm>
+            <a:off x="5533937" y="4921426"/>
+            <a:ext cx="5525271" cy="1325563"/>
+          </a:xfrm>
+          <a:prstGeom prst="rect">
+            <a:avLst/>
+          </a:prstGeom>
+        </p:spPr>
+      </p:pic>
+      <p:pic>
+        <p:nvPicPr>
+          <p:cNvPr id="7" name="圖片 6" descr="一張含有 文字 的圖片&#10;&#10;自動產生的描述">
+            <a:extLst>
+              <a:ext uri="{FF2B5EF4-FFF2-40B4-BE49-F238E27FC236}">
+                <a16:creationId xmlns:a16="http://schemas.microsoft.com/office/drawing/2014/main" id="{51B646F4-C375-4A81-916A-13305AAAB8E4}"/>
+              </a:ext>
+            </a:extLst>
+          </p:cNvPr>
+          <p:cNvPicPr>
+            <a:picLocks noChangeAspect="1"/>
+          </p:cNvPicPr>
+          <p:nvPr/>
+        </p:nvPicPr>
+        <p:blipFill rotWithShape="1">
+          <a:blip r:embed="rId2"/>
+          <a:srcRect b="81297"/>
+          <a:stretch/>
+        </p:blipFill>
+        <p:spPr>
+          <a:xfrm>
+            <a:off x="5533937" y="3795498"/>
+            <a:ext cx="5525271" cy="1013820"/>
+          </a:xfrm>
+          <a:prstGeom prst="rect">
+            <a:avLst/>
+          </a:prstGeom>
+        </p:spPr>
+      </p:pic>
+    </p:spTree>
+    <p:extLst>
+      <p:ext uri="{BB962C8B-B14F-4D97-AF65-F5344CB8AC3E}">
+        <p14:creationId xmlns:p14="http://schemas.microsoft.com/office/powerpoint/2010/main" val="2337019720"/>
+      </p:ext>
+    </p:extLst>
+  </p:cSld>
+  <p:clrMapOvr>
+    <a:masterClrMapping/>
+  </p:clrMapOvr>
+</p:sld>
+</file>
+
+<file path=ppt/slides/slide2.xml><?xml version="1.0" encoding="utf-8"?>
+<p:sld xmlns:a="http://schemas.openxmlformats.org/drawingml/2006/main" xmlns:r="http://schemas.openxmlformats.org/officeDocument/2006/relationships" xmlns:p="http://schemas.openxmlformats.org/presentationml/2006/main">
+  <p:cSld>
+    <p:spTree>
+      <p:nvGrpSpPr>
+        <p:cNvPr id="1" name=""/>
+        <p:cNvGrpSpPr/>
+        <p:nvPr/>
+      </p:nvGrpSpPr>
+      <p:grpSpPr>
+        <a:xfrm>
+          <a:off x="0" y="0"/>
+          <a:ext cx="0" cy="0"/>
+          <a:chOff x="0" y="0"/>
+          <a:chExt cx="0" cy="0"/>
+        </a:xfrm>
+      </p:grpSpPr>
+      <p:sp>
+        <p:nvSpPr>
+          <p:cNvPr id="2" name="標題 1">
+            <a:extLst>
+              <a:ext uri="{FF2B5EF4-FFF2-40B4-BE49-F238E27FC236}">
+                <a16:creationId xmlns:a16="http://schemas.microsoft.com/office/drawing/2014/main" id="{76C4D54A-F5FD-416F-8C60-CBF50DF00611}"/>
+              </a:ext>
+            </a:extLst>
+          </p:cNvPr>
+          <p:cNvSpPr>
+            <a:spLocks noGrp="1"/>
+          </p:cNvSpPr>
+          <p:nvPr>
+            <p:ph type="title"/>
+          </p:nvPr>
+        </p:nvSpPr>
+        <p:spPr/>
+        <p:txBody>
+          <a:bodyPr/>
+          <a:lstStyle/>
+          <a:p>
+            <a:r>
+              <a:rPr lang="en-US" altLang="zh-TW" dirty="0"/>
+              <a:t>Time and Place</a:t>
+            </a:r>
+            <a:endParaRPr lang="zh-TW" altLang="en-US" dirty="0"/>
+          </a:p>
+        </p:txBody>
+      </p:sp>
+      <p:sp>
+        <p:nvSpPr>
+          <p:cNvPr id="3" name="內容版面配置區 2">
+            <a:extLst>
+              <a:ext uri="{FF2B5EF4-FFF2-40B4-BE49-F238E27FC236}">
+                <a16:creationId xmlns:a16="http://schemas.microsoft.com/office/drawing/2014/main" id="{BC03CFCB-047B-4391-89E5-6F1EFEA1F9AA}"/>
+              </a:ext>
+            </a:extLst>
+          </p:cNvPr>
+          <p:cNvSpPr>
+            <a:spLocks noGrp="1"/>
+          </p:cNvSpPr>
+          <p:nvPr>
+            <p:ph idx="1"/>
+          </p:nvPr>
+        </p:nvSpPr>
+        <p:spPr/>
+        <p:txBody>
+          <a:bodyPr/>
+          <a:lstStyle/>
+          <a:p>
+            <a:r>
+              <a:rPr lang="en-US" altLang="zh-TW" dirty="0"/>
+              <a:t>Lecture: W7W8W9 / </a:t>
+            </a:r>
+            <a:r>
+              <a:rPr lang="en-US" altLang="zh-TW" strike="sngStrike" dirty="0"/>
+              <a:t>GEN III</a:t>
+            </a:r>
+            <a:r>
+              <a:rPr lang="zh-TW" altLang="en-US" strike="sngStrike" dirty="0"/>
+              <a:t>綜三</a:t>
+            </a:r>
+            <a:r>
+              <a:rPr lang="en-US" altLang="zh-TW" strike="sngStrike" dirty="0"/>
+              <a:t>315</a:t>
+            </a:r>
+            <a:r>
+              <a:rPr lang="en-US" altLang="zh-TW" dirty="0"/>
+              <a:t> </a:t>
+            </a:r>
+            <a:r>
+              <a:rPr lang="en-US" altLang="zh-TW" dirty="0">
+                <a:solidFill>
+                  <a:srgbClr val="FF0000"/>
+                </a:solidFill>
+              </a:rPr>
+              <a:t>Online courses</a:t>
+            </a:r>
+          </a:p>
+          <a:p>
+            <a:r>
+              <a:rPr lang="en-US" altLang="zh-TW" dirty="0"/>
+              <a:t>Office Hour: TBA</a:t>
+            </a:r>
+          </a:p>
+          <a:p>
+            <a:r>
+              <a:rPr lang="en-US" altLang="zh-TW" dirty="0"/>
+              <a:t>Course Website:</a:t>
+            </a:r>
+          </a:p>
+          <a:p>
+            <a:pPr lvl="1"/>
+            <a:r>
+              <a:rPr lang="en-US" altLang="zh-TW" dirty="0">
+                <a:hlinkClick r:id="rId3"/>
+              </a:rPr>
+              <a:t>https://github.com/CNOCycle/cpp_tutorial</a:t>
+            </a:r>
+            <a:endParaRPr lang="en-US" altLang="zh-TW" dirty="0"/>
+          </a:p>
+          <a:p>
+            <a:pPr lvl="1"/>
+            <a:r>
+              <a:rPr lang="en-US" altLang="zh-TW" dirty="0">
+                <a:hlinkClick r:id="rId4"/>
+              </a:rPr>
+              <a:t>https://eeclass.nthu.edu.tw/</a:t>
+            </a:r>
+            <a:endParaRPr lang="en-US" altLang="zh-TW" dirty="0"/>
+          </a:p>
+          <a:p>
+            <a:endParaRPr lang="zh-TW" altLang="en-US" dirty="0"/>
+          </a:p>
+          <a:p>
+            <a:pPr lvl="1"/>
+            <a:endParaRPr lang="zh-TW" altLang="en-US" dirty="0"/>
+          </a:p>
+        </p:txBody>
+      </p:sp>
+    </p:spTree>
+    <p:extLst>
+      <p:ext uri="{BB962C8B-B14F-4D97-AF65-F5344CB8AC3E}">
+        <p14:creationId xmlns:p14="http://schemas.microsoft.com/office/powerpoint/2010/main" val="1857210467"/>
+      </p:ext>
+    </p:extLst>
+  </p:cSld>
+  <p:clrMapOvr>
+    <a:masterClrMapping/>
+  </p:clrMapOvr>
+</p:sld>
+</file>
+
+<file path=ppt/slides/slide20.xml><?xml version="1.0" encoding="utf-8"?>
+<p:sld xmlns:a="http://schemas.openxmlformats.org/drawingml/2006/main" xmlns:r="http://schemas.openxmlformats.org/officeDocument/2006/relationships" xmlns:p="http://schemas.openxmlformats.org/presentationml/2006/main">
+  <p:cSld>
+    <p:spTree>
+      <p:nvGrpSpPr>
+        <p:cNvPr id="1" name=""/>
+        <p:cNvGrpSpPr/>
+        <p:nvPr/>
+      </p:nvGrpSpPr>
+      <p:grpSpPr>
+        <a:xfrm>
+          <a:off x="0" y="0"/>
+          <a:ext cx="0" cy="0"/>
+          <a:chOff x="0" y="0"/>
+          <a:chExt cx="0" cy="0"/>
+        </a:xfrm>
+      </p:grpSpPr>
+      <p:sp>
+        <p:nvSpPr>
+          <p:cNvPr id="2" name="標題 1">
+            <a:extLst>
+              <a:ext uri="{FF2B5EF4-FFF2-40B4-BE49-F238E27FC236}">
+                <a16:creationId xmlns:a16="http://schemas.microsoft.com/office/drawing/2014/main" id="{92E9A66B-00F8-412E-895B-ECC8BD0325EB}"/>
+              </a:ext>
+            </a:extLst>
+          </p:cNvPr>
+          <p:cNvSpPr>
+            <a:spLocks noGrp="1"/>
+          </p:cNvSpPr>
+          <p:nvPr>
+            <p:ph type="title"/>
+          </p:nvPr>
+        </p:nvSpPr>
+        <p:spPr/>
+        <p:txBody>
+          <a:bodyPr/>
+          <a:lstStyle/>
+          <a:p>
+            <a:r>
+              <a:rPr lang="en-US" altLang="zh-TW" dirty="0"/>
+              <a:t>Input and Output Library</a:t>
+            </a:r>
+            <a:endParaRPr lang="zh-TW" altLang="en-US" dirty="0"/>
+          </a:p>
+        </p:txBody>
+      </p:sp>
+      <p:pic>
+        <p:nvPicPr>
+          <p:cNvPr id="5" name="內容版面配置區 4" descr="一張含有 文字, 螢幕, 螢幕擷取畫面, 銀色 的圖片&#10;&#10;自動產生的描述">
+            <a:extLst>
+              <a:ext uri="{FF2B5EF4-FFF2-40B4-BE49-F238E27FC236}">
+                <a16:creationId xmlns:a16="http://schemas.microsoft.com/office/drawing/2014/main" id="{E865FFC9-6E44-40D2-A2AE-21EE28262AE1}"/>
+              </a:ext>
+            </a:extLst>
+          </p:cNvPr>
+          <p:cNvPicPr>
+            <a:picLocks noGrp="1" noChangeAspect="1"/>
+          </p:cNvPicPr>
+          <p:nvPr>
+            <p:ph idx="1"/>
+          </p:nvPr>
+        </p:nvPicPr>
+        <p:blipFill>
+          <a:blip r:embed="rId2"/>
+          <a:stretch>
+            <a:fillRect/>
+          </a:stretch>
+        </p:blipFill>
+        <p:spPr>
+          <a:xfrm>
+            <a:off x="729851" y="1558358"/>
+            <a:ext cx="8064597" cy="4160837"/>
+          </a:xfrm>
+        </p:spPr>
+      </p:pic>
+      <p:pic>
+        <p:nvPicPr>
+          <p:cNvPr id="9" name="圖片 8" descr="一張含有 文字 的圖片&#10;&#10;自動產生的描述">
+            <a:extLst>
+              <a:ext uri="{FF2B5EF4-FFF2-40B4-BE49-F238E27FC236}">
+                <a16:creationId xmlns:a16="http://schemas.microsoft.com/office/drawing/2014/main" id="{B5189A47-513C-4497-9992-D7DC02261715}"/>
+              </a:ext>
+            </a:extLst>
+          </p:cNvPr>
+          <p:cNvPicPr>
+            <a:picLocks noChangeAspect="1"/>
+          </p:cNvPicPr>
+          <p:nvPr/>
+        </p:nvPicPr>
+        <p:blipFill>
+          <a:blip r:embed="rId3"/>
+          <a:stretch>
+            <a:fillRect/>
+          </a:stretch>
+        </p:blipFill>
+        <p:spPr>
+          <a:xfrm>
+            <a:off x="5514160" y="5173807"/>
+            <a:ext cx="5839640" cy="895475"/>
+          </a:xfrm>
+          <a:prstGeom prst="rect">
+            <a:avLst/>
+          </a:prstGeom>
+          <a:ln w="38100">
+            <a:solidFill>
+              <a:srgbClr val="C00000"/>
+            </a:solidFill>
+          </a:ln>
+        </p:spPr>
+      </p:pic>
+    </p:spTree>
+    <p:extLst>
+      <p:ext uri="{BB962C8B-B14F-4D97-AF65-F5344CB8AC3E}">
+        <p14:creationId xmlns:p14="http://schemas.microsoft.com/office/powerpoint/2010/main" val="1912945623"/>
+      </p:ext>
+    </p:extLst>
+  </p:cSld>
+  <p:clrMapOvr>
+    <a:masterClrMapping/>
+  </p:clrMapOvr>
+</p:sld>
+</file>
+
+<file path=ppt/slides/slide21.xml><?xml version="1.0" encoding="utf-8"?>
+<p:sld xmlns:a="http://schemas.openxmlformats.org/drawingml/2006/main" xmlns:r="http://schemas.openxmlformats.org/officeDocument/2006/relationships" xmlns:p="http://schemas.openxmlformats.org/presentationml/2006/main">
+  <p:cSld>
+    <p:spTree>
+      <p:nvGrpSpPr>
+        <p:cNvPr id="1" name=""/>
+        <p:cNvGrpSpPr/>
+        <p:nvPr/>
+      </p:nvGrpSpPr>
+      <p:grpSpPr>
+        <a:xfrm>
+          <a:off x="0" y="0"/>
+          <a:ext cx="0" cy="0"/>
+          <a:chOff x="0" y="0"/>
+          <a:chExt cx="0" cy="0"/>
+        </a:xfrm>
+      </p:grpSpPr>
+      <p:sp>
+        <p:nvSpPr>
+          <p:cNvPr id="2" name="標題 1">
+            <a:extLst>
+              <a:ext uri="{FF2B5EF4-FFF2-40B4-BE49-F238E27FC236}">
+                <a16:creationId xmlns:a16="http://schemas.microsoft.com/office/drawing/2014/main" id="{51AAB659-BB8B-4FC5-A7AA-3B10074F63D9}"/>
+              </a:ext>
+            </a:extLst>
+          </p:cNvPr>
+          <p:cNvSpPr>
+            <a:spLocks noGrp="1"/>
+          </p:cNvSpPr>
+          <p:nvPr>
+            <p:ph type="title"/>
+          </p:nvPr>
+        </p:nvSpPr>
+        <p:spPr/>
+        <p:txBody>
+          <a:bodyPr/>
+          <a:lstStyle/>
+          <a:p>
+            <a:r>
+              <a:rPr lang="en-US" altLang="zh-TW" dirty="0"/>
+              <a:t>Coding Style</a:t>
+            </a:r>
+            <a:endParaRPr lang="zh-TW" altLang="en-US" dirty="0"/>
+          </a:p>
+        </p:txBody>
+      </p:sp>
+      <p:pic>
+        <p:nvPicPr>
+          <p:cNvPr id="7" name="內容版面配置區 6" descr="一張含有 文字, 監視器, 螢幕 的圖片&#10;&#10;自動產生的描述">
+            <a:extLst>
+              <a:ext uri="{FF2B5EF4-FFF2-40B4-BE49-F238E27FC236}">
+                <a16:creationId xmlns:a16="http://schemas.microsoft.com/office/drawing/2014/main" id="{70FD4C0A-B303-4B4E-8B8B-E9474510BAC7}"/>
+              </a:ext>
+            </a:extLst>
+          </p:cNvPr>
+          <p:cNvPicPr>
+            <a:picLocks noGrp="1" noChangeAspect="1"/>
+          </p:cNvPicPr>
+          <p:nvPr>
+            <p:ph idx="1"/>
+          </p:nvPr>
+        </p:nvPicPr>
+        <p:blipFill>
+          <a:blip r:embed="rId2"/>
+          <a:stretch>
+            <a:fillRect/>
+          </a:stretch>
+        </p:blipFill>
+        <p:spPr>
+          <a:xfrm>
+            <a:off x="104197" y="2397957"/>
+            <a:ext cx="6625293" cy="3223370"/>
+          </a:xfrm>
+        </p:spPr>
+      </p:pic>
+      <p:pic>
+        <p:nvPicPr>
+          <p:cNvPr id="8" name="圖片 7" descr="一張含有 文字 的圖片&#10;&#10;自動產生的描述">
+            <a:extLst>
+              <a:ext uri="{FF2B5EF4-FFF2-40B4-BE49-F238E27FC236}">
+                <a16:creationId xmlns:a16="http://schemas.microsoft.com/office/drawing/2014/main" id="{06662257-6D59-4C8B-A2D2-F70BA0E96273}"/>
+              </a:ext>
+            </a:extLst>
+          </p:cNvPr>
+          <p:cNvPicPr>
+            <a:picLocks noChangeAspect="1"/>
+          </p:cNvPicPr>
+          <p:nvPr/>
+        </p:nvPicPr>
+        <p:blipFill>
+          <a:blip r:embed="rId3"/>
+          <a:stretch>
+            <a:fillRect/>
+          </a:stretch>
+        </p:blipFill>
+        <p:spPr>
+          <a:xfrm>
+            <a:off x="6666729" y="1072394"/>
+            <a:ext cx="5525271" cy="5420481"/>
+          </a:xfrm>
+          <a:prstGeom prst="rect">
+            <a:avLst/>
+          </a:prstGeom>
+        </p:spPr>
+      </p:pic>
+    </p:spTree>
+    <p:extLst>
+      <p:ext uri="{BB962C8B-B14F-4D97-AF65-F5344CB8AC3E}">
+        <p14:creationId xmlns:p14="http://schemas.microsoft.com/office/powerpoint/2010/main" val="2724434269"/>
+      </p:ext>
+    </p:extLst>
+  </p:cSld>
+  <p:clrMapOvr>
+    <a:masterClrMapping/>
+  </p:clrMapOvr>
+</p:sld>
+</file>
+
+<file path=ppt/slides/slide22.xml><?xml version="1.0" encoding="utf-8"?>
+<p:sld xmlns:a="http://schemas.openxmlformats.org/drawingml/2006/main" xmlns:r="http://schemas.openxmlformats.org/officeDocument/2006/relationships" xmlns:p="http://schemas.openxmlformats.org/presentationml/2006/main">
+  <p:cSld>
+    <p:bg>
+      <p:bgPr>
+        <a:solidFill>
+          <a:schemeClr val="bg1"/>
+        </a:solidFill>
+        <a:effectLst/>
+      </p:bgPr>
+    </p:bg>
+    <p:spTree>
+      <p:nvGrpSpPr>
+        <p:cNvPr id="1" name=""/>
+        <p:cNvGrpSpPr/>
+        <p:nvPr/>
+      </p:nvGrpSpPr>
+      <p:grpSpPr>
+        <a:xfrm>
+          <a:off x="0" y="0"/>
+          <a:ext cx="0" cy="0"/>
+          <a:chOff x="0" y="0"/>
+          <a:chExt cx="0" cy="0"/>
+        </a:xfrm>
+      </p:grpSpPr>
+      <p:sp>
+        <p:nvSpPr>
+          <p:cNvPr id="8" name="Graphic 1">
+            <a:extLst>
+              <a:ext uri="{FF2B5EF4-FFF2-40B4-BE49-F238E27FC236}">
+                <a16:creationId xmlns:a16="http://schemas.microsoft.com/office/drawing/2014/main" id="{0D57E7FA-E8FC-45AC-868F-CDC8144939D6}"/>
+              </a:ext>
+              <a:ext uri="{C183D7F6-B498-43B3-948B-1728B52AA6E4}">
+                <adec:decorative xmlns:adec="http://schemas.microsoft.com/office/drawing/2017/decorative" val="1"/>
+              </a:ext>
+            </a:extLst>
+          </p:cNvPr>
+          <p:cNvSpPr>
+            <a:spLocks noGrp="1" noRot="1" noChangeAspect="1" noMove="1" noResize="1" noEditPoints="1" noAdjustHandles="1" noChangeArrowheads="1" noChangeShapeType="1" noTextEdit="1"/>
+          </p:cNvSpPr>
+          <p:nvPr>
+            <p:extLst>
+              <p:ext uri="{386F3935-93C4-4BCD-93E2-E3B085C9AB24}">
+                <p16:designElem xmlns:p16="http://schemas.microsoft.com/office/powerpoint/2015/main" val="1"/>
+              </p:ext>
+            </p:extLst>
+          </p:nvPr>
+        </p:nvSpPr>
+        <p:spPr>
+          <a:xfrm rot="10800000" flipV="1">
+            <a:off x="2599854" y="527562"/>
+            <a:ext cx="6992292" cy="5102484"/>
+          </a:xfrm>
+          <a:custGeom>
+            <a:avLst/>
+            <a:gdLst/>
+            <a:ahLst/>
+            <a:cxnLst/>
+            <a:rect l="l" t="t" r="r" b="b"/>
+            <a:pathLst>
+              <a:path w="6886274" h="5025119">
+                <a:moveTo>
+                  <a:pt x="5458905" y="754119"/>
+                </a:moveTo>
+                <a:cubicBezTo>
+                  <a:pt x="5417216" y="775336"/>
+                  <a:pt x="4594585" y="1111088"/>
+                  <a:pt x="3455557" y="1027709"/>
+                </a:cubicBezTo>
+                <a:cubicBezTo>
+                  <a:pt x="3415356" y="1024731"/>
+                  <a:pt x="3377389" y="1022869"/>
+                  <a:pt x="3338677" y="1021381"/>
+                </a:cubicBezTo>
+                <a:cubicBezTo>
+                  <a:pt x="2996224" y="1006119"/>
+                  <a:pt x="2660100" y="998674"/>
+                  <a:pt x="2518280" y="980435"/>
+                </a:cubicBezTo>
+                <a:cubicBezTo>
+                  <a:pt x="2407355" y="965918"/>
+                  <a:pt x="1840075" y="843082"/>
+                  <a:pt x="1673687" y="739229"/>
+                </a:cubicBezTo>
+                <a:cubicBezTo>
+                  <a:pt x="1503578" y="632771"/>
+                  <a:pt x="1343146" y="515146"/>
+                  <a:pt x="1183459" y="397149"/>
+                </a:cubicBezTo>
+                <a:cubicBezTo>
+                  <a:pt x="1114224" y="346153"/>
+                  <a:pt x="1040522" y="299624"/>
+                  <a:pt x="977987" y="241184"/>
+                </a:cubicBezTo>
+                <a:cubicBezTo>
+                  <a:pt x="915453" y="182372"/>
+                  <a:pt x="855896" y="121326"/>
+                  <a:pt x="788150" y="66980"/>
+                </a:cubicBezTo>
+                <a:cubicBezTo>
+                  <a:pt x="768794" y="51346"/>
+                  <a:pt x="749438" y="34596"/>
+                  <a:pt x="721148" y="31990"/>
+                </a:cubicBezTo>
+                <a:cubicBezTo>
+                  <a:pt x="714820" y="31246"/>
+                  <a:pt x="708120" y="31618"/>
+                  <a:pt x="701792" y="32362"/>
+                </a:cubicBezTo>
+                <a:cubicBezTo>
+                  <a:pt x="694720" y="33107"/>
+                  <a:pt x="689136" y="36829"/>
+                  <a:pt x="686530" y="43157"/>
+                </a:cubicBezTo>
+                <a:cubicBezTo>
+                  <a:pt x="683925" y="50230"/>
+                  <a:pt x="688392" y="54324"/>
+                  <a:pt x="693603" y="58046"/>
+                </a:cubicBezTo>
+                <a:cubicBezTo>
+                  <a:pt x="697325" y="60652"/>
+                  <a:pt x="701047" y="64747"/>
+                  <a:pt x="705886" y="65491"/>
+                </a:cubicBezTo>
+                <a:cubicBezTo>
+                  <a:pt x="736782" y="69958"/>
+                  <a:pt x="748321" y="92664"/>
+                  <a:pt x="762838" y="112764"/>
+                </a:cubicBezTo>
+                <a:cubicBezTo>
+                  <a:pt x="769166" y="121326"/>
+                  <a:pt x="775866" y="128026"/>
+                  <a:pt x="764327" y="140309"/>
+                </a:cubicBezTo>
+                <a:cubicBezTo>
+                  <a:pt x="754277" y="151104"/>
+                  <a:pt x="764699" y="156688"/>
+                  <a:pt x="775121" y="159666"/>
+                </a:cubicBezTo>
+                <a:cubicBezTo>
+                  <a:pt x="789638" y="163760"/>
+                  <a:pt x="806761" y="163016"/>
+                  <a:pt x="823139" y="176416"/>
+                </a:cubicBezTo>
+                <a:cubicBezTo>
+                  <a:pt x="761721" y="177533"/>
+                  <a:pt x="735665" y="142171"/>
+                  <a:pt x="707748" y="109414"/>
+                </a:cubicBezTo>
+                <a:cubicBezTo>
+                  <a:pt x="697325" y="97503"/>
+                  <a:pt x="690253" y="83358"/>
+                  <a:pt x="681319" y="69958"/>
+                </a:cubicBezTo>
+                <a:cubicBezTo>
+                  <a:pt x="670152" y="53580"/>
+                  <a:pt x="657124" y="52835"/>
+                  <a:pt x="640746" y="67352"/>
+                </a:cubicBezTo>
+                <a:cubicBezTo>
+                  <a:pt x="626229" y="80380"/>
+                  <a:pt x="619157" y="79264"/>
+                  <a:pt x="614318" y="61396"/>
+                </a:cubicBezTo>
+                <a:cubicBezTo>
+                  <a:pt x="606873" y="33479"/>
+                  <a:pt x="589750" y="13751"/>
+                  <a:pt x="560716" y="3701"/>
+                </a:cubicBezTo>
+                <a:cubicBezTo>
+                  <a:pt x="554388" y="1467"/>
+                  <a:pt x="546572" y="-3372"/>
+                  <a:pt x="540616" y="3701"/>
+                </a:cubicBezTo>
+                <a:cubicBezTo>
+                  <a:pt x="535405" y="9656"/>
+                  <a:pt x="539871" y="16729"/>
+                  <a:pt x="543594" y="21940"/>
+                </a:cubicBezTo>
+                <a:cubicBezTo>
+                  <a:pt x="550294" y="31246"/>
+                  <a:pt x="556250" y="40179"/>
+                  <a:pt x="558855" y="51346"/>
+                </a:cubicBezTo>
+                <a:cubicBezTo>
+                  <a:pt x="560716" y="58791"/>
+                  <a:pt x="562578" y="66980"/>
+                  <a:pt x="557366" y="72563"/>
+                </a:cubicBezTo>
+                <a:cubicBezTo>
+                  <a:pt x="535777" y="96386"/>
+                  <a:pt x="551411" y="107553"/>
+                  <a:pt x="570022" y="120209"/>
+                </a:cubicBezTo>
+                <a:cubicBezTo>
+                  <a:pt x="595706" y="137332"/>
+                  <a:pt x="605756" y="162643"/>
+                  <a:pt x="599801" y="192794"/>
+                </a:cubicBezTo>
+                <a:cubicBezTo>
+                  <a:pt x="597567" y="205078"/>
+                  <a:pt x="599056" y="212522"/>
+                  <a:pt x="614318" y="212150"/>
+                </a:cubicBezTo>
+                <a:cubicBezTo>
+                  <a:pt x="620273" y="212150"/>
+                  <a:pt x="621762" y="216245"/>
+                  <a:pt x="623996" y="220711"/>
+                </a:cubicBezTo>
+                <a:cubicBezTo>
+                  <a:pt x="671641" y="326053"/>
+                  <a:pt x="740504" y="418366"/>
+                  <a:pt x="821278" y="503235"/>
+                </a:cubicBezTo>
+                <a:cubicBezTo>
+                  <a:pt x="886791" y="572098"/>
+                  <a:pt x="959004" y="634260"/>
+                  <a:pt x="1033822" y="694562"/>
+                </a:cubicBezTo>
+                <a:cubicBezTo>
+                  <a:pt x="1036055" y="696423"/>
+                  <a:pt x="1038289" y="698656"/>
+                  <a:pt x="1039406" y="702378"/>
+                </a:cubicBezTo>
+                <a:cubicBezTo>
+                  <a:pt x="1004044" y="694934"/>
+                  <a:pt x="973521" y="679672"/>
+                  <a:pt x="944114" y="662550"/>
+                </a:cubicBezTo>
+                <a:cubicBezTo>
+                  <a:pt x="865946" y="617138"/>
+                  <a:pt x="800061" y="558325"/>
+                  <a:pt x="733432" y="500629"/>
+                </a:cubicBezTo>
+                <a:cubicBezTo>
+                  <a:pt x="692858" y="465267"/>
+                  <a:pt x="651169" y="431022"/>
+                  <a:pt x="606501" y="399755"/>
+                </a:cubicBezTo>
+                <a:cubicBezTo>
+                  <a:pt x="599056" y="394543"/>
+                  <a:pt x="593845" y="387843"/>
+                  <a:pt x="588634" y="381143"/>
+                </a:cubicBezTo>
+                <a:cubicBezTo>
+                  <a:pt x="585656" y="377421"/>
+                  <a:pt x="581934" y="374071"/>
+                  <a:pt x="575978" y="375560"/>
+                </a:cubicBezTo>
+                <a:cubicBezTo>
+                  <a:pt x="568533" y="377421"/>
+                  <a:pt x="567789" y="383004"/>
+                  <a:pt x="567044" y="388588"/>
+                </a:cubicBezTo>
+                <a:cubicBezTo>
+                  <a:pt x="564811" y="406455"/>
+                  <a:pt x="569650" y="422461"/>
+                  <a:pt x="578956" y="437722"/>
+                </a:cubicBezTo>
+                <a:cubicBezTo>
+                  <a:pt x="603151" y="476806"/>
+                  <a:pt x="638885" y="506957"/>
+                  <a:pt x="675736" y="535619"/>
+                </a:cubicBezTo>
+                <a:cubicBezTo>
+                  <a:pt x="723381" y="572470"/>
+                  <a:pt x="769538" y="610810"/>
+                  <a:pt x="811600" y="652872"/>
+                </a:cubicBezTo>
+                <a:cubicBezTo>
+                  <a:pt x="814578" y="655850"/>
+                  <a:pt x="820161" y="657711"/>
+                  <a:pt x="818300" y="666272"/>
+                </a:cubicBezTo>
+                <a:cubicBezTo>
+                  <a:pt x="791872" y="646544"/>
+                  <a:pt x="766932" y="627188"/>
+                  <a:pt x="741621" y="608576"/>
+                </a:cubicBezTo>
+                <a:cubicBezTo>
+                  <a:pt x="716681" y="589965"/>
+                  <a:pt x="691369" y="571353"/>
+                  <a:pt x="666430" y="553114"/>
+                </a:cubicBezTo>
+                <a:cubicBezTo>
+                  <a:pt x="660474" y="548647"/>
+                  <a:pt x="654146" y="542319"/>
+                  <a:pt x="645585" y="547903"/>
+                </a:cubicBezTo>
+                <a:cubicBezTo>
+                  <a:pt x="636652" y="553486"/>
+                  <a:pt x="637768" y="562792"/>
+                  <a:pt x="640002" y="570236"/>
+                </a:cubicBezTo>
+                <a:cubicBezTo>
+                  <a:pt x="647074" y="592198"/>
+                  <a:pt x="659358" y="611554"/>
+                  <a:pt x="675736" y="628677"/>
+                </a:cubicBezTo>
+                <a:cubicBezTo>
+                  <a:pt x="731570" y="685256"/>
+                  <a:pt x="795966" y="734018"/>
+                  <a:pt x="855896" y="786875"/>
+                </a:cubicBezTo>
+                <a:cubicBezTo>
+                  <a:pt x="888280" y="815537"/>
+                  <a:pt x="918058" y="846060"/>
+                  <a:pt x="946348" y="877699"/>
+                </a:cubicBezTo>
+                <a:cubicBezTo>
+                  <a:pt x="952676" y="884772"/>
+                  <a:pt x="952303" y="891472"/>
+                  <a:pt x="950442" y="899661"/>
+                </a:cubicBezTo>
+                <a:cubicBezTo>
+                  <a:pt x="942998" y="932790"/>
+                  <a:pt x="954537" y="943957"/>
+                  <a:pt x="991760" y="937629"/>
+                </a:cubicBezTo>
+                <a:cubicBezTo>
+                  <a:pt x="1003299" y="935767"/>
+                  <a:pt x="1011116" y="937629"/>
+                  <a:pt x="1018188" y="945445"/>
+                </a:cubicBezTo>
+                <a:cubicBezTo>
+                  <a:pt x="1103802" y="1042225"/>
+                  <a:pt x="1205048" y="1123744"/>
+                  <a:pt x="1315601" y="1196329"/>
+                </a:cubicBezTo>
+                <a:cubicBezTo>
+                  <a:pt x="1360641" y="1225735"/>
+                  <a:pt x="1407170" y="1253653"/>
+                  <a:pt x="1454443" y="1279709"/>
+                </a:cubicBezTo>
+                <a:cubicBezTo>
+                  <a:pt x="1454443" y="1281570"/>
+                  <a:pt x="1454443" y="1283804"/>
+                  <a:pt x="1454443" y="1285665"/>
+                </a:cubicBezTo>
+                <a:cubicBezTo>
+                  <a:pt x="1454071" y="1288270"/>
+                  <a:pt x="1453699" y="1289759"/>
+                  <a:pt x="1453327" y="1291993"/>
+                </a:cubicBezTo>
+                <a:cubicBezTo>
+                  <a:pt x="1386697" y="1251792"/>
+                  <a:pt x="1320812" y="1210474"/>
+                  <a:pt x="1256416" y="1166923"/>
+                </a:cubicBezTo>
+                <a:cubicBezTo>
+                  <a:pt x="1081840" y="1048926"/>
+                  <a:pt x="915080" y="922367"/>
+                  <a:pt x="745715" y="798786"/>
+                </a:cubicBezTo>
+                <a:cubicBezTo>
+                  <a:pt x="688764" y="757096"/>
+                  <a:pt x="643724" y="703867"/>
+                  <a:pt x="592356" y="656966"/>
+                </a:cubicBezTo>
+                <a:cubicBezTo>
+                  <a:pt x="558111" y="625699"/>
+                  <a:pt x="525354" y="592943"/>
+                  <a:pt x="485526" y="567259"/>
+                </a:cubicBezTo>
+                <a:cubicBezTo>
+                  <a:pt x="469148" y="556836"/>
+                  <a:pt x="452025" y="547530"/>
+                  <a:pt x="430063" y="550136"/>
+                </a:cubicBezTo>
+                <a:cubicBezTo>
+                  <a:pt x="421502" y="551253"/>
+                  <a:pt x="411824" y="553486"/>
+                  <a:pt x="408846" y="563164"/>
+                </a:cubicBezTo>
+                <a:cubicBezTo>
+                  <a:pt x="406240" y="572842"/>
+                  <a:pt x="414057" y="577309"/>
+                  <a:pt x="421130" y="581403"/>
+                </a:cubicBezTo>
+                <a:cubicBezTo>
+                  <a:pt x="422991" y="582520"/>
+                  <a:pt x="424852" y="584009"/>
+                  <a:pt x="426713" y="584009"/>
+                </a:cubicBezTo>
+                <a:cubicBezTo>
+                  <a:pt x="462075" y="586242"/>
+                  <a:pt x="470264" y="614532"/>
+                  <a:pt x="487015" y="635005"/>
+                </a:cubicBezTo>
+                <a:cubicBezTo>
+                  <a:pt x="492226" y="641333"/>
+                  <a:pt x="492598" y="647661"/>
+                  <a:pt x="487015" y="655105"/>
+                </a:cubicBezTo>
+                <a:cubicBezTo>
+                  <a:pt x="476964" y="668505"/>
+                  <a:pt x="484037" y="674461"/>
+                  <a:pt x="497437" y="678183"/>
+                </a:cubicBezTo>
+                <a:cubicBezTo>
+                  <a:pt x="510837" y="681906"/>
+                  <a:pt x="525354" y="683022"/>
+                  <a:pt x="539871" y="691584"/>
+                </a:cubicBezTo>
+                <a:cubicBezTo>
+                  <a:pt x="516793" y="698656"/>
+                  <a:pt x="500787" y="691212"/>
+                  <a:pt x="485898" y="681906"/>
+                </a:cubicBezTo>
+                <a:cubicBezTo>
+                  <a:pt x="452397" y="661433"/>
+                  <a:pt x="430808" y="631282"/>
+                  <a:pt x="410335" y="600387"/>
+                </a:cubicBezTo>
+                <a:cubicBezTo>
+                  <a:pt x="406240" y="594431"/>
+                  <a:pt x="402890" y="587731"/>
+                  <a:pt x="397307" y="582892"/>
+                </a:cubicBezTo>
+                <a:cubicBezTo>
+                  <a:pt x="386884" y="573214"/>
+                  <a:pt x="375717" y="572098"/>
+                  <a:pt x="363062" y="584009"/>
+                </a:cubicBezTo>
+                <a:cubicBezTo>
+                  <a:pt x="346311" y="599643"/>
+                  <a:pt x="340356" y="598526"/>
+                  <a:pt x="334772" y="578426"/>
+                </a:cubicBezTo>
+                <a:cubicBezTo>
+                  <a:pt x="327327" y="551253"/>
+                  <a:pt x="310577" y="532269"/>
+                  <a:pt x="281915" y="522219"/>
+                </a:cubicBezTo>
+                <a:cubicBezTo>
+                  <a:pt x="275960" y="519985"/>
+                  <a:pt x="269632" y="517007"/>
+                  <a:pt x="263304" y="521846"/>
+                </a:cubicBezTo>
+                <a:cubicBezTo>
+                  <a:pt x="256604" y="527430"/>
+                  <a:pt x="261070" y="533013"/>
+                  <a:pt x="263676" y="538225"/>
+                </a:cubicBezTo>
+                <a:cubicBezTo>
+                  <a:pt x="267398" y="546414"/>
+                  <a:pt x="271865" y="554603"/>
+                  <a:pt x="275215" y="563164"/>
+                </a:cubicBezTo>
+                <a:cubicBezTo>
+                  <a:pt x="281171" y="576937"/>
+                  <a:pt x="282288" y="591454"/>
+                  <a:pt x="271121" y="604854"/>
+                </a:cubicBezTo>
+                <a:cubicBezTo>
+                  <a:pt x="262931" y="614532"/>
+                  <a:pt x="263676" y="620860"/>
+                  <a:pt x="274471" y="627560"/>
+                </a:cubicBezTo>
+                <a:cubicBezTo>
+                  <a:pt x="309088" y="648405"/>
+                  <a:pt x="331050" y="675578"/>
+                  <a:pt x="319138" y="718012"/>
+                </a:cubicBezTo>
+                <a:cubicBezTo>
+                  <a:pt x="317277" y="723968"/>
+                  <a:pt x="319511" y="729924"/>
+                  <a:pt x="326583" y="729551"/>
+                </a:cubicBezTo>
+                <a:cubicBezTo>
+                  <a:pt x="342217" y="728435"/>
+                  <a:pt x="344822" y="738113"/>
+                  <a:pt x="349289" y="748163"/>
+                </a:cubicBezTo>
+                <a:cubicBezTo>
+                  <a:pt x="392840" y="844571"/>
+                  <a:pt x="455747" y="928695"/>
+                  <a:pt x="528332" y="1007608"/>
+                </a:cubicBezTo>
+                <a:cubicBezTo>
+                  <a:pt x="600173" y="1085777"/>
+                  <a:pt x="680947" y="1155756"/>
+                  <a:pt x="766932" y="1222758"/>
+                </a:cubicBezTo>
+                <a:cubicBezTo>
+                  <a:pt x="742737" y="1220524"/>
+                  <a:pt x="711470" y="1206752"/>
+                  <a:pt x="681319" y="1190746"/>
+                </a:cubicBezTo>
+                <a:cubicBezTo>
+                  <a:pt x="601662" y="1147939"/>
+                  <a:pt x="536149" y="1089871"/>
+                  <a:pt x="469520" y="1032920"/>
+                </a:cubicBezTo>
+                <a:cubicBezTo>
+                  <a:pt x="422991" y="993091"/>
+                  <a:pt x="377579" y="952146"/>
+                  <a:pt x="325466" y="917900"/>
+                </a:cubicBezTo>
+                <a:cubicBezTo>
+                  <a:pt x="319511" y="914178"/>
+                  <a:pt x="315416" y="909339"/>
+                  <a:pt x="312066" y="903383"/>
+                </a:cubicBezTo>
+                <a:cubicBezTo>
+                  <a:pt x="309088" y="898172"/>
+                  <a:pt x="304621" y="893333"/>
+                  <a:pt x="296805" y="895566"/>
+                </a:cubicBezTo>
+                <a:cubicBezTo>
+                  <a:pt x="288988" y="898172"/>
+                  <a:pt x="288243" y="904872"/>
+                  <a:pt x="288243" y="910828"/>
+                </a:cubicBezTo>
+                <a:cubicBezTo>
+                  <a:pt x="289360" y="933162"/>
+                  <a:pt x="295688" y="953262"/>
+                  <a:pt x="309460" y="971129"/>
+                </a:cubicBezTo>
+                <a:cubicBezTo>
+                  <a:pt x="336261" y="1006864"/>
+                  <a:pt x="371995" y="1034781"/>
+                  <a:pt x="407729" y="1062698"/>
+                </a:cubicBezTo>
+                <a:cubicBezTo>
+                  <a:pt x="457236" y="1101038"/>
+                  <a:pt x="503021" y="1142728"/>
+                  <a:pt x="544338" y="1189257"/>
+                </a:cubicBezTo>
+                <a:cubicBezTo>
+                  <a:pt x="514560" y="1166551"/>
+                  <a:pt x="484781" y="1143472"/>
+                  <a:pt x="454630" y="1120766"/>
+                </a:cubicBezTo>
+                <a:cubicBezTo>
+                  <a:pt x="431924" y="1103644"/>
+                  <a:pt x="408474" y="1087265"/>
+                  <a:pt x="385396" y="1070515"/>
+                </a:cubicBezTo>
+                <a:cubicBezTo>
+                  <a:pt x="379812" y="1066421"/>
+                  <a:pt x="373856" y="1061954"/>
+                  <a:pt x="366040" y="1067537"/>
+                </a:cubicBezTo>
+                <a:cubicBezTo>
+                  <a:pt x="358967" y="1072376"/>
+                  <a:pt x="360084" y="1079449"/>
+                  <a:pt x="361573" y="1086149"/>
+                </a:cubicBezTo>
+                <a:cubicBezTo>
+                  <a:pt x="367156" y="1112577"/>
+                  <a:pt x="382790" y="1133794"/>
+                  <a:pt x="402146" y="1152778"/>
+                </a:cubicBezTo>
+                <a:cubicBezTo>
+                  <a:pt x="425596" y="1175484"/>
+                  <a:pt x="450164" y="1197074"/>
+                  <a:pt x="475475" y="1218663"/>
+                </a:cubicBezTo>
+                <a:cubicBezTo>
+                  <a:pt x="448303" y="1212707"/>
+                  <a:pt x="421130" y="1206752"/>
+                  <a:pt x="393957" y="1201913"/>
+                </a:cubicBezTo>
+                <a:cubicBezTo>
+                  <a:pt x="406240" y="1245091"/>
+                  <a:pt x="434902" y="1253653"/>
+                  <a:pt x="460586" y="1260353"/>
+                </a:cubicBezTo>
+                <a:cubicBezTo>
+                  <a:pt x="495204" y="1268914"/>
+                  <a:pt x="528332" y="1279709"/>
+                  <a:pt x="561089" y="1291993"/>
+                </a:cubicBezTo>
+                <a:cubicBezTo>
+                  <a:pt x="574861" y="1304276"/>
+                  <a:pt x="588634" y="1316188"/>
+                  <a:pt x="602034" y="1328843"/>
+                </a:cubicBezTo>
+                <a:cubicBezTo>
+                  <a:pt x="615807" y="1341872"/>
+                  <a:pt x="628835" y="1354900"/>
+                  <a:pt x="641863" y="1368672"/>
+                </a:cubicBezTo>
+                <a:cubicBezTo>
+                  <a:pt x="651169" y="1378722"/>
+                  <a:pt x="662335" y="1387284"/>
+                  <a:pt x="651541" y="1404406"/>
+                </a:cubicBezTo>
+                <a:cubicBezTo>
+                  <a:pt x="646702" y="1412223"/>
+                  <a:pt x="678341" y="1454658"/>
+                  <a:pt x="688392" y="1457263"/>
+                </a:cubicBezTo>
+                <a:cubicBezTo>
+                  <a:pt x="689881" y="1457635"/>
+                  <a:pt x="691369" y="1458008"/>
+                  <a:pt x="692486" y="1458008"/>
+                </a:cubicBezTo>
+                <a:cubicBezTo>
+                  <a:pt x="714076" y="1456519"/>
+                  <a:pt x="718915" y="1469175"/>
+                  <a:pt x="719287" y="1485181"/>
+                </a:cubicBezTo>
+                <a:cubicBezTo>
+                  <a:pt x="719659" y="1500814"/>
+                  <a:pt x="715937" y="1520170"/>
+                  <a:pt x="745343" y="1512353"/>
+                </a:cubicBezTo>
+                <a:cubicBezTo>
+                  <a:pt x="748693" y="1511609"/>
+                  <a:pt x="749438" y="1513842"/>
+                  <a:pt x="750926" y="1516448"/>
+                </a:cubicBezTo>
+                <a:cubicBezTo>
+                  <a:pt x="782938" y="1583077"/>
+                  <a:pt x="836912" y="1634445"/>
+                  <a:pt x="890141" y="1685813"/>
+                </a:cubicBezTo>
+                <a:cubicBezTo>
+                  <a:pt x="893119" y="1688419"/>
+                  <a:pt x="896097" y="1691024"/>
+                  <a:pt x="899074" y="1693630"/>
+                </a:cubicBezTo>
+                <a:cubicBezTo>
+                  <a:pt x="843240" y="1680602"/>
+                  <a:pt x="658985" y="1663851"/>
+                  <a:pt x="605012" y="1669435"/>
+                </a:cubicBezTo>
+                <a:cubicBezTo>
+                  <a:pt x="556994" y="1674274"/>
+                  <a:pt x="285638" y="1593128"/>
+                  <a:pt x="229431" y="1545110"/>
+                </a:cubicBezTo>
+                <a:cubicBezTo>
+                  <a:pt x="221614" y="1582705"/>
+                  <a:pt x="238364" y="1597594"/>
+                  <a:pt x="251765" y="1614717"/>
+                </a:cubicBezTo>
+                <a:cubicBezTo>
+                  <a:pt x="270748" y="1638912"/>
+                  <a:pt x="273726" y="1656035"/>
+                  <a:pt x="237992" y="1675391"/>
+                </a:cubicBezTo>
+                <a:cubicBezTo>
+                  <a:pt x="135628" y="1730481"/>
+                  <a:pt x="136745" y="1732342"/>
+                  <a:pt x="232781" y="1807160"/>
+                </a:cubicBezTo>
+                <a:cubicBezTo>
+                  <a:pt x="237248" y="1810511"/>
+                  <a:pt x="235014" y="1821305"/>
+                  <a:pt x="236131" y="1828750"/>
+                </a:cubicBezTo>
+                <a:cubicBezTo>
+                  <a:pt x="211191" y="1839917"/>
+                  <a:pt x="181785" y="1810883"/>
+                  <a:pt x="152007" y="1842150"/>
+                </a:cubicBezTo>
+                <a:cubicBezTo>
+                  <a:pt x="280426" y="1979503"/>
+                  <a:pt x="475848" y="2110157"/>
+                  <a:pt x="653030" y="2213265"/>
+                </a:cubicBezTo>
+                <a:cubicBezTo>
+                  <a:pt x="509721" y="2247138"/>
+                  <a:pt x="423735" y="2128024"/>
+                  <a:pt x="318394" y="2143285"/>
+                </a:cubicBezTo>
+                <a:cubicBezTo>
+                  <a:pt x="265909" y="2180508"/>
+                  <a:pt x="422246" y="2240810"/>
+                  <a:pt x="272982" y="2258305"/>
+                </a:cubicBezTo>
+                <a:cubicBezTo>
+                  <a:pt x="337750" y="2291061"/>
+                  <a:pt x="385768" y="2323073"/>
+                  <a:pt x="430435" y="2360668"/>
+                </a:cubicBezTo>
+                <a:cubicBezTo>
+                  <a:pt x="509721" y="2428042"/>
+                  <a:pt x="525354" y="2472710"/>
+                  <a:pt x="488876" y="2563162"/>
+                </a:cubicBezTo>
+                <a:cubicBezTo>
+                  <a:pt x="464681" y="2622719"/>
+                  <a:pt x="429691" y="2677437"/>
+                  <a:pt x="460586" y="2748533"/>
+                </a:cubicBezTo>
+                <a:cubicBezTo>
+                  <a:pt x="481803" y="2797295"/>
+                  <a:pt x="473614" y="2829307"/>
+                  <a:pt x="393212" y="2807345"/>
+                </a:cubicBezTo>
+                <a:cubicBezTo>
+                  <a:pt x="306483" y="2783895"/>
+                  <a:pt x="273726" y="2827818"/>
+                  <a:pt x="295688" y="2913059"/>
+                </a:cubicBezTo>
+                <a:cubicBezTo>
+                  <a:pt x="309833" y="2967777"/>
+                  <a:pt x="294943" y="2984900"/>
+                  <a:pt x="235386" y="2978572"/>
+                </a:cubicBezTo>
+                <a:cubicBezTo>
+                  <a:pt x="169501" y="2971499"/>
+                  <a:pt x="106967" y="2935765"/>
+                  <a:pt x="25448" y="2952888"/>
+                </a:cubicBezTo>
+                <a:cubicBezTo>
+                  <a:pt x="90588" y="3052646"/>
+                  <a:pt x="229803" y="3024356"/>
+                  <a:pt x="305738" y="3119275"/>
+                </a:cubicBezTo>
+                <a:cubicBezTo>
+                  <a:pt x="215286" y="3119647"/>
+                  <a:pt x="146051" y="3119275"/>
+                  <a:pt x="79049" y="3098430"/>
+                </a:cubicBezTo>
+                <a:cubicBezTo>
+                  <a:pt x="51132" y="3089869"/>
+                  <a:pt x="20609" y="3081308"/>
+                  <a:pt x="4975" y="3109969"/>
+                </a:cubicBezTo>
+                <a:cubicBezTo>
+                  <a:pt x="-13636" y="3144587"/>
+                  <a:pt x="24331" y="3157615"/>
+                  <a:pt x="47037" y="3163943"/>
+                </a:cubicBezTo>
+                <a:cubicBezTo>
+                  <a:pt x="111061" y="3181438"/>
+                  <a:pt x="160196" y="3222755"/>
+                  <a:pt x="213425" y="3255139"/>
+                </a:cubicBezTo>
+                <a:cubicBezTo>
+                  <a:pt x="329933" y="3326236"/>
+                  <a:pt x="457981" y="3385420"/>
+                  <a:pt x="556622" y="3502301"/>
+                </a:cubicBezTo>
+                <a:cubicBezTo>
+                  <a:pt x="432669" y="3472523"/>
+                  <a:pt x="339983" y="3402915"/>
+                  <a:pt x="224592" y="3388771"/>
+                </a:cubicBezTo>
+                <a:cubicBezTo>
+                  <a:pt x="324722" y="3495601"/>
+                  <a:pt x="453142" y="3565208"/>
+                  <a:pt x="574861" y="3643004"/>
+                </a:cubicBezTo>
+                <a:cubicBezTo>
+                  <a:pt x="609479" y="3664966"/>
+                  <a:pt x="644841" y="3679855"/>
+                  <a:pt x="652657" y="3727501"/>
+                </a:cubicBezTo>
+                <a:cubicBezTo>
+                  <a:pt x="667919" y="3819814"/>
+                  <a:pt x="712959" y="3896494"/>
+                  <a:pt x="810111" y="3937067"/>
+                </a:cubicBezTo>
+                <a:cubicBezTo>
+                  <a:pt x="810856" y="3937439"/>
+                  <a:pt x="805644" y="3951212"/>
+                  <a:pt x="802294" y="3960890"/>
+                </a:cubicBezTo>
+                <a:cubicBezTo>
+                  <a:pt x="743110" y="3963868"/>
+                  <a:pt x="696581" y="3909149"/>
+                  <a:pt x="620646" y="3927017"/>
+                </a:cubicBezTo>
+                <a:cubicBezTo>
+                  <a:pt x="692858" y="4001091"/>
+                  <a:pt x="753532" y="4067720"/>
+                  <a:pt x="856268" y="4103082"/>
+                </a:cubicBezTo>
+                <a:cubicBezTo>
+                  <a:pt x="938531" y="4131372"/>
+                  <a:pt x="1040150" y="4147377"/>
+                  <a:pt x="1099707" y="4238574"/>
+                </a:cubicBezTo>
+                <a:cubicBezTo>
+                  <a:pt x="1030472" y="4256441"/>
+                  <a:pt x="978732" y="4234107"/>
+                  <a:pt x="926992" y="4218102"/>
+                </a:cubicBezTo>
+                <a:cubicBezTo>
+                  <a:pt x="847334" y="4193534"/>
+                  <a:pt x="769166" y="4165617"/>
+                  <a:pt x="689508" y="4140677"/>
+                </a:cubicBezTo>
+                <a:cubicBezTo>
+                  <a:pt x="659358" y="4131372"/>
+                  <a:pt x="626229" y="4124299"/>
+                  <a:pt x="606873" y="4169711"/>
+                </a:cubicBezTo>
+                <a:cubicBezTo>
+                  <a:pt x="707748" y="4179389"/>
+                  <a:pt x="768421" y="4240435"/>
+                  <a:pt x="831701" y="4297759"/>
+                </a:cubicBezTo>
+                <a:cubicBezTo>
+                  <a:pt x="867435" y="4330143"/>
+                  <a:pt x="896469" y="4373322"/>
+                  <a:pt x="960493" y="4356944"/>
+                </a:cubicBezTo>
+                <a:cubicBezTo>
+                  <a:pt x="994366" y="4348382"/>
+                  <a:pt x="1015955" y="4372578"/>
+                  <a:pt x="1012233" y="4402356"/>
+                </a:cubicBezTo>
+                <a:cubicBezTo>
+                  <a:pt x="999577" y="4507325"/>
+                  <a:pt x="1078118" y="4544176"/>
+                  <a:pt x="1159636" y="4564276"/>
+                </a:cubicBezTo>
+                <a:cubicBezTo>
+                  <a:pt x="1313740" y="4602616"/>
+                  <a:pt x="1442160" y="4692324"/>
+                  <a:pt x="1592169" y="4741458"/>
+                </a:cubicBezTo>
+                <a:cubicBezTo>
+                  <a:pt x="1738083" y="4789104"/>
+                  <a:pt x="2833187" y="5010209"/>
+                  <a:pt x="3110499" y="5032171"/>
+                </a:cubicBezTo>
+                <a:cubicBezTo>
+                  <a:pt x="4807501" y="5166546"/>
+                  <a:pt x="6028047" y="4106432"/>
+                  <a:pt x="6033630" y="4091915"/>
+                </a:cubicBezTo>
+                <a:cubicBezTo>
+                  <a:pt x="6059314" y="4023797"/>
+                  <a:pt x="6122965" y="3994390"/>
+                  <a:pt x="6180661" y="3957912"/>
+                </a:cubicBezTo>
+                <a:cubicBezTo>
+                  <a:pt x="6230913" y="3925900"/>
+                  <a:pt x="6284514" y="3892027"/>
+                  <a:pt x="6305359" y="3837309"/>
+                </a:cubicBezTo>
+                <a:cubicBezTo>
+                  <a:pt x="6332904" y="3764724"/>
+                  <a:pt x="6254735" y="3824281"/>
+                  <a:pt x="6240218" y="3796364"/>
+                </a:cubicBezTo>
+                <a:cubicBezTo>
+                  <a:pt x="6269997" y="3758768"/>
+                  <a:pt x="6316153" y="3724151"/>
+                  <a:pt x="6328437" y="3681344"/>
+                </a:cubicBezTo>
+                <a:cubicBezTo>
+                  <a:pt x="6372361" y="3526496"/>
+                  <a:pt x="6466907" y="3413710"/>
+                  <a:pt x="6608355" y="3326236"/>
+                </a:cubicBezTo>
+                <a:cubicBezTo>
+                  <a:pt x="6648928" y="3300924"/>
+                  <a:pt x="6675729" y="3255512"/>
+                  <a:pt x="6731191" y="3248067"/>
+                </a:cubicBezTo>
+                <a:cubicBezTo>
+                  <a:pt x="6854400" y="3232061"/>
+                  <a:pt x="6815315" y="3106992"/>
+                  <a:pt x="6880456" y="3051529"/>
+                </a:cubicBezTo>
+                <a:cubicBezTo>
+                  <a:pt x="6892739" y="3041107"/>
+                  <a:pt x="6903907" y="2777939"/>
+                  <a:pt x="6901673" y="2763795"/>
+                </a:cubicBezTo>
+                <a:cubicBezTo>
+                  <a:pt x="6898323" y="2743322"/>
+                  <a:pt x="6883806" y="2966288"/>
+                  <a:pt x="6871150" y="2948421"/>
+                </a:cubicBezTo>
+                <a:cubicBezTo>
+                  <a:pt x="6858494" y="2930182"/>
+                  <a:pt x="6839138" y="2914176"/>
+                  <a:pt x="6848444" y="2890353"/>
+                </a:cubicBezTo>
+                <a:cubicBezTo>
+                  <a:pt x="6852166" y="2880303"/>
+                  <a:pt x="6849561" y="2846058"/>
+                  <a:pt x="6878223" y="2873230"/>
+                </a:cubicBezTo>
+                <a:cubicBezTo>
+                  <a:pt x="6956763" y="2946932"/>
+                  <a:pt x="6870778" y="2578051"/>
+                  <a:pt x="6762459" y="2568745"/>
+                </a:cubicBezTo>
+                <a:cubicBezTo>
+                  <a:pt x="6801915" y="2465637"/>
+                  <a:pt x="6801915" y="2465637"/>
+                  <a:pt x="6673123" y="2451493"/>
+                </a:cubicBezTo>
+                <a:cubicBezTo>
+                  <a:pt x="6722630" y="2385980"/>
+                  <a:pt x="6722630" y="2369229"/>
+                  <a:pt x="6662700" y="2346896"/>
+                </a:cubicBezTo>
+                <a:cubicBezTo>
+                  <a:pt x="6605005" y="2325306"/>
+                  <a:pt x="6540981" y="2318234"/>
+                  <a:pt x="6487752" y="2285105"/>
+                </a:cubicBezTo>
+                <a:cubicBezTo>
+                  <a:pt x="6536887" y="2201353"/>
+                  <a:pt x="6550659" y="2104573"/>
+                  <a:pt x="6652278" y="2063628"/>
+                </a:cubicBezTo>
+                <a:cubicBezTo>
+                  <a:pt x="6668284" y="2057300"/>
+                  <a:pt x="6679079" y="2031988"/>
+                  <a:pt x="6668656" y="2017843"/>
+                </a:cubicBezTo>
+                <a:cubicBezTo>
+                  <a:pt x="6631805" y="1965359"/>
+                  <a:pt x="6684662" y="1864856"/>
+                  <a:pt x="6570015" y="1854062"/>
+                </a:cubicBezTo>
+                <a:cubicBezTo>
+                  <a:pt x="6555870" y="1852573"/>
+                  <a:pt x="6542842" y="1842150"/>
+                  <a:pt x="6554009" y="1827633"/>
+                </a:cubicBezTo>
+                <a:cubicBezTo>
+                  <a:pt x="6592349" y="1778126"/>
+                  <a:pt x="6545820" y="1781476"/>
+                  <a:pt x="6517531" y="1775149"/>
+                </a:cubicBezTo>
+                <a:cubicBezTo>
+                  <a:pt x="6483285" y="1767704"/>
+                  <a:pt x="6444573" y="1789293"/>
+                  <a:pt x="6412934" y="1762493"/>
+                </a:cubicBezTo>
+                <a:cubicBezTo>
+                  <a:pt x="6420378" y="1734203"/>
+                  <a:pt x="6447923" y="1734575"/>
+                  <a:pt x="6467279" y="1725642"/>
+                </a:cubicBezTo>
+                <a:cubicBezTo>
+                  <a:pt x="6523858" y="1699213"/>
+                  <a:pt x="6570015" y="1667946"/>
+                  <a:pt x="6572621" y="1600200"/>
+                </a:cubicBezTo>
+                <a:cubicBezTo>
+                  <a:pt x="6574854" y="1545482"/>
+                  <a:pt x="6580810" y="1497092"/>
+                  <a:pt x="6502641" y="1480341"/>
+                </a:cubicBezTo>
+                <a:cubicBezTo>
+                  <a:pt x="6490358" y="1477736"/>
+                  <a:pt x="6484030" y="1470664"/>
+                  <a:pt x="6481796" y="1461358"/>
+                </a:cubicBezTo>
+                <a:cubicBezTo>
+                  <a:pt x="6490730" y="1452424"/>
+                  <a:pt x="6499291" y="1443118"/>
+                  <a:pt x="6509713" y="1436418"/>
+                </a:cubicBezTo>
+                <a:cubicBezTo>
+                  <a:pt x="6544703" y="1414457"/>
+                  <a:pt x="6556615" y="1382072"/>
+                  <a:pt x="6567037" y="1348199"/>
+                </a:cubicBezTo>
+                <a:cubicBezTo>
+                  <a:pt x="6573737" y="1326610"/>
+                  <a:pt x="6581554" y="1305393"/>
+                  <a:pt x="6596816" y="1286781"/>
+                </a:cubicBezTo>
+                <a:cubicBezTo>
+                  <a:pt x="6606122" y="1275242"/>
+                  <a:pt x="6617661" y="1266681"/>
+                  <a:pt x="6632178" y="1261842"/>
+                </a:cubicBezTo>
+                <a:cubicBezTo>
+                  <a:pt x="6644833" y="1257375"/>
+                  <a:pt x="6648556" y="1251419"/>
+                  <a:pt x="6639994" y="1240625"/>
+                </a:cubicBezTo>
+                <a:cubicBezTo>
+                  <a:pt x="6615799" y="1209729"/>
+                  <a:pt x="6606122" y="1175856"/>
+                  <a:pt x="6622127" y="1136400"/>
+                </a:cubicBezTo>
+                <a:cubicBezTo>
+                  <a:pt x="6626967" y="1124489"/>
+                  <a:pt x="6623617" y="1114066"/>
+                  <a:pt x="6612077" y="1109599"/>
+                </a:cubicBezTo>
+                <a:cubicBezTo>
+                  <a:pt x="6564059" y="1090616"/>
+                  <a:pt x="6552148" y="1046692"/>
+                  <a:pt x="6531675" y="1009469"/>
+                </a:cubicBezTo>
+                <a:cubicBezTo>
+                  <a:pt x="6502641" y="956612"/>
+                  <a:pt x="6476213" y="902639"/>
+                  <a:pt x="6456113" y="845315"/>
+                </a:cubicBezTo>
+                <a:cubicBezTo>
+                  <a:pt x="6444201" y="811070"/>
+                  <a:pt x="6432662" y="777197"/>
+                  <a:pt x="6440851" y="739229"/>
+                </a:cubicBezTo>
+                <a:cubicBezTo>
+                  <a:pt x="6442712" y="729924"/>
+                  <a:pt x="6439362" y="722107"/>
+                  <a:pt x="6434523" y="715034"/>
+                </a:cubicBezTo>
+                <a:cubicBezTo>
+                  <a:pt x="6414050" y="684139"/>
+                  <a:pt x="6416656" y="651383"/>
+                  <a:pt x="6432290" y="617510"/>
+                </a:cubicBezTo>
+                <a:cubicBezTo>
+                  <a:pt x="6441968" y="597037"/>
+                  <a:pt x="6440851" y="594431"/>
+                  <a:pt x="6416284" y="595176"/>
+                </a:cubicBezTo>
+                <a:cubicBezTo>
+                  <a:pt x="6366405" y="596293"/>
+                  <a:pt x="6316898" y="598154"/>
+                  <a:pt x="6267763" y="591826"/>
+                </a:cubicBezTo>
+                <a:cubicBezTo>
+                  <a:pt x="6212673" y="584753"/>
+                  <a:pt x="6194806" y="568375"/>
+                  <a:pt x="6236496" y="521102"/>
+                </a:cubicBezTo>
+                <a:cubicBezTo>
+                  <a:pt x="6245430" y="511052"/>
+                  <a:pt x="6253246" y="499885"/>
+                  <a:pt x="6257341" y="487229"/>
+                </a:cubicBezTo>
+                <a:cubicBezTo>
+                  <a:pt x="6260319" y="477179"/>
+                  <a:pt x="6257713" y="470106"/>
+                  <a:pt x="6248780" y="465267"/>
+                </a:cubicBezTo>
+                <a:cubicBezTo>
+                  <a:pt x="6238357" y="459312"/>
+                  <a:pt x="6232774" y="467501"/>
+                  <a:pt x="6226818" y="473456"/>
+                </a:cubicBezTo>
+                <a:cubicBezTo>
+                  <a:pt x="6194434" y="505468"/>
+                  <a:pt x="6153861" y="527430"/>
+                  <a:pt x="6115149" y="551625"/>
+                </a:cubicBezTo>
+                <a:cubicBezTo>
+                  <a:pt x="6059686" y="586615"/>
+                  <a:pt x="6001246" y="617510"/>
+                  <a:pt x="5951739" y="659944"/>
+                </a:cubicBezTo>
+                <a:cubicBezTo>
+                  <a:pt x="5939084" y="670739"/>
+                  <a:pt x="5918611" y="662550"/>
+                  <a:pt x="5917122" y="644310"/>
+                </a:cubicBezTo>
+                <a:cubicBezTo>
+                  <a:pt x="5915633" y="626071"/>
+                  <a:pt x="5905583" y="626071"/>
+                  <a:pt x="5890694" y="630538"/>
+                </a:cubicBezTo>
+                <a:cubicBezTo>
+                  <a:pt x="5872826" y="635749"/>
+                  <a:pt x="5854959" y="640960"/>
+                  <a:pt x="5837464" y="646916"/>
+                </a:cubicBezTo>
+                <a:cubicBezTo>
+                  <a:pt x="5819225" y="653244"/>
+                  <a:pt x="5811036" y="666644"/>
+                  <a:pt x="5809175" y="683395"/>
+                </a:cubicBezTo>
+                <a:cubicBezTo>
+                  <a:pt x="5808430" y="689723"/>
+                  <a:pt x="5808803" y="697539"/>
+                  <a:pt x="5815503" y="698656"/>
+                </a:cubicBezTo>
+                <a:cubicBezTo>
+                  <a:pt x="5843048" y="703495"/>
+                  <a:pt x="5755201" y="682278"/>
+                  <a:pt x="5746268" y="667389"/>
+                </a:cubicBezTo>
+                <a:cubicBezTo>
+                  <a:pt x="5745896" y="666644"/>
+                  <a:pt x="5525907" y="720246"/>
+                  <a:pt x="5458905" y="754119"/>
+                </a:cubicBezTo>
+                <a:close/>
+                <a:moveTo>
+                  <a:pt x="885302" y="1333310"/>
+                </a:moveTo>
+                <a:cubicBezTo>
+                  <a:pt x="877857" y="1326982"/>
+                  <a:pt x="870040" y="1321027"/>
+                  <a:pt x="862596" y="1314326"/>
+                </a:cubicBezTo>
+                <a:cubicBezTo>
+                  <a:pt x="863712" y="1312837"/>
+                  <a:pt x="865201" y="1311349"/>
+                  <a:pt x="866318" y="1309860"/>
+                </a:cubicBezTo>
+                <a:cubicBezTo>
+                  <a:pt x="881580" y="1320282"/>
+                  <a:pt x="896841" y="1330705"/>
+                  <a:pt x="912103" y="1341127"/>
+                </a:cubicBezTo>
+                <a:cubicBezTo>
+                  <a:pt x="903541" y="1338522"/>
+                  <a:pt x="894235" y="1335916"/>
+                  <a:pt x="885302" y="1333310"/>
+                </a:cubicBezTo>
+                <a:close/>
+                <a:moveTo>
+                  <a:pt x="1140280" y="787619"/>
+                </a:moveTo>
+                <a:cubicBezTo>
+                  <a:pt x="1231849" y="850154"/>
+                  <a:pt x="1323418" y="913061"/>
+                  <a:pt x="1414987" y="975596"/>
+                </a:cubicBezTo>
+                <a:cubicBezTo>
+                  <a:pt x="1413498" y="977085"/>
+                  <a:pt x="1412381" y="978574"/>
+                  <a:pt x="1410892" y="980063"/>
+                </a:cubicBezTo>
+                <a:cubicBezTo>
+                  <a:pt x="1310390" y="927206"/>
+                  <a:pt x="1215471" y="868394"/>
+                  <a:pt x="1140280" y="787619"/>
+                </a:cubicBezTo>
+                <a:close/>
+              </a:path>
+            </a:pathLst>
+          </a:custGeom>
+          <a:solidFill>
+            <a:schemeClr val="accent1">
+              <a:alpha val="20000"/>
+            </a:schemeClr>
+          </a:solidFill>
+          <a:ln w="32707" cap="flat">
+            <a:noFill/>
+            <a:prstDash val="solid"/>
+            <a:miter/>
+          </a:ln>
+        </p:spPr>
+        <p:txBody>
+          <a:bodyPr rtlCol="0" anchor="ctr"/>
+          <a:lstStyle/>
+          <a:p>
+            <a:endParaRPr lang="en-US" dirty="0"/>
+          </a:p>
+        </p:txBody>
+      </p:sp>
+      <p:sp useBgFill="1">
+        <p:nvSpPr>
+          <p:cNvPr id="10" name="Rectangle 9">
+            <a:extLst>
+              <a:ext uri="{FF2B5EF4-FFF2-40B4-BE49-F238E27FC236}">
+                <a16:creationId xmlns:a16="http://schemas.microsoft.com/office/drawing/2014/main" id="{06DA9DF9-31F7-4056-B42E-878CC92417B8}"/>
+              </a:ext>
+              <a:ext uri="{C183D7F6-B498-43B3-948B-1728B52AA6E4}">
+                <adec:decorative xmlns:adec="http://schemas.microsoft.com/office/drawing/2017/decorative" val="1"/>
+              </a:ext>
+            </a:extLst>
+          </p:cNvPr>
+          <p:cNvSpPr>
+            <a:spLocks noGrp="1" noRot="1" noChangeAspect="1" noMove="1" noResize="1" noEditPoints="1" noAdjustHandles="1" noChangeArrowheads="1" noChangeShapeType="1" noTextEdit="1"/>
+          </p:cNvSpPr>
+          <p:nvPr>
+            <p:extLst>
+              <p:ext uri="{386F3935-93C4-4BCD-93E2-E3B085C9AB24}">
+                <p16:designElem xmlns:p16="http://schemas.microsoft.com/office/powerpoint/2015/main" val="1"/>
+              </p:ext>
+            </p:extLst>
+          </p:nvPr>
+        </p:nvSpPr>
+        <p:spPr>
+          <a:xfrm>
+            <a:off x="0" y="0"/>
+            <a:ext cx="12188952" cy="6858000"/>
+          </a:xfrm>
+          <a:prstGeom prst="rect">
+            <a:avLst/>
+          </a:prstGeom>
+          <a:ln>
+            <a:noFill/>
+          </a:ln>
+        </p:spPr>
+        <p:style>
+          <a:lnRef idx="2">
+            <a:schemeClr val="accent1">
+              <a:shade val="50000"/>
+            </a:schemeClr>
+          </a:lnRef>
+          <a:fillRef idx="1">
+            <a:schemeClr val="accent1"/>
+          </a:fillRef>
+          <a:effectRef idx="0">
+            <a:schemeClr val="accent1"/>
+          </a:effectRef>
+          <a:fontRef idx="minor">
+            <a:schemeClr val="lt1"/>
+          </a:fontRef>
+        </p:style>
+        <p:txBody>
+          <a:bodyPr rtlCol="0" anchor="ctr"/>
+          <a:lstStyle/>
+          <a:p>
+            <a:pPr algn="ctr"/>
+            <a:endParaRPr lang="en-US"/>
+          </a:p>
+        </p:txBody>
+      </p:sp>
+      <p:sp>
+        <p:nvSpPr>
+          <p:cNvPr id="2" name="標題 1">
+            <a:extLst>
+              <a:ext uri="{FF2B5EF4-FFF2-40B4-BE49-F238E27FC236}">
+                <a16:creationId xmlns:a16="http://schemas.microsoft.com/office/drawing/2014/main" id="{CF249FCC-4E37-42D9-9F70-1AFA136E59C8}"/>
+              </a:ext>
+            </a:extLst>
+          </p:cNvPr>
+          <p:cNvSpPr>
+            <a:spLocks noGrp="1"/>
+          </p:cNvSpPr>
+          <p:nvPr>
+            <p:ph type="title"/>
+          </p:nvPr>
+        </p:nvSpPr>
+        <p:spPr>
+          <a:xfrm>
+            <a:off x="643468" y="643467"/>
+            <a:ext cx="4620584" cy="4567137"/>
+          </a:xfrm>
+        </p:spPr>
+        <p:txBody>
+          <a:bodyPr vert="horz" lIns="91440" tIns="45720" rIns="91440" bIns="45720" rtlCol="0" anchor="b">
+            <a:normAutofit/>
+          </a:bodyPr>
+          <a:lstStyle/>
+          <a:p>
+            <a:r>
+              <a:rPr lang="en-US" altLang="zh-TW" sz="4800" i="1"/>
+              <a:t>Questions</a:t>
+            </a:r>
+          </a:p>
+        </p:txBody>
+      </p:sp>
+      <p:pic>
+        <p:nvPicPr>
+          <p:cNvPr id="4" name="Picture 3" descr="Question mark on green pastel background">
+            <a:extLst>
+              <a:ext uri="{FF2B5EF4-FFF2-40B4-BE49-F238E27FC236}">
+                <a16:creationId xmlns:a16="http://schemas.microsoft.com/office/drawing/2014/main" id="{478FF4FD-58E0-4672-8112-25C88FA0A23F}"/>
+              </a:ext>
+            </a:extLst>
+          </p:cNvPr>
+          <p:cNvPicPr>
+            <a:picLocks noChangeAspect="1"/>
+          </p:cNvPicPr>
+          <p:nvPr/>
+        </p:nvPicPr>
+        <p:blipFill rotWithShape="1">
+          <a:blip r:embed="rId2"/>
+          <a:srcRect l="34790"/>
+          <a:stretch/>
+        </p:blipFill>
+        <p:spPr>
+          <a:xfrm>
+            <a:off x="6229215" y="10"/>
+            <a:ext cx="5962785" cy="6857990"/>
+          </a:xfrm>
+          <a:custGeom>
+            <a:avLst/>
+            <a:gdLst/>
+            <a:ahLst/>
+            <a:cxnLst/>
+            <a:rect l="l" t="t" r="r" b="b"/>
+            <a:pathLst>
+              <a:path w="5962785" h="6858000">
+                <a:moveTo>
+                  <a:pt x="1044839" y="0"/>
+                </a:moveTo>
+                <a:lnTo>
+                  <a:pt x="5962785" y="0"/>
+                </a:lnTo>
+                <a:lnTo>
+                  <a:pt x="5962785" y="6858000"/>
+                </a:lnTo>
+                <a:lnTo>
+                  <a:pt x="1469886" y="6858000"/>
+                </a:lnTo>
+                <a:lnTo>
+                  <a:pt x="1416006" y="6823984"/>
+                </a:lnTo>
+                <a:cubicBezTo>
+                  <a:pt x="1356767" y="6787940"/>
+                  <a:pt x="1296437" y="6755500"/>
+                  <a:pt x="1232473" y="6733873"/>
+                </a:cubicBezTo>
+                <a:cubicBezTo>
+                  <a:pt x="1145250" y="6705037"/>
+                  <a:pt x="1060933" y="6654575"/>
+                  <a:pt x="1075471" y="6503186"/>
+                </a:cubicBezTo>
+                <a:cubicBezTo>
+                  <a:pt x="1078378" y="6459932"/>
+                  <a:pt x="1055118" y="6427493"/>
+                  <a:pt x="1020229" y="6438306"/>
+                </a:cubicBezTo>
+                <a:cubicBezTo>
+                  <a:pt x="953358" y="6459932"/>
+                  <a:pt x="921375" y="6398656"/>
+                  <a:pt x="883579" y="6351798"/>
+                </a:cubicBezTo>
+                <a:cubicBezTo>
+                  <a:pt x="816707" y="6268895"/>
+                  <a:pt x="752743" y="6182387"/>
+                  <a:pt x="645167" y="6167969"/>
+                </a:cubicBezTo>
+                <a:cubicBezTo>
+                  <a:pt x="665519" y="6103088"/>
+                  <a:pt x="700408" y="6110298"/>
+                  <a:pt x="732391" y="6124716"/>
+                </a:cubicBezTo>
+                <a:cubicBezTo>
+                  <a:pt x="816707" y="6160761"/>
+                  <a:pt x="901023" y="6200410"/>
+                  <a:pt x="985339" y="6236455"/>
+                </a:cubicBezTo>
+                <a:cubicBezTo>
+                  <a:pt x="1040581" y="6258081"/>
+                  <a:pt x="1095822" y="6290522"/>
+                  <a:pt x="1168509" y="6265291"/>
+                </a:cubicBezTo>
+                <a:cubicBezTo>
+                  <a:pt x="1104545" y="6135530"/>
+                  <a:pt x="996969" y="6110298"/>
+                  <a:pt x="909746" y="6070649"/>
+                </a:cubicBezTo>
+                <a:cubicBezTo>
+                  <a:pt x="802169" y="6020185"/>
+                  <a:pt x="738206" y="5926470"/>
+                  <a:pt x="659704" y="5818335"/>
+                </a:cubicBezTo>
+                <a:cubicBezTo>
+                  <a:pt x="738206" y="5789500"/>
+                  <a:pt x="787632" y="5868798"/>
+                  <a:pt x="851597" y="5865193"/>
+                </a:cubicBezTo>
+                <a:cubicBezTo>
+                  <a:pt x="854504" y="5854380"/>
+                  <a:pt x="860319" y="5832753"/>
+                  <a:pt x="860319" y="5832753"/>
+                </a:cubicBezTo>
+                <a:cubicBezTo>
+                  <a:pt x="755650" y="5775081"/>
+                  <a:pt x="709132" y="5666947"/>
+                  <a:pt x="691686" y="5533581"/>
+                </a:cubicBezTo>
+                <a:cubicBezTo>
+                  <a:pt x="685872" y="5465095"/>
+                  <a:pt x="648075" y="5443468"/>
+                  <a:pt x="610278" y="5411029"/>
+                </a:cubicBezTo>
+                <a:cubicBezTo>
+                  <a:pt x="482350" y="5299289"/>
+                  <a:pt x="345700" y="5198364"/>
+                  <a:pt x="238123" y="5046976"/>
+                </a:cubicBezTo>
+                <a:cubicBezTo>
+                  <a:pt x="363144" y="5064998"/>
+                  <a:pt x="461997" y="5165924"/>
+                  <a:pt x="592833" y="5209177"/>
+                </a:cubicBezTo>
+                <a:cubicBezTo>
+                  <a:pt x="488165" y="5043371"/>
+                  <a:pt x="351514" y="4956864"/>
+                  <a:pt x="226494" y="4855939"/>
+                </a:cubicBezTo>
+                <a:cubicBezTo>
+                  <a:pt x="168344" y="4809081"/>
+                  <a:pt x="116011" y="4751408"/>
+                  <a:pt x="49139" y="4726177"/>
+                </a:cubicBezTo>
+                <a:cubicBezTo>
+                  <a:pt x="25879" y="4718968"/>
+                  <a:pt x="-14825" y="4700947"/>
+                  <a:pt x="5527" y="4650483"/>
+                </a:cubicBezTo>
+                <a:cubicBezTo>
+                  <a:pt x="22972" y="4607230"/>
+                  <a:pt x="54954" y="4621648"/>
+                  <a:pt x="84029" y="4632460"/>
+                </a:cubicBezTo>
+                <a:cubicBezTo>
+                  <a:pt x="153807" y="4661296"/>
+                  <a:pt x="229401" y="4661296"/>
+                  <a:pt x="325347" y="4661296"/>
+                </a:cubicBezTo>
+                <a:cubicBezTo>
+                  <a:pt x="243939" y="4524326"/>
+                  <a:pt x="95658" y="4567580"/>
+                  <a:pt x="25879" y="4423401"/>
+                </a:cubicBezTo>
+                <a:cubicBezTo>
+                  <a:pt x="113103" y="4398170"/>
+                  <a:pt x="179975" y="4448632"/>
+                  <a:pt x="249753" y="4459446"/>
+                </a:cubicBezTo>
+                <a:cubicBezTo>
+                  <a:pt x="313718" y="4470259"/>
+                  <a:pt x="328254" y="4445028"/>
+                  <a:pt x="313718" y="4365729"/>
+                </a:cubicBezTo>
+                <a:cubicBezTo>
+                  <a:pt x="290458" y="4243177"/>
+                  <a:pt x="325347" y="4181900"/>
+                  <a:pt x="418386" y="4214341"/>
+                </a:cubicBezTo>
+                <a:cubicBezTo>
+                  <a:pt x="505609" y="4246781"/>
+                  <a:pt x="514332" y="4199922"/>
+                  <a:pt x="491072" y="4131438"/>
+                </a:cubicBezTo>
+                <a:cubicBezTo>
+                  <a:pt x="456183" y="4030512"/>
+                  <a:pt x="493979" y="3951214"/>
+                  <a:pt x="520147" y="3864706"/>
+                </a:cubicBezTo>
+                <a:cubicBezTo>
+                  <a:pt x="560851" y="3734945"/>
+                  <a:pt x="543407" y="3670064"/>
+                  <a:pt x="459090" y="3572743"/>
+                </a:cubicBezTo>
+                <a:cubicBezTo>
+                  <a:pt x="409664" y="3518676"/>
+                  <a:pt x="360236" y="3471818"/>
+                  <a:pt x="290458" y="3424959"/>
+                </a:cubicBezTo>
+                <a:cubicBezTo>
+                  <a:pt x="450368" y="3399728"/>
+                  <a:pt x="284643" y="3313221"/>
+                  <a:pt x="339884" y="3259153"/>
+                </a:cubicBezTo>
+                <a:cubicBezTo>
+                  <a:pt x="453275" y="3237527"/>
+                  <a:pt x="543407" y="3410542"/>
+                  <a:pt x="697501" y="3360078"/>
+                </a:cubicBezTo>
+                <a:cubicBezTo>
+                  <a:pt x="511425" y="3212294"/>
+                  <a:pt x="302087" y="3165436"/>
+                  <a:pt x="165437" y="2967190"/>
+                </a:cubicBezTo>
+                <a:cubicBezTo>
+                  <a:pt x="197419" y="2923937"/>
+                  <a:pt x="229401" y="2967190"/>
+                  <a:pt x="255568" y="2949167"/>
+                </a:cubicBezTo>
+                <a:cubicBezTo>
+                  <a:pt x="255568" y="2938354"/>
+                  <a:pt x="560851" y="3006840"/>
+                  <a:pt x="578296" y="2725691"/>
+                </a:cubicBezTo>
+                <a:cubicBezTo>
+                  <a:pt x="584111" y="2725691"/>
+                  <a:pt x="589926" y="2725691"/>
+                  <a:pt x="595740" y="2714876"/>
+                </a:cubicBezTo>
+                <a:cubicBezTo>
+                  <a:pt x="627722" y="2675228"/>
+                  <a:pt x="598648" y="2581510"/>
+                  <a:pt x="650982" y="2574301"/>
+                </a:cubicBezTo>
+                <a:cubicBezTo>
+                  <a:pt x="709132" y="2567092"/>
+                  <a:pt x="764373" y="2534653"/>
+                  <a:pt x="825429" y="2552674"/>
+                </a:cubicBezTo>
+                <a:cubicBezTo>
+                  <a:pt x="871949" y="2567092"/>
+                  <a:pt x="921375" y="2585115"/>
+                  <a:pt x="970802" y="2585115"/>
+                </a:cubicBezTo>
+                <a:cubicBezTo>
+                  <a:pt x="1023136" y="2585115"/>
+                  <a:pt x="1095822" y="2707668"/>
+                  <a:pt x="1127805" y="2545465"/>
+                </a:cubicBezTo>
+                <a:cubicBezTo>
+                  <a:pt x="1127805" y="2538257"/>
+                  <a:pt x="1217936" y="2556280"/>
+                  <a:pt x="1267362" y="2563488"/>
+                </a:cubicBezTo>
+                <a:cubicBezTo>
+                  <a:pt x="1308067" y="2570698"/>
+                  <a:pt x="1357494" y="2603137"/>
+                  <a:pt x="1386568" y="2538257"/>
+                </a:cubicBezTo>
+                <a:cubicBezTo>
+                  <a:pt x="1401105" y="2498607"/>
+                  <a:pt x="1331326" y="2426518"/>
+                  <a:pt x="1270270" y="2419309"/>
+                </a:cubicBezTo>
+                <a:cubicBezTo>
+                  <a:pt x="1215029" y="2412101"/>
+                  <a:pt x="1159787" y="2404892"/>
+                  <a:pt x="1107453" y="2419309"/>
+                </a:cubicBezTo>
+                <a:cubicBezTo>
+                  <a:pt x="1043489" y="2437331"/>
+                  <a:pt x="1008599" y="2408495"/>
+                  <a:pt x="991154" y="2343615"/>
+                </a:cubicBezTo>
+                <a:cubicBezTo>
+                  <a:pt x="970802" y="2275131"/>
+                  <a:pt x="933005" y="2239085"/>
+                  <a:pt x="880671" y="2206645"/>
+                </a:cubicBezTo>
+                <a:cubicBezTo>
+                  <a:pt x="752743" y="2127346"/>
+                  <a:pt x="630630" y="2033629"/>
+                  <a:pt x="491072" y="1986771"/>
+                </a:cubicBezTo>
+                <a:cubicBezTo>
+                  <a:pt x="464905" y="1979562"/>
+                  <a:pt x="432923" y="1965145"/>
+                  <a:pt x="421293" y="1903868"/>
+                </a:cubicBezTo>
+                <a:cubicBezTo>
+                  <a:pt x="799262" y="1997584"/>
+                  <a:pt x="1142342" y="2239085"/>
+                  <a:pt x="1531941" y="2224667"/>
+                </a:cubicBezTo>
+                <a:cubicBezTo>
+                  <a:pt x="1427272" y="2148974"/>
+                  <a:pt x="1302252" y="2145369"/>
+                  <a:pt x="1188861" y="2091301"/>
+                </a:cubicBezTo>
+                <a:cubicBezTo>
+                  <a:pt x="1270270" y="2051652"/>
+                  <a:pt x="1345864" y="2094906"/>
+                  <a:pt x="1421458" y="2116532"/>
+                </a:cubicBezTo>
+                <a:cubicBezTo>
+                  <a:pt x="1485422" y="2134554"/>
+                  <a:pt x="1543571" y="2138160"/>
+                  <a:pt x="1549386" y="2026420"/>
+                </a:cubicBezTo>
+                <a:cubicBezTo>
+                  <a:pt x="1549386" y="2015607"/>
+                  <a:pt x="1549386" y="2008398"/>
+                  <a:pt x="1549386" y="1997584"/>
+                </a:cubicBezTo>
+                <a:cubicBezTo>
+                  <a:pt x="1526126" y="1950727"/>
+                  <a:pt x="1494144" y="1929099"/>
+                  <a:pt x="1453440" y="1914682"/>
+                </a:cubicBezTo>
+                <a:cubicBezTo>
+                  <a:pt x="1430180" y="1907473"/>
+                  <a:pt x="1398198" y="1893056"/>
+                  <a:pt x="1398198" y="1860614"/>
+                </a:cubicBezTo>
+                <a:cubicBezTo>
+                  <a:pt x="1401105" y="1738063"/>
+                  <a:pt x="1322604" y="1702018"/>
+                  <a:pt x="1247011" y="1665972"/>
+                </a:cubicBezTo>
+                <a:cubicBezTo>
+                  <a:pt x="1287715" y="1604696"/>
+                  <a:pt x="1322604" y="1647950"/>
+                  <a:pt x="1354586" y="1644345"/>
+                </a:cubicBezTo>
+                <a:cubicBezTo>
+                  <a:pt x="1374939" y="1640741"/>
+                  <a:pt x="1395290" y="1637138"/>
+                  <a:pt x="1395290" y="1604696"/>
+                </a:cubicBezTo>
+                <a:cubicBezTo>
+                  <a:pt x="1395290" y="1579465"/>
+                  <a:pt x="1386568" y="1547025"/>
+                  <a:pt x="1366216" y="1547025"/>
+                </a:cubicBezTo>
+                <a:cubicBezTo>
+                  <a:pt x="1238288" y="1543420"/>
+                  <a:pt x="1165601" y="1370405"/>
+                  <a:pt x="1031858" y="1370405"/>
+                </a:cubicBezTo>
+                <a:cubicBezTo>
+                  <a:pt x="950450" y="1370405"/>
+                  <a:pt x="1072563" y="1273083"/>
+                  <a:pt x="1005692" y="1233435"/>
+                </a:cubicBezTo>
+                <a:cubicBezTo>
+                  <a:pt x="991154" y="1222621"/>
+                  <a:pt x="1046396" y="1208203"/>
+                  <a:pt x="1069655" y="1211808"/>
+                </a:cubicBezTo>
+                <a:cubicBezTo>
+                  <a:pt x="1092915" y="1215412"/>
+                  <a:pt x="1113268" y="1240644"/>
+                  <a:pt x="1142342" y="1222621"/>
+                </a:cubicBezTo>
+                <a:cubicBezTo>
+                  <a:pt x="1156879" y="1157741"/>
+                  <a:pt x="1119082" y="1132510"/>
+                  <a:pt x="1084193" y="1114487"/>
+                </a:cubicBezTo>
+                <a:cubicBezTo>
+                  <a:pt x="1008599" y="1071234"/>
+                  <a:pt x="933005" y="1020771"/>
+                  <a:pt x="848689" y="1006353"/>
+                </a:cubicBezTo>
+                <a:cubicBezTo>
+                  <a:pt x="819615" y="1002748"/>
+                  <a:pt x="802169" y="984726"/>
+                  <a:pt x="805077" y="948681"/>
+                </a:cubicBezTo>
+                <a:cubicBezTo>
+                  <a:pt x="810892" y="901822"/>
+                  <a:pt x="839967" y="916240"/>
+                  <a:pt x="863226" y="919844"/>
+                </a:cubicBezTo>
+                <a:cubicBezTo>
+                  <a:pt x="877764" y="923450"/>
+                  <a:pt x="892301" y="934263"/>
+                  <a:pt x="906838" y="909031"/>
+                </a:cubicBezTo>
+                <a:cubicBezTo>
+                  <a:pt x="566666" y="653113"/>
+                  <a:pt x="386404" y="667532"/>
+                  <a:pt x="5527" y="458471"/>
+                </a:cubicBezTo>
+                <a:cubicBezTo>
+                  <a:pt x="89843" y="418822"/>
+                  <a:pt x="150900" y="447658"/>
+                  <a:pt x="209049" y="454867"/>
+                </a:cubicBezTo>
+                <a:cubicBezTo>
+                  <a:pt x="354422" y="472890"/>
+                  <a:pt x="264290" y="505329"/>
+                  <a:pt x="409664" y="526956"/>
+                </a:cubicBezTo>
+                <a:cubicBezTo>
+                  <a:pt x="479443" y="537770"/>
+                  <a:pt x="543407" y="573815"/>
+                  <a:pt x="621908" y="516143"/>
+                </a:cubicBezTo>
+                <a:cubicBezTo>
+                  <a:pt x="674242" y="476494"/>
+                  <a:pt x="758558" y="519747"/>
+                  <a:pt x="822522" y="552188"/>
+                </a:cubicBezTo>
+                <a:cubicBezTo>
+                  <a:pt x="874856" y="581024"/>
+                  <a:pt x="927190" y="588232"/>
+                  <a:pt x="996969" y="552188"/>
+                </a:cubicBezTo>
+                <a:cubicBezTo>
+                  <a:pt x="933005" y="530562"/>
+                  <a:pt x="883579" y="512539"/>
+                  <a:pt x="834151" y="498120"/>
+                </a:cubicBezTo>
+                <a:cubicBezTo>
+                  <a:pt x="793447" y="487307"/>
+                  <a:pt x="770187" y="462076"/>
+                  <a:pt x="773095" y="408008"/>
+                </a:cubicBezTo>
+                <a:cubicBezTo>
+                  <a:pt x="773095" y="379172"/>
+                  <a:pt x="764373" y="339523"/>
+                  <a:pt x="793447" y="325106"/>
+                </a:cubicBezTo>
+                <a:cubicBezTo>
+                  <a:pt x="816707" y="310688"/>
+                  <a:pt x="848689" y="325106"/>
+                  <a:pt x="860319" y="350336"/>
+                </a:cubicBezTo>
+                <a:cubicBezTo>
+                  <a:pt x="874856" y="397195"/>
+                  <a:pt x="889393" y="440449"/>
+                  <a:pt x="938820" y="444054"/>
+                </a:cubicBezTo>
+                <a:cubicBezTo>
+                  <a:pt x="1005692" y="451262"/>
+                  <a:pt x="967894" y="422426"/>
+                  <a:pt x="956265" y="386381"/>
+                </a:cubicBezTo>
+                <a:cubicBezTo>
+                  <a:pt x="944635" y="346733"/>
+                  <a:pt x="979525" y="335919"/>
+                  <a:pt x="1002784" y="343127"/>
+                </a:cubicBezTo>
+                <a:cubicBezTo>
+                  <a:pt x="1090008" y="375569"/>
+                  <a:pt x="1180139" y="317897"/>
+                  <a:pt x="1270270" y="364755"/>
+                </a:cubicBezTo>
+                <a:cubicBezTo>
+                  <a:pt x="1247011" y="249411"/>
+                  <a:pt x="1197583" y="198949"/>
+                  <a:pt x="1092915" y="180926"/>
+                </a:cubicBezTo>
+                <a:cubicBezTo>
+                  <a:pt x="1055118" y="177322"/>
+                  <a:pt x="1014414" y="184530"/>
+                  <a:pt x="979525" y="152090"/>
+                </a:cubicBezTo>
+                <a:cubicBezTo>
+                  <a:pt x="959172" y="134068"/>
+                  <a:pt x="938820" y="112441"/>
+                  <a:pt x="953358" y="76396"/>
+                </a:cubicBezTo>
+                <a:cubicBezTo>
+                  <a:pt x="962080" y="51165"/>
+                  <a:pt x="985339" y="51165"/>
+                  <a:pt x="1005692" y="58373"/>
+                </a:cubicBezTo>
+                <a:cubicBezTo>
+                  <a:pt x="1090008" y="98023"/>
+                  <a:pt x="1180139" y="108837"/>
+                  <a:pt x="1267362" y="123254"/>
+                </a:cubicBezTo>
+                <a:cubicBezTo>
+                  <a:pt x="1281900" y="126859"/>
+                  <a:pt x="1296437" y="134068"/>
+                  <a:pt x="1310975" y="98023"/>
+                </a:cubicBezTo>
+                <a:cubicBezTo>
+                  <a:pt x="1260095" y="81803"/>
+                  <a:pt x="1209941" y="62879"/>
+                  <a:pt x="1159787" y="43505"/>
+                </a:cubicBezTo>
+                <a:close/>
+              </a:path>
+            </a:pathLst>
+          </a:custGeom>
+        </p:spPr>
+      </p:pic>
+    </p:spTree>
+    <p:extLst>
+      <p:ext uri="{BB962C8B-B14F-4D97-AF65-F5344CB8AC3E}">
+        <p14:creationId xmlns:p14="http://schemas.microsoft.com/office/powerpoint/2010/main" val="1654317322"/>
+      </p:ext>
+    </p:extLst>
+  </p:cSld>
+  <p:clrMapOvr>
+    <a:masterClrMapping/>
+  </p:clrMapOvr>
+</p:sld>
+</file>
+
+<file path=ppt/slides/slide3.xml><?xml version="1.0" encoding="utf-8"?>
+<p:sld xmlns:a="http://schemas.openxmlformats.org/drawingml/2006/main" xmlns:r="http://schemas.openxmlformats.org/officeDocument/2006/relationships" xmlns:p="http://schemas.openxmlformats.org/presentationml/2006/main">
+  <p:cSld>
+    <p:spTree>
+      <p:nvGrpSpPr>
+        <p:cNvPr id="1" name=""/>
+        <p:cNvGrpSpPr/>
+        <p:nvPr/>
+      </p:nvGrpSpPr>
+      <p:grpSpPr>
+        <a:xfrm>
+          <a:off x="0" y="0"/>
+          <a:ext cx="0" cy="0"/>
+          <a:chOff x="0" y="0"/>
+          <a:chExt cx="0" cy="0"/>
+        </a:xfrm>
+      </p:grpSpPr>
+      <p:sp>
+        <p:nvSpPr>
+          <p:cNvPr id="2" name="標題 1">
+            <a:extLst>
+              <a:ext uri="{FF2B5EF4-FFF2-40B4-BE49-F238E27FC236}">
+                <a16:creationId xmlns:a16="http://schemas.microsoft.com/office/drawing/2014/main" id="{04BE8E5D-9848-4DFB-9C31-46452DD2A95B}"/>
+              </a:ext>
+            </a:extLst>
+          </p:cNvPr>
+          <p:cNvSpPr>
+            <a:spLocks noGrp="1"/>
+          </p:cNvSpPr>
+          <p:nvPr>
+            <p:ph type="title"/>
+          </p:nvPr>
+        </p:nvSpPr>
+        <p:spPr/>
+        <p:txBody>
+          <a:bodyPr/>
+          <a:lstStyle/>
+          <a:p>
+            <a:r>
+              <a:rPr lang="en-US" altLang="zh-TW" dirty="0"/>
+              <a:t>Grading Policy</a:t>
+            </a:r>
+            <a:endParaRPr lang="zh-TW" altLang="en-US" dirty="0"/>
+          </a:p>
+        </p:txBody>
+      </p:sp>
+      <p:sp>
+        <p:nvSpPr>
+          <p:cNvPr id="3" name="內容版面配置區 2">
+            <a:extLst>
+              <a:ext uri="{FF2B5EF4-FFF2-40B4-BE49-F238E27FC236}">
+                <a16:creationId xmlns:a16="http://schemas.microsoft.com/office/drawing/2014/main" id="{7C337B41-116B-4DA6-B57A-2566A1F2FD1E}"/>
+              </a:ext>
+            </a:extLst>
+          </p:cNvPr>
+          <p:cNvSpPr>
+            <a:spLocks noGrp="1"/>
+          </p:cNvSpPr>
+          <p:nvPr>
+            <p:ph idx="1"/>
+          </p:nvPr>
+        </p:nvSpPr>
+        <p:spPr/>
+        <p:txBody>
+          <a:bodyPr/>
+          <a:lstStyle/>
+          <a:p>
+            <a:r>
+              <a:rPr lang="en-US" altLang="zh-TW" dirty="0"/>
+              <a:t>In-class Assignment: lab assignments</a:t>
+            </a:r>
+          </a:p>
+          <a:p>
+            <a:r>
+              <a:rPr lang="en-US" altLang="zh-TW" dirty="0"/>
+              <a:t>Homework: </a:t>
+            </a:r>
+            <a:r>
+              <a:rPr lang="en-US" altLang="zh-TW" strike="sngStrike" dirty="0"/>
+              <a:t>5~6</a:t>
+            </a:r>
+            <a:r>
+              <a:rPr lang="zh-TW" altLang="en-US" dirty="0"/>
+              <a:t> </a:t>
+            </a:r>
+            <a:r>
+              <a:rPr lang="en-US" altLang="zh-TW" dirty="0">
+                <a:solidFill>
+                  <a:srgbClr val="FF0000"/>
+                </a:solidFill>
+              </a:rPr>
+              <a:t>6↑</a:t>
+            </a:r>
+            <a:r>
+              <a:rPr lang="en-US" altLang="zh-TW" dirty="0"/>
+              <a:t> no late homework.</a:t>
+            </a:r>
+          </a:p>
+          <a:p>
+            <a:pPr marL="0" indent="0" algn="ctr">
+              <a:buNone/>
+            </a:pPr>
+            <a:r>
+              <a:rPr lang="en" altLang="zh-TW" b="1" dirty="0"/>
+              <a:t>Plagiarism not allowed </a:t>
+            </a:r>
+            <a:endParaRPr lang="en-US" altLang="zh-TW" b="1" dirty="0"/>
+          </a:p>
+          <a:p>
+            <a:r>
+              <a:rPr lang="en-US" altLang="zh-TW" dirty="0"/>
+              <a:t>Test: </a:t>
+            </a:r>
+            <a:r>
+              <a:rPr lang="en-US" altLang="zh-TW" strike="sngStrike" dirty="0"/>
+              <a:t>midterm</a:t>
+            </a:r>
+            <a:r>
+              <a:rPr lang="en-US" altLang="zh-TW" dirty="0"/>
+              <a:t> and final.</a:t>
+            </a:r>
+          </a:p>
+          <a:p>
+            <a:r>
+              <a:rPr lang="en-US" altLang="zh-TW" dirty="0"/>
+              <a:t>Grade = Lab15% + Homework 45% </a:t>
+            </a:r>
+            <a:r>
+              <a:rPr lang="en-US" altLang="zh-TW" dirty="0">
+                <a:solidFill>
+                  <a:srgbClr val="FF0000"/>
+                </a:solidFill>
+              </a:rPr>
+              <a:t>↑ </a:t>
+            </a:r>
+            <a:r>
+              <a:rPr lang="en-US" altLang="zh-TW" dirty="0"/>
+              <a:t>+ Final 40%</a:t>
+            </a:r>
+            <a:endParaRPr lang="zh-TW" altLang="en-US" dirty="0"/>
+          </a:p>
+        </p:txBody>
+      </p:sp>
+    </p:spTree>
+    <p:extLst>
+      <p:ext uri="{BB962C8B-B14F-4D97-AF65-F5344CB8AC3E}">
+        <p14:creationId xmlns:p14="http://schemas.microsoft.com/office/powerpoint/2010/main" val="2647867248"/>
+      </p:ext>
+    </p:extLst>
+  </p:cSld>
+  <p:clrMapOvr>
+    <a:masterClrMapping/>
+  </p:clrMapOvr>
+</p:sld>
+</file>
+
+<file path=ppt/slides/slide4.xml><?xml version="1.0" encoding="utf-8"?>
+<p:sld xmlns:a="http://schemas.openxmlformats.org/drawingml/2006/main" xmlns:r="http://schemas.openxmlformats.org/officeDocument/2006/relationships" xmlns:p="http://schemas.openxmlformats.org/presentationml/2006/main">
+  <p:cSld>
+    <p:spTree>
+      <p:nvGrpSpPr>
+        <p:cNvPr id="1" name=""/>
+        <p:cNvGrpSpPr/>
+        <p:nvPr/>
+      </p:nvGrpSpPr>
+      <p:grpSpPr>
+        <a:xfrm>
+          <a:off x="0" y="0"/>
+          <a:ext cx="0" cy="0"/>
+          <a:chOff x="0" y="0"/>
+          <a:chExt cx="0" cy="0"/>
+        </a:xfrm>
+      </p:grpSpPr>
+      <p:sp>
+        <p:nvSpPr>
+          <p:cNvPr id="2" name="標題 1">
+            <a:extLst>
+              <a:ext uri="{FF2B5EF4-FFF2-40B4-BE49-F238E27FC236}">
+                <a16:creationId xmlns:a16="http://schemas.microsoft.com/office/drawing/2014/main" id="{8FCDC562-BD62-4745-8A70-1AB3AEC61806}"/>
+              </a:ext>
+            </a:extLst>
+          </p:cNvPr>
+          <p:cNvSpPr>
+            <a:spLocks noGrp="1"/>
+          </p:cNvSpPr>
+          <p:nvPr>
+            <p:ph type="title"/>
+          </p:nvPr>
+        </p:nvSpPr>
+        <p:spPr/>
+        <p:txBody>
+          <a:bodyPr/>
+          <a:lstStyle/>
+          <a:p>
+            <a:r>
+              <a:rPr lang="en-US" altLang="zh-TW" dirty="0"/>
+              <a:t>Syllabus</a:t>
+            </a:r>
+            <a:endParaRPr lang="zh-TW" altLang="en-US" dirty="0"/>
+          </a:p>
+        </p:txBody>
+      </p:sp>
+      <p:sp>
+        <p:nvSpPr>
+          <p:cNvPr id="3" name="內容版面配置區 2">
+            <a:extLst>
+              <a:ext uri="{FF2B5EF4-FFF2-40B4-BE49-F238E27FC236}">
+                <a16:creationId xmlns:a16="http://schemas.microsoft.com/office/drawing/2014/main" id="{491F8B33-6FDB-435C-9056-7287B4DCBDC6}"/>
+              </a:ext>
+            </a:extLst>
+          </p:cNvPr>
+          <p:cNvSpPr>
+            <a:spLocks noGrp="1"/>
+          </p:cNvSpPr>
+          <p:nvPr>
+            <p:ph idx="1"/>
+          </p:nvPr>
+        </p:nvSpPr>
+        <p:spPr>
+          <a:xfrm>
+            <a:off x="838200" y="2011680"/>
+            <a:ext cx="5344486" cy="4160520"/>
+          </a:xfrm>
+        </p:spPr>
+        <p:txBody>
+          <a:bodyPr>
+            <a:normAutofit lnSpcReduction="10000"/>
+          </a:bodyPr>
+          <a:lstStyle/>
+          <a:p>
+            <a:r>
+              <a:rPr lang="en-US" altLang="zh-TW" dirty="0"/>
+              <a:t>Basic Concept of C++ Programming</a:t>
+            </a:r>
+          </a:p>
+          <a:p>
+            <a:r>
+              <a:rPr lang="en-US" altLang="zh-TW" dirty="0"/>
+              <a:t>Data Type</a:t>
+            </a:r>
+          </a:p>
+          <a:p>
+            <a:r>
+              <a:rPr lang="en-US" altLang="zh-TW" dirty="0"/>
+              <a:t>Formatted Input/Output</a:t>
+            </a:r>
+          </a:p>
+          <a:p>
+            <a:r>
+              <a:rPr lang="en-US" altLang="zh-TW" dirty="0"/>
+              <a:t>Operator</a:t>
+            </a:r>
+          </a:p>
+          <a:p>
+            <a:r>
+              <a:rPr lang="en-US" altLang="zh-TW" dirty="0"/>
+              <a:t>Branch Statement</a:t>
+            </a:r>
+          </a:p>
+          <a:p>
+            <a:r>
+              <a:rPr lang="en-US" altLang="zh-TW" dirty="0"/>
+              <a:t>Loop Statement</a:t>
+            </a:r>
+          </a:p>
+          <a:p>
+            <a:r>
+              <a:rPr lang="en-US" altLang="zh-TW" dirty="0"/>
+              <a:t>Array and String</a:t>
+            </a:r>
+          </a:p>
+          <a:p>
+            <a:endParaRPr lang="zh-TW" altLang="en-US" dirty="0"/>
+          </a:p>
+        </p:txBody>
+      </p:sp>
+      <p:sp>
+        <p:nvSpPr>
+          <p:cNvPr id="4" name="內容版面配置區 2">
+            <a:extLst>
+              <a:ext uri="{FF2B5EF4-FFF2-40B4-BE49-F238E27FC236}">
+                <a16:creationId xmlns:a16="http://schemas.microsoft.com/office/drawing/2014/main" id="{847A54E7-8877-4D4D-AA7C-9133C2529349}"/>
+              </a:ext>
+            </a:extLst>
+          </p:cNvPr>
+          <p:cNvSpPr txBox="1">
+            <a:spLocks/>
+          </p:cNvSpPr>
+          <p:nvPr/>
+        </p:nvSpPr>
+        <p:spPr>
+          <a:xfrm>
+            <a:off x="6096000" y="2011680"/>
+            <a:ext cx="5344486" cy="4160520"/>
+          </a:xfrm>
+          <a:prstGeom prst="rect">
+            <a:avLst/>
+          </a:prstGeom>
+        </p:spPr>
+        <p:txBody>
+          <a:bodyPr vert="horz" lIns="91440" tIns="45720" rIns="91440" bIns="45720" rtlCol="0">
+            <a:normAutofit/>
+          </a:bodyPr>
+          <a:lstStyle>
+            <a:lvl1pPr marL="228600" indent="-228600" algn="l" defTabSz="914400" rtl="0" eaLnBrk="1" latinLnBrk="0" hangingPunct="1">
+              <a:lnSpc>
+                <a:spcPct val="100000"/>
+              </a:lnSpc>
+              <a:spcBef>
+                <a:spcPts val="1000"/>
+              </a:spcBef>
+              <a:buFont typeface="Arial" panose="020B0604020202020204" pitchFamily="34" charset="0"/>
+              <a:buChar char="•"/>
+              <a:defRPr sz="2800" kern="1200">
+                <a:solidFill>
+                  <a:schemeClr val="tx1"/>
+                </a:solidFill>
+                <a:latin typeface="+mn-lt"/>
+                <a:ea typeface="+mn-ea"/>
+                <a:cs typeface="+mn-cs"/>
+              </a:defRPr>
+            </a:lvl1pPr>
+            <a:lvl2pPr marL="685800" indent="-228600" algn="l" defTabSz="914400" rtl="0" eaLnBrk="1" latinLnBrk="0" hangingPunct="1">
+              <a:lnSpc>
+                <a:spcPct val="100000"/>
+              </a:lnSpc>
+              <a:spcBef>
+                <a:spcPts val="500"/>
+              </a:spcBef>
+              <a:buFont typeface="Arial" panose="020B0604020202020204" pitchFamily="34" charset="0"/>
+              <a:buChar char="•"/>
+              <a:defRPr sz="2400" kern="1200">
+                <a:solidFill>
+                  <a:schemeClr val="tx1"/>
+                </a:solidFill>
+                <a:latin typeface="+mn-lt"/>
+                <a:ea typeface="+mn-ea"/>
+                <a:cs typeface="+mn-cs"/>
+              </a:defRPr>
+            </a:lvl2pPr>
+            <a:lvl3pPr marL="1143000" indent="-228600" algn="l" defTabSz="914400" rtl="0" eaLnBrk="1" latinLnBrk="0" hangingPunct="1">
+              <a:lnSpc>
+                <a:spcPct val="100000"/>
+              </a:lnSpc>
+              <a:spcBef>
+                <a:spcPts val="500"/>
+              </a:spcBef>
+              <a:buFont typeface="Arial" panose="020B0604020202020204" pitchFamily="34" charset="0"/>
+              <a:buChar char="•"/>
+              <a:defRPr sz="2000" kern="1200">
+                <a:solidFill>
+                  <a:schemeClr val="tx1"/>
+                </a:solidFill>
+                <a:latin typeface="+mn-lt"/>
+                <a:ea typeface="+mn-ea"/>
+                <a:cs typeface="+mn-cs"/>
+              </a:defRPr>
+            </a:lvl3pPr>
+            <a:lvl4pPr marL="1600200" indent="-228600" algn="l" defTabSz="914400" rtl="0" eaLnBrk="1" latinLnBrk="0" hangingPunct="1">
+              <a:lnSpc>
+                <a:spcPct val="100000"/>
+              </a:lnSpc>
+              <a:spcBef>
+                <a:spcPts val="500"/>
+              </a:spcBef>
+              <a:buFont typeface="Arial" panose="020B0604020202020204" pitchFamily="34" charset="0"/>
+              <a:buChar char="•"/>
+              <a:defRPr sz="1800" kern="1200">
+                <a:solidFill>
+                  <a:schemeClr val="tx1"/>
+                </a:solidFill>
+                <a:latin typeface="+mn-lt"/>
+                <a:ea typeface="+mn-ea"/>
+                <a:cs typeface="+mn-cs"/>
+              </a:defRPr>
+            </a:lvl4pPr>
+            <a:lvl5pPr marL="2057400" indent="-228600" algn="l" defTabSz="914400" rtl="0" eaLnBrk="1" latinLnBrk="0" hangingPunct="1">
+              <a:lnSpc>
+                <a:spcPct val="100000"/>
+              </a:lnSpc>
+              <a:spcBef>
+                <a:spcPts val="500"/>
+              </a:spcBef>
+              <a:buFont typeface="Arial" panose="020B0604020202020204" pitchFamily="34" charset="0"/>
+              <a:buChar char="•"/>
+              <a:defRPr sz="1800" kern="1200">
+                <a:solidFill>
+                  <a:schemeClr val="tx1"/>
+                </a:solidFill>
+                <a:latin typeface="+mn-lt"/>
+                <a:ea typeface="+mn-ea"/>
+                <a:cs typeface="+mn-cs"/>
+              </a:defRPr>
+            </a:lvl5pPr>
+            <a:lvl6pPr marL="2514600" indent="-228600" algn="l" defTabSz="914400" rtl="0" eaLnBrk="1" latinLnBrk="0" hangingPunct="1">
+              <a:lnSpc>
+                <a:spcPct val="90000"/>
+              </a:lnSpc>
+              <a:spcBef>
+                <a:spcPts val="500"/>
+              </a:spcBef>
+              <a:buFont typeface="Arial" panose="020B0604020202020204" pitchFamily="34" charset="0"/>
+              <a:buChar char="•"/>
+              <a:defRPr sz="1800" kern="1200">
+                <a:solidFill>
+                  <a:schemeClr val="tx1"/>
+                </a:solidFill>
+                <a:latin typeface="+mn-lt"/>
+                <a:ea typeface="+mn-ea"/>
+                <a:cs typeface="+mn-cs"/>
+              </a:defRPr>
+            </a:lvl6pPr>
+            <a:lvl7pPr marL="2971800" indent="-228600" algn="l" defTabSz="914400" rtl="0" eaLnBrk="1" latinLnBrk="0" hangingPunct="1">
+              <a:lnSpc>
+                <a:spcPct val="90000"/>
+              </a:lnSpc>
+              <a:spcBef>
+                <a:spcPts val="500"/>
+              </a:spcBef>
+              <a:buFont typeface="Arial" panose="020B0604020202020204" pitchFamily="34" charset="0"/>
+              <a:buChar char="•"/>
+              <a:defRPr sz="1800" kern="1200">
+                <a:solidFill>
+                  <a:schemeClr val="tx1"/>
+                </a:solidFill>
+                <a:latin typeface="+mn-lt"/>
+                <a:ea typeface="+mn-ea"/>
+                <a:cs typeface="+mn-cs"/>
+              </a:defRPr>
+            </a:lvl7pPr>
+            <a:lvl8pPr marL="3429000" indent="-228600" algn="l" defTabSz="914400" rtl="0" eaLnBrk="1" latinLnBrk="0" hangingPunct="1">
+              <a:lnSpc>
+                <a:spcPct val="90000"/>
+              </a:lnSpc>
+              <a:spcBef>
+                <a:spcPts val="500"/>
+              </a:spcBef>
+              <a:buFont typeface="Arial" panose="020B0604020202020204" pitchFamily="34" charset="0"/>
+              <a:buChar char="•"/>
+              <a:defRPr sz="1800" kern="1200">
+                <a:solidFill>
+                  <a:schemeClr val="tx1"/>
+                </a:solidFill>
+                <a:latin typeface="+mn-lt"/>
+                <a:ea typeface="+mn-ea"/>
+                <a:cs typeface="+mn-cs"/>
+              </a:defRPr>
+            </a:lvl8pPr>
+            <a:lvl9pPr marL="3886200" indent="-228600" algn="l" defTabSz="914400" rtl="0" eaLnBrk="1" latinLnBrk="0" hangingPunct="1">
+              <a:lnSpc>
+                <a:spcPct val="90000"/>
+              </a:lnSpc>
+              <a:spcBef>
+                <a:spcPts val="500"/>
+              </a:spcBef>
+              <a:buFont typeface="Arial" panose="020B0604020202020204" pitchFamily="34" charset="0"/>
+              <a:buChar char="•"/>
+              <a:defRPr sz="1800" kern="1200">
+                <a:solidFill>
+                  <a:schemeClr val="tx1"/>
+                </a:solidFill>
+                <a:latin typeface="+mn-lt"/>
+                <a:ea typeface="+mn-ea"/>
+                <a:cs typeface="+mn-cs"/>
+              </a:defRPr>
+            </a:lvl9pPr>
+          </a:lstStyle>
+          <a:p>
+            <a:r>
+              <a:rPr lang="en-US" altLang="zh-TW" dirty="0"/>
+              <a:t>Bit Manipulation</a:t>
+            </a:r>
+          </a:p>
+          <a:p>
+            <a:r>
+              <a:rPr lang="en-US" altLang="zh-TW"/>
+              <a:t>Function and </a:t>
+            </a:r>
+            <a:r>
+              <a:rPr lang="en-US" altLang="zh-TW" dirty="0"/>
+              <a:t>Reference</a:t>
+            </a:r>
+          </a:p>
+          <a:p>
+            <a:r>
+              <a:rPr lang="en-US" altLang="zh-TW" dirty="0"/>
+              <a:t>File</a:t>
+            </a:r>
+          </a:p>
+          <a:p>
+            <a:r>
+              <a:rPr lang="en-US" altLang="zh-TW" dirty="0"/>
+              <a:t>Structure</a:t>
+            </a:r>
+          </a:p>
+          <a:p>
+            <a:r>
+              <a:rPr lang="en-US" altLang="zh-TW" dirty="0"/>
+              <a:t>Preprocessor</a:t>
+            </a:r>
+          </a:p>
+          <a:p>
+            <a:r>
+              <a:rPr lang="en-US" altLang="zh-TW" dirty="0"/>
+              <a:t>Exception </a:t>
+            </a:r>
+          </a:p>
+          <a:p>
+            <a:r>
+              <a:rPr lang="en-US" altLang="zh-TW" dirty="0"/>
+              <a:t>Debugger and </a:t>
+            </a:r>
+            <a:r>
+              <a:rPr lang="en-US" altLang="zh-TW" dirty="0" err="1"/>
+              <a:t>Vscode</a:t>
+            </a:r>
+            <a:endParaRPr lang="en-US" altLang="zh-TW" dirty="0"/>
+          </a:p>
+          <a:p>
+            <a:endParaRPr lang="en-US" altLang="zh-TW" dirty="0"/>
+          </a:p>
+        </p:txBody>
+      </p:sp>
+    </p:spTree>
+    <p:extLst>
+      <p:ext uri="{BB962C8B-B14F-4D97-AF65-F5344CB8AC3E}">
+        <p14:creationId xmlns:p14="http://schemas.microsoft.com/office/powerpoint/2010/main" val="2100772397"/>
+      </p:ext>
+    </p:extLst>
+  </p:cSld>
+  <p:clrMapOvr>
+    <a:masterClrMapping/>
+  </p:clrMapOvr>
+</p:sld>
+</file>
+
+<file path=ppt/slides/slide5.xml><?xml version="1.0" encoding="utf-8"?>
+<p:sld xmlns:a="http://schemas.openxmlformats.org/drawingml/2006/main" xmlns:r="http://schemas.openxmlformats.org/officeDocument/2006/relationships" xmlns:p="http://schemas.openxmlformats.org/presentationml/2006/main">
+  <p:cSld>
+    <p:spTree>
+      <p:nvGrpSpPr>
+        <p:cNvPr id="1" name=""/>
+        <p:cNvGrpSpPr/>
+        <p:nvPr/>
+      </p:nvGrpSpPr>
+      <p:grpSpPr>
+        <a:xfrm>
+          <a:off x="0" y="0"/>
+          <a:ext cx="0" cy="0"/>
+          <a:chOff x="0" y="0"/>
+          <a:chExt cx="0" cy="0"/>
+        </a:xfrm>
+      </p:grpSpPr>
+      <p:sp>
+        <p:nvSpPr>
+          <p:cNvPr id="2" name="標題 1">
+            <a:extLst>
+              <a:ext uri="{FF2B5EF4-FFF2-40B4-BE49-F238E27FC236}">
+                <a16:creationId xmlns:a16="http://schemas.microsoft.com/office/drawing/2014/main" id="{2BB5D79B-5E46-496D-85B0-B7978F78E1CB}"/>
+              </a:ext>
+            </a:extLst>
+          </p:cNvPr>
+          <p:cNvSpPr>
+            <a:spLocks noGrp="1"/>
+          </p:cNvSpPr>
+          <p:nvPr>
+            <p:ph type="title"/>
+          </p:nvPr>
+        </p:nvSpPr>
+        <p:spPr/>
+        <p:txBody>
+          <a:bodyPr/>
+          <a:lstStyle/>
+          <a:p>
+            <a:r>
+              <a:rPr lang="en-US" altLang="zh-TW" dirty="0"/>
+              <a:t>Class Objectives</a:t>
+            </a:r>
+            <a:endParaRPr lang="zh-TW" altLang="en-US" dirty="0"/>
+          </a:p>
+        </p:txBody>
+      </p:sp>
+      <p:sp>
+        <p:nvSpPr>
+          <p:cNvPr id="3" name="內容版面配置區 2">
+            <a:extLst>
+              <a:ext uri="{FF2B5EF4-FFF2-40B4-BE49-F238E27FC236}">
+                <a16:creationId xmlns:a16="http://schemas.microsoft.com/office/drawing/2014/main" id="{0FBC4CA2-D106-4D99-B76D-E22B12761BC2}"/>
+              </a:ext>
+            </a:extLst>
+          </p:cNvPr>
+          <p:cNvSpPr>
+            <a:spLocks noGrp="1"/>
+          </p:cNvSpPr>
+          <p:nvPr>
+            <p:ph idx="1"/>
+          </p:nvPr>
+        </p:nvSpPr>
+        <p:spPr/>
+        <p:txBody>
+          <a:bodyPr/>
+          <a:lstStyle/>
+          <a:p>
+            <a:r>
+              <a:rPr lang="en-US" altLang="zh-TW" dirty="0"/>
+              <a:t>Basics Concept of Computer Programming</a:t>
+            </a:r>
+          </a:p>
+          <a:p>
+            <a:r>
+              <a:rPr lang="en-US" altLang="zh-TW" dirty="0"/>
+              <a:t>C++ Basic Syntax</a:t>
+            </a:r>
+          </a:p>
+          <a:p>
+            <a:r>
+              <a:rPr lang="en-US" altLang="zh-TW" dirty="0"/>
+              <a:t>Algorithm Implementation in C++</a:t>
+            </a:r>
+            <a:endParaRPr lang="zh-TW" altLang="en-US" dirty="0"/>
+          </a:p>
+        </p:txBody>
+      </p:sp>
+    </p:spTree>
+    <p:extLst>
+      <p:ext uri="{BB962C8B-B14F-4D97-AF65-F5344CB8AC3E}">
+        <p14:creationId xmlns:p14="http://schemas.microsoft.com/office/powerpoint/2010/main" val="3131609155"/>
+      </p:ext>
+    </p:extLst>
+  </p:cSld>
+  <p:clrMapOvr>
+    <a:masterClrMapping/>
+  </p:clrMapOvr>
+</p:sld>
+</file>
+
+<file path=ppt/slides/slide6.xml><?xml version="1.0" encoding="utf-8"?>
 <p:sld xmlns:a="http://schemas.openxmlformats.org/drawingml/2006/main" xmlns:r="http://schemas.openxmlformats.org/officeDocument/2006/relationships" xmlns:p="http://schemas.openxmlformats.org/presentationml/2006/main">
   <p:cSld>
     <p:bg>
@@ -34271,7 +35197,7 @@
           <p:cNvPr id="2" name="標題 1">
             <a:extLst>
               <a:ext uri="{FF2B5EF4-FFF2-40B4-BE49-F238E27FC236}">
-                <a16:creationId xmlns:a16="http://schemas.microsoft.com/office/drawing/2014/main" id="{79F5265E-B290-43B9-AFCD-EB1E6C65A194}"/>
+                <a16:creationId xmlns:a16="http://schemas.microsoft.com/office/drawing/2014/main" id="{A75E2EA9-3FBD-4C07-99E5-D0C1E4C6B0BD}"/>
               </a:ext>
             </a:extLst>
           </p:cNvPr>
@@ -34296,37 +35222,44 @@
           <a:p>
             <a:r>
               <a:rPr lang="en-US" altLang="zh-TW" sz="4800" i="1" dirty="0"/>
-              <a:t>Procedures</a:t>
+              <a:t>Basics Concept of Computer Programming</a:t>
             </a:r>
           </a:p>
         </p:txBody>
       </p:sp>
       <p:pic>
         <p:nvPicPr>
-          <p:cNvPr id="5" name="內容版面配置區 4">
+          <p:cNvPr id="7" name="Graphic 6" descr="電腦">
             <a:extLst>
               <a:ext uri="{FF2B5EF4-FFF2-40B4-BE49-F238E27FC236}">
-                <a16:creationId xmlns:a16="http://schemas.microsoft.com/office/drawing/2014/main" id="{0A8151DA-48EE-4151-A9CB-A9D30196139A}"/>
+                <a16:creationId xmlns:a16="http://schemas.microsoft.com/office/drawing/2014/main" id="{21A3C4CF-9D6A-49CB-AD52-58D2AF0C3803}"/>
               </a:ext>
             </a:extLst>
           </p:cNvPr>
           <p:cNvPicPr>
-            <a:picLocks noGrp="1" noChangeAspect="1"/>
+            <a:picLocks noChangeAspect="1"/>
           </p:cNvPicPr>
-          <p:nvPr>
-            <p:ph idx="1"/>
-          </p:nvPr>
+          <p:nvPr/>
         </p:nvPicPr>
         <p:blipFill>
-          <a:blip r:embed="rId2"/>
+          <a:blip r:embed="rId2">
+            <a:extLst>
+              <a:ext uri="{28A0092B-C50C-407E-A947-70E740481C1C}">
+                <a14:useLocalDpi xmlns:a14="http://schemas.microsoft.com/office/drawing/2010/main" val="0"/>
+              </a:ext>
+              <a:ext uri="{96DAC541-7B7A-43D3-8B79-37D633B846F1}">
+                <asvg:svgBlip xmlns:asvg="http://schemas.microsoft.com/office/drawing/2016/SVG/main" r:embed="rId3"/>
+              </a:ext>
+            </a:extLst>
+          </a:blip>
           <a:stretch>
             <a:fillRect/>
           </a:stretch>
         </p:blipFill>
         <p:spPr>
           <a:xfrm>
-            <a:off x="6606253" y="1532400"/>
-            <a:ext cx="4942280" cy="3793199"/>
+            <a:off x="6606253" y="957860"/>
+            <a:ext cx="4942280" cy="4942280"/>
           </a:xfrm>
           <a:prstGeom prst="rect">
             <a:avLst/>
@@ -34336,7 +35269,7 @@
     </p:spTree>
     <p:extLst>
       <p:ext uri="{BB962C8B-B14F-4D97-AF65-F5344CB8AC3E}">
-        <p14:creationId xmlns:p14="http://schemas.microsoft.com/office/powerpoint/2010/main" val="3509906072"/>
+        <p14:creationId xmlns:p14="http://schemas.microsoft.com/office/powerpoint/2010/main" val="2180746806"/>
       </p:ext>
     </p:extLst>
   </p:cSld>
@@ -34346,7 +35279,7 @@
 </p:sld>
 </file>
 
-<file path=ppt/slides/slide8.xml><?xml version="1.0" encoding="utf-8"?>
+<file path=ppt/slides/slide7.xml><?xml version="1.0" encoding="utf-8"?>
 <p:sld xmlns:a="http://schemas.openxmlformats.org/drawingml/2006/main" xmlns:r="http://schemas.openxmlformats.org/officeDocument/2006/relationships" xmlns:p="http://schemas.openxmlformats.org/presentationml/2006/main">
   <p:cSld>
     <p:spTree>
@@ -34368,7 +35301,7 @@
           <p:cNvPr id="2" name="標題 1">
             <a:extLst>
               <a:ext uri="{FF2B5EF4-FFF2-40B4-BE49-F238E27FC236}">
-                <a16:creationId xmlns:a16="http://schemas.microsoft.com/office/drawing/2014/main" id="{29179C5B-5942-4F6C-978B-70DFBF82C183}"/>
+                <a16:creationId xmlns:a16="http://schemas.microsoft.com/office/drawing/2014/main" id="{37F0EF76-CC96-4DEC-887B-8259BEC4BC05}"/>
               </a:ext>
             </a:extLst>
           </p:cNvPr>
@@ -34386,224 +35319,47 @@
           <a:p>
             <a:r>
               <a:rPr lang="en-US" altLang="zh-TW" dirty="0"/>
-              <a:t>Algorithms</a:t>
+              <a:t>Procedures</a:t>
             </a:r>
             <a:endParaRPr lang="zh-TW" altLang="en-US" dirty="0"/>
           </a:p>
         </p:txBody>
       </p:sp>
-      <p:sp>
-        <p:nvSpPr>
-          <p:cNvPr id="3" name="內容版面配置區 2">
+      <p:graphicFrame>
+        <p:nvGraphicFramePr>
+          <p:cNvPr id="4" name="內容版面配置區 3">
             <a:extLst>
               <a:ext uri="{FF2B5EF4-FFF2-40B4-BE49-F238E27FC236}">
-                <a16:creationId xmlns:a16="http://schemas.microsoft.com/office/drawing/2014/main" id="{75542A02-9F2A-432D-AEB6-D5862F1C105E}"/>
+                <a16:creationId xmlns:a16="http://schemas.microsoft.com/office/drawing/2014/main" id="{2EA37C3F-344E-440F-8B3D-217C04EE016F}"/>
               </a:ext>
             </a:extLst>
           </p:cNvPr>
-          <p:cNvSpPr>
-            <a:spLocks noGrp="1"/>
-          </p:cNvSpPr>
+          <p:cNvGraphicFramePr>
+            <a:graphicFrameLocks noGrp="1"/>
+          </p:cNvGraphicFramePr>
           <p:nvPr>
             <p:ph idx="1"/>
+            <p:extLst>
+              <p:ext uri="{D42A27DB-BD31-4B8C-83A1-F6EECF244321}">
+                <p14:modId xmlns:p14="http://schemas.microsoft.com/office/powerpoint/2010/main" val="534417047"/>
+              </p:ext>
+            </p:extLst>
           </p:nvPr>
-        </p:nvSpPr>
-        <p:spPr/>
-        <p:txBody>
-          <a:bodyPr/>
-          <a:lstStyle/>
-          <a:p>
-            <a:r>
-              <a:rPr lang="en-US" altLang="zh-TW" dirty="0"/>
-              <a:t>Q: calculate sum of integers from 1 to 5.</a:t>
-            </a:r>
-          </a:p>
-          <a:p>
-            <a:r>
-              <a:rPr lang="zh-TW" altLang="en-US" dirty="0"/>
-              <a:t>✔ </a:t>
-            </a:r>
-            <a:r>
-              <a:rPr lang="en-US" altLang="zh-TW" dirty="0"/>
-              <a:t>Input: [1, 2, 3, 4, 5] (integers)</a:t>
-            </a:r>
-          </a:p>
-          <a:p>
-            <a:r>
-              <a:rPr lang="zh-TW" altLang="en-US" dirty="0"/>
-              <a:t>❌ </a:t>
-            </a:r>
-            <a:r>
-              <a:rPr lang="en-US" altLang="zh-TW" dirty="0"/>
-              <a:t>Input: [1.0, 2.0, 3.0, 4.0, 5.0] (real numbers)</a:t>
-            </a:r>
-          </a:p>
-          <a:p>
-            <a:endParaRPr lang="en-US" altLang="zh-TW" dirty="0"/>
-          </a:p>
-          <a:p>
-            <a:r>
-              <a:rPr lang="zh-TW" altLang="en-US" dirty="0"/>
-              <a:t>✔ </a:t>
-            </a:r>
-            <a:r>
-              <a:rPr lang="en-US" altLang="zh-TW" dirty="0"/>
-              <a:t>Procedures:</a:t>
-            </a:r>
-            <a:r>
-              <a:rPr lang="zh-TW" altLang="en-US" dirty="0"/>
-              <a:t> </a:t>
-            </a:r>
-            <a:r>
-              <a:rPr lang="en-US" altLang="zh-TW" dirty="0"/>
-              <a:t>1</a:t>
-            </a:r>
-            <a:r>
-              <a:rPr lang="zh-TW" altLang="en-US" dirty="0"/>
-              <a:t> </a:t>
-            </a:r>
-            <a:r>
-              <a:rPr lang="en-US" altLang="zh-TW" dirty="0"/>
-              <a:t>+</a:t>
-            </a:r>
-            <a:r>
-              <a:rPr lang="zh-TW" altLang="en-US" dirty="0"/>
-              <a:t> </a:t>
-            </a:r>
-            <a:r>
-              <a:rPr lang="en-US" altLang="zh-TW" dirty="0"/>
-              <a:t>2</a:t>
-            </a:r>
-            <a:r>
-              <a:rPr lang="zh-TW" altLang="en-US" dirty="0"/>
-              <a:t> </a:t>
-            </a:r>
-            <a:r>
-              <a:rPr lang="en-US" altLang="zh-TW" dirty="0"/>
-              <a:t>+</a:t>
-            </a:r>
-            <a:r>
-              <a:rPr lang="zh-TW" altLang="en-US" dirty="0"/>
-              <a:t> </a:t>
-            </a:r>
-            <a:r>
-              <a:rPr lang="en-US" altLang="zh-TW" dirty="0"/>
-              <a:t>3</a:t>
-            </a:r>
-            <a:r>
-              <a:rPr lang="zh-TW" altLang="en-US" dirty="0"/>
-              <a:t> </a:t>
-            </a:r>
-            <a:r>
-              <a:rPr lang="en-US" altLang="zh-TW" dirty="0"/>
-              <a:t>+</a:t>
-            </a:r>
-            <a:r>
-              <a:rPr lang="zh-TW" altLang="en-US" dirty="0"/>
-              <a:t> </a:t>
-            </a:r>
-            <a:r>
-              <a:rPr lang="en-US" altLang="zh-TW" dirty="0"/>
-              <a:t>4</a:t>
-            </a:r>
-            <a:r>
-              <a:rPr lang="zh-TW" altLang="en-US" dirty="0"/>
-              <a:t> </a:t>
-            </a:r>
-            <a:r>
-              <a:rPr lang="en-US" altLang="zh-TW" dirty="0"/>
-              <a:t>+</a:t>
-            </a:r>
-            <a:r>
-              <a:rPr lang="zh-TW" altLang="en-US" dirty="0"/>
-              <a:t> </a:t>
-            </a:r>
-            <a:r>
-              <a:rPr lang="en-US" altLang="zh-TW" dirty="0"/>
-              <a:t>5</a:t>
-            </a:r>
-            <a:r>
-              <a:rPr lang="zh-TW" altLang="en-US" dirty="0"/>
-              <a:t> </a:t>
-            </a:r>
-            <a:r>
-              <a:rPr lang="en-US" altLang="zh-TW" dirty="0"/>
-              <a:t>=</a:t>
-            </a:r>
-            <a:r>
-              <a:rPr lang="zh-TW" altLang="en-US" dirty="0"/>
-              <a:t> </a:t>
-            </a:r>
-            <a:r>
-              <a:rPr lang="en-US" altLang="zh-TW" dirty="0"/>
-              <a:t>15</a:t>
-            </a:r>
-          </a:p>
-          <a:p>
-            <a:r>
-              <a:rPr lang="zh-TW" altLang="en-US" dirty="0"/>
-              <a:t>✔ </a:t>
-            </a:r>
-            <a:r>
-              <a:rPr lang="en-US" altLang="zh-TW" dirty="0"/>
-              <a:t>Procedures:</a:t>
-            </a:r>
-            <a:r>
-              <a:rPr lang="zh-TW" altLang="en-US" dirty="0"/>
-              <a:t> </a:t>
-            </a:r>
-            <a:r>
-              <a:rPr lang="en-US" altLang="zh-TW" dirty="0"/>
-              <a:t>(1</a:t>
-            </a:r>
-            <a:r>
-              <a:rPr lang="zh-TW" altLang="en-US" dirty="0"/>
-              <a:t> </a:t>
-            </a:r>
-            <a:r>
-              <a:rPr lang="en-US" altLang="zh-TW" dirty="0"/>
-              <a:t>+</a:t>
-            </a:r>
-            <a:r>
-              <a:rPr lang="zh-TW" altLang="en-US" dirty="0"/>
-              <a:t> </a:t>
-            </a:r>
-            <a:r>
-              <a:rPr lang="en-US" altLang="zh-TW" dirty="0"/>
-              <a:t>5) * 5 / 2</a:t>
-            </a:r>
-            <a:r>
-              <a:rPr lang="zh-TW" altLang="en-US" dirty="0"/>
-              <a:t> </a:t>
-            </a:r>
-            <a:r>
-              <a:rPr lang="en-US" altLang="zh-TW" dirty="0"/>
-              <a:t>=</a:t>
-            </a:r>
-            <a:r>
-              <a:rPr lang="zh-TW" altLang="en-US" dirty="0"/>
-              <a:t> </a:t>
-            </a:r>
-            <a:r>
-              <a:rPr lang="en-US" altLang="zh-TW" dirty="0"/>
-              <a:t>15</a:t>
-            </a:r>
-          </a:p>
-          <a:p>
-            <a:endParaRPr lang="en-US" altLang="zh-TW" dirty="0"/>
-          </a:p>
-          <a:p>
-            <a:endParaRPr lang="en-US" altLang="zh-TW" dirty="0"/>
-          </a:p>
-          <a:p>
-            <a:endParaRPr lang="zh-TW" altLang="en-US" dirty="0"/>
-          </a:p>
-        </p:txBody>
-      </p:sp>
+        </p:nvGraphicFramePr>
+        <p:xfrm>
+          <a:off x="838200" y="2011363"/>
+          <a:ext cx="10515600" cy="4160837"/>
+        </p:xfrm>
+        <a:graphic>
+          <a:graphicData uri="http://schemas.openxmlformats.org/drawingml/2006/diagram">
+            <dgm:relIds xmlns:dgm="http://schemas.openxmlformats.org/drawingml/2006/diagram" xmlns:r="http://schemas.openxmlformats.org/officeDocument/2006/relationships" r:dm="rId2" r:lo="rId3" r:qs="rId4" r:cs="rId5"/>
+          </a:graphicData>
+        </a:graphic>
+      </p:graphicFrame>
     </p:spTree>
     <p:extLst>
       <p:ext uri="{BB962C8B-B14F-4D97-AF65-F5344CB8AC3E}">
-        <p14:creationId xmlns:p14="http://schemas.microsoft.com/office/powerpoint/2010/main" val="3486749089"/>
+        <p14:creationId xmlns:p14="http://schemas.microsoft.com/office/powerpoint/2010/main" val="2773943519"/>
       </p:ext>
     </p:extLst>
   </p:cSld>
@@ -34613,7 +35369,7 @@
 </p:sld>
 </file>
 
-<file path=ppt/slides/slide9.xml><?xml version="1.0" encoding="utf-8"?>
+<file path=ppt/slides/slide8.xml><?xml version="1.0" encoding="utf-8"?>
 <p:sld xmlns:a="http://schemas.openxmlformats.org/drawingml/2006/main" xmlns:r="http://schemas.openxmlformats.org/officeDocument/2006/relationships" xmlns:p="http://schemas.openxmlformats.org/presentationml/2006/main">
   <p:cSld>
     <p:bg>
@@ -36831,7 +37587,7 @@
           <p:cNvPr id="2" name="標題 1">
             <a:extLst>
               <a:ext uri="{FF2B5EF4-FFF2-40B4-BE49-F238E27FC236}">
-                <a16:creationId xmlns:a16="http://schemas.microsoft.com/office/drawing/2014/main" id="{63E26F8D-AE87-4798-AE57-56F4F3485539}"/>
+                <a16:creationId xmlns:a16="http://schemas.microsoft.com/office/drawing/2014/main" id="{79F5265E-B290-43B9-AFCD-EB1E6C65A194}"/>
               </a:ext>
             </a:extLst>
           </p:cNvPr>
@@ -36845,7 +37601,7 @@
         <p:spPr>
           <a:xfrm>
             <a:off x="643468" y="643467"/>
-            <a:ext cx="4859710" cy="4567137"/>
+            <a:ext cx="4620584" cy="4567137"/>
           </a:xfrm>
         </p:spPr>
         <p:txBody>
@@ -36856,44 +37612,37 @@
           <a:p>
             <a:r>
               <a:rPr lang="en-US" altLang="zh-TW" sz="4800" i="1" dirty="0"/>
-              <a:t>Basic Concepts of C++</a:t>
+              <a:t>Procedures</a:t>
             </a:r>
           </a:p>
         </p:txBody>
       </p:sp>
       <p:pic>
         <p:nvPicPr>
-          <p:cNvPr id="7" name="Graphic 6" descr="驗證碼">
+          <p:cNvPr id="5" name="內容版面配置區 4">
             <a:extLst>
               <a:ext uri="{FF2B5EF4-FFF2-40B4-BE49-F238E27FC236}">
-                <a16:creationId xmlns:a16="http://schemas.microsoft.com/office/drawing/2014/main" id="{2D6BEAEE-2930-41AF-8534-2D35D3A38A31}"/>
+                <a16:creationId xmlns:a16="http://schemas.microsoft.com/office/drawing/2014/main" id="{0A8151DA-48EE-4151-A9CB-A9D30196139A}"/>
               </a:ext>
             </a:extLst>
           </p:cNvPr>
           <p:cNvPicPr>
-            <a:picLocks noChangeAspect="1"/>
+            <a:picLocks noGrp="1" noChangeAspect="1"/>
           </p:cNvPicPr>
-          <p:nvPr/>
+          <p:nvPr>
+            <p:ph idx="1"/>
+          </p:nvPr>
         </p:nvPicPr>
         <p:blipFill>
-          <a:blip r:embed="rId2">
-            <a:extLst>
-              <a:ext uri="{28A0092B-C50C-407E-A947-70E740481C1C}">
-                <a14:useLocalDpi xmlns:a14="http://schemas.microsoft.com/office/drawing/2010/main" val="0"/>
-              </a:ext>
-              <a:ext uri="{96DAC541-7B7A-43D3-8B79-37D633B846F1}">
-                <asvg:svgBlip xmlns:asvg="http://schemas.microsoft.com/office/drawing/2016/SVG/main" r:embed="rId3"/>
-              </a:ext>
-            </a:extLst>
-          </a:blip>
+          <a:blip r:embed="rId2"/>
           <a:stretch>
             <a:fillRect/>
           </a:stretch>
         </p:blipFill>
         <p:spPr>
           <a:xfrm>
-            <a:off x="6606253" y="957860"/>
-            <a:ext cx="4942280" cy="4942280"/>
+            <a:off x="6606253" y="1532400"/>
+            <a:ext cx="4942280" cy="3793199"/>
           </a:xfrm>
           <a:prstGeom prst="rect">
             <a:avLst/>
@@ -36903,7 +37652,274 @@
     </p:spTree>
     <p:extLst>
       <p:ext uri="{BB962C8B-B14F-4D97-AF65-F5344CB8AC3E}">
-        <p14:creationId xmlns:p14="http://schemas.microsoft.com/office/powerpoint/2010/main" val="2867469347"/>
+        <p14:creationId xmlns:p14="http://schemas.microsoft.com/office/powerpoint/2010/main" val="3509906072"/>
+      </p:ext>
+    </p:extLst>
+  </p:cSld>
+  <p:clrMapOvr>
+    <a:masterClrMapping/>
+  </p:clrMapOvr>
+</p:sld>
+</file>
+
+<file path=ppt/slides/slide9.xml><?xml version="1.0" encoding="utf-8"?>
+<p:sld xmlns:a="http://schemas.openxmlformats.org/drawingml/2006/main" xmlns:r="http://schemas.openxmlformats.org/officeDocument/2006/relationships" xmlns:p="http://schemas.openxmlformats.org/presentationml/2006/main">
+  <p:cSld>
+    <p:spTree>
+      <p:nvGrpSpPr>
+        <p:cNvPr id="1" name=""/>
+        <p:cNvGrpSpPr/>
+        <p:nvPr/>
+      </p:nvGrpSpPr>
+      <p:grpSpPr>
+        <a:xfrm>
+          <a:off x="0" y="0"/>
+          <a:ext cx="0" cy="0"/>
+          <a:chOff x="0" y="0"/>
+          <a:chExt cx="0" cy="0"/>
+        </a:xfrm>
+      </p:grpSpPr>
+      <p:sp>
+        <p:nvSpPr>
+          <p:cNvPr id="2" name="標題 1">
+            <a:extLst>
+              <a:ext uri="{FF2B5EF4-FFF2-40B4-BE49-F238E27FC236}">
+                <a16:creationId xmlns:a16="http://schemas.microsoft.com/office/drawing/2014/main" id="{29179C5B-5942-4F6C-978B-70DFBF82C183}"/>
+              </a:ext>
+            </a:extLst>
+          </p:cNvPr>
+          <p:cNvSpPr>
+            <a:spLocks noGrp="1"/>
+          </p:cNvSpPr>
+          <p:nvPr>
+            <p:ph type="title"/>
+          </p:nvPr>
+        </p:nvSpPr>
+        <p:spPr/>
+        <p:txBody>
+          <a:bodyPr/>
+          <a:lstStyle/>
+          <a:p>
+            <a:r>
+              <a:rPr lang="en-US" altLang="zh-TW" dirty="0"/>
+              <a:t>Algorithms</a:t>
+            </a:r>
+            <a:endParaRPr lang="zh-TW" altLang="en-US" dirty="0"/>
+          </a:p>
+        </p:txBody>
+      </p:sp>
+      <p:sp>
+        <p:nvSpPr>
+          <p:cNvPr id="3" name="內容版面配置區 2">
+            <a:extLst>
+              <a:ext uri="{FF2B5EF4-FFF2-40B4-BE49-F238E27FC236}">
+                <a16:creationId xmlns:a16="http://schemas.microsoft.com/office/drawing/2014/main" id="{75542A02-9F2A-432D-AEB6-D5862F1C105E}"/>
+              </a:ext>
+            </a:extLst>
+          </p:cNvPr>
+          <p:cNvSpPr>
+            <a:spLocks noGrp="1"/>
+          </p:cNvSpPr>
+          <p:nvPr>
+            <p:ph idx="1"/>
+          </p:nvPr>
+        </p:nvSpPr>
+        <p:spPr/>
+        <p:txBody>
+          <a:bodyPr/>
+          <a:lstStyle/>
+          <a:p>
+            <a:r>
+              <a:rPr lang="en-US" altLang="zh-TW" dirty="0"/>
+              <a:t>Q: calculate sum of integers from 1 to 5.</a:t>
+            </a:r>
+          </a:p>
+          <a:p>
+            <a:r>
+              <a:rPr lang="zh-TW" altLang="en-US" dirty="0"/>
+              <a:t>✔ </a:t>
+            </a:r>
+            <a:r>
+              <a:rPr lang="en-US" altLang="zh-TW" dirty="0"/>
+              <a:t>Input: [1, 2, 3, 4, 5] (integers)</a:t>
+            </a:r>
+          </a:p>
+          <a:p>
+            <a:r>
+              <a:rPr lang="zh-TW" altLang="en-US" dirty="0"/>
+              <a:t>❌ </a:t>
+            </a:r>
+            <a:r>
+              <a:rPr lang="en-US" altLang="zh-TW" dirty="0"/>
+              <a:t>Input: [1.0, 2.0, 3.0, 4.0, 5.0] (real numbers)</a:t>
+            </a:r>
+          </a:p>
+          <a:p>
+            <a:endParaRPr lang="en-US" altLang="zh-TW" dirty="0"/>
+          </a:p>
+          <a:p>
+            <a:r>
+              <a:rPr lang="zh-TW" altLang="en-US" dirty="0"/>
+              <a:t>✔ </a:t>
+            </a:r>
+            <a:r>
+              <a:rPr lang="en-US" altLang="zh-TW" dirty="0"/>
+              <a:t>Procedures:</a:t>
+            </a:r>
+            <a:r>
+              <a:rPr lang="zh-TW" altLang="en-US" dirty="0"/>
+              <a:t> </a:t>
+            </a:r>
+            <a:r>
+              <a:rPr lang="en-US" altLang="zh-TW" dirty="0"/>
+              <a:t>1</a:t>
+            </a:r>
+            <a:r>
+              <a:rPr lang="zh-TW" altLang="en-US" dirty="0"/>
+              <a:t> </a:t>
+            </a:r>
+            <a:r>
+              <a:rPr lang="en-US" altLang="zh-TW" dirty="0"/>
+              <a:t>+</a:t>
+            </a:r>
+            <a:r>
+              <a:rPr lang="zh-TW" altLang="en-US" dirty="0"/>
+              <a:t> </a:t>
+            </a:r>
+            <a:r>
+              <a:rPr lang="en-US" altLang="zh-TW" dirty="0"/>
+              <a:t>2</a:t>
+            </a:r>
+            <a:r>
+              <a:rPr lang="zh-TW" altLang="en-US" dirty="0"/>
+              <a:t> </a:t>
+            </a:r>
+            <a:r>
+              <a:rPr lang="en-US" altLang="zh-TW" dirty="0"/>
+              <a:t>+</a:t>
+            </a:r>
+            <a:r>
+              <a:rPr lang="zh-TW" altLang="en-US" dirty="0"/>
+              <a:t> </a:t>
+            </a:r>
+            <a:r>
+              <a:rPr lang="en-US" altLang="zh-TW" dirty="0"/>
+              <a:t>3</a:t>
+            </a:r>
+            <a:r>
+              <a:rPr lang="zh-TW" altLang="en-US" dirty="0"/>
+              <a:t> </a:t>
+            </a:r>
+            <a:r>
+              <a:rPr lang="en-US" altLang="zh-TW" dirty="0"/>
+              <a:t>+</a:t>
+            </a:r>
+            <a:r>
+              <a:rPr lang="zh-TW" altLang="en-US" dirty="0"/>
+              <a:t> </a:t>
+            </a:r>
+            <a:r>
+              <a:rPr lang="en-US" altLang="zh-TW" dirty="0"/>
+              <a:t>4</a:t>
+            </a:r>
+            <a:r>
+              <a:rPr lang="zh-TW" altLang="en-US" dirty="0"/>
+              <a:t> </a:t>
+            </a:r>
+            <a:r>
+              <a:rPr lang="en-US" altLang="zh-TW" dirty="0"/>
+              <a:t>+</a:t>
+            </a:r>
+            <a:r>
+              <a:rPr lang="zh-TW" altLang="en-US" dirty="0"/>
+              <a:t> </a:t>
+            </a:r>
+            <a:r>
+              <a:rPr lang="en-US" altLang="zh-TW" dirty="0"/>
+              <a:t>5</a:t>
+            </a:r>
+            <a:r>
+              <a:rPr lang="zh-TW" altLang="en-US" dirty="0"/>
+              <a:t> </a:t>
+            </a:r>
+            <a:r>
+              <a:rPr lang="en-US" altLang="zh-TW" dirty="0"/>
+              <a:t>=</a:t>
+            </a:r>
+            <a:r>
+              <a:rPr lang="zh-TW" altLang="en-US" dirty="0"/>
+              <a:t> </a:t>
+            </a:r>
+            <a:r>
+              <a:rPr lang="en-US" altLang="zh-TW" dirty="0"/>
+              <a:t>15</a:t>
+            </a:r>
+          </a:p>
+          <a:p>
+            <a:r>
+              <a:rPr lang="zh-TW" altLang="en-US" dirty="0"/>
+              <a:t>✔ </a:t>
+            </a:r>
+            <a:r>
+              <a:rPr lang="en-US" altLang="zh-TW" dirty="0"/>
+              <a:t>Procedures:</a:t>
+            </a:r>
+            <a:r>
+              <a:rPr lang="zh-TW" altLang="en-US" dirty="0"/>
+              <a:t> </a:t>
+            </a:r>
+            <a:r>
+              <a:rPr lang="en-US" altLang="zh-TW" dirty="0"/>
+              <a:t>(1</a:t>
+            </a:r>
+            <a:r>
+              <a:rPr lang="zh-TW" altLang="en-US" dirty="0"/>
+              <a:t> </a:t>
+            </a:r>
+            <a:r>
+              <a:rPr lang="en-US" altLang="zh-TW" dirty="0"/>
+              <a:t>+</a:t>
+            </a:r>
+            <a:r>
+              <a:rPr lang="zh-TW" altLang="en-US" dirty="0"/>
+              <a:t> </a:t>
+            </a:r>
+            <a:r>
+              <a:rPr lang="en-US" altLang="zh-TW" dirty="0"/>
+              <a:t>5) * 5 / 2</a:t>
+            </a:r>
+            <a:r>
+              <a:rPr lang="zh-TW" altLang="en-US" dirty="0"/>
+              <a:t> </a:t>
+            </a:r>
+            <a:r>
+              <a:rPr lang="en-US" altLang="zh-TW" dirty="0"/>
+              <a:t>=</a:t>
+            </a:r>
+            <a:r>
+              <a:rPr lang="zh-TW" altLang="en-US" dirty="0"/>
+              <a:t> </a:t>
+            </a:r>
+            <a:r>
+              <a:rPr lang="en-US" altLang="zh-TW" dirty="0"/>
+              <a:t>15</a:t>
+            </a:r>
+          </a:p>
+          <a:p>
+            <a:endParaRPr lang="en-US" altLang="zh-TW" dirty="0"/>
+          </a:p>
+          <a:p>
+            <a:endParaRPr lang="en-US" altLang="zh-TW" dirty="0"/>
+          </a:p>
+          <a:p>
+            <a:endParaRPr lang="zh-TW" altLang="en-US" dirty="0"/>
+          </a:p>
+        </p:txBody>
+      </p:sp>
+    </p:spTree>
+    <p:extLst>
+      <p:ext uri="{BB962C8B-B14F-4D97-AF65-F5344CB8AC3E}">
+        <p14:creationId xmlns:p14="http://schemas.microsoft.com/office/powerpoint/2010/main" val="3486749089"/>
       </p:ext>
     </p:extLst>
   </p:cSld>
@@ -37112,4 +38128,299 @@
     </a:ext>
   </a:extLst>
 </a:theme>
+</file>
+
+<file path=ppt/theme/theme2.xml><?xml version="1.0" encoding="utf-8"?>
+<a:theme xmlns:a="http://schemas.openxmlformats.org/drawingml/2006/main" name="Office 佈景主題">
+  <a:themeElements>
+    <a:clrScheme name="Office">
+      <a:dk1>
+        <a:sysClr val="windowText" lastClr="000000"/>
+      </a:dk1>
+      <a:lt1>
+        <a:sysClr val="window" lastClr="FFFFFF"/>
+      </a:lt1>
+      <a:dk2>
+        <a:srgbClr val="44546A"/>
+      </a:dk2>
+      <a:lt2>
+        <a:srgbClr val="E7E6E6"/>
+      </a:lt2>
+      <a:accent1>
+        <a:srgbClr val="4472C4"/>
+      </a:accent1>
+      <a:accent2>
+        <a:srgbClr val="ED7D31"/>
+      </a:accent2>
+      <a:accent3>
+        <a:srgbClr val="A5A5A5"/>
+      </a:accent3>
+      <a:accent4>
+        <a:srgbClr val="FFC000"/>
+      </a:accent4>
+      <a:accent5>
+        <a:srgbClr val="5B9BD5"/>
+      </a:accent5>
+      <a:accent6>
+        <a:srgbClr val="70AD47"/>
+      </a:accent6>
+      <a:hlink>
+        <a:srgbClr val="0563C1"/>
+      </a:hlink>
+      <a:folHlink>
+        <a:srgbClr val="954F72"/>
+      </a:folHlink>
+    </a:clrScheme>
+    <a:fontScheme name="Office">
+      <a:majorFont>
+        <a:latin typeface="Calibri Light" panose="020F0302020204030204"/>
+        <a:ea typeface=""/>
+        <a:cs typeface=""/>
+        <a:font script="Jpan" typeface="游ゴシック Light"/>
+        <a:font script="Hang" typeface="맑은 고딕"/>
+        <a:font script="Hans" typeface="等线 Light"/>
+        <a:font script="Hant" typeface="新細明體"/>
+        <a:font script="Arab" typeface="Times New Roman"/>
+        <a:font script="Hebr" typeface="Times New Roman"/>
+        <a:font script="Thai" typeface="Angsana New"/>
+        <a:font script="Ethi" typeface="Nyala"/>
+        <a:font script="Beng" typeface="Vrinda"/>
+        <a:font script="Gujr" typeface="Shruti"/>
+        <a:font script="Khmr" typeface="MoolBoran"/>
+        <a:font script="Knda" typeface="Tunga"/>
+        <a:font script="Guru" typeface="Raavi"/>
+        <a:font script="Cans" typeface="Euphemia"/>
+        <a:font script="Cher" typeface="Plantagenet Cherokee"/>
+        <a:font script="Yiii" typeface="Microsoft Yi Baiti"/>
+        <a:font script="Tibt" typeface="Microsoft Himalaya"/>
+        <a:font script="Thaa" typeface="MV Boli"/>
+        <a:font script="Deva" typeface="Mangal"/>
+        <a:font script="Telu" typeface="Gautami"/>
+        <a:font script="Taml" typeface="Latha"/>
+        <a:font script="Syrc" typeface="Estrangelo Edessa"/>
+        <a:font script="Orya" typeface="Kalinga"/>
+        <a:font script="Mlym" typeface="Kartika"/>
+        <a:font script="Laoo" typeface="DokChampa"/>
+        <a:font script="Sinh" typeface="Iskoola Pota"/>
+        <a:font script="Mong" typeface="Mongolian Baiti"/>
+        <a:font script="Viet" typeface="Times New Roman"/>
+        <a:font script="Uigh" typeface="Microsoft Uighur"/>
+        <a:font script="Geor" typeface="Sylfaen"/>
+        <a:font script="Armn" typeface="Arial"/>
+        <a:font script="Bugi" typeface="Leelawadee UI"/>
+        <a:font script="Bopo" typeface="Microsoft JhengHei"/>
+        <a:font script="Java" typeface="Javanese Text"/>
+        <a:font script="Lisu" typeface="Segoe UI"/>
+        <a:font script="Mymr" typeface="Myanmar Text"/>
+        <a:font script="Nkoo" typeface="Ebrima"/>
+        <a:font script="Olck" typeface="Nirmala UI"/>
+        <a:font script="Osma" typeface="Ebrima"/>
+        <a:font script="Phag" typeface="Phagspa"/>
+        <a:font script="Syrn" typeface="Estrangelo Edessa"/>
+        <a:font script="Syrj" typeface="Estrangelo Edessa"/>
+        <a:font script="Syre" typeface="Estrangelo Edessa"/>
+        <a:font script="Sora" typeface="Nirmala UI"/>
+        <a:font script="Tale" typeface="Microsoft Tai Le"/>
+        <a:font script="Talu" typeface="Microsoft New Tai Lue"/>
+        <a:font script="Tfng" typeface="Ebrima"/>
+      </a:majorFont>
+      <a:minorFont>
+        <a:latin typeface="Calibri" panose="020F0502020204030204"/>
+        <a:ea typeface=""/>
+        <a:cs typeface=""/>
+        <a:font script="Jpan" typeface="游ゴシック"/>
+        <a:font script="Hang" typeface="맑은 고딕"/>
+        <a:font script="Hans" typeface="等线"/>
+        <a:font script="Hant" typeface="新細明體"/>
+        <a:font script="Arab" typeface="Arial"/>
+        <a:font script="Hebr" typeface="Arial"/>
+        <a:font script="Thai" typeface="Cordia New"/>
+        <a:font script="Ethi" typeface="Nyala"/>
+        <a:font script="Beng" typeface="Vrinda"/>
+        <a:font script="Gujr" typeface="Shruti"/>
+        <a:font script="Khmr" typeface="DaunPenh"/>
+        <a:font script="Knda" typeface="Tunga"/>
+        <a:font script="Guru" typeface="Raavi"/>
+        <a:font script="Cans" typeface="Euphemia"/>
+        <a:font script="Cher" typeface="Plantagenet Cherokee"/>
+        <a:font script="Yiii" typeface="Microsoft Yi Baiti"/>
+        <a:font script="Tibt" typeface="Microsoft Himalaya"/>
+        <a:font script="Thaa" typeface="MV Boli"/>
+        <a:font script="Deva" typeface="Mangal"/>
+        <a:font script="Telu" typeface="Gautami"/>
+        <a:font script="Taml" typeface="Latha"/>
+        <a:font script="Syrc" typeface="Estrangelo Edessa"/>
+        <a:font script="Orya" typeface="Kalinga"/>
+        <a:font script="Mlym" typeface="Kartika"/>
+        <a:font script="Laoo" typeface="DokChampa"/>
+        <a:font script="Sinh" typeface="Iskoola Pota"/>
+        <a:font script="Mong" typeface="Mongolian Baiti"/>
+        <a:font script="Viet" typeface="Arial"/>
+        <a:font script="Uigh" typeface="Microsoft Uighur"/>
+        <a:font script="Geor" typeface="Sylfaen"/>
+        <a:font script="Armn" typeface="Arial"/>
+        <a:font script="Bugi" typeface="Leelawadee UI"/>
+        <a:font script="Bopo" typeface="Microsoft JhengHei"/>
+        <a:font script="Java" typeface="Javanese Text"/>
+        <a:font script="Lisu" typeface="Segoe UI"/>
+        <a:font script="Mymr" typeface="Myanmar Text"/>
+        <a:font script="Nkoo" typeface="Ebrima"/>
+        <a:font script="Olck" typeface="Nirmala UI"/>
+        <a:font script="Osma" typeface="Ebrima"/>
+        <a:font script="Phag" typeface="Phagspa"/>
+        <a:font script="Syrn" typeface="Estrangelo Edessa"/>
+        <a:font script="Syrj" typeface="Estrangelo Edessa"/>
+        <a:font script="Syre" typeface="Estrangelo Edessa"/>
+        <a:font script="Sora" typeface="Nirmala UI"/>
+        <a:font script="Tale" typeface="Microsoft Tai Le"/>
+        <a:font script="Talu" typeface="Microsoft New Tai Lue"/>
+        <a:font script="Tfng" typeface="Ebrima"/>
+      </a:minorFont>
+    </a:fontScheme>
+    <a:fmtScheme name="Office">
+      <a:fillStyleLst>
+        <a:solidFill>
+          <a:schemeClr val="phClr"/>
+        </a:solidFill>
+        <a:gradFill rotWithShape="1">
+          <a:gsLst>
+            <a:gs pos="0">
+              <a:schemeClr val="phClr">
+                <a:lumMod val="110000"/>
+                <a:satMod val="105000"/>
+                <a:tint val="67000"/>
+              </a:schemeClr>
+            </a:gs>
+            <a:gs pos="50000">
+              <a:schemeClr val="phClr">
+                <a:lumMod val="105000"/>
+                <a:satMod val="103000"/>
+                <a:tint val="73000"/>
+              </a:schemeClr>
+            </a:gs>
+            <a:gs pos="100000">
+              <a:schemeClr val="phClr">
+                <a:lumMod val="105000"/>
+                <a:satMod val="109000"/>
+                <a:tint val="81000"/>
+              </a:schemeClr>
+            </a:gs>
+          </a:gsLst>
+          <a:lin ang="5400000" scaled="0"/>
+        </a:gradFill>
+        <a:gradFill rotWithShape="1">
+          <a:gsLst>
+            <a:gs pos="0">
+              <a:schemeClr val="phClr">
+                <a:satMod val="103000"/>
+                <a:lumMod val="102000"/>
+                <a:tint val="94000"/>
+              </a:schemeClr>
+            </a:gs>
+            <a:gs pos="50000">
+              <a:schemeClr val="phClr">
+                <a:satMod val="110000"/>
+                <a:lumMod val="100000"/>
+                <a:shade val="100000"/>
+              </a:schemeClr>
+            </a:gs>
+            <a:gs pos="100000">
+              <a:schemeClr val="phClr">
+                <a:lumMod val="99000"/>
+                <a:satMod val="120000"/>
+                <a:shade val="78000"/>
+              </a:schemeClr>
+            </a:gs>
+          </a:gsLst>
+          <a:lin ang="5400000" scaled="0"/>
+        </a:gradFill>
+      </a:fillStyleLst>
+      <a:lnStyleLst>
+        <a:ln w="6350" cap="flat" cmpd="sng" algn="ctr">
+          <a:solidFill>
+            <a:schemeClr val="phClr"/>
+          </a:solidFill>
+          <a:prstDash val="solid"/>
+          <a:miter lim="800000"/>
+        </a:ln>
+        <a:ln w="12700" cap="flat" cmpd="sng" algn="ctr">
+          <a:solidFill>
+            <a:schemeClr val="phClr"/>
+          </a:solidFill>
+          <a:prstDash val="solid"/>
+          <a:miter lim="800000"/>
+        </a:ln>
+        <a:ln w="19050" cap="flat" cmpd="sng" algn="ctr">
+          <a:solidFill>
+            <a:schemeClr val="phClr"/>
+          </a:solidFill>
+          <a:prstDash val="solid"/>
+          <a:miter lim="800000"/>
+        </a:ln>
+      </a:lnStyleLst>
+      <a:effectStyleLst>
+        <a:effectStyle>
+          <a:effectLst/>
+        </a:effectStyle>
+        <a:effectStyle>
+          <a:effectLst/>
+        </a:effectStyle>
+        <a:effectStyle>
+          <a:effectLst>
+            <a:outerShdw blurRad="57150" dist="19050" dir="5400000" algn="ctr" rotWithShape="0">
+              <a:srgbClr val="000000">
+                <a:alpha val="63000"/>
+              </a:srgbClr>
+            </a:outerShdw>
+          </a:effectLst>
+        </a:effectStyle>
+      </a:effectStyleLst>
+      <a:bgFillStyleLst>
+        <a:solidFill>
+          <a:schemeClr val="phClr"/>
+        </a:solidFill>
+        <a:solidFill>
+          <a:schemeClr val="phClr">
+            <a:tint val="95000"/>
+            <a:satMod val="170000"/>
+          </a:schemeClr>
+        </a:solidFill>
+        <a:gradFill rotWithShape="1">
+          <a:gsLst>
+            <a:gs pos="0">
+              <a:schemeClr val="phClr">
+                <a:tint val="93000"/>
+                <a:satMod val="150000"/>
+                <a:shade val="98000"/>
+                <a:lumMod val="102000"/>
+              </a:schemeClr>
+            </a:gs>
+            <a:gs pos="50000">
+              <a:schemeClr val="phClr">
+                <a:tint val="98000"/>
+                <a:satMod val="130000"/>
+                <a:shade val="90000"/>
+                <a:lumMod val="103000"/>
+              </a:schemeClr>
+            </a:gs>
+            <a:gs pos="100000">
+              <a:schemeClr val="phClr">
+                <a:shade val="63000"/>
+                <a:satMod val="120000"/>
+              </a:schemeClr>
+            </a:gs>
+          </a:gsLst>
+          <a:lin ang="5400000" scaled="0"/>
+        </a:gradFill>
+      </a:bgFillStyleLst>
+    </a:fmtScheme>
+  </a:themeElements>
+  <a:objectDefaults/>
+  <a:extraClrSchemeLst/>
+  <a:extLst>
+    <a:ext uri="{05A4C25C-085E-4340-85A3-A5531E510DB2}">
+      <thm15:themeFamily xmlns:thm15="http://schemas.microsoft.com/office/thememl/2012/main" name="Office Theme" id="{62F939B6-93AF-4DB8-9C6B-D6C7DFDC589F}" vid="{4A3C46E8-61CC-4603-A589-7422A47A8E4A}"/>
+    </a:ext>
+  </a:extLst>
+</a:theme>
 </file>